--- a/Week1/BESD Week 1.pptx
+++ b/Week1/BESD Week 1.pptx
@@ -131,14 +131,6 @@
     </p:ext>
   </p:extLst>
 </p:presentation>
-</file>
-
-<file path=ppt/revisionInfo.xml><?xml version="1.0" encoding="utf-8"?>
-<p1510:revInfo xmlns:a="http://schemas.openxmlformats.org/drawingml/2006/main" xmlns:r="http://schemas.openxmlformats.org/officeDocument/2006/relationships" xmlns:p1510="http://schemas.microsoft.com/office/powerpoint/2015/10/main">
-  <p1510:revLst>
-    <p1510:client id="{D941CC75-1891-403D-82AF-B9A758403F85}" v="163" dt="2023-03-15T00:57:20.626"/>
-  </p1510:revLst>
-</p1510:revInfo>
 </file>
 
 <file path=ppt/changesInfos/changesInfo1.xml><?xml version="1.0" encoding="utf-8"?>
@@ -1092,6 +1084,30 @@
       </pc:sldMasterChg>
     </pc:docChg>
   </pc:docChgLst>
+  <pc:docChgLst>
+    <pc:chgData name="Charles Kiefriter" userId="a996b49251c4dfd2" providerId="LiveId" clId="{468772DE-8935-4E86-89CF-99D07AEAB8F3}"/>
+    <pc:docChg chg="modSld">
+      <pc:chgData name="Charles Kiefriter" userId="a996b49251c4dfd2" providerId="LiveId" clId="{468772DE-8935-4E86-89CF-99D07AEAB8F3}" dt="2023-11-28T03:17:34.897" v="0" actId="1036"/>
+      <pc:docMkLst>
+        <pc:docMk/>
+      </pc:docMkLst>
+      <pc:sldChg chg="modSp mod">
+        <pc:chgData name="Charles Kiefriter" userId="a996b49251c4dfd2" providerId="LiveId" clId="{468772DE-8935-4E86-89CF-99D07AEAB8F3}" dt="2023-11-28T03:17:34.897" v="0" actId="1036"/>
+        <pc:sldMkLst>
+          <pc:docMk/>
+          <pc:sldMk cId="3194223319" sldId="263"/>
+        </pc:sldMkLst>
+        <pc:spChg chg="mod">
+          <ac:chgData name="Charles Kiefriter" userId="a996b49251c4dfd2" providerId="LiveId" clId="{468772DE-8935-4E86-89CF-99D07AEAB8F3}" dt="2023-11-28T03:17:34.897" v="0" actId="1036"/>
+          <ac:spMkLst>
+            <pc:docMk/>
+            <pc:sldMk cId="3194223319" sldId="263"/>
+            <ac:spMk id="3" creationId="{23DFC7E9-54DD-38D7-0B9B-D34948D68CF9}"/>
+          </ac:spMkLst>
+        </pc:spChg>
+      </pc:sldChg>
+    </pc:docChg>
+  </pc:docChgLst>
 </pc:chgInfo>
 </file>
 
@@ -1242,7 +1258,7 @@
           <a:p>
             <a:fld id="{33D569A9-A222-4DCC-AF28-BB813B4F2ABB}" type="datetimeFigureOut">
               <a:rPr lang="en-US" smtClean="0"/>
-              <a:t>3/14/2023</a:t>
+              <a:t>11/27/2023</a:t>
             </a:fld>
             <a:endParaRPr lang="en-US"/>
           </a:p>
@@ -1530,7 +1546,7 @@
           <a:p>
             <a:fld id="{33D569A9-A222-4DCC-AF28-BB813B4F2ABB}" type="datetimeFigureOut">
               <a:rPr lang="en-US" smtClean="0"/>
-              <a:t>3/14/2023</a:t>
+              <a:t>11/27/2023</a:t>
             </a:fld>
             <a:endParaRPr lang="en-US"/>
           </a:p>
@@ -1728,7 +1744,7 @@
           <a:p>
             <a:fld id="{33D569A9-A222-4DCC-AF28-BB813B4F2ABB}" type="datetimeFigureOut">
               <a:rPr lang="en-US" smtClean="0"/>
-              <a:t>3/14/2023</a:t>
+              <a:t>11/27/2023</a:t>
             </a:fld>
             <a:endParaRPr lang="en-US"/>
           </a:p>
@@ -1936,7 +1952,7 @@
           <a:p>
             <a:fld id="{33D569A9-A222-4DCC-AF28-BB813B4F2ABB}" type="datetimeFigureOut">
               <a:rPr lang="en-US" smtClean="0"/>
-              <a:t>3/14/2023</a:t>
+              <a:t>11/27/2023</a:t>
             </a:fld>
             <a:endParaRPr lang="en-US"/>
           </a:p>
@@ -2134,7 +2150,7 @@
           <a:p>
             <a:fld id="{33D569A9-A222-4DCC-AF28-BB813B4F2ABB}" type="datetimeFigureOut">
               <a:rPr lang="en-US" smtClean="0"/>
-              <a:t>3/14/2023</a:t>
+              <a:t>11/27/2023</a:t>
             </a:fld>
             <a:endParaRPr lang="en-US"/>
           </a:p>
@@ -2409,7 +2425,7 @@
           <a:p>
             <a:fld id="{33D569A9-A222-4DCC-AF28-BB813B4F2ABB}" type="datetimeFigureOut">
               <a:rPr lang="en-US" smtClean="0"/>
-              <a:t>3/14/2023</a:t>
+              <a:t>11/27/2023</a:t>
             </a:fld>
             <a:endParaRPr lang="en-US"/>
           </a:p>
@@ -2674,7 +2690,7 @@
           <a:p>
             <a:fld id="{33D569A9-A222-4DCC-AF28-BB813B4F2ABB}" type="datetimeFigureOut">
               <a:rPr lang="en-US" smtClean="0"/>
-              <a:t>3/14/2023</a:t>
+              <a:t>11/27/2023</a:t>
             </a:fld>
             <a:endParaRPr lang="en-US"/>
           </a:p>
@@ -3086,7 +3102,7 @@
           <a:p>
             <a:fld id="{33D569A9-A222-4DCC-AF28-BB813B4F2ABB}" type="datetimeFigureOut">
               <a:rPr lang="en-US" smtClean="0"/>
-              <a:t>3/14/2023</a:t>
+              <a:t>11/27/2023</a:t>
             </a:fld>
             <a:endParaRPr lang="en-US"/>
           </a:p>
@@ -3227,7 +3243,7 @@
           <a:p>
             <a:fld id="{33D569A9-A222-4DCC-AF28-BB813B4F2ABB}" type="datetimeFigureOut">
               <a:rPr lang="en-US" smtClean="0"/>
-              <a:t>3/14/2023</a:t>
+              <a:t>11/27/2023</a:t>
             </a:fld>
             <a:endParaRPr lang="en-US"/>
           </a:p>
@@ -3340,7 +3356,7 @@
           <a:p>
             <a:fld id="{33D569A9-A222-4DCC-AF28-BB813B4F2ABB}" type="datetimeFigureOut">
               <a:rPr lang="en-US" smtClean="0"/>
-              <a:t>3/14/2023</a:t>
+              <a:t>11/27/2023</a:t>
             </a:fld>
             <a:endParaRPr lang="en-US"/>
           </a:p>
@@ -3686,7 +3702,7 @@
           <a:p>
             <a:fld id="{33D569A9-A222-4DCC-AF28-BB813B4F2ABB}" type="datetimeFigureOut">
               <a:rPr lang="en-US" smtClean="0"/>
-              <a:t>3/14/2023</a:t>
+              <a:t>11/27/2023</a:t>
             </a:fld>
             <a:endParaRPr lang="en-US"/>
           </a:p>
@@ -3927,7 +3943,7 @@
           <a:p>
             <a:fld id="{33D569A9-A222-4DCC-AF28-BB813B4F2ABB}" type="datetimeFigureOut">
               <a:rPr lang="en-US" smtClean="0"/>
-              <a:t>3/14/2023</a:t>
+              <a:t>11/27/2023</a:t>
             </a:fld>
             <a:endParaRPr lang="en-US"/>
           </a:p>
@@ -4359,7 +4375,7 @@
         </p:nvSpPr>
         <p:spPr>
           <a:xfrm>
-            <a:off x="696537" y="87952"/>
+            <a:off x="696537" y="97005"/>
             <a:ext cx="9326104" cy="6724918"/>
           </a:xfrm>
           <a:prstGeom prst="rect">

--- a/Week1/BESD Week 1.pptx
+++ b/Week1/BESD Week 1.pptx
@@ -1085,6 +1085,30 @@
     </pc:docChg>
   </pc:docChgLst>
   <pc:docChgLst>
+    <pc:chgData name="Charles Kiefriter" userId="a996b49251c4dfd2" providerId="LiveId" clId="{36C45CFB-85D3-44D2-83D2-5EECDDCC0E1C}"/>
+    <pc:docChg chg="modSld">
+      <pc:chgData name="Charles Kiefriter" userId="a996b49251c4dfd2" providerId="LiveId" clId="{36C45CFB-85D3-44D2-83D2-5EECDDCC0E1C}" dt="2024-02-08T00:50:51.053" v="7" actId="20577"/>
+      <pc:docMkLst>
+        <pc:docMk/>
+      </pc:docMkLst>
+      <pc:sldChg chg="modSp mod">
+        <pc:chgData name="Charles Kiefriter" userId="a996b49251c4dfd2" providerId="LiveId" clId="{36C45CFB-85D3-44D2-83D2-5EECDDCC0E1C}" dt="2024-02-08T00:50:51.053" v="7" actId="20577"/>
+        <pc:sldMkLst>
+          <pc:docMk/>
+          <pc:sldMk cId="192346319" sldId="268"/>
+        </pc:sldMkLst>
+        <pc:spChg chg="mod">
+          <ac:chgData name="Charles Kiefriter" userId="a996b49251c4dfd2" providerId="LiveId" clId="{36C45CFB-85D3-44D2-83D2-5EECDDCC0E1C}" dt="2024-02-08T00:50:51.053" v="7" actId="20577"/>
+          <ac:spMkLst>
+            <pc:docMk/>
+            <pc:sldMk cId="192346319" sldId="268"/>
+            <ac:spMk id="2" creationId="{2C17FE52-5FCE-93EA-391D-35903F25B335}"/>
+          </ac:spMkLst>
+        </pc:spChg>
+      </pc:sldChg>
+    </pc:docChg>
+  </pc:docChgLst>
+  <pc:docChgLst>
     <pc:chgData name="Charles Kiefriter" userId="a996b49251c4dfd2" providerId="LiveId" clId="{468772DE-8935-4E86-89CF-99D07AEAB8F3}"/>
     <pc:docChg chg="modSld">
       <pc:chgData name="Charles Kiefriter" userId="a996b49251c4dfd2" providerId="LiveId" clId="{468772DE-8935-4E86-89CF-99D07AEAB8F3}" dt="2023-11-28T03:17:34.897" v="0" actId="1036"/>
@@ -1258,7 +1282,7 @@
           <a:p>
             <a:fld id="{33D569A9-A222-4DCC-AF28-BB813B4F2ABB}" type="datetimeFigureOut">
               <a:rPr lang="en-US" smtClean="0"/>
-              <a:t>11/27/2023</a:t>
+              <a:t>2/7/2024</a:t>
             </a:fld>
             <a:endParaRPr lang="en-US"/>
           </a:p>
@@ -1546,7 +1570,7 @@
           <a:p>
             <a:fld id="{33D569A9-A222-4DCC-AF28-BB813B4F2ABB}" type="datetimeFigureOut">
               <a:rPr lang="en-US" smtClean="0"/>
-              <a:t>11/27/2023</a:t>
+              <a:t>2/7/2024</a:t>
             </a:fld>
             <a:endParaRPr lang="en-US"/>
           </a:p>
@@ -1744,7 +1768,7 @@
           <a:p>
             <a:fld id="{33D569A9-A222-4DCC-AF28-BB813B4F2ABB}" type="datetimeFigureOut">
               <a:rPr lang="en-US" smtClean="0"/>
-              <a:t>11/27/2023</a:t>
+              <a:t>2/7/2024</a:t>
             </a:fld>
             <a:endParaRPr lang="en-US"/>
           </a:p>
@@ -1952,7 +1976,7 @@
           <a:p>
             <a:fld id="{33D569A9-A222-4DCC-AF28-BB813B4F2ABB}" type="datetimeFigureOut">
               <a:rPr lang="en-US" smtClean="0"/>
-              <a:t>11/27/2023</a:t>
+              <a:t>2/7/2024</a:t>
             </a:fld>
             <a:endParaRPr lang="en-US"/>
           </a:p>
@@ -2150,7 +2174,7 @@
           <a:p>
             <a:fld id="{33D569A9-A222-4DCC-AF28-BB813B4F2ABB}" type="datetimeFigureOut">
               <a:rPr lang="en-US" smtClean="0"/>
-              <a:t>11/27/2023</a:t>
+              <a:t>2/7/2024</a:t>
             </a:fld>
             <a:endParaRPr lang="en-US"/>
           </a:p>
@@ -2425,7 +2449,7 @@
           <a:p>
             <a:fld id="{33D569A9-A222-4DCC-AF28-BB813B4F2ABB}" type="datetimeFigureOut">
               <a:rPr lang="en-US" smtClean="0"/>
-              <a:t>11/27/2023</a:t>
+              <a:t>2/7/2024</a:t>
             </a:fld>
             <a:endParaRPr lang="en-US"/>
           </a:p>
@@ -2690,7 +2714,7 @@
           <a:p>
             <a:fld id="{33D569A9-A222-4DCC-AF28-BB813B4F2ABB}" type="datetimeFigureOut">
               <a:rPr lang="en-US" smtClean="0"/>
-              <a:t>11/27/2023</a:t>
+              <a:t>2/7/2024</a:t>
             </a:fld>
             <a:endParaRPr lang="en-US"/>
           </a:p>
@@ -3102,7 +3126,7 @@
           <a:p>
             <a:fld id="{33D569A9-A222-4DCC-AF28-BB813B4F2ABB}" type="datetimeFigureOut">
               <a:rPr lang="en-US" smtClean="0"/>
-              <a:t>11/27/2023</a:t>
+              <a:t>2/7/2024</a:t>
             </a:fld>
             <a:endParaRPr lang="en-US"/>
           </a:p>
@@ -3243,7 +3267,7 @@
           <a:p>
             <a:fld id="{33D569A9-A222-4DCC-AF28-BB813B4F2ABB}" type="datetimeFigureOut">
               <a:rPr lang="en-US" smtClean="0"/>
-              <a:t>11/27/2023</a:t>
+              <a:t>2/7/2024</a:t>
             </a:fld>
             <a:endParaRPr lang="en-US"/>
           </a:p>
@@ -3356,7 +3380,7 @@
           <a:p>
             <a:fld id="{33D569A9-A222-4DCC-AF28-BB813B4F2ABB}" type="datetimeFigureOut">
               <a:rPr lang="en-US" smtClean="0"/>
-              <a:t>11/27/2023</a:t>
+              <a:t>2/7/2024</a:t>
             </a:fld>
             <a:endParaRPr lang="en-US"/>
           </a:p>
@@ -3702,7 +3726,7 @@
           <a:p>
             <a:fld id="{33D569A9-A222-4DCC-AF28-BB813B4F2ABB}" type="datetimeFigureOut">
               <a:rPr lang="en-US" smtClean="0"/>
-              <a:t>11/27/2023</a:t>
+              <a:t>2/7/2024</a:t>
             </a:fld>
             <a:endParaRPr lang="en-US"/>
           </a:p>
@@ -3943,7 +3967,7 @@
           <a:p>
             <a:fld id="{33D569A9-A222-4DCC-AF28-BB813B4F2ABB}" type="datetimeFigureOut">
               <a:rPr lang="en-US" smtClean="0"/>
-              <a:t>11/27/2023</a:t>
+              <a:t>2/7/2024</a:t>
             </a:fld>
             <a:endParaRPr lang="en-US"/>
           </a:p>
@@ -5594,6 +5618,16 @@
           <a:p>
             <a:pPr algn="l"/>
             <a:r>
+              <a:rPr lang="en-US" sz="2400" b="1">
+                <a:solidFill>
+                  <a:srgbClr val="00B050"/>
+                </a:solidFill>
+                <a:effectLst/>
+                <a:latin typeface="Open Sans" panose="020B0606030504020204" pitchFamily="34" charset="0"/>
+              </a:rPr>
+              <a:t>TODO -&gt; Java </a:t>
+            </a:r>
+            <a:r>
               <a:rPr lang="en-US" sz="2400" b="1" dirty="0">
                 <a:solidFill>
                   <a:srgbClr val="00B050"/>
@@ -5601,7 +5635,7 @@
                 <a:effectLst/>
                 <a:latin typeface="Open Sans" panose="020B0606030504020204" pitchFamily="34" charset="0"/>
               </a:rPr>
-              <a:t>Java Project Set-up</a:t>
+              <a:t>Project Set-up</a:t>
             </a:r>
           </a:p>
         </p:txBody>

--- a/Week1/BESD Week 1.pptx
+++ b/Week1/BESD Week 1.pptx
@@ -15,15 +15,15 @@
     <p:sldId id="265" r:id="rId9"/>
     <p:sldId id="266" r:id="rId10"/>
     <p:sldId id="267" r:id="rId11"/>
-    <p:sldId id="268" r:id="rId12"/>
-    <p:sldId id="274" r:id="rId13"/>
-    <p:sldId id="275" r:id="rId14"/>
-    <p:sldId id="276" r:id="rId15"/>
-    <p:sldId id="269" r:id="rId16"/>
-    <p:sldId id="270" r:id="rId17"/>
-    <p:sldId id="271" r:id="rId18"/>
-    <p:sldId id="272" r:id="rId19"/>
-    <p:sldId id="273" r:id="rId20"/>
+    <p:sldId id="271" r:id="rId12"/>
+    <p:sldId id="272" r:id="rId13"/>
+    <p:sldId id="268" r:id="rId14"/>
+    <p:sldId id="273" r:id="rId15"/>
+    <p:sldId id="274" r:id="rId16"/>
+    <p:sldId id="275" r:id="rId17"/>
+    <p:sldId id="276" r:id="rId18"/>
+    <p:sldId id="269" r:id="rId19"/>
+    <p:sldId id="270" r:id="rId20"/>
     <p:sldId id="260" r:id="rId21"/>
     <p:sldId id="259" r:id="rId22"/>
     <p:sldId id="277" r:id="rId23"/>
@@ -1132,6 +1132,81 @@
       </pc:sldChg>
     </pc:docChg>
   </pc:docChgLst>
+  <pc:docChgLst>
+    <pc:chgData name="Chuck Kiefriter" userId="a996b49251c4dfd2" providerId="LiveId" clId="{90E4749E-EA57-4B35-8DD8-67BAB7F7C85D}"/>
+    <pc:docChg chg="modSld sldOrd">
+      <pc:chgData name="Chuck Kiefriter" userId="a996b49251c4dfd2" providerId="LiveId" clId="{90E4749E-EA57-4B35-8DD8-67BAB7F7C85D}" dt="2024-08-08T00:41:47.483" v="79" actId="20577"/>
+      <pc:docMkLst>
+        <pc:docMk/>
+      </pc:docMkLst>
+      <pc:sldChg chg="modSp mod">
+        <pc:chgData name="Chuck Kiefriter" userId="a996b49251c4dfd2" providerId="LiveId" clId="{90E4749E-EA57-4B35-8DD8-67BAB7F7C85D}" dt="2024-08-08T00:41:47.483" v="79" actId="20577"/>
+        <pc:sldMkLst>
+          <pc:docMk/>
+          <pc:sldMk cId="4111004944" sldId="267"/>
+        </pc:sldMkLst>
+        <pc:spChg chg="mod">
+          <ac:chgData name="Chuck Kiefriter" userId="a996b49251c4dfd2" providerId="LiveId" clId="{90E4749E-EA57-4B35-8DD8-67BAB7F7C85D}" dt="2024-08-08T00:41:47.483" v="79" actId="20577"/>
+          <ac:spMkLst>
+            <pc:docMk/>
+            <pc:sldMk cId="4111004944" sldId="267"/>
+            <ac:spMk id="4" creationId="{051DC5DB-C58E-56B3-76BF-4596A55B19BC}"/>
+          </ac:spMkLst>
+        </pc:spChg>
+      </pc:sldChg>
+      <pc:sldChg chg="modSp mod ord">
+        <pc:chgData name="Chuck Kiefriter" userId="a996b49251c4dfd2" providerId="LiveId" clId="{90E4749E-EA57-4B35-8DD8-67BAB7F7C85D}" dt="2024-08-07T23:56:35.598" v="78"/>
+        <pc:sldMkLst>
+          <pc:docMk/>
+          <pc:sldMk cId="192346319" sldId="268"/>
+        </pc:sldMkLst>
+        <pc:spChg chg="mod">
+          <ac:chgData name="Chuck Kiefriter" userId="a996b49251c4dfd2" providerId="LiveId" clId="{90E4749E-EA57-4B35-8DD8-67BAB7F7C85D}" dt="2024-08-07T23:44:14.823" v="74" actId="20577"/>
+          <ac:spMkLst>
+            <pc:docMk/>
+            <pc:sldMk cId="192346319" sldId="268"/>
+            <ac:spMk id="3" creationId="{A58D446F-66C1-FA6C-A21C-431C54ABE43D}"/>
+          </ac:spMkLst>
+        </pc:spChg>
+      </pc:sldChg>
+      <pc:sldChg chg="ord">
+        <pc:chgData name="Chuck Kiefriter" userId="a996b49251c4dfd2" providerId="LiveId" clId="{90E4749E-EA57-4B35-8DD8-67BAB7F7C85D}" dt="2024-08-07T23:35:15.350" v="17"/>
+        <pc:sldMkLst>
+          <pc:docMk/>
+          <pc:sldMk cId="373601184" sldId="271"/>
+        </pc:sldMkLst>
+      </pc:sldChg>
+      <pc:sldChg chg="ord">
+        <pc:chgData name="Chuck Kiefriter" userId="a996b49251c4dfd2" providerId="LiveId" clId="{90E4749E-EA57-4B35-8DD8-67BAB7F7C85D}" dt="2024-08-07T23:35:15.350" v="17"/>
+        <pc:sldMkLst>
+          <pc:docMk/>
+          <pc:sldMk cId="323829688" sldId="272"/>
+        </pc:sldMkLst>
+      </pc:sldChg>
+      <pc:sldChg chg="ord">
+        <pc:chgData name="Chuck Kiefriter" userId="a996b49251c4dfd2" providerId="LiveId" clId="{90E4749E-EA57-4B35-8DD8-67BAB7F7C85D}" dt="2024-08-07T23:35:15.350" v="17"/>
+        <pc:sldMkLst>
+          <pc:docMk/>
+          <pc:sldMk cId="3265754167" sldId="273"/>
+        </pc:sldMkLst>
+      </pc:sldChg>
+      <pc:sldChg chg="modSp mod">
+        <pc:chgData name="Chuck Kiefriter" userId="a996b49251c4dfd2" providerId="LiveId" clId="{90E4749E-EA57-4B35-8DD8-67BAB7F7C85D}" dt="2024-08-07T23:35:32.465" v="22" actId="20577"/>
+        <pc:sldMkLst>
+          <pc:docMk/>
+          <pc:sldMk cId="4170465764" sldId="274"/>
+        </pc:sldMkLst>
+        <pc:spChg chg="mod">
+          <ac:chgData name="Chuck Kiefriter" userId="a996b49251c4dfd2" providerId="LiveId" clId="{90E4749E-EA57-4B35-8DD8-67BAB7F7C85D}" dt="2024-08-07T23:35:32.465" v="22" actId="20577"/>
+          <ac:spMkLst>
+            <pc:docMk/>
+            <pc:sldMk cId="4170465764" sldId="274"/>
+            <ac:spMk id="3" creationId="{23DFC7E9-54DD-38D7-0B9B-D34948D68CF9}"/>
+          </ac:spMkLst>
+        </pc:spChg>
+      </pc:sldChg>
+    </pc:docChg>
+  </pc:docChgLst>
 </pc:chgInfo>
 </file>
 
@@ -1282,7 +1357,7 @@
           <a:p>
             <a:fld id="{33D569A9-A222-4DCC-AF28-BB813B4F2ABB}" type="datetimeFigureOut">
               <a:rPr lang="en-US" smtClean="0"/>
-              <a:t>2/7/2024</a:t>
+              <a:t>8/7/2024</a:t>
             </a:fld>
             <a:endParaRPr lang="en-US"/>
           </a:p>
@@ -1570,7 +1645,7 @@
           <a:p>
             <a:fld id="{33D569A9-A222-4DCC-AF28-BB813B4F2ABB}" type="datetimeFigureOut">
               <a:rPr lang="en-US" smtClean="0"/>
-              <a:t>2/7/2024</a:t>
+              <a:t>8/7/2024</a:t>
             </a:fld>
             <a:endParaRPr lang="en-US"/>
           </a:p>
@@ -1768,7 +1843,7 @@
           <a:p>
             <a:fld id="{33D569A9-A222-4DCC-AF28-BB813B4F2ABB}" type="datetimeFigureOut">
               <a:rPr lang="en-US" smtClean="0"/>
-              <a:t>2/7/2024</a:t>
+              <a:t>8/7/2024</a:t>
             </a:fld>
             <a:endParaRPr lang="en-US"/>
           </a:p>
@@ -1976,7 +2051,7 @@
           <a:p>
             <a:fld id="{33D569A9-A222-4DCC-AF28-BB813B4F2ABB}" type="datetimeFigureOut">
               <a:rPr lang="en-US" smtClean="0"/>
-              <a:t>2/7/2024</a:t>
+              <a:t>8/7/2024</a:t>
             </a:fld>
             <a:endParaRPr lang="en-US"/>
           </a:p>
@@ -2174,7 +2249,7 @@
           <a:p>
             <a:fld id="{33D569A9-A222-4DCC-AF28-BB813B4F2ABB}" type="datetimeFigureOut">
               <a:rPr lang="en-US" smtClean="0"/>
-              <a:t>2/7/2024</a:t>
+              <a:t>8/7/2024</a:t>
             </a:fld>
             <a:endParaRPr lang="en-US"/>
           </a:p>
@@ -2449,7 +2524,7 @@
           <a:p>
             <a:fld id="{33D569A9-A222-4DCC-AF28-BB813B4F2ABB}" type="datetimeFigureOut">
               <a:rPr lang="en-US" smtClean="0"/>
-              <a:t>2/7/2024</a:t>
+              <a:t>8/7/2024</a:t>
             </a:fld>
             <a:endParaRPr lang="en-US"/>
           </a:p>
@@ -2714,7 +2789,7 @@
           <a:p>
             <a:fld id="{33D569A9-A222-4DCC-AF28-BB813B4F2ABB}" type="datetimeFigureOut">
               <a:rPr lang="en-US" smtClean="0"/>
-              <a:t>2/7/2024</a:t>
+              <a:t>8/7/2024</a:t>
             </a:fld>
             <a:endParaRPr lang="en-US"/>
           </a:p>
@@ -3126,7 +3201,7 @@
           <a:p>
             <a:fld id="{33D569A9-A222-4DCC-AF28-BB813B4F2ABB}" type="datetimeFigureOut">
               <a:rPr lang="en-US" smtClean="0"/>
-              <a:t>2/7/2024</a:t>
+              <a:t>8/7/2024</a:t>
             </a:fld>
             <a:endParaRPr lang="en-US"/>
           </a:p>
@@ -3267,7 +3342,7 @@
           <a:p>
             <a:fld id="{33D569A9-A222-4DCC-AF28-BB813B4F2ABB}" type="datetimeFigureOut">
               <a:rPr lang="en-US" smtClean="0"/>
-              <a:t>2/7/2024</a:t>
+              <a:t>8/7/2024</a:t>
             </a:fld>
             <a:endParaRPr lang="en-US"/>
           </a:p>
@@ -3380,7 +3455,7 @@
           <a:p>
             <a:fld id="{33D569A9-A222-4DCC-AF28-BB813B4F2ABB}" type="datetimeFigureOut">
               <a:rPr lang="en-US" smtClean="0"/>
-              <a:t>2/7/2024</a:t>
+              <a:t>8/7/2024</a:t>
             </a:fld>
             <a:endParaRPr lang="en-US"/>
           </a:p>
@@ -3726,7 +3801,7 @@
           <a:p>
             <a:fld id="{33D569A9-A222-4DCC-AF28-BB813B4F2ABB}" type="datetimeFigureOut">
               <a:rPr lang="en-US" smtClean="0"/>
-              <a:t>2/7/2024</a:t>
+              <a:t>8/7/2024</a:t>
             </a:fld>
             <a:endParaRPr lang="en-US"/>
           </a:p>
@@ -3967,7 +4042,7 @@
           <a:p>
             <a:fld id="{33D569A9-A222-4DCC-AF28-BB813B4F2ABB}" type="datetimeFigureOut">
               <a:rPr lang="en-US" smtClean="0"/>
-              <a:t>2/7/2024</a:t>
+              <a:t>8/7/2024</a:t>
             </a:fld>
             <a:endParaRPr lang="en-US"/>
           </a:p>
@@ -4922,7 +4997,7 @@
         <p:spPr>
           <a:xfrm>
             <a:off x="100972" y="716507"/>
-            <a:ext cx="11767894" cy="6109365"/>
+            <a:ext cx="11767894" cy="5847755"/>
           </a:xfrm>
           <a:prstGeom prst="rect">
             <a:avLst/>
@@ -5021,7 +5096,7 @@
                 <a:effectLst/>
                 <a:latin typeface="Open Sans" panose="020B0606030504020204" pitchFamily="34" charset="0"/>
               </a:rPr>
-              <a:t> versions of the language.  The videos here speak of installing Java 8 (v1.8).  Since Java 8 was released, there have only been two additional LTS releases of Java, including Java 11, and Java 17.  At this point, you are welcome to install any of these LTS releases.    </a:t>
+              <a:t> versions of the language.  The most relevant version are Java 17 and Java 21.  At this point, you are welcome to install any of these LTS releases.    </a:t>
             </a:r>
             <a:br>
               <a:rPr lang="en-US" sz="1700" dirty="0">
@@ -5428,6 +5503,719 @@
 </file>
 
 <file path=ppt/slides/slide11.xml><?xml version="1.0" encoding="utf-8"?>
+<p:sld xmlns:a="http://schemas.openxmlformats.org/drawingml/2006/main" xmlns:r="http://schemas.openxmlformats.org/officeDocument/2006/relationships" xmlns:p="http://schemas.openxmlformats.org/presentationml/2006/main">
+  <p:cSld>
+    <p:spTree>
+      <p:nvGrpSpPr>
+        <p:cNvPr id="1" name=""/>
+        <p:cNvGrpSpPr/>
+        <p:nvPr/>
+      </p:nvGrpSpPr>
+      <p:grpSpPr>
+        <a:xfrm>
+          <a:off x="0" y="0"/>
+          <a:ext cx="0" cy="0"/>
+          <a:chOff x="0" y="0"/>
+          <a:chExt cx="0" cy="0"/>
+        </a:xfrm>
+      </p:grpSpPr>
+      <p:sp>
+        <p:nvSpPr>
+          <p:cNvPr id="3" name="TextBox 2">
+            <a:extLst>
+              <a:ext uri="{FF2B5EF4-FFF2-40B4-BE49-F238E27FC236}">
+                <a16:creationId xmlns:a16="http://schemas.microsoft.com/office/drawing/2014/main" id="{23DFC7E9-54DD-38D7-0B9B-D34948D68CF9}"/>
+              </a:ext>
+            </a:extLst>
+          </p:cNvPr>
+          <p:cNvSpPr txBox="1"/>
+          <p:nvPr/>
+        </p:nvSpPr>
+        <p:spPr>
+          <a:xfrm>
+            <a:off x="1894669" y="2745699"/>
+            <a:ext cx="9326104" cy="1754326"/>
+          </a:xfrm>
+          <a:prstGeom prst="rect">
+            <a:avLst/>
+          </a:prstGeom>
+          <a:noFill/>
+        </p:spPr>
+        <p:txBody>
+          <a:bodyPr wrap="square">
+            <a:spAutoFit/>
+          </a:bodyPr>
+          <a:lstStyle/>
+          <a:p>
+            <a:pPr marL="0" marR="0" lvl="0" indent="0" algn="l" defTabSz="914400" rtl="0" eaLnBrk="1" fontAlgn="auto" latinLnBrk="0" hangingPunct="1">
+              <a:lnSpc>
+                <a:spcPct val="100000"/>
+              </a:lnSpc>
+              <a:spcBef>
+                <a:spcPts val="0"/>
+              </a:spcBef>
+              <a:spcAft>
+                <a:spcPts val="0"/>
+              </a:spcAft>
+              <a:buClrTx/>
+              <a:buSzTx/>
+              <a:buFontTx/>
+              <a:buNone/>
+              <a:tabLst/>
+              <a:defRPr/>
+            </a:pPr>
+            <a:r>
+              <a:rPr kumimoji="0" lang="en-US" sz="6000" b="0" i="0" u="none" strike="noStrike" kern="1200" cap="none" spc="0" normalizeH="0" baseline="0" noProof="0" dirty="0">
+                <a:ln>
+                  <a:noFill/>
+                </a:ln>
+                <a:solidFill>
+                  <a:prstClr val="white">
+                    <a:lumMod val="75000"/>
+                  </a:prstClr>
+                </a:solidFill>
+                <a:effectLst/>
+                <a:uLnTx/>
+                <a:uFillTx/>
+                <a:latin typeface="Open Sans" panose="020B0606030504020204" pitchFamily="34" charset="0"/>
+                <a:ea typeface="+mn-ea"/>
+                <a:cs typeface="+mn-cs"/>
+              </a:rPr>
+              <a:t>Source Control</a:t>
+            </a:r>
+          </a:p>
+          <a:p>
+            <a:pPr marL="0" marR="0" lvl="0" indent="0" algn="l" defTabSz="914400" rtl="0" eaLnBrk="1" fontAlgn="auto" latinLnBrk="0" hangingPunct="1">
+              <a:lnSpc>
+                <a:spcPct val="100000"/>
+              </a:lnSpc>
+              <a:spcBef>
+                <a:spcPts val="0"/>
+              </a:spcBef>
+              <a:spcAft>
+                <a:spcPts val="0"/>
+              </a:spcAft>
+              <a:buClrTx/>
+              <a:buSzTx/>
+              <a:buFontTx/>
+              <a:buNone/>
+              <a:tabLst/>
+              <a:defRPr/>
+            </a:pPr>
+            <a:r>
+              <a:rPr lang="en-US" sz="4800" i="1" dirty="0">
+                <a:solidFill>
+                  <a:prstClr val="white">
+                    <a:lumMod val="75000"/>
+                  </a:prstClr>
+                </a:solidFill>
+                <a:latin typeface="Open Sans" panose="020B0606030504020204" pitchFamily="34" charset="0"/>
+              </a:rPr>
+              <a:t>Git and GitHub</a:t>
+            </a:r>
+            <a:endParaRPr kumimoji="0" lang="en-US" sz="6000" b="0" i="1" u="none" strike="noStrike" kern="1200" cap="none" spc="0" normalizeH="0" baseline="0" noProof="0" dirty="0">
+              <a:ln>
+                <a:noFill/>
+              </a:ln>
+              <a:solidFill>
+                <a:prstClr val="white">
+                  <a:lumMod val="75000"/>
+                </a:prstClr>
+              </a:solidFill>
+              <a:effectLst/>
+              <a:uLnTx/>
+              <a:uFillTx/>
+              <a:latin typeface="Open Sans" panose="020B0606030504020204" pitchFamily="34" charset="0"/>
+              <a:ea typeface="+mn-ea"/>
+              <a:cs typeface="+mn-cs"/>
+            </a:endParaRPr>
+          </a:p>
+        </p:txBody>
+      </p:sp>
+    </p:spTree>
+    <p:extLst>
+      <p:ext uri="{BB962C8B-B14F-4D97-AF65-F5344CB8AC3E}">
+        <p14:creationId xmlns:p14="http://schemas.microsoft.com/office/powerpoint/2010/main" val="373601184"/>
+      </p:ext>
+    </p:extLst>
+  </p:cSld>
+  <p:clrMapOvr>
+    <a:masterClrMapping/>
+  </p:clrMapOvr>
+</p:sld>
+</file>
+
+<file path=ppt/slides/slide12.xml><?xml version="1.0" encoding="utf-8"?>
+<p:sld xmlns:a="http://schemas.openxmlformats.org/drawingml/2006/main" xmlns:r="http://schemas.openxmlformats.org/officeDocument/2006/relationships" xmlns:p="http://schemas.openxmlformats.org/presentationml/2006/main">
+  <p:cSld>
+    <p:spTree>
+      <p:nvGrpSpPr>
+        <p:cNvPr id="1" name=""/>
+        <p:cNvGrpSpPr/>
+        <p:nvPr/>
+      </p:nvGrpSpPr>
+      <p:grpSpPr>
+        <a:xfrm>
+          <a:off x="0" y="0"/>
+          <a:ext cx="0" cy="0"/>
+          <a:chOff x="0" y="0"/>
+          <a:chExt cx="0" cy="0"/>
+        </a:xfrm>
+      </p:grpSpPr>
+      <p:sp>
+        <p:nvSpPr>
+          <p:cNvPr id="6" name="TextBox 5">
+            <a:extLst>
+              <a:ext uri="{FF2B5EF4-FFF2-40B4-BE49-F238E27FC236}">
+                <a16:creationId xmlns:a16="http://schemas.microsoft.com/office/drawing/2014/main" id="{59E906CD-110B-9D01-732C-2F21759B0265}"/>
+              </a:ext>
+            </a:extLst>
+          </p:cNvPr>
+          <p:cNvSpPr txBox="1"/>
+          <p:nvPr/>
+        </p:nvSpPr>
+        <p:spPr>
+          <a:xfrm>
+            <a:off x="341603" y="256791"/>
+            <a:ext cx="11449344" cy="461665"/>
+          </a:xfrm>
+          <a:prstGeom prst="rect">
+            <a:avLst/>
+          </a:prstGeom>
+          <a:noFill/>
+        </p:spPr>
+        <p:txBody>
+          <a:bodyPr wrap="square">
+            <a:spAutoFit/>
+          </a:bodyPr>
+          <a:lstStyle/>
+          <a:p>
+            <a:pPr algn="l"/>
+            <a:r>
+              <a:rPr lang="en-US" sz="2400" b="1" dirty="0">
+                <a:solidFill>
+                  <a:srgbClr val="00B050"/>
+                </a:solidFill>
+                <a:effectLst/>
+                <a:latin typeface="Open Sans" panose="020B0606030504020204" pitchFamily="34" charset="0"/>
+              </a:rPr>
+              <a:t>Git and GitHub</a:t>
+            </a:r>
+          </a:p>
+        </p:txBody>
+      </p:sp>
+      <p:sp>
+        <p:nvSpPr>
+          <p:cNvPr id="3" name="TextBox 2">
+            <a:extLst>
+              <a:ext uri="{FF2B5EF4-FFF2-40B4-BE49-F238E27FC236}">
+                <a16:creationId xmlns:a16="http://schemas.microsoft.com/office/drawing/2014/main" id="{18C8971B-4F18-19E0-01D3-697860030BC7}"/>
+              </a:ext>
+            </a:extLst>
+          </p:cNvPr>
+          <p:cNvSpPr txBox="1"/>
+          <p:nvPr/>
+        </p:nvSpPr>
+        <p:spPr>
+          <a:xfrm>
+            <a:off x="187922" y="797017"/>
+            <a:ext cx="11726779" cy="5632311"/>
+          </a:xfrm>
+          <a:prstGeom prst="rect">
+            <a:avLst/>
+          </a:prstGeom>
+          <a:noFill/>
+        </p:spPr>
+        <p:txBody>
+          <a:bodyPr wrap="square">
+            <a:spAutoFit/>
+          </a:bodyPr>
+          <a:lstStyle/>
+          <a:p>
+            <a:pPr marL="285750" indent="-285750" algn="l" rtl="0">
+              <a:buFont typeface="Arial" panose="020B0604020202020204" pitchFamily="34" charset="0"/>
+              <a:buChar char="•"/>
+            </a:pPr>
+            <a:r>
+              <a:rPr lang="en-US" b="1" i="0" dirty="0">
+                <a:solidFill>
+                  <a:schemeClr val="tx1">
+                    <a:lumMod val="85000"/>
+                  </a:schemeClr>
+                </a:solidFill>
+                <a:effectLst/>
+                <a:latin typeface="Open Sans" panose="020B0606030504020204" pitchFamily="34" charset="0"/>
+              </a:rPr>
+              <a:t>git</a:t>
+            </a:r>
+            <a:r>
+              <a:rPr lang="en-US" b="0" i="0" dirty="0">
+                <a:solidFill>
+                  <a:schemeClr val="tx1">
+                    <a:lumMod val="85000"/>
+                  </a:schemeClr>
+                </a:solidFill>
+                <a:effectLst/>
+                <a:latin typeface="Open Sans" panose="020B0606030504020204" pitchFamily="34" charset="0"/>
+              </a:rPr>
+              <a:t> is a "</a:t>
+            </a:r>
+            <a:r>
+              <a:rPr lang="en-US" b="0" i="0" dirty="0">
+                <a:solidFill>
+                  <a:srgbClr val="00B0F0"/>
+                </a:solidFill>
+                <a:effectLst/>
+                <a:latin typeface="Open Sans" panose="020B0606030504020204" pitchFamily="34" charset="0"/>
+              </a:rPr>
+              <a:t>distributed version control system </a:t>
+            </a:r>
+            <a:r>
+              <a:rPr lang="en-US" b="0" i="0" dirty="0">
+                <a:solidFill>
+                  <a:schemeClr val="tx1">
+                    <a:lumMod val="85000"/>
+                  </a:schemeClr>
+                </a:solidFill>
+                <a:effectLst/>
+                <a:latin typeface="Open Sans" panose="020B0606030504020204" pitchFamily="34" charset="0"/>
+              </a:rPr>
+              <a:t>designed to handle everything from small to very large projects with speed and efficiency".</a:t>
+            </a:r>
+            <a:r>
+              <a:rPr lang="en-US" b="0" i="1" dirty="0">
+                <a:solidFill>
+                  <a:schemeClr val="tx1">
+                    <a:lumMod val="85000"/>
+                  </a:schemeClr>
+                </a:solidFill>
+                <a:effectLst/>
+                <a:latin typeface="Open Sans" panose="020B0606030504020204" pitchFamily="34" charset="0"/>
+              </a:rPr>
+              <a:t> (git, Retrieved on 10/5/2022 from </a:t>
+            </a:r>
+            <a:r>
+              <a:rPr lang="en-US" b="0" i="1" dirty="0">
+                <a:solidFill>
+                  <a:schemeClr val="tx1">
+                    <a:lumMod val="85000"/>
+                  </a:schemeClr>
+                </a:solidFill>
+                <a:effectLst/>
+                <a:latin typeface="Open Sans" panose="020B0606030504020204" pitchFamily="34" charset="0"/>
+                <a:hlinkClick r:id="rId2"/>
+              </a:rPr>
+              <a:t>https://git-scm.com</a:t>
+            </a:r>
+            <a:r>
+              <a:rPr lang="en-US" b="0" i="1" dirty="0">
+                <a:solidFill>
+                  <a:schemeClr val="tx1">
+                    <a:lumMod val="85000"/>
+                  </a:schemeClr>
+                </a:solidFill>
+                <a:effectLst/>
+                <a:latin typeface="Open Sans" panose="020B0606030504020204" pitchFamily="34" charset="0"/>
+              </a:rPr>
+              <a:t>). </a:t>
+            </a:r>
+            <a:endParaRPr lang="en-US" b="0" i="0" dirty="0">
+              <a:solidFill>
+                <a:schemeClr val="tx1">
+                  <a:lumMod val="85000"/>
+                </a:schemeClr>
+              </a:solidFill>
+              <a:effectLst/>
+              <a:latin typeface="Open Sans" panose="020B0606030504020204" pitchFamily="34" charset="0"/>
+            </a:endParaRPr>
+          </a:p>
+          <a:p>
+            <a:pPr marL="285750" indent="-285750" algn="l" rtl="0">
+              <a:buFont typeface="Arial" panose="020B0604020202020204" pitchFamily="34" charset="0"/>
+              <a:buChar char="•"/>
+            </a:pPr>
+            <a:endParaRPr lang="en-US" b="1" i="0" dirty="0">
+              <a:solidFill>
+                <a:schemeClr val="tx1">
+                  <a:lumMod val="85000"/>
+                </a:schemeClr>
+              </a:solidFill>
+              <a:effectLst/>
+              <a:latin typeface="Open Sans" panose="020B0606030504020204" pitchFamily="34" charset="0"/>
+            </a:endParaRPr>
+          </a:p>
+          <a:p>
+            <a:pPr marL="285750" indent="-285750" algn="l" rtl="0">
+              <a:buFont typeface="Arial" panose="020B0604020202020204" pitchFamily="34" charset="0"/>
+              <a:buChar char="•"/>
+            </a:pPr>
+            <a:r>
+              <a:rPr lang="en-US" b="1" i="0" dirty="0">
+                <a:solidFill>
+                  <a:schemeClr val="tx1">
+                    <a:lumMod val="85000"/>
+                  </a:schemeClr>
+                </a:solidFill>
+                <a:effectLst/>
+                <a:latin typeface="Open Sans" panose="020B0606030504020204" pitchFamily="34" charset="0"/>
+              </a:rPr>
+              <a:t>git</a:t>
+            </a:r>
+            <a:r>
+              <a:rPr lang="en-US" b="0" i="0" dirty="0">
+                <a:solidFill>
+                  <a:schemeClr val="tx1">
+                    <a:lumMod val="85000"/>
+                  </a:schemeClr>
+                </a:solidFill>
+                <a:effectLst/>
+                <a:latin typeface="Open Sans" panose="020B0606030504020204" pitchFamily="34" charset="0"/>
+              </a:rPr>
+              <a:t> is used in many software development environments, and provides a number of benefits for any software developer.  It provides a backup of code that you are writing on your local system.  In addition, when working on a project with a team, it provides a way to ensure everyone has the same, up-to-date code. </a:t>
+            </a:r>
+          </a:p>
+          <a:p>
+            <a:pPr marL="285750" indent="-285750" algn="l" rtl="0">
+              <a:buFont typeface="Arial" panose="020B0604020202020204" pitchFamily="34" charset="0"/>
+              <a:buChar char="•"/>
+            </a:pPr>
+            <a:endParaRPr lang="en-US" b="1" i="0" dirty="0">
+              <a:solidFill>
+                <a:schemeClr val="tx1">
+                  <a:lumMod val="85000"/>
+                </a:schemeClr>
+              </a:solidFill>
+              <a:effectLst/>
+              <a:latin typeface="Open Sans" panose="020B0606030504020204" pitchFamily="34" charset="0"/>
+            </a:endParaRPr>
+          </a:p>
+          <a:p>
+            <a:pPr marL="285750" indent="-285750" algn="l" rtl="0">
+              <a:buFont typeface="Arial" panose="020B0604020202020204" pitchFamily="34" charset="0"/>
+              <a:buChar char="•"/>
+            </a:pPr>
+            <a:r>
+              <a:rPr lang="en-US" b="1" i="0" dirty="0">
+                <a:solidFill>
+                  <a:schemeClr val="tx1">
+                    <a:lumMod val="85000"/>
+                  </a:schemeClr>
+                </a:solidFill>
+                <a:effectLst/>
+                <a:latin typeface="Open Sans" panose="020B0606030504020204" pitchFamily="34" charset="0"/>
+              </a:rPr>
+              <a:t>git</a:t>
+            </a:r>
+            <a:r>
+              <a:rPr lang="en-US" b="0" i="0" dirty="0">
+                <a:solidFill>
+                  <a:schemeClr val="tx1">
+                    <a:lumMod val="85000"/>
+                  </a:schemeClr>
+                </a:solidFill>
+                <a:effectLst/>
+                <a:latin typeface="Open Sans" panose="020B0606030504020204" pitchFamily="34" charset="0"/>
+              </a:rPr>
+              <a:t> is a </a:t>
+            </a:r>
+            <a:r>
+              <a:rPr lang="en-US" b="0" i="0" dirty="0">
+                <a:solidFill>
+                  <a:srgbClr val="00B0F0"/>
+                </a:solidFill>
+                <a:effectLst/>
+                <a:latin typeface="Open Sans" panose="020B0606030504020204" pitchFamily="34" charset="0"/>
+              </a:rPr>
+              <a:t>Source Control tool used to enable teams to collaborate on projects </a:t>
+            </a:r>
+            <a:r>
+              <a:rPr lang="en-US" b="0" i="0" dirty="0">
+                <a:solidFill>
+                  <a:schemeClr val="tx1">
+                    <a:lumMod val="85000"/>
+                  </a:schemeClr>
+                </a:solidFill>
+                <a:effectLst/>
+                <a:latin typeface="Open Sans" panose="020B0606030504020204" pitchFamily="34" charset="0"/>
+              </a:rPr>
+              <a:t>at the same time. If users make changes to the same file that would overwrite one another, </a:t>
+            </a:r>
+            <a:r>
+              <a:rPr lang="en-US" b="1" i="0" dirty="0">
+                <a:solidFill>
+                  <a:schemeClr val="tx1">
+                    <a:lumMod val="85000"/>
+                  </a:schemeClr>
+                </a:solidFill>
+                <a:effectLst/>
+                <a:latin typeface="Open Sans" panose="020B0606030504020204" pitchFamily="34" charset="0"/>
+              </a:rPr>
+              <a:t>git</a:t>
+            </a:r>
+            <a:r>
+              <a:rPr lang="en-US" b="0" i="0" dirty="0">
+                <a:solidFill>
+                  <a:schemeClr val="tx1">
+                    <a:lumMod val="85000"/>
+                  </a:schemeClr>
+                </a:solidFill>
+                <a:effectLst/>
+                <a:latin typeface="Open Sans" panose="020B0606030504020204" pitchFamily="34" charset="0"/>
+              </a:rPr>
+              <a:t> provides merge conflict messages that enable users to manually adjust the multiple changes so that no one's code is overwritten. </a:t>
+            </a:r>
+            <a:r>
+              <a:rPr lang="en-US" b="1" i="0" dirty="0">
+                <a:solidFill>
+                  <a:schemeClr val="tx1">
+                    <a:lumMod val="85000"/>
+                  </a:schemeClr>
+                </a:solidFill>
+                <a:effectLst/>
+                <a:latin typeface="Open Sans" panose="020B0606030504020204" pitchFamily="34" charset="0"/>
+              </a:rPr>
+              <a:t>git</a:t>
+            </a:r>
+            <a:r>
+              <a:rPr lang="en-US" b="0" i="0" dirty="0">
+                <a:solidFill>
+                  <a:schemeClr val="tx1">
+                    <a:lumMod val="85000"/>
+                  </a:schemeClr>
+                </a:solidFill>
+                <a:effectLst/>
+                <a:latin typeface="Open Sans" panose="020B0606030504020204" pitchFamily="34" charset="0"/>
+              </a:rPr>
+              <a:t> also keeps track of all the changes made to a project by using save-points called commits. </a:t>
+            </a:r>
+          </a:p>
+          <a:p>
+            <a:pPr algn="l" rtl="0"/>
+            <a:br>
+              <a:rPr lang="en-US" b="0" i="0" dirty="0">
+                <a:solidFill>
+                  <a:schemeClr val="tx1">
+                    <a:lumMod val="85000"/>
+                  </a:schemeClr>
+                </a:solidFill>
+                <a:effectLst/>
+                <a:latin typeface="Open Sans" panose="020B0606030504020204" pitchFamily="34" charset="0"/>
+              </a:rPr>
+            </a:br>
+            <a:endParaRPr lang="en-US" b="0" i="0" dirty="0">
+              <a:solidFill>
+                <a:schemeClr val="tx1">
+                  <a:lumMod val="85000"/>
+                </a:schemeClr>
+              </a:solidFill>
+              <a:effectLst/>
+              <a:latin typeface="Open Sans" panose="020B0606030504020204" pitchFamily="34" charset="0"/>
+            </a:endParaRPr>
+          </a:p>
+          <a:p>
+            <a:pPr marL="285750" indent="-285750" algn="l" rtl="0">
+              <a:buFont typeface="Arial" panose="020B0604020202020204" pitchFamily="34" charset="0"/>
+              <a:buChar char="•"/>
+            </a:pPr>
+            <a:endParaRPr lang="en-US" b="1" dirty="0">
+              <a:solidFill>
+                <a:schemeClr val="tx1">
+                  <a:lumMod val="85000"/>
+                </a:schemeClr>
+              </a:solidFill>
+              <a:latin typeface="Open Sans" panose="020B0606030504020204" pitchFamily="34" charset="0"/>
+            </a:endParaRPr>
+          </a:p>
+          <a:p>
+            <a:pPr marL="285750" indent="-285750" algn="l" rtl="0">
+              <a:buFont typeface="Arial" panose="020B0604020202020204" pitchFamily="34" charset="0"/>
+              <a:buChar char="•"/>
+            </a:pPr>
+            <a:r>
+              <a:rPr lang="en-US" b="1" i="0" dirty="0">
+                <a:solidFill>
+                  <a:schemeClr val="tx1">
+                    <a:lumMod val="85000"/>
+                  </a:schemeClr>
+                </a:solidFill>
+                <a:effectLst/>
+                <a:latin typeface="Open Sans" panose="020B0606030504020204" pitchFamily="34" charset="0"/>
+              </a:rPr>
+              <a:t>GitHub</a:t>
+            </a:r>
+            <a:r>
+              <a:rPr lang="en-US" b="0" i="0" dirty="0">
+                <a:solidFill>
+                  <a:schemeClr val="tx1">
+                    <a:lumMod val="85000"/>
+                  </a:schemeClr>
+                </a:solidFill>
+                <a:effectLst/>
+                <a:latin typeface="Open Sans" panose="020B0606030504020204" pitchFamily="34" charset="0"/>
+              </a:rPr>
+              <a:t> is a web-based git </a:t>
+            </a:r>
+            <a:r>
+              <a:rPr lang="en-US" b="1" i="0" dirty="0">
+                <a:solidFill>
+                  <a:schemeClr val="tx1">
+                    <a:lumMod val="85000"/>
+                  </a:schemeClr>
+                </a:solidFill>
+                <a:effectLst/>
+                <a:latin typeface="Open Sans" panose="020B0606030504020204" pitchFamily="34" charset="0"/>
+              </a:rPr>
+              <a:t>GUI</a:t>
+            </a:r>
+            <a:r>
+              <a:rPr lang="en-US" b="0" i="0" dirty="0">
+                <a:solidFill>
+                  <a:schemeClr val="tx1">
+                    <a:lumMod val="85000"/>
+                  </a:schemeClr>
+                </a:solidFill>
+                <a:effectLst/>
+                <a:latin typeface="Open Sans" panose="020B0606030504020204" pitchFamily="34" charset="0"/>
+              </a:rPr>
+              <a:t> that enables us to visually manage our repositories and push our code to the cloud (</a:t>
+            </a:r>
+            <a:r>
+              <a:rPr lang="en-US" b="1" i="0" dirty="0">
+                <a:solidFill>
+                  <a:schemeClr val="tx1">
+                    <a:lumMod val="85000"/>
+                  </a:schemeClr>
+                </a:solidFill>
+                <a:effectLst/>
+                <a:latin typeface="Open Sans" panose="020B0606030504020204" pitchFamily="34" charset="0"/>
+              </a:rPr>
+              <a:t>GitHub</a:t>
+            </a:r>
+            <a:r>
+              <a:rPr lang="en-US" b="0" i="0" dirty="0">
+                <a:solidFill>
+                  <a:schemeClr val="tx1">
+                    <a:lumMod val="85000"/>
+                  </a:schemeClr>
+                </a:solidFill>
+                <a:effectLst/>
+                <a:latin typeface="Open Sans" panose="020B0606030504020204" pitchFamily="34" charset="0"/>
+              </a:rPr>
+              <a:t> servers). </a:t>
+            </a:r>
+          </a:p>
+          <a:p>
+            <a:pPr algn="l" rtl="0"/>
+            <a:endParaRPr lang="en-US" dirty="0">
+              <a:solidFill>
+                <a:schemeClr val="tx1">
+                  <a:lumMod val="85000"/>
+                </a:schemeClr>
+              </a:solidFill>
+              <a:latin typeface="Open Sans" panose="020B0606030504020204" pitchFamily="34" charset="0"/>
+            </a:endParaRPr>
+          </a:p>
+          <a:p>
+            <a:pPr algn="l" rtl="0"/>
+            <a:endParaRPr lang="en-US" b="0" i="0" dirty="0">
+              <a:solidFill>
+                <a:schemeClr val="tx1">
+                  <a:lumMod val="85000"/>
+                </a:schemeClr>
+              </a:solidFill>
+              <a:effectLst/>
+              <a:latin typeface="Open Sans" panose="020B0606030504020204" pitchFamily="34" charset="0"/>
+            </a:endParaRPr>
+          </a:p>
+          <a:p>
+            <a:pPr algn="l" rtl="0"/>
+            <a:r>
+              <a:rPr lang="en-US" dirty="0">
+                <a:solidFill>
+                  <a:schemeClr val="tx1">
+                    <a:lumMod val="85000"/>
+                  </a:schemeClr>
+                </a:solidFill>
+                <a:latin typeface="Open Sans" panose="020B0606030504020204" pitchFamily="34" charset="0"/>
+                <a:hlinkClick r:id="rId3"/>
+              </a:rPr>
+              <a:t>Content Link in LMS</a:t>
+            </a:r>
+            <a:endParaRPr lang="en-US" b="0" i="0" dirty="0">
+              <a:solidFill>
+                <a:schemeClr val="tx1">
+                  <a:lumMod val="85000"/>
+                </a:schemeClr>
+              </a:solidFill>
+              <a:effectLst/>
+              <a:latin typeface="Open Sans" panose="020B0606030504020204" pitchFamily="34" charset="0"/>
+            </a:endParaRPr>
+          </a:p>
+        </p:txBody>
+      </p:sp>
+      <p:sp>
+        <p:nvSpPr>
+          <p:cNvPr id="4" name="TextBox 3">
+            <a:extLst>
+              <a:ext uri="{FF2B5EF4-FFF2-40B4-BE49-F238E27FC236}">
+                <a16:creationId xmlns:a16="http://schemas.microsoft.com/office/drawing/2014/main" id="{72611DA7-AE29-00A1-7AE2-4A353A359FBB}"/>
+              </a:ext>
+            </a:extLst>
+          </p:cNvPr>
+          <p:cNvSpPr txBox="1"/>
+          <p:nvPr/>
+        </p:nvSpPr>
+        <p:spPr>
+          <a:xfrm>
+            <a:off x="5696345" y="5861558"/>
+            <a:ext cx="6094602" cy="646331"/>
+          </a:xfrm>
+          <a:prstGeom prst="rect">
+            <a:avLst/>
+          </a:prstGeom>
+          <a:noFill/>
+        </p:spPr>
+        <p:txBody>
+          <a:bodyPr wrap="square">
+            <a:spAutoFit/>
+          </a:bodyPr>
+          <a:lstStyle/>
+          <a:p>
+            <a:pPr marL="342900" indent="-342900">
+              <a:buFont typeface="Arial" panose="020B0604020202020204" pitchFamily="34" charset="0"/>
+              <a:buChar char="•"/>
+            </a:pPr>
+            <a:r>
+              <a:rPr lang="en-US" sz="1800" dirty="0"/>
+              <a:t>Free Book on Git</a:t>
+            </a:r>
+            <a:br>
+              <a:rPr lang="en-US" sz="1800" dirty="0"/>
+            </a:br>
+            <a:r>
+              <a:rPr lang="en-US" sz="1800" dirty="0">
+                <a:hlinkClick r:id="rId4"/>
+              </a:rPr>
+              <a:t>https://git-scm.com/book/en/v2</a:t>
+            </a:r>
+            <a:endParaRPr lang="en-US" sz="1800" dirty="0"/>
+          </a:p>
+        </p:txBody>
+      </p:sp>
+    </p:spTree>
+    <p:extLst>
+      <p:ext uri="{BB962C8B-B14F-4D97-AF65-F5344CB8AC3E}">
+        <p14:creationId xmlns:p14="http://schemas.microsoft.com/office/powerpoint/2010/main" val="323829688"/>
+      </p:ext>
+    </p:extLst>
+  </p:cSld>
+  <p:clrMapOvr>
+    <a:masterClrMapping/>
+  </p:clrMapOvr>
+</p:sld>
+</file>
+
+<file path=ppt/slides/slide13.xml><?xml version="1.0" encoding="utf-8"?>
 <p:sld xmlns:a="http://schemas.openxmlformats.org/drawingml/2006/main" xmlns:r="http://schemas.openxmlformats.org/officeDocument/2006/relationships" xmlns:p="http://schemas.openxmlformats.org/presentationml/2006/main">
   <p:cSld>
     <p:spTree>
@@ -5689,7 +6477,7 @@
                 <a:effectLst/>
                 <a:latin typeface="Open Sans" panose="020B0606030504020204" pitchFamily="34" charset="0"/>
               </a:rPr>
-              <a:t>Java Project</a:t>
+              <a:t>Java Project (+git)</a:t>
             </a:r>
           </a:p>
           <a:p>
@@ -5843,7 +6631,235 @@
 </p:sld>
 </file>
 
-<file path=ppt/slides/slide12.xml><?xml version="1.0" encoding="utf-8"?>
+<file path=ppt/slides/slide14.xml><?xml version="1.0" encoding="utf-8"?>
+<p:sld xmlns:a="http://schemas.openxmlformats.org/drawingml/2006/main" xmlns:r="http://schemas.openxmlformats.org/officeDocument/2006/relationships" xmlns:p="http://schemas.openxmlformats.org/presentationml/2006/main">
+  <p:cSld>
+    <p:spTree>
+      <p:nvGrpSpPr>
+        <p:cNvPr id="1" name=""/>
+        <p:cNvGrpSpPr/>
+        <p:nvPr/>
+      </p:nvGrpSpPr>
+      <p:grpSpPr>
+        <a:xfrm>
+          <a:off x="0" y="0"/>
+          <a:ext cx="0" cy="0"/>
+          <a:chOff x="0" y="0"/>
+          <a:chExt cx="0" cy="0"/>
+        </a:xfrm>
+      </p:grpSpPr>
+      <p:sp>
+        <p:nvSpPr>
+          <p:cNvPr id="6" name="TextBox 5">
+            <a:extLst>
+              <a:ext uri="{FF2B5EF4-FFF2-40B4-BE49-F238E27FC236}">
+                <a16:creationId xmlns:a16="http://schemas.microsoft.com/office/drawing/2014/main" id="{59E906CD-110B-9D01-732C-2F21759B0265}"/>
+              </a:ext>
+            </a:extLst>
+          </p:cNvPr>
+          <p:cNvSpPr txBox="1"/>
+          <p:nvPr/>
+        </p:nvSpPr>
+        <p:spPr>
+          <a:xfrm>
+            <a:off x="341603" y="167416"/>
+            <a:ext cx="11449344" cy="461665"/>
+          </a:xfrm>
+          <a:prstGeom prst="rect">
+            <a:avLst/>
+          </a:prstGeom>
+          <a:noFill/>
+        </p:spPr>
+        <p:txBody>
+          <a:bodyPr wrap="square">
+            <a:spAutoFit/>
+          </a:bodyPr>
+          <a:lstStyle/>
+          <a:p>
+            <a:pPr algn="l"/>
+            <a:r>
+              <a:rPr lang="en-US" sz="2400" b="1" dirty="0">
+                <a:solidFill>
+                  <a:srgbClr val="00B050"/>
+                </a:solidFill>
+                <a:effectLst/>
+                <a:latin typeface="Open Sans" panose="020B0606030504020204" pitchFamily="34" charset="0"/>
+              </a:rPr>
+              <a:t>Starting a New Project Repository in Git / GitHub</a:t>
+            </a:r>
+          </a:p>
+        </p:txBody>
+      </p:sp>
+      <p:sp>
+        <p:nvSpPr>
+          <p:cNvPr id="5" name="TextBox 4">
+            <a:extLst>
+              <a:ext uri="{FF2B5EF4-FFF2-40B4-BE49-F238E27FC236}">
+                <a16:creationId xmlns:a16="http://schemas.microsoft.com/office/drawing/2014/main" id="{9DB63145-E59C-9501-8AA5-4E6AC5C0D40F}"/>
+              </a:ext>
+            </a:extLst>
+          </p:cNvPr>
+          <p:cNvSpPr txBox="1"/>
+          <p:nvPr/>
+        </p:nvSpPr>
+        <p:spPr>
+          <a:xfrm>
+            <a:off x="245215" y="1173068"/>
+            <a:ext cx="11701570" cy="5940088"/>
+          </a:xfrm>
+          <a:prstGeom prst="rect">
+            <a:avLst/>
+          </a:prstGeom>
+          <a:noFill/>
+        </p:spPr>
+        <p:txBody>
+          <a:bodyPr wrap="square">
+            <a:spAutoFit/>
+          </a:bodyPr>
+          <a:lstStyle/>
+          <a:p>
+            <a:pPr marL="342900" indent="-342900">
+              <a:buFont typeface="Arial" panose="020B0604020202020204" pitchFamily="34" charset="0"/>
+              <a:buChar char="•"/>
+            </a:pPr>
+            <a:r>
+              <a:rPr lang="en-US" sz="2000" dirty="0">
+                <a:hlinkClick r:id="rId2"/>
+              </a:rPr>
+              <a:t>Starting a New Project Repo in Git / GitHub</a:t>
+            </a:r>
+            <a:endParaRPr lang="en-US" sz="2000" dirty="0"/>
+          </a:p>
+          <a:p>
+            <a:endParaRPr lang="en-US" sz="2000" dirty="0"/>
+          </a:p>
+          <a:p>
+            <a:pPr marL="342900" indent="-342900">
+              <a:buFont typeface="Arial" panose="020B0604020202020204" pitchFamily="34" charset="0"/>
+              <a:buChar char="•"/>
+            </a:pPr>
+            <a:r>
+              <a:rPr lang="en-US" sz="2000" dirty="0">
+                <a:hlinkClick r:id="rId3"/>
+              </a:rPr>
+              <a:t>Basic git Workflow</a:t>
+            </a:r>
+            <a:endParaRPr lang="en-US" sz="2000" dirty="0"/>
+          </a:p>
+          <a:p>
+            <a:endParaRPr lang="en-US" sz="2000" dirty="0"/>
+          </a:p>
+          <a:p>
+            <a:pPr marL="342900" indent="-342900">
+              <a:buFont typeface="Arial" panose="020B0604020202020204" pitchFamily="34" charset="0"/>
+              <a:buChar char="•"/>
+            </a:pPr>
+            <a:r>
+              <a:rPr lang="en-US" sz="2000" dirty="0"/>
+              <a:t>Uploading your Assignments to GitHub</a:t>
+            </a:r>
+          </a:p>
+          <a:p>
+            <a:pPr marL="342900" indent="-342900">
+              <a:buFont typeface="Arial" panose="020B0604020202020204" pitchFamily="34" charset="0"/>
+              <a:buChar char="•"/>
+            </a:pPr>
+            <a:endParaRPr lang="en-US" sz="2000" dirty="0"/>
+          </a:p>
+          <a:p>
+            <a:pPr marL="342900" indent="-342900">
+              <a:buFont typeface="Arial" panose="020B0604020202020204" pitchFamily="34" charset="0"/>
+              <a:buChar char="•"/>
+            </a:pPr>
+            <a:r>
+              <a:rPr lang="en-US" sz="2000" dirty="0"/>
+              <a:t>Free Book on Git</a:t>
+            </a:r>
+            <a:br>
+              <a:rPr lang="en-US" sz="2000" dirty="0"/>
+            </a:br>
+            <a:r>
+              <a:rPr lang="en-US" sz="2000" dirty="0">
+                <a:hlinkClick r:id="rId4"/>
+              </a:rPr>
+              <a:t>https://git-scm.com/book/en/v2</a:t>
+            </a:r>
+            <a:endParaRPr lang="en-US" sz="2000" dirty="0"/>
+          </a:p>
+          <a:p>
+            <a:pPr marL="342900" indent="-342900">
+              <a:buFont typeface="Arial" panose="020B0604020202020204" pitchFamily="34" charset="0"/>
+              <a:buChar char="•"/>
+            </a:pPr>
+            <a:endParaRPr lang="en-US" sz="2000" dirty="0"/>
+          </a:p>
+          <a:p>
+            <a:endParaRPr lang="en-US" sz="2000" dirty="0"/>
+          </a:p>
+          <a:p>
+            <a:endParaRPr lang="en-US" sz="2000" dirty="0"/>
+          </a:p>
+          <a:p>
+            <a:endParaRPr lang="en-US" sz="2000" dirty="0"/>
+          </a:p>
+          <a:p>
+            <a:endParaRPr lang="en-US" sz="2000" dirty="0"/>
+          </a:p>
+          <a:p>
+            <a:endParaRPr lang="en-US" sz="2000" dirty="0"/>
+          </a:p>
+          <a:p>
+            <a:endParaRPr lang="en-US" sz="2000" dirty="0"/>
+          </a:p>
+          <a:p>
+            <a:endParaRPr lang="en-US" sz="2000" dirty="0"/>
+          </a:p>
+          <a:p>
+            <a:endParaRPr lang="en-US" sz="2000" dirty="0"/>
+          </a:p>
+          <a:p>
+            <a:endParaRPr lang="en-US" sz="2000" dirty="0"/>
+          </a:p>
+          <a:p>
+            <a:pPr algn="l" rtl="0"/>
+            <a:r>
+              <a:rPr lang="en-US" sz="2000" dirty="0">
+                <a:solidFill>
+                  <a:schemeClr val="tx1">
+                    <a:lumMod val="85000"/>
+                  </a:schemeClr>
+                </a:solidFill>
+                <a:latin typeface="Open Sans" panose="020B0606030504020204" pitchFamily="34" charset="0"/>
+                <a:hlinkClick r:id="rId5"/>
+              </a:rPr>
+              <a:t>Content Link in LMS</a:t>
+            </a:r>
+            <a:endParaRPr lang="en-US" sz="2000" b="0" i="0" dirty="0">
+              <a:solidFill>
+                <a:schemeClr val="tx1">
+                  <a:lumMod val="85000"/>
+                </a:schemeClr>
+              </a:solidFill>
+              <a:effectLst/>
+              <a:latin typeface="Open Sans" panose="020B0606030504020204" pitchFamily="34" charset="0"/>
+            </a:endParaRPr>
+          </a:p>
+        </p:txBody>
+      </p:sp>
+    </p:spTree>
+    <p:extLst>
+      <p:ext uri="{BB962C8B-B14F-4D97-AF65-F5344CB8AC3E}">
+        <p14:creationId xmlns:p14="http://schemas.microsoft.com/office/powerpoint/2010/main" val="3265754167"/>
+      </p:ext>
+    </p:extLst>
+  </p:cSld>
+  <p:clrMapOvr>
+    <a:masterClrMapping/>
+  </p:clrMapOvr>
+</p:sld>
+</file>
+
+<file path=ppt/slides/slide15.xml><?xml version="1.0" encoding="utf-8"?>
 <p:sld xmlns:a="http://schemas.openxmlformats.org/drawingml/2006/main" xmlns:r="http://schemas.openxmlformats.org/officeDocument/2006/relationships" xmlns:p="http://schemas.openxmlformats.org/presentationml/2006/main">
   <p:cSld>
     <p:spTree>
@@ -5875,7 +6891,7 @@
         <p:spPr>
           <a:xfrm>
             <a:off x="526507" y="2459504"/>
-            <a:ext cx="9326104" cy="1938992"/>
+            <a:ext cx="9326104" cy="2862322"/>
           </a:xfrm>
           <a:prstGeom prst="rect">
             <a:avLst/>
@@ -5914,6 +6930,36 @@
                 </a:solidFill>
                 <a:latin typeface="Open Sans" panose="020B0606030504020204" pitchFamily="34" charset="0"/>
               </a:rPr>
+              <a:t>Java Basic Programs,</a:t>
+            </a:r>
+          </a:p>
+          <a:p>
+            <a:pPr marL="0" marR="0" lvl="0" indent="0" algn="l" defTabSz="914400" rtl="0" eaLnBrk="1" fontAlgn="auto" latinLnBrk="0" hangingPunct="1">
+              <a:lnSpc>
+                <a:spcPct val="100000"/>
+              </a:lnSpc>
+              <a:spcBef>
+                <a:spcPts val="0"/>
+              </a:spcBef>
+              <a:spcAft>
+                <a:spcPts val="0"/>
+              </a:spcAft>
+              <a:buClrTx/>
+              <a:buSzTx/>
+              <a:buFontTx/>
+              <a:buNone/>
+              <a:tabLst/>
+              <a:defRPr/>
+            </a:pPr>
+            <a:r>
+              <a:rPr lang="en-US" sz="6000" dirty="0">
+                <a:solidFill>
+                  <a:prstClr val="white">
+                    <a:lumMod val="75000"/>
+                  </a:prstClr>
+                </a:solidFill>
+                <a:latin typeface="Open Sans" panose="020B0606030504020204" pitchFamily="34" charset="0"/>
+              </a:rPr>
               <a:t>Variables, Data Types, &amp; Operations</a:t>
             </a:r>
             <a:endParaRPr kumimoji="0" lang="en-US" sz="6000" b="0" i="0" u="none" strike="noStrike" kern="1200" cap="none" spc="0" normalizeH="0" baseline="0" noProof="0" dirty="0">
@@ -5948,7 +6994,7 @@
 </p:sld>
 </file>
 
-<file path=ppt/slides/slide13.xml><?xml version="1.0" encoding="utf-8"?>
+<file path=ppt/slides/slide16.xml><?xml version="1.0" encoding="utf-8"?>
 <p:sld xmlns:a="http://schemas.openxmlformats.org/drawingml/2006/main" xmlns:r="http://schemas.openxmlformats.org/officeDocument/2006/relationships" xmlns:p="http://schemas.openxmlformats.org/presentationml/2006/main">
   <p:cSld>
     <p:spTree>
@@ -6701,7 +7747,7 @@
 </p:sld>
 </file>
 
-<file path=ppt/slides/slide14.xml><?xml version="1.0" encoding="utf-8"?>
+<file path=ppt/slides/slide17.xml><?xml version="1.0" encoding="utf-8"?>
 <p:sld xmlns:a="http://schemas.openxmlformats.org/drawingml/2006/main" xmlns:r="http://schemas.openxmlformats.org/officeDocument/2006/relationships" xmlns:p="http://schemas.openxmlformats.org/presentationml/2006/main">
   <p:cSld>
     <p:spTree>
@@ -7207,7 +8253,7 @@
 </p:sld>
 </file>
 
-<file path=ppt/slides/slide15.xml><?xml version="1.0" encoding="utf-8"?>
+<file path=ppt/slides/slide18.xml><?xml version="1.0" encoding="utf-8"?>
 <p:sld xmlns:a="http://schemas.openxmlformats.org/drawingml/2006/main" xmlns:r="http://schemas.openxmlformats.org/officeDocument/2006/relationships" xmlns:p="http://schemas.openxmlformats.org/presentationml/2006/main">
   <p:cSld>
     <p:spTree>
@@ -7304,7 +8350,7 @@
 </p:sld>
 </file>
 
-<file path=ppt/slides/slide16.xml><?xml version="1.0" encoding="utf-8"?>
+<file path=ppt/slides/slide19.xml><?xml version="1.0" encoding="utf-8"?>
 <p:sld xmlns:a="http://schemas.openxmlformats.org/drawingml/2006/main" xmlns:r="http://schemas.openxmlformats.org/officeDocument/2006/relationships" xmlns:p="http://schemas.openxmlformats.org/presentationml/2006/main">
   <p:cSld>
     <p:spTree>
@@ -8283,947 +9329,6 @@
     <p:extLst>
       <p:ext uri="{BB962C8B-B14F-4D97-AF65-F5344CB8AC3E}">
         <p14:creationId xmlns:p14="http://schemas.microsoft.com/office/powerpoint/2010/main" val="183313377"/>
-      </p:ext>
-    </p:extLst>
-  </p:cSld>
-  <p:clrMapOvr>
-    <a:masterClrMapping/>
-  </p:clrMapOvr>
-</p:sld>
-</file>
-
-<file path=ppt/slides/slide17.xml><?xml version="1.0" encoding="utf-8"?>
-<p:sld xmlns:a="http://schemas.openxmlformats.org/drawingml/2006/main" xmlns:r="http://schemas.openxmlformats.org/officeDocument/2006/relationships" xmlns:p="http://schemas.openxmlformats.org/presentationml/2006/main">
-  <p:cSld>
-    <p:spTree>
-      <p:nvGrpSpPr>
-        <p:cNvPr id="1" name=""/>
-        <p:cNvGrpSpPr/>
-        <p:nvPr/>
-      </p:nvGrpSpPr>
-      <p:grpSpPr>
-        <a:xfrm>
-          <a:off x="0" y="0"/>
-          <a:ext cx="0" cy="0"/>
-          <a:chOff x="0" y="0"/>
-          <a:chExt cx="0" cy="0"/>
-        </a:xfrm>
-      </p:grpSpPr>
-      <p:sp>
-        <p:nvSpPr>
-          <p:cNvPr id="3" name="TextBox 2">
-            <a:extLst>
-              <a:ext uri="{FF2B5EF4-FFF2-40B4-BE49-F238E27FC236}">
-                <a16:creationId xmlns:a16="http://schemas.microsoft.com/office/drawing/2014/main" id="{23DFC7E9-54DD-38D7-0B9B-D34948D68CF9}"/>
-              </a:ext>
-            </a:extLst>
-          </p:cNvPr>
-          <p:cNvSpPr txBox="1"/>
-          <p:nvPr/>
-        </p:nvSpPr>
-        <p:spPr>
-          <a:xfrm>
-            <a:off x="1894669" y="2745699"/>
-            <a:ext cx="9326104" cy="1754326"/>
-          </a:xfrm>
-          <a:prstGeom prst="rect">
-            <a:avLst/>
-          </a:prstGeom>
-          <a:noFill/>
-        </p:spPr>
-        <p:txBody>
-          <a:bodyPr wrap="square">
-            <a:spAutoFit/>
-          </a:bodyPr>
-          <a:lstStyle/>
-          <a:p>
-            <a:pPr marL="0" marR="0" lvl="0" indent="0" algn="l" defTabSz="914400" rtl="0" eaLnBrk="1" fontAlgn="auto" latinLnBrk="0" hangingPunct="1">
-              <a:lnSpc>
-                <a:spcPct val="100000"/>
-              </a:lnSpc>
-              <a:spcBef>
-                <a:spcPts val="0"/>
-              </a:spcBef>
-              <a:spcAft>
-                <a:spcPts val="0"/>
-              </a:spcAft>
-              <a:buClrTx/>
-              <a:buSzTx/>
-              <a:buFontTx/>
-              <a:buNone/>
-              <a:tabLst/>
-              <a:defRPr/>
-            </a:pPr>
-            <a:r>
-              <a:rPr kumimoji="0" lang="en-US" sz="6000" b="0" i="0" u="none" strike="noStrike" kern="1200" cap="none" spc="0" normalizeH="0" baseline="0" noProof="0" dirty="0">
-                <a:ln>
-                  <a:noFill/>
-                </a:ln>
-                <a:solidFill>
-                  <a:prstClr val="white">
-                    <a:lumMod val="75000"/>
-                  </a:prstClr>
-                </a:solidFill>
-                <a:effectLst/>
-                <a:uLnTx/>
-                <a:uFillTx/>
-                <a:latin typeface="Open Sans" panose="020B0606030504020204" pitchFamily="34" charset="0"/>
-                <a:ea typeface="+mn-ea"/>
-                <a:cs typeface="+mn-cs"/>
-              </a:rPr>
-              <a:t>Source Control</a:t>
-            </a:r>
-          </a:p>
-          <a:p>
-            <a:pPr marL="0" marR="0" lvl="0" indent="0" algn="l" defTabSz="914400" rtl="0" eaLnBrk="1" fontAlgn="auto" latinLnBrk="0" hangingPunct="1">
-              <a:lnSpc>
-                <a:spcPct val="100000"/>
-              </a:lnSpc>
-              <a:spcBef>
-                <a:spcPts val="0"/>
-              </a:spcBef>
-              <a:spcAft>
-                <a:spcPts val="0"/>
-              </a:spcAft>
-              <a:buClrTx/>
-              <a:buSzTx/>
-              <a:buFontTx/>
-              <a:buNone/>
-              <a:tabLst/>
-              <a:defRPr/>
-            </a:pPr>
-            <a:r>
-              <a:rPr lang="en-US" sz="4800" i="1" dirty="0">
-                <a:solidFill>
-                  <a:prstClr val="white">
-                    <a:lumMod val="75000"/>
-                  </a:prstClr>
-                </a:solidFill>
-                <a:latin typeface="Open Sans" panose="020B0606030504020204" pitchFamily="34" charset="0"/>
-              </a:rPr>
-              <a:t>Git and GitHub</a:t>
-            </a:r>
-            <a:endParaRPr kumimoji="0" lang="en-US" sz="6000" b="0" i="1" u="none" strike="noStrike" kern="1200" cap="none" spc="0" normalizeH="0" baseline="0" noProof="0" dirty="0">
-              <a:ln>
-                <a:noFill/>
-              </a:ln>
-              <a:solidFill>
-                <a:prstClr val="white">
-                  <a:lumMod val="75000"/>
-                </a:prstClr>
-              </a:solidFill>
-              <a:effectLst/>
-              <a:uLnTx/>
-              <a:uFillTx/>
-              <a:latin typeface="Open Sans" panose="020B0606030504020204" pitchFamily="34" charset="0"/>
-              <a:ea typeface="+mn-ea"/>
-              <a:cs typeface="+mn-cs"/>
-            </a:endParaRPr>
-          </a:p>
-        </p:txBody>
-      </p:sp>
-    </p:spTree>
-    <p:extLst>
-      <p:ext uri="{BB962C8B-B14F-4D97-AF65-F5344CB8AC3E}">
-        <p14:creationId xmlns:p14="http://schemas.microsoft.com/office/powerpoint/2010/main" val="373601184"/>
-      </p:ext>
-    </p:extLst>
-  </p:cSld>
-  <p:clrMapOvr>
-    <a:masterClrMapping/>
-  </p:clrMapOvr>
-</p:sld>
-</file>
-
-<file path=ppt/slides/slide18.xml><?xml version="1.0" encoding="utf-8"?>
-<p:sld xmlns:a="http://schemas.openxmlformats.org/drawingml/2006/main" xmlns:r="http://schemas.openxmlformats.org/officeDocument/2006/relationships" xmlns:p="http://schemas.openxmlformats.org/presentationml/2006/main">
-  <p:cSld>
-    <p:spTree>
-      <p:nvGrpSpPr>
-        <p:cNvPr id="1" name=""/>
-        <p:cNvGrpSpPr/>
-        <p:nvPr/>
-      </p:nvGrpSpPr>
-      <p:grpSpPr>
-        <a:xfrm>
-          <a:off x="0" y="0"/>
-          <a:ext cx="0" cy="0"/>
-          <a:chOff x="0" y="0"/>
-          <a:chExt cx="0" cy="0"/>
-        </a:xfrm>
-      </p:grpSpPr>
-      <p:sp>
-        <p:nvSpPr>
-          <p:cNvPr id="6" name="TextBox 5">
-            <a:extLst>
-              <a:ext uri="{FF2B5EF4-FFF2-40B4-BE49-F238E27FC236}">
-                <a16:creationId xmlns:a16="http://schemas.microsoft.com/office/drawing/2014/main" id="{59E906CD-110B-9D01-732C-2F21759B0265}"/>
-              </a:ext>
-            </a:extLst>
-          </p:cNvPr>
-          <p:cNvSpPr txBox="1"/>
-          <p:nvPr/>
-        </p:nvSpPr>
-        <p:spPr>
-          <a:xfrm>
-            <a:off x="341603" y="256791"/>
-            <a:ext cx="11449344" cy="461665"/>
-          </a:xfrm>
-          <a:prstGeom prst="rect">
-            <a:avLst/>
-          </a:prstGeom>
-          <a:noFill/>
-        </p:spPr>
-        <p:txBody>
-          <a:bodyPr wrap="square">
-            <a:spAutoFit/>
-          </a:bodyPr>
-          <a:lstStyle/>
-          <a:p>
-            <a:pPr algn="l"/>
-            <a:r>
-              <a:rPr lang="en-US" sz="2400" b="1" dirty="0">
-                <a:solidFill>
-                  <a:srgbClr val="00B050"/>
-                </a:solidFill>
-                <a:effectLst/>
-                <a:latin typeface="Open Sans" panose="020B0606030504020204" pitchFamily="34" charset="0"/>
-              </a:rPr>
-              <a:t>Git and GitHub</a:t>
-            </a:r>
-          </a:p>
-        </p:txBody>
-      </p:sp>
-      <p:sp>
-        <p:nvSpPr>
-          <p:cNvPr id="3" name="TextBox 2">
-            <a:extLst>
-              <a:ext uri="{FF2B5EF4-FFF2-40B4-BE49-F238E27FC236}">
-                <a16:creationId xmlns:a16="http://schemas.microsoft.com/office/drawing/2014/main" id="{18C8971B-4F18-19E0-01D3-697860030BC7}"/>
-              </a:ext>
-            </a:extLst>
-          </p:cNvPr>
-          <p:cNvSpPr txBox="1"/>
-          <p:nvPr/>
-        </p:nvSpPr>
-        <p:spPr>
-          <a:xfrm>
-            <a:off x="187922" y="797017"/>
-            <a:ext cx="11726779" cy="5632311"/>
-          </a:xfrm>
-          <a:prstGeom prst="rect">
-            <a:avLst/>
-          </a:prstGeom>
-          <a:noFill/>
-        </p:spPr>
-        <p:txBody>
-          <a:bodyPr wrap="square">
-            <a:spAutoFit/>
-          </a:bodyPr>
-          <a:lstStyle/>
-          <a:p>
-            <a:pPr marL="285750" indent="-285750" algn="l" rtl="0">
-              <a:buFont typeface="Arial" panose="020B0604020202020204" pitchFamily="34" charset="0"/>
-              <a:buChar char="•"/>
-            </a:pPr>
-            <a:r>
-              <a:rPr lang="en-US" b="1" i="0" dirty="0">
-                <a:solidFill>
-                  <a:schemeClr val="tx1">
-                    <a:lumMod val="85000"/>
-                  </a:schemeClr>
-                </a:solidFill>
-                <a:effectLst/>
-                <a:latin typeface="Open Sans" panose="020B0606030504020204" pitchFamily="34" charset="0"/>
-              </a:rPr>
-              <a:t>git</a:t>
-            </a:r>
-            <a:r>
-              <a:rPr lang="en-US" b="0" i="0" dirty="0">
-                <a:solidFill>
-                  <a:schemeClr val="tx1">
-                    <a:lumMod val="85000"/>
-                  </a:schemeClr>
-                </a:solidFill>
-                <a:effectLst/>
-                <a:latin typeface="Open Sans" panose="020B0606030504020204" pitchFamily="34" charset="0"/>
-              </a:rPr>
-              <a:t> is a "</a:t>
-            </a:r>
-            <a:r>
-              <a:rPr lang="en-US" b="0" i="0" dirty="0">
-                <a:solidFill>
-                  <a:srgbClr val="00B0F0"/>
-                </a:solidFill>
-                <a:effectLst/>
-                <a:latin typeface="Open Sans" panose="020B0606030504020204" pitchFamily="34" charset="0"/>
-              </a:rPr>
-              <a:t>distributed version control system </a:t>
-            </a:r>
-            <a:r>
-              <a:rPr lang="en-US" b="0" i="0" dirty="0">
-                <a:solidFill>
-                  <a:schemeClr val="tx1">
-                    <a:lumMod val="85000"/>
-                  </a:schemeClr>
-                </a:solidFill>
-                <a:effectLst/>
-                <a:latin typeface="Open Sans" panose="020B0606030504020204" pitchFamily="34" charset="0"/>
-              </a:rPr>
-              <a:t>designed to handle everything from small to very large projects with speed and efficiency".</a:t>
-            </a:r>
-            <a:r>
-              <a:rPr lang="en-US" b="0" i="1" dirty="0">
-                <a:solidFill>
-                  <a:schemeClr val="tx1">
-                    <a:lumMod val="85000"/>
-                  </a:schemeClr>
-                </a:solidFill>
-                <a:effectLst/>
-                <a:latin typeface="Open Sans" panose="020B0606030504020204" pitchFamily="34" charset="0"/>
-              </a:rPr>
-              <a:t> (git, Retrieved on 10/5/2022 from </a:t>
-            </a:r>
-            <a:r>
-              <a:rPr lang="en-US" b="0" i="1" dirty="0">
-                <a:solidFill>
-                  <a:schemeClr val="tx1">
-                    <a:lumMod val="85000"/>
-                  </a:schemeClr>
-                </a:solidFill>
-                <a:effectLst/>
-                <a:latin typeface="Open Sans" panose="020B0606030504020204" pitchFamily="34" charset="0"/>
-                <a:hlinkClick r:id="rId2"/>
-              </a:rPr>
-              <a:t>https://git-scm.com</a:t>
-            </a:r>
-            <a:r>
-              <a:rPr lang="en-US" b="0" i="1" dirty="0">
-                <a:solidFill>
-                  <a:schemeClr val="tx1">
-                    <a:lumMod val="85000"/>
-                  </a:schemeClr>
-                </a:solidFill>
-                <a:effectLst/>
-                <a:latin typeface="Open Sans" panose="020B0606030504020204" pitchFamily="34" charset="0"/>
-              </a:rPr>
-              <a:t>). </a:t>
-            </a:r>
-            <a:endParaRPr lang="en-US" b="0" i="0" dirty="0">
-              <a:solidFill>
-                <a:schemeClr val="tx1">
-                  <a:lumMod val="85000"/>
-                </a:schemeClr>
-              </a:solidFill>
-              <a:effectLst/>
-              <a:latin typeface="Open Sans" panose="020B0606030504020204" pitchFamily="34" charset="0"/>
-            </a:endParaRPr>
-          </a:p>
-          <a:p>
-            <a:pPr marL="285750" indent="-285750" algn="l" rtl="0">
-              <a:buFont typeface="Arial" panose="020B0604020202020204" pitchFamily="34" charset="0"/>
-              <a:buChar char="•"/>
-            </a:pPr>
-            <a:endParaRPr lang="en-US" b="1" i="0" dirty="0">
-              <a:solidFill>
-                <a:schemeClr val="tx1">
-                  <a:lumMod val="85000"/>
-                </a:schemeClr>
-              </a:solidFill>
-              <a:effectLst/>
-              <a:latin typeface="Open Sans" panose="020B0606030504020204" pitchFamily="34" charset="0"/>
-            </a:endParaRPr>
-          </a:p>
-          <a:p>
-            <a:pPr marL="285750" indent="-285750" algn="l" rtl="0">
-              <a:buFont typeface="Arial" panose="020B0604020202020204" pitchFamily="34" charset="0"/>
-              <a:buChar char="•"/>
-            </a:pPr>
-            <a:r>
-              <a:rPr lang="en-US" b="1" i="0" dirty="0">
-                <a:solidFill>
-                  <a:schemeClr val="tx1">
-                    <a:lumMod val="85000"/>
-                  </a:schemeClr>
-                </a:solidFill>
-                <a:effectLst/>
-                <a:latin typeface="Open Sans" panose="020B0606030504020204" pitchFamily="34" charset="0"/>
-              </a:rPr>
-              <a:t>git</a:t>
-            </a:r>
-            <a:r>
-              <a:rPr lang="en-US" b="0" i="0" dirty="0">
-                <a:solidFill>
-                  <a:schemeClr val="tx1">
-                    <a:lumMod val="85000"/>
-                  </a:schemeClr>
-                </a:solidFill>
-                <a:effectLst/>
-                <a:latin typeface="Open Sans" panose="020B0606030504020204" pitchFamily="34" charset="0"/>
-              </a:rPr>
-              <a:t> is used in many software development environments, and provides a number of benefits for any software developer.  It provides a backup of code that you are writing on your local system.  In addition, when working on a project with a team, it provides a way to ensure everyone has the same, up-to-date code. </a:t>
-            </a:r>
-          </a:p>
-          <a:p>
-            <a:pPr marL="285750" indent="-285750" algn="l" rtl="0">
-              <a:buFont typeface="Arial" panose="020B0604020202020204" pitchFamily="34" charset="0"/>
-              <a:buChar char="•"/>
-            </a:pPr>
-            <a:endParaRPr lang="en-US" b="1" i="0" dirty="0">
-              <a:solidFill>
-                <a:schemeClr val="tx1">
-                  <a:lumMod val="85000"/>
-                </a:schemeClr>
-              </a:solidFill>
-              <a:effectLst/>
-              <a:latin typeface="Open Sans" panose="020B0606030504020204" pitchFamily="34" charset="0"/>
-            </a:endParaRPr>
-          </a:p>
-          <a:p>
-            <a:pPr marL="285750" indent="-285750" algn="l" rtl="0">
-              <a:buFont typeface="Arial" panose="020B0604020202020204" pitchFamily="34" charset="0"/>
-              <a:buChar char="•"/>
-            </a:pPr>
-            <a:r>
-              <a:rPr lang="en-US" b="1" i="0" dirty="0">
-                <a:solidFill>
-                  <a:schemeClr val="tx1">
-                    <a:lumMod val="85000"/>
-                  </a:schemeClr>
-                </a:solidFill>
-                <a:effectLst/>
-                <a:latin typeface="Open Sans" panose="020B0606030504020204" pitchFamily="34" charset="0"/>
-              </a:rPr>
-              <a:t>git</a:t>
-            </a:r>
-            <a:r>
-              <a:rPr lang="en-US" b="0" i="0" dirty="0">
-                <a:solidFill>
-                  <a:schemeClr val="tx1">
-                    <a:lumMod val="85000"/>
-                  </a:schemeClr>
-                </a:solidFill>
-                <a:effectLst/>
-                <a:latin typeface="Open Sans" panose="020B0606030504020204" pitchFamily="34" charset="0"/>
-              </a:rPr>
-              <a:t> is a </a:t>
-            </a:r>
-            <a:r>
-              <a:rPr lang="en-US" b="0" i="0" dirty="0">
-                <a:solidFill>
-                  <a:srgbClr val="00B0F0"/>
-                </a:solidFill>
-                <a:effectLst/>
-                <a:latin typeface="Open Sans" panose="020B0606030504020204" pitchFamily="34" charset="0"/>
-              </a:rPr>
-              <a:t>Source Control tool used to enable teams to collaborate on projects </a:t>
-            </a:r>
-            <a:r>
-              <a:rPr lang="en-US" b="0" i="0" dirty="0">
-                <a:solidFill>
-                  <a:schemeClr val="tx1">
-                    <a:lumMod val="85000"/>
-                  </a:schemeClr>
-                </a:solidFill>
-                <a:effectLst/>
-                <a:latin typeface="Open Sans" panose="020B0606030504020204" pitchFamily="34" charset="0"/>
-              </a:rPr>
-              <a:t>at the same time. If users make changes to the same file that would overwrite one another, </a:t>
-            </a:r>
-            <a:r>
-              <a:rPr lang="en-US" b="1" i="0" dirty="0">
-                <a:solidFill>
-                  <a:schemeClr val="tx1">
-                    <a:lumMod val="85000"/>
-                  </a:schemeClr>
-                </a:solidFill>
-                <a:effectLst/>
-                <a:latin typeface="Open Sans" panose="020B0606030504020204" pitchFamily="34" charset="0"/>
-              </a:rPr>
-              <a:t>git</a:t>
-            </a:r>
-            <a:r>
-              <a:rPr lang="en-US" b="0" i="0" dirty="0">
-                <a:solidFill>
-                  <a:schemeClr val="tx1">
-                    <a:lumMod val="85000"/>
-                  </a:schemeClr>
-                </a:solidFill>
-                <a:effectLst/>
-                <a:latin typeface="Open Sans" panose="020B0606030504020204" pitchFamily="34" charset="0"/>
-              </a:rPr>
-              <a:t> provides merge conflict messages that enable users to manually adjust the multiple changes so that no one's code is overwritten. </a:t>
-            </a:r>
-            <a:r>
-              <a:rPr lang="en-US" b="1" i="0" dirty="0">
-                <a:solidFill>
-                  <a:schemeClr val="tx1">
-                    <a:lumMod val="85000"/>
-                  </a:schemeClr>
-                </a:solidFill>
-                <a:effectLst/>
-                <a:latin typeface="Open Sans" panose="020B0606030504020204" pitchFamily="34" charset="0"/>
-              </a:rPr>
-              <a:t>git</a:t>
-            </a:r>
-            <a:r>
-              <a:rPr lang="en-US" b="0" i="0" dirty="0">
-                <a:solidFill>
-                  <a:schemeClr val="tx1">
-                    <a:lumMod val="85000"/>
-                  </a:schemeClr>
-                </a:solidFill>
-                <a:effectLst/>
-                <a:latin typeface="Open Sans" panose="020B0606030504020204" pitchFamily="34" charset="0"/>
-              </a:rPr>
-              <a:t> also keeps track of all the changes made to a project by using save-points called commits. </a:t>
-            </a:r>
-          </a:p>
-          <a:p>
-            <a:pPr algn="l" rtl="0"/>
-            <a:br>
-              <a:rPr lang="en-US" b="0" i="0" dirty="0">
-                <a:solidFill>
-                  <a:schemeClr val="tx1">
-                    <a:lumMod val="85000"/>
-                  </a:schemeClr>
-                </a:solidFill>
-                <a:effectLst/>
-                <a:latin typeface="Open Sans" panose="020B0606030504020204" pitchFamily="34" charset="0"/>
-              </a:rPr>
-            </a:br>
-            <a:endParaRPr lang="en-US" b="0" i="0" dirty="0">
-              <a:solidFill>
-                <a:schemeClr val="tx1">
-                  <a:lumMod val="85000"/>
-                </a:schemeClr>
-              </a:solidFill>
-              <a:effectLst/>
-              <a:latin typeface="Open Sans" panose="020B0606030504020204" pitchFamily="34" charset="0"/>
-            </a:endParaRPr>
-          </a:p>
-          <a:p>
-            <a:pPr marL="285750" indent="-285750" algn="l" rtl="0">
-              <a:buFont typeface="Arial" panose="020B0604020202020204" pitchFamily="34" charset="0"/>
-              <a:buChar char="•"/>
-            </a:pPr>
-            <a:endParaRPr lang="en-US" b="1" dirty="0">
-              <a:solidFill>
-                <a:schemeClr val="tx1">
-                  <a:lumMod val="85000"/>
-                </a:schemeClr>
-              </a:solidFill>
-              <a:latin typeface="Open Sans" panose="020B0606030504020204" pitchFamily="34" charset="0"/>
-            </a:endParaRPr>
-          </a:p>
-          <a:p>
-            <a:pPr marL="285750" indent="-285750" algn="l" rtl="0">
-              <a:buFont typeface="Arial" panose="020B0604020202020204" pitchFamily="34" charset="0"/>
-              <a:buChar char="•"/>
-            </a:pPr>
-            <a:r>
-              <a:rPr lang="en-US" b="1" i="0" dirty="0">
-                <a:solidFill>
-                  <a:schemeClr val="tx1">
-                    <a:lumMod val="85000"/>
-                  </a:schemeClr>
-                </a:solidFill>
-                <a:effectLst/>
-                <a:latin typeface="Open Sans" panose="020B0606030504020204" pitchFamily="34" charset="0"/>
-              </a:rPr>
-              <a:t>GitHub</a:t>
-            </a:r>
-            <a:r>
-              <a:rPr lang="en-US" b="0" i="0" dirty="0">
-                <a:solidFill>
-                  <a:schemeClr val="tx1">
-                    <a:lumMod val="85000"/>
-                  </a:schemeClr>
-                </a:solidFill>
-                <a:effectLst/>
-                <a:latin typeface="Open Sans" panose="020B0606030504020204" pitchFamily="34" charset="0"/>
-              </a:rPr>
-              <a:t> is a web-based git </a:t>
-            </a:r>
-            <a:r>
-              <a:rPr lang="en-US" b="1" i="0" dirty="0">
-                <a:solidFill>
-                  <a:schemeClr val="tx1">
-                    <a:lumMod val="85000"/>
-                  </a:schemeClr>
-                </a:solidFill>
-                <a:effectLst/>
-                <a:latin typeface="Open Sans" panose="020B0606030504020204" pitchFamily="34" charset="0"/>
-              </a:rPr>
-              <a:t>GUI</a:t>
-            </a:r>
-            <a:r>
-              <a:rPr lang="en-US" b="0" i="0" dirty="0">
-                <a:solidFill>
-                  <a:schemeClr val="tx1">
-                    <a:lumMod val="85000"/>
-                  </a:schemeClr>
-                </a:solidFill>
-                <a:effectLst/>
-                <a:latin typeface="Open Sans" panose="020B0606030504020204" pitchFamily="34" charset="0"/>
-              </a:rPr>
-              <a:t> that enables us to visually manage our repositories and push our code to the cloud (</a:t>
-            </a:r>
-            <a:r>
-              <a:rPr lang="en-US" b="1" i="0" dirty="0">
-                <a:solidFill>
-                  <a:schemeClr val="tx1">
-                    <a:lumMod val="85000"/>
-                  </a:schemeClr>
-                </a:solidFill>
-                <a:effectLst/>
-                <a:latin typeface="Open Sans" panose="020B0606030504020204" pitchFamily="34" charset="0"/>
-              </a:rPr>
-              <a:t>GitHub</a:t>
-            </a:r>
-            <a:r>
-              <a:rPr lang="en-US" b="0" i="0" dirty="0">
-                <a:solidFill>
-                  <a:schemeClr val="tx1">
-                    <a:lumMod val="85000"/>
-                  </a:schemeClr>
-                </a:solidFill>
-                <a:effectLst/>
-                <a:latin typeface="Open Sans" panose="020B0606030504020204" pitchFamily="34" charset="0"/>
-              </a:rPr>
-              <a:t> servers). </a:t>
-            </a:r>
-          </a:p>
-          <a:p>
-            <a:pPr algn="l" rtl="0"/>
-            <a:endParaRPr lang="en-US" dirty="0">
-              <a:solidFill>
-                <a:schemeClr val="tx1">
-                  <a:lumMod val="85000"/>
-                </a:schemeClr>
-              </a:solidFill>
-              <a:latin typeface="Open Sans" panose="020B0606030504020204" pitchFamily="34" charset="0"/>
-            </a:endParaRPr>
-          </a:p>
-          <a:p>
-            <a:pPr algn="l" rtl="0"/>
-            <a:endParaRPr lang="en-US" b="0" i="0" dirty="0">
-              <a:solidFill>
-                <a:schemeClr val="tx1">
-                  <a:lumMod val="85000"/>
-                </a:schemeClr>
-              </a:solidFill>
-              <a:effectLst/>
-              <a:latin typeface="Open Sans" panose="020B0606030504020204" pitchFamily="34" charset="0"/>
-            </a:endParaRPr>
-          </a:p>
-          <a:p>
-            <a:pPr algn="l" rtl="0"/>
-            <a:r>
-              <a:rPr lang="en-US" dirty="0">
-                <a:solidFill>
-                  <a:schemeClr val="tx1">
-                    <a:lumMod val="85000"/>
-                  </a:schemeClr>
-                </a:solidFill>
-                <a:latin typeface="Open Sans" panose="020B0606030504020204" pitchFamily="34" charset="0"/>
-                <a:hlinkClick r:id="rId3"/>
-              </a:rPr>
-              <a:t>Content Link in LMS</a:t>
-            </a:r>
-            <a:endParaRPr lang="en-US" b="0" i="0" dirty="0">
-              <a:solidFill>
-                <a:schemeClr val="tx1">
-                  <a:lumMod val="85000"/>
-                </a:schemeClr>
-              </a:solidFill>
-              <a:effectLst/>
-              <a:latin typeface="Open Sans" panose="020B0606030504020204" pitchFamily="34" charset="0"/>
-            </a:endParaRPr>
-          </a:p>
-        </p:txBody>
-      </p:sp>
-      <p:sp>
-        <p:nvSpPr>
-          <p:cNvPr id="4" name="TextBox 3">
-            <a:extLst>
-              <a:ext uri="{FF2B5EF4-FFF2-40B4-BE49-F238E27FC236}">
-                <a16:creationId xmlns:a16="http://schemas.microsoft.com/office/drawing/2014/main" id="{72611DA7-AE29-00A1-7AE2-4A353A359FBB}"/>
-              </a:ext>
-            </a:extLst>
-          </p:cNvPr>
-          <p:cNvSpPr txBox="1"/>
-          <p:nvPr/>
-        </p:nvSpPr>
-        <p:spPr>
-          <a:xfrm>
-            <a:off x="5696345" y="5861558"/>
-            <a:ext cx="6094602" cy="646331"/>
-          </a:xfrm>
-          <a:prstGeom prst="rect">
-            <a:avLst/>
-          </a:prstGeom>
-          <a:noFill/>
-        </p:spPr>
-        <p:txBody>
-          <a:bodyPr wrap="square">
-            <a:spAutoFit/>
-          </a:bodyPr>
-          <a:lstStyle/>
-          <a:p>
-            <a:pPr marL="342900" indent="-342900">
-              <a:buFont typeface="Arial" panose="020B0604020202020204" pitchFamily="34" charset="0"/>
-              <a:buChar char="•"/>
-            </a:pPr>
-            <a:r>
-              <a:rPr lang="en-US" sz="1800" dirty="0"/>
-              <a:t>Free Book on Git</a:t>
-            </a:r>
-            <a:br>
-              <a:rPr lang="en-US" sz="1800" dirty="0"/>
-            </a:br>
-            <a:r>
-              <a:rPr lang="en-US" sz="1800" dirty="0">
-                <a:hlinkClick r:id="rId4"/>
-              </a:rPr>
-              <a:t>https://git-scm.com/book/en/v2</a:t>
-            </a:r>
-            <a:endParaRPr lang="en-US" sz="1800" dirty="0"/>
-          </a:p>
-        </p:txBody>
-      </p:sp>
-    </p:spTree>
-    <p:extLst>
-      <p:ext uri="{BB962C8B-B14F-4D97-AF65-F5344CB8AC3E}">
-        <p14:creationId xmlns:p14="http://schemas.microsoft.com/office/powerpoint/2010/main" val="323829688"/>
-      </p:ext>
-    </p:extLst>
-  </p:cSld>
-  <p:clrMapOvr>
-    <a:masterClrMapping/>
-  </p:clrMapOvr>
-</p:sld>
-</file>
-
-<file path=ppt/slides/slide19.xml><?xml version="1.0" encoding="utf-8"?>
-<p:sld xmlns:a="http://schemas.openxmlformats.org/drawingml/2006/main" xmlns:r="http://schemas.openxmlformats.org/officeDocument/2006/relationships" xmlns:p="http://schemas.openxmlformats.org/presentationml/2006/main">
-  <p:cSld>
-    <p:spTree>
-      <p:nvGrpSpPr>
-        <p:cNvPr id="1" name=""/>
-        <p:cNvGrpSpPr/>
-        <p:nvPr/>
-      </p:nvGrpSpPr>
-      <p:grpSpPr>
-        <a:xfrm>
-          <a:off x="0" y="0"/>
-          <a:ext cx="0" cy="0"/>
-          <a:chOff x="0" y="0"/>
-          <a:chExt cx="0" cy="0"/>
-        </a:xfrm>
-      </p:grpSpPr>
-      <p:sp>
-        <p:nvSpPr>
-          <p:cNvPr id="6" name="TextBox 5">
-            <a:extLst>
-              <a:ext uri="{FF2B5EF4-FFF2-40B4-BE49-F238E27FC236}">
-                <a16:creationId xmlns:a16="http://schemas.microsoft.com/office/drawing/2014/main" id="{59E906CD-110B-9D01-732C-2F21759B0265}"/>
-              </a:ext>
-            </a:extLst>
-          </p:cNvPr>
-          <p:cNvSpPr txBox="1"/>
-          <p:nvPr/>
-        </p:nvSpPr>
-        <p:spPr>
-          <a:xfrm>
-            <a:off x="341603" y="167416"/>
-            <a:ext cx="11449344" cy="461665"/>
-          </a:xfrm>
-          <a:prstGeom prst="rect">
-            <a:avLst/>
-          </a:prstGeom>
-          <a:noFill/>
-        </p:spPr>
-        <p:txBody>
-          <a:bodyPr wrap="square">
-            <a:spAutoFit/>
-          </a:bodyPr>
-          <a:lstStyle/>
-          <a:p>
-            <a:pPr algn="l"/>
-            <a:r>
-              <a:rPr lang="en-US" sz="2400" b="1" dirty="0">
-                <a:solidFill>
-                  <a:srgbClr val="00B050"/>
-                </a:solidFill>
-                <a:effectLst/>
-                <a:latin typeface="Open Sans" panose="020B0606030504020204" pitchFamily="34" charset="0"/>
-              </a:rPr>
-              <a:t>Starting a New Project Repository in Git / GitHub</a:t>
-            </a:r>
-          </a:p>
-        </p:txBody>
-      </p:sp>
-      <p:sp>
-        <p:nvSpPr>
-          <p:cNvPr id="5" name="TextBox 4">
-            <a:extLst>
-              <a:ext uri="{FF2B5EF4-FFF2-40B4-BE49-F238E27FC236}">
-                <a16:creationId xmlns:a16="http://schemas.microsoft.com/office/drawing/2014/main" id="{9DB63145-E59C-9501-8AA5-4E6AC5C0D40F}"/>
-              </a:ext>
-            </a:extLst>
-          </p:cNvPr>
-          <p:cNvSpPr txBox="1"/>
-          <p:nvPr/>
-        </p:nvSpPr>
-        <p:spPr>
-          <a:xfrm>
-            <a:off x="245215" y="1173068"/>
-            <a:ext cx="11701570" cy="5940088"/>
-          </a:xfrm>
-          <a:prstGeom prst="rect">
-            <a:avLst/>
-          </a:prstGeom>
-          <a:noFill/>
-        </p:spPr>
-        <p:txBody>
-          <a:bodyPr wrap="square">
-            <a:spAutoFit/>
-          </a:bodyPr>
-          <a:lstStyle/>
-          <a:p>
-            <a:pPr marL="342900" indent="-342900">
-              <a:buFont typeface="Arial" panose="020B0604020202020204" pitchFamily="34" charset="0"/>
-              <a:buChar char="•"/>
-            </a:pPr>
-            <a:r>
-              <a:rPr lang="en-US" sz="2000" dirty="0">
-                <a:hlinkClick r:id="rId2"/>
-              </a:rPr>
-              <a:t>Starting a New Project Repo in Git / GitHub</a:t>
-            </a:r>
-            <a:endParaRPr lang="en-US" sz="2000" dirty="0"/>
-          </a:p>
-          <a:p>
-            <a:endParaRPr lang="en-US" sz="2000" dirty="0"/>
-          </a:p>
-          <a:p>
-            <a:pPr marL="342900" indent="-342900">
-              <a:buFont typeface="Arial" panose="020B0604020202020204" pitchFamily="34" charset="0"/>
-              <a:buChar char="•"/>
-            </a:pPr>
-            <a:r>
-              <a:rPr lang="en-US" sz="2000" dirty="0">
-                <a:hlinkClick r:id="rId3"/>
-              </a:rPr>
-              <a:t>Basic git Workflow</a:t>
-            </a:r>
-            <a:endParaRPr lang="en-US" sz="2000" dirty="0"/>
-          </a:p>
-          <a:p>
-            <a:endParaRPr lang="en-US" sz="2000" dirty="0"/>
-          </a:p>
-          <a:p>
-            <a:pPr marL="342900" indent="-342900">
-              <a:buFont typeface="Arial" panose="020B0604020202020204" pitchFamily="34" charset="0"/>
-              <a:buChar char="•"/>
-            </a:pPr>
-            <a:r>
-              <a:rPr lang="en-US" sz="2000" dirty="0"/>
-              <a:t>Uploading your Assignments to GitHub</a:t>
-            </a:r>
-          </a:p>
-          <a:p>
-            <a:pPr marL="342900" indent="-342900">
-              <a:buFont typeface="Arial" panose="020B0604020202020204" pitchFamily="34" charset="0"/>
-              <a:buChar char="•"/>
-            </a:pPr>
-            <a:endParaRPr lang="en-US" sz="2000" dirty="0"/>
-          </a:p>
-          <a:p>
-            <a:pPr marL="342900" indent="-342900">
-              <a:buFont typeface="Arial" panose="020B0604020202020204" pitchFamily="34" charset="0"/>
-              <a:buChar char="•"/>
-            </a:pPr>
-            <a:r>
-              <a:rPr lang="en-US" sz="2000" dirty="0"/>
-              <a:t>Free Book on Git</a:t>
-            </a:r>
-            <a:br>
-              <a:rPr lang="en-US" sz="2000" dirty="0"/>
-            </a:br>
-            <a:r>
-              <a:rPr lang="en-US" sz="2000" dirty="0">
-                <a:hlinkClick r:id="rId4"/>
-              </a:rPr>
-              <a:t>https://git-scm.com/book/en/v2</a:t>
-            </a:r>
-            <a:endParaRPr lang="en-US" sz="2000" dirty="0"/>
-          </a:p>
-          <a:p>
-            <a:pPr marL="342900" indent="-342900">
-              <a:buFont typeface="Arial" panose="020B0604020202020204" pitchFamily="34" charset="0"/>
-              <a:buChar char="•"/>
-            </a:pPr>
-            <a:endParaRPr lang="en-US" sz="2000" dirty="0"/>
-          </a:p>
-          <a:p>
-            <a:endParaRPr lang="en-US" sz="2000" dirty="0"/>
-          </a:p>
-          <a:p>
-            <a:endParaRPr lang="en-US" sz="2000" dirty="0"/>
-          </a:p>
-          <a:p>
-            <a:endParaRPr lang="en-US" sz="2000" dirty="0"/>
-          </a:p>
-          <a:p>
-            <a:endParaRPr lang="en-US" sz="2000" dirty="0"/>
-          </a:p>
-          <a:p>
-            <a:endParaRPr lang="en-US" sz="2000" dirty="0"/>
-          </a:p>
-          <a:p>
-            <a:endParaRPr lang="en-US" sz="2000" dirty="0"/>
-          </a:p>
-          <a:p>
-            <a:endParaRPr lang="en-US" sz="2000" dirty="0"/>
-          </a:p>
-          <a:p>
-            <a:endParaRPr lang="en-US" sz="2000" dirty="0"/>
-          </a:p>
-          <a:p>
-            <a:endParaRPr lang="en-US" sz="2000" dirty="0"/>
-          </a:p>
-          <a:p>
-            <a:pPr algn="l" rtl="0"/>
-            <a:r>
-              <a:rPr lang="en-US" sz="2000" dirty="0">
-                <a:solidFill>
-                  <a:schemeClr val="tx1">
-                    <a:lumMod val="85000"/>
-                  </a:schemeClr>
-                </a:solidFill>
-                <a:latin typeface="Open Sans" panose="020B0606030504020204" pitchFamily="34" charset="0"/>
-                <a:hlinkClick r:id="rId5"/>
-              </a:rPr>
-              <a:t>Content Link in LMS</a:t>
-            </a:r>
-            <a:endParaRPr lang="en-US" sz="2000" b="0" i="0" dirty="0">
-              <a:solidFill>
-                <a:schemeClr val="tx1">
-                  <a:lumMod val="85000"/>
-                </a:schemeClr>
-              </a:solidFill>
-              <a:effectLst/>
-              <a:latin typeface="Open Sans" panose="020B0606030504020204" pitchFamily="34" charset="0"/>
-            </a:endParaRPr>
-          </a:p>
-        </p:txBody>
-      </p:sp>
-    </p:spTree>
-    <p:extLst>
-      <p:ext uri="{BB962C8B-B14F-4D97-AF65-F5344CB8AC3E}">
-        <p14:creationId xmlns:p14="http://schemas.microsoft.com/office/powerpoint/2010/main" val="3265754167"/>
       </p:ext>
     </p:extLst>
   </p:cSld>

--- a/Week1/BESD Week 1.pptx
+++ b/Week1/BESD Week 1.pptx
@@ -15,15 +15,15 @@
     <p:sldId id="265" r:id="rId9"/>
     <p:sldId id="266" r:id="rId10"/>
     <p:sldId id="267" r:id="rId11"/>
-    <p:sldId id="271" r:id="rId12"/>
-    <p:sldId id="272" r:id="rId13"/>
-    <p:sldId id="268" r:id="rId14"/>
-    <p:sldId id="273" r:id="rId15"/>
-    <p:sldId id="274" r:id="rId16"/>
-    <p:sldId id="275" r:id="rId17"/>
-    <p:sldId id="276" r:id="rId18"/>
-    <p:sldId id="269" r:id="rId19"/>
-    <p:sldId id="270" r:id="rId20"/>
+    <p:sldId id="268" r:id="rId12"/>
+    <p:sldId id="274" r:id="rId13"/>
+    <p:sldId id="275" r:id="rId14"/>
+    <p:sldId id="276" r:id="rId15"/>
+    <p:sldId id="269" r:id="rId16"/>
+    <p:sldId id="270" r:id="rId17"/>
+    <p:sldId id="271" r:id="rId18"/>
+    <p:sldId id="272" r:id="rId19"/>
+    <p:sldId id="273" r:id="rId20"/>
     <p:sldId id="260" r:id="rId21"/>
     <p:sldId id="259" r:id="rId22"/>
     <p:sldId id="277" r:id="rId23"/>
@@ -148,62 +148,6 @@
           <pc:docMk/>
           <pc:sldMk cId="3995279466" sldId="256"/>
         </pc:sldMkLst>
-        <pc:spChg chg="del">
-          <ac:chgData name="Chuck Kiefriter" userId="c57348f7-b440-4861-a58f-c89f414ea74a" providerId="ADAL" clId="{D941CC75-1891-403D-82AF-B9A758403F85}" dt="2023-03-04T21:12:27.840" v="0" actId="478"/>
-          <ac:spMkLst>
-            <pc:docMk/>
-            <pc:sldMk cId="3995279466" sldId="256"/>
-            <ac:spMk id="2" creationId="{9EB426FB-4536-BD50-2DCF-34CDC351C8B6}"/>
-          </ac:spMkLst>
-        </pc:spChg>
-        <pc:spChg chg="del">
-          <ac:chgData name="Chuck Kiefriter" userId="c57348f7-b440-4861-a58f-c89f414ea74a" providerId="ADAL" clId="{D941CC75-1891-403D-82AF-B9A758403F85}" dt="2023-03-04T21:12:27.840" v="0" actId="478"/>
-          <ac:spMkLst>
-            <pc:docMk/>
-            <pc:sldMk cId="3995279466" sldId="256"/>
-            <ac:spMk id="3" creationId="{3D8EF6AE-399C-E688-77F4-C775F74DE551}"/>
-          </ac:spMkLst>
-        </pc:spChg>
-        <pc:spChg chg="add mod">
-          <ac:chgData name="Chuck Kiefriter" userId="c57348f7-b440-4861-a58f-c89f414ea74a" providerId="ADAL" clId="{D941CC75-1891-403D-82AF-B9A758403F85}" dt="2023-03-07T03:43:22.174" v="2686" actId="403"/>
-          <ac:spMkLst>
-            <pc:docMk/>
-            <pc:sldMk cId="3995279466" sldId="256"/>
-            <ac:spMk id="3" creationId="{A6B2E4B2-9556-220D-A265-44C9FD951EE6}"/>
-          </ac:spMkLst>
-        </pc:spChg>
-        <pc:spChg chg="add mod">
-          <ac:chgData name="Chuck Kiefriter" userId="c57348f7-b440-4861-a58f-c89f414ea74a" providerId="ADAL" clId="{D941CC75-1891-403D-82AF-B9A758403F85}" dt="2023-03-07T23:42:18.777" v="3160" actId="1035"/>
-          <ac:spMkLst>
-            <pc:docMk/>
-            <pc:sldMk cId="3995279466" sldId="256"/>
-            <ac:spMk id="5" creationId="{5F9FFA0F-ABF5-A659-70E6-D8C77574B512}"/>
-          </ac:spMkLst>
-        </pc:spChg>
-        <pc:spChg chg="add mod">
-          <ac:chgData name="Chuck Kiefriter" userId="c57348f7-b440-4861-a58f-c89f414ea74a" providerId="ADAL" clId="{D941CC75-1891-403D-82AF-B9A758403F85}" dt="2023-03-07T23:42:07.898" v="3136" actId="403"/>
-          <ac:spMkLst>
-            <pc:docMk/>
-            <pc:sldMk cId="3995279466" sldId="256"/>
-            <ac:spMk id="6" creationId="{DE3DBA5A-FA8E-46C6-1402-E5C7632F4CAD}"/>
-          </ac:spMkLst>
-        </pc:spChg>
-        <pc:spChg chg="add mod">
-          <ac:chgData name="Chuck Kiefriter" userId="c57348f7-b440-4861-a58f-c89f414ea74a" providerId="ADAL" clId="{D941CC75-1891-403D-82AF-B9A758403F85}" dt="2023-03-07T23:42:18.777" v="3160" actId="1035"/>
-          <ac:spMkLst>
-            <pc:docMk/>
-            <pc:sldMk cId="3995279466" sldId="256"/>
-            <ac:spMk id="7" creationId="{E4743137-C6B2-414D-BFAA-03342A75F078}"/>
-          </ac:spMkLst>
-        </pc:spChg>
-        <pc:spChg chg="add mod">
-          <ac:chgData name="Chuck Kiefriter" userId="c57348f7-b440-4861-a58f-c89f414ea74a" providerId="ADAL" clId="{D941CC75-1891-403D-82AF-B9A758403F85}" dt="2023-03-07T23:42:18.777" v="3160" actId="1035"/>
-          <ac:spMkLst>
-            <pc:docMk/>
-            <pc:sldMk cId="3995279466" sldId="256"/>
-            <ac:spMk id="9" creationId="{173C8FB3-3AEA-AC6B-0DDF-E23D4893528F}"/>
-          </ac:spMkLst>
-        </pc:spChg>
       </pc:sldChg>
       <pc:sldChg chg="addSp delSp modSp add mod">
         <pc:chgData name="Chuck Kiefriter" userId="c57348f7-b440-4861-a58f-c89f414ea74a" providerId="ADAL" clId="{D941CC75-1891-403D-82AF-B9A758403F85}" dt="2023-03-07T23:23:35.979" v="2956" actId="1076"/>
@@ -211,86 +155,6 @@
           <pc:docMk/>
           <pc:sldMk cId="1765420669" sldId="257"/>
         </pc:sldMkLst>
-        <pc:spChg chg="add mod">
-          <ac:chgData name="Chuck Kiefriter" userId="c57348f7-b440-4861-a58f-c89f414ea74a" providerId="ADAL" clId="{D941CC75-1891-403D-82AF-B9A758403F85}" dt="2023-03-07T23:19:09.670" v="2936" actId="207"/>
-          <ac:spMkLst>
-            <pc:docMk/>
-            <pc:sldMk cId="1765420669" sldId="257"/>
-            <ac:spMk id="3" creationId="{23DFC7E9-54DD-38D7-0B9B-D34948D68CF9}"/>
-          </ac:spMkLst>
-        </pc:spChg>
-        <pc:spChg chg="add del mod">
-          <ac:chgData name="Chuck Kiefriter" userId="c57348f7-b440-4861-a58f-c89f414ea74a" providerId="ADAL" clId="{D941CC75-1891-403D-82AF-B9A758403F85}" dt="2023-03-04T21:54:14.054" v="517" actId="478"/>
-          <ac:spMkLst>
-            <pc:docMk/>
-            <pc:sldMk cId="1765420669" sldId="257"/>
-            <ac:spMk id="4" creationId="{F033974E-D160-F4FA-DB32-38733F0C1C83}"/>
-          </ac:spMkLst>
-        </pc:spChg>
-        <pc:spChg chg="del">
-          <ac:chgData name="Chuck Kiefriter" userId="c57348f7-b440-4861-a58f-c89f414ea74a" providerId="ADAL" clId="{D941CC75-1891-403D-82AF-B9A758403F85}" dt="2023-03-04T21:34:03.761" v="147" actId="478"/>
-          <ac:spMkLst>
-            <pc:docMk/>
-            <pc:sldMk cId="1765420669" sldId="257"/>
-            <ac:spMk id="5" creationId="{5F9FFA0F-ABF5-A659-70E6-D8C77574B512}"/>
-          </ac:spMkLst>
-        </pc:spChg>
-        <pc:spChg chg="del">
-          <ac:chgData name="Chuck Kiefriter" userId="c57348f7-b440-4861-a58f-c89f414ea74a" providerId="ADAL" clId="{D941CC75-1891-403D-82AF-B9A758403F85}" dt="2023-03-04T21:34:03.761" v="147" actId="478"/>
-          <ac:spMkLst>
-            <pc:docMk/>
-            <pc:sldMk cId="1765420669" sldId="257"/>
-            <ac:spMk id="7" creationId="{E4743137-C6B2-414D-BFAA-03342A75F078}"/>
-          </ac:spMkLst>
-        </pc:spChg>
-        <pc:spChg chg="del">
-          <ac:chgData name="Chuck Kiefriter" userId="c57348f7-b440-4861-a58f-c89f414ea74a" providerId="ADAL" clId="{D941CC75-1891-403D-82AF-B9A758403F85}" dt="2023-03-04T21:34:03.761" v="147" actId="478"/>
-          <ac:spMkLst>
-            <pc:docMk/>
-            <pc:sldMk cId="1765420669" sldId="257"/>
-            <ac:spMk id="9" creationId="{173C8FB3-3AEA-AC6B-0DDF-E23D4893528F}"/>
-          </ac:spMkLst>
-        </pc:spChg>
-        <pc:picChg chg="add mod">
-          <ac:chgData name="Chuck Kiefriter" userId="c57348f7-b440-4861-a58f-c89f414ea74a" providerId="ADAL" clId="{D941CC75-1891-403D-82AF-B9A758403F85}" dt="2023-03-07T03:38:40.001" v="2632" actId="1036"/>
-          <ac:picMkLst>
-            <pc:docMk/>
-            <pc:sldMk cId="1765420669" sldId="257"/>
-            <ac:picMk id="12" creationId="{01DAAD54-61AC-9062-FBDB-530E7418E80A}"/>
-          </ac:picMkLst>
-        </pc:picChg>
-        <pc:picChg chg="add mod">
-          <ac:chgData name="Chuck Kiefriter" userId="c57348f7-b440-4861-a58f-c89f414ea74a" providerId="ADAL" clId="{D941CC75-1891-403D-82AF-B9A758403F85}" dt="2023-03-07T23:23:35.979" v="2956" actId="1076"/>
-          <ac:picMkLst>
-            <pc:docMk/>
-            <pc:sldMk cId="1765420669" sldId="257"/>
-            <ac:picMk id="1026" creationId="{D93E8874-16ED-37D8-2956-6D482F053AA8}"/>
-          </ac:picMkLst>
-        </pc:picChg>
-        <pc:picChg chg="add del mod">
-          <ac:chgData name="Chuck Kiefriter" userId="c57348f7-b440-4861-a58f-c89f414ea74a" providerId="ADAL" clId="{D941CC75-1891-403D-82AF-B9A758403F85}" dt="2023-03-04T21:54:14.054" v="517" actId="478"/>
-          <ac:picMkLst>
-            <pc:docMk/>
-            <pc:sldMk cId="1765420669" sldId="257"/>
-            <ac:picMk id="1028" creationId="{91E72364-0ACF-DD00-E3F8-542B527C8363}"/>
-          </ac:picMkLst>
-        </pc:picChg>
-        <pc:picChg chg="add del mod">
-          <ac:chgData name="Chuck Kiefriter" userId="c57348f7-b440-4861-a58f-c89f414ea74a" providerId="ADAL" clId="{D941CC75-1891-403D-82AF-B9A758403F85}" dt="2023-03-04T21:52:52.051" v="516" actId="478"/>
-          <ac:picMkLst>
-            <pc:docMk/>
-            <pc:sldMk cId="1765420669" sldId="257"/>
-            <ac:picMk id="1030" creationId="{E33A0DA6-7064-88C8-98D0-E3CD726F3DCE}"/>
-          </ac:picMkLst>
-        </pc:picChg>
-        <pc:cxnChg chg="add del mod">
-          <ac:chgData name="Chuck Kiefriter" userId="c57348f7-b440-4861-a58f-c89f414ea74a" providerId="ADAL" clId="{D941CC75-1891-403D-82AF-B9A758403F85}" dt="2023-03-04T21:54:14.054" v="517" actId="478"/>
-          <ac:cxnSpMkLst>
-            <pc:docMk/>
-            <pc:sldMk cId="1765420669" sldId="257"/>
-            <ac:cxnSpMk id="8" creationId="{222FF33E-C6EB-499A-BCC8-B35FD1B39B13}"/>
-          </ac:cxnSpMkLst>
-        </pc:cxnChg>
       </pc:sldChg>
       <pc:sldChg chg="addSp delSp modSp add mod">
         <pc:chgData name="Chuck Kiefriter" userId="c57348f7-b440-4861-a58f-c89f414ea74a" providerId="ADAL" clId="{D941CC75-1891-403D-82AF-B9A758403F85}" dt="2023-03-07T03:38:51.189" v="2634" actId="1036"/>
@@ -298,62 +162,6 @@
           <pc:docMk/>
           <pc:sldMk cId="655659021" sldId="258"/>
         </pc:sldMkLst>
-        <pc:spChg chg="add del">
-          <ac:chgData name="Chuck Kiefriter" userId="c57348f7-b440-4861-a58f-c89f414ea74a" providerId="ADAL" clId="{D941CC75-1891-403D-82AF-B9A758403F85}" dt="2023-03-04T22:05:17.517" v="552" actId="478"/>
-          <ac:spMkLst>
-            <pc:docMk/>
-            <pc:sldMk cId="655659021" sldId="258"/>
-            <ac:spMk id="2" creationId="{5A86E7A1-5DDE-4EC7-4BBE-10D2A53EC2B5}"/>
-          </ac:spMkLst>
-        </pc:spChg>
-        <pc:spChg chg="del">
-          <ac:chgData name="Chuck Kiefriter" userId="c57348f7-b440-4861-a58f-c89f414ea74a" providerId="ADAL" clId="{D941CC75-1891-403D-82AF-B9A758403F85}" dt="2023-03-04T22:05:01.523" v="550" actId="478"/>
-          <ac:spMkLst>
-            <pc:docMk/>
-            <pc:sldMk cId="655659021" sldId="258"/>
-            <ac:spMk id="3" creationId="{23DFC7E9-54DD-38D7-0B9B-D34948D68CF9}"/>
-          </ac:spMkLst>
-        </pc:spChg>
-        <pc:spChg chg="add mod">
-          <ac:chgData name="Chuck Kiefriter" userId="c57348f7-b440-4861-a58f-c89f414ea74a" providerId="ADAL" clId="{D941CC75-1891-403D-82AF-B9A758403F85}" dt="2023-03-07T03:38:51.189" v="2634" actId="1036"/>
-          <ac:spMkLst>
-            <pc:docMk/>
-            <pc:sldMk cId="655659021" sldId="258"/>
-            <ac:spMk id="5" creationId="{8253E85F-0EB6-69E6-FD44-4BACACFD4C72}"/>
-          </ac:spMkLst>
-        </pc:spChg>
-        <pc:spChg chg="add mod">
-          <ac:chgData name="Chuck Kiefriter" userId="c57348f7-b440-4861-a58f-c89f414ea74a" providerId="ADAL" clId="{D941CC75-1891-403D-82AF-B9A758403F85}" dt="2023-03-04T22:15:02.146" v="614" actId="1035"/>
-          <ac:spMkLst>
-            <pc:docMk/>
-            <pc:sldMk cId="655659021" sldId="258"/>
-            <ac:spMk id="6" creationId="{28137285-641E-F537-9F52-02C7E2E20ABE}"/>
-          </ac:spMkLst>
-        </pc:spChg>
-        <pc:spChg chg="add mod">
-          <ac:chgData name="Chuck Kiefriter" userId="c57348f7-b440-4861-a58f-c89f414ea74a" providerId="ADAL" clId="{D941CC75-1891-403D-82AF-B9A758403F85}" dt="2023-03-04T22:38:20.122" v="873" actId="14100"/>
-          <ac:spMkLst>
-            <pc:docMk/>
-            <pc:sldMk cId="655659021" sldId="258"/>
-            <ac:spMk id="7" creationId="{EA0F1AA1-6FDC-AEA9-BF2B-0C02FDD93B07}"/>
-          </ac:spMkLst>
-        </pc:spChg>
-        <pc:spChg chg="add del mod">
-          <ac:chgData name="Chuck Kiefriter" userId="c57348f7-b440-4861-a58f-c89f414ea74a" providerId="ADAL" clId="{D941CC75-1891-403D-82AF-B9A758403F85}" dt="2023-03-04T22:31:25.133" v="740"/>
-          <ac:spMkLst>
-            <pc:docMk/>
-            <pc:sldMk cId="655659021" sldId="258"/>
-            <ac:spMk id="8" creationId="{16D12B97-C86C-81E9-3C38-7713AE801D52}"/>
-          </ac:spMkLst>
-        </pc:spChg>
-        <pc:picChg chg="add mod">
-          <ac:chgData name="Chuck Kiefriter" userId="c57348f7-b440-4861-a58f-c89f414ea74a" providerId="ADAL" clId="{D941CC75-1891-403D-82AF-B9A758403F85}" dt="2023-03-04T22:12:40.311" v="586" actId="1076"/>
-          <ac:picMkLst>
-            <pc:docMk/>
-            <pc:sldMk cId="655659021" sldId="258"/>
-            <ac:picMk id="2052" creationId="{A2B0DB60-A4DC-AB97-FC0D-3622E425B203}"/>
-          </ac:picMkLst>
-        </pc:picChg>
       </pc:sldChg>
       <pc:sldChg chg="delSp modSp add ord">
         <pc:chgData name="Chuck Kiefriter" userId="c57348f7-b440-4861-a58f-c89f414ea74a" providerId="ADAL" clId="{D941CC75-1891-403D-82AF-B9A758403F85}" dt="2023-03-04T21:52:38.955" v="515" actId="14100"/>
@@ -361,38 +169,6 @@
           <pc:docMk/>
           <pc:sldMk cId="1275780189" sldId="259"/>
         </pc:sldMkLst>
-        <pc:spChg chg="del">
-          <ac:chgData name="Chuck Kiefriter" userId="c57348f7-b440-4861-a58f-c89f414ea74a" providerId="ADAL" clId="{D941CC75-1891-403D-82AF-B9A758403F85}" dt="2023-03-04T21:52:24.199" v="510" actId="478"/>
-          <ac:spMkLst>
-            <pc:docMk/>
-            <pc:sldMk cId="1275780189" sldId="259"/>
-            <ac:spMk id="3" creationId="{23DFC7E9-54DD-38D7-0B9B-D34948D68CF9}"/>
-          </ac:spMkLst>
-        </pc:spChg>
-        <pc:picChg chg="del">
-          <ac:chgData name="Chuck Kiefriter" userId="c57348f7-b440-4861-a58f-c89f414ea74a" providerId="ADAL" clId="{D941CC75-1891-403D-82AF-B9A758403F85}" dt="2023-03-04T21:52:27.060" v="512" actId="478"/>
-          <ac:picMkLst>
-            <pc:docMk/>
-            <pc:sldMk cId="1275780189" sldId="259"/>
-            <ac:picMk id="1026" creationId="{D93E8874-16ED-37D8-2956-6D482F053AA8}"/>
-          </ac:picMkLst>
-        </pc:picChg>
-        <pc:picChg chg="del">
-          <ac:chgData name="Chuck Kiefriter" userId="c57348f7-b440-4861-a58f-c89f414ea74a" providerId="ADAL" clId="{D941CC75-1891-403D-82AF-B9A758403F85}" dt="2023-03-04T21:52:24.199" v="510" actId="478"/>
-          <ac:picMkLst>
-            <pc:docMk/>
-            <pc:sldMk cId="1275780189" sldId="259"/>
-            <ac:picMk id="1028" creationId="{91E72364-0ACF-DD00-E3F8-542B527C8363}"/>
-          </ac:picMkLst>
-        </pc:picChg>
-        <pc:picChg chg="mod">
-          <ac:chgData name="Chuck Kiefriter" userId="c57348f7-b440-4861-a58f-c89f414ea74a" providerId="ADAL" clId="{D941CC75-1891-403D-82AF-B9A758403F85}" dt="2023-03-04T21:52:38.955" v="515" actId="14100"/>
-          <ac:picMkLst>
-            <pc:docMk/>
-            <pc:sldMk cId="1275780189" sldId="259"/>
-            <ac:picMk id="1030" creationId="{E33A0DA6-7064-88C8-98D0-E3CD726F3DCE}"/>
-          </ac:picMkLst>
-        </pc:picChg>
       </pc:sldChg>
       <pc:sldChg chg="modSp add mod">
         <pc:chgData name="Chuck Kiefriter" userId="c57348f7-b440-4861-a58f-c89f414ea74a" providerId="ADAL" clId="{D941CC75-1891-403D-82AF-B9A758403F85}" dt="2023-03-04T22:39:24.795" v="897" actId="1076"/>
@@ -400,14 +176,6 @@
           <pc:docMk/>
           <pc:sldMk cId="2394962184" sldId="260"/>
         </pc:sldMkLst>
-        <pc:spChg chg="mod">
-          <ac:chgData name="Chuck Kiefriter" userId="c57348f7-b440-4861-a58f-c89f414ea74a" providerId="ADAL" clId="{D941CC75-1891-403D-82AF-B9A758403F85}" dt="2023-03-04T22:39:24.795" v="897" actId="1076"/>
-          <ac:spMkLst>
-            <pc:docMk/>
-            <pc:sldMk cId="2394962184" sldId="260"/>
-            <ac:spMk id="3" creationId="{23DFC7E9-54DD-38D7-0B9B-D34948D68CF9}"/>
-          </ac:spMkLst>
-        </pc:spChg>
       </pc:sldChg>
       <pc:sldChg chg="addSp delSp modSp add mod">
         <pc:chgData name="Chuck Kiefriter" userId="c57348f7-b440-4861-a58f-c89f414ea74a" providerId="ADAL" clId="{D941CC75-1891-403D-82AF-B9A758403F85}" dt="2023-03-04T22:37:38.606" v="872" actId="14100"/>
@@ -415,94 +183,6 @@
           <pc:docMk/>
           <pc:sldMk cId="1186913456" sldId="261"/>
         </pc:sldMkLst>
-        <pc:spChg chg="add mod">
-          <ac:chgData name="Chuck Kiefriter" userId="c57348f7-b440-4861-a58f-c89f414ea74a" providerId="ADAL" clId="{D941CC75-1891-403D-82AF-B9A758403F85}" dt="2023-03-04T22:33:10.414" v="818" actId="1038"/>
-          <ac:spMkLst>
-            <pc:docMk/>
-            <pc:sldMk cId="1186913456" sldId="261"/>
-            <ac:spMk id="4" creationId="{5AA6D616-2045-7E94-169F-E5ACDF17050A}"/>
-          </ac:spMkLst>
-        </pc:spChg>
-        <pc:spChg chg="mod">
-          <ac:chgData name="Chuck Kiefriter" userId="c57348f7-b440-4861-a58f-c89f414ea74a" providerId="ADAL" clId="{D941CC75-1891-403D-82AF-B9A758403F85}" dt="2023-03-04T22:26:57.475" v="721" actId="403"/>
-          <ac:spMkLst>
-            <pc:docMk/>
-            <pc:sldMk cId="1186913456" sldId="261"/>
-            <ac:spMk id="5" creationId="{8253E85F-0EB6-69E6-FD44-4BACACFD4C72}"/>
-          </ac:spMkLst>
-        </pc:spChg>
-        <pc:spChg chg="del">
-          <ac:chgData name="Chuck Kiefriter" userId="c57348f7-b440-4861-a58f-c89f414ea74a" providerId="ADAL" clId="{D941CC75-1891-403D-82AF-B9A758403F85}" dt="2023-03-04T22:26:20.724" v="681" actId="478"/>
-          <ac:spMkLst>
-            <pc:docMk/>
-            <pc:sldMk cId="1186913456" sldId="261"/>
-            <ac:spMk id="6" creationId="{28137285-641E-F537-9F52-02C7E2E20ABE}"/>
-          </ac:spMkLst>
-        </pc:spChg>
-        <pc:spChg chg="del">
-          <ac:chgData name="Chuck Kiefriter" userId="c57348f7-b440-4861-a58f-c89f414ea74a" providerId="ADAL" clId="{D941CC75-1891-403D-82AF-B9A758403F85}" dt="2023-03-04T22:26:17.030" v="680" actId="478"/>
-          <ac:spMkLst>
-            <pc:docMk/>
-            <pc:sldMk cId="1186913456" sldId="261"/>
-            <ac:spMk id="7" creationId="{EA0F1AA1-6FDC-AEA9-BF2B-0C02FDD93B07}"/>
-          </ac:spMkLst>
-        </pc:spChg>
-        <pc:spChg chg="add mod">
-          <ac:chgData name="Chuck Kiefriter" userId="c57348f7-b440-4861-a58f-c89f414ea74a" providerId="ADAL" clId="{D941CC75-1891-403D-82AF-B9A758403F85}" dt="2023-03-04T22:33:10.414" v="818" actId="1038"/>
-          <ac:spMkLst>
-            <pc:docMk/>
-            <pc:sldMk cId="1186913456" sldId="261"/>
-            <ac:spMk id="8" creationId="{B4D71124-8906-9FED-B589-5E0B3711B79D}"/>
-          </ac:spMkLst>
-        </pc:spChg>
-        <pc:spChg chg="add mod">
-          <ac:chgData name="Chuck Kiefriter" userId="c57348f7-b440-4861-a58f-c89f414ea74a" providerId="ADAL" clId="{D941CC75-1891-403D-82AF-B9A758403F85}" dt="2023-03-04T22:33:10.414" v="818" actId="1038"/>
-          <ac:spMkLst>
-            <pc:docMk/>
-            <pc:sldMk cId="1186913456" sldId="261"/>
-            <ac:spMk id="9" creationId="{FBE5ED58-27F1-B933-09BF-7C99ACF03E31}"/>
-          </ac:spMkLst>
-        </pc:spChg>
-        <pc:spChg chg="add mod">
-          <ac:chgData name="Chuck Kiefriter" userId="c57348f7-b440-4861-a58f-c89f414ea74a" providerId="ADAL" clId="{D941CC75-1891-403D-82AF-B9A758403F85}" dt="2023-03-04T22:33:10.414" v="818" actId="1038"/>
-          <ac:spMkLst>
-            <pc:docMk/>
-            <pc:sldMk cId="1186913456" sldId="261"/>
-            <ac:spMk id="10" creationId="{A65B39B2-6443-7404-715F-A843BE42252C}"/>
-          </ac:spMkLst>
-        </pc:spChg>
-        <pc:picChg chg="add mod">
-          <ac:chgData name="Chuck Kiefriter" userId="c57348f7-b440-4861-a58f-c89f414ea74a" providerId="ADAL" clId="{D941CC75-1891-403D-82AF-B9A758403F85}" dt="2023-03-04T22:33:10.414" v="818" actId="1038"/>
-          <ac:picMkLst>
-            <pc:docMk/>
-            <pc:sldMk cId="1186913456" sldId="261"/>
-            <ac:picMk id="3" creationId="{E755F3DA-766B-A649-A224-EFABAA3B3CC8}"/>
-          </ac:picMkLst>
-        </pc:picChg>
-        <pc:picChg chg="del">
-          <ac:chgData name="Chuck Kiefriter" userId="c57348f7-b440-4861-a58f-c89f414ea74a" providerId="ADAL" clId="{D941CC75-1891-403D-82AF-B9A758403F85}" dt="2023-03-04T22:26:12.884" v="677" actId="478"/>
-          <ac:picMkLst>
-            <pc:docMk/>
-            <pc:sldMk cId="1186913456" sldId="261"/>
-            <ac:picMk id="2052" creationId="{A2B0DB60-A4DC-AB97-FC0D-3622E425B203}"/>
-          </ac:picMkLst>
-        </pc:picChg>
-        <pc:picChg chg="add mod">
-          <ac:chgData name="Chuck Kiefriter" userId="c57348f7-b440-4861-a58f-c89f414ea74a" providerId="ADAL" clId="{D941CC75-1891-403D-82AF-B9A758403F85}" dt="2023-03-04T22:33:10.414" v="818" actId="1038"/>
-          <ac:picMkLst>
-            <pc:docMk/>
-            <pc:sldMk cId="1186913456" sldId="261"/>
-            <ac:picMk id="3074" creationId="{34FDB374-2623-E6C5-7137-00301709ACCF}"/>
-          </ac:picMkLst>
-        </pc:picChg>
-        <pc:picChg chg="add mod">
-          <ac:chgData name="Chuck Kiefriter" userId="c57348f7-b440-4861-a58f-c89f414ea74a" providerId="ADAL" clId="{D941CC75-1891-403D-82AF-B9A758403F85}" dt="2023-03-04T22:37:38.606" v="872" actId="14100"/>
-          <ac:picMkLst>
-            <pc:docMk/>
-            <pc:sldMk cId="1186913456" sldId="261"/>
-            <ac:picMk id="3076" creationId="{8D51F639-D356-3004-58D9-D2DA3FBE743D}"/>
-          </ac:picMkLst>
-        </pc:picChg>
       </pc:sldChg>
       <pc:sldChg chg="modSp add mod ord">
         <pc:chgData name="Chuck Kiefriter" userId="c57348f7-b440-4861-a58f-c89f414ea74a" providerId="ADAL" clId="{D941CC75-1891-403D-82AF-B9A758403F85}" dt="2023-03-07T23:21:59.387" v="2953" actId="207"/>
@@ -510,14 +190,6 @@
           <pc:docMk/>
           <pc:sldMk cId="3188994331" sldId="262"/>
         </pc:sldMkLst>
-        <pc:spChg chg="mod">
-          <ac:chgData name="Chuck Kiefriter" userId="c57348f7-b440-4861-a58f-c89f414ea74a" providerId="ADAL" clId="{D941CC75-1891-403D-82AF-B9A758403F85}" dt="2023-03-07T23:21:59.387" v="2953" actId="207"/>
-          <ac:spMkLst>
-            <pc:docMk/>
-            <pc:sldMk cId="3188994331" sldId="262"/>
-            <ac:spMk id="3" creationId="{23DFC7E9-54DD-38D7-0B9B-D34948D68CF9}"/>
-          </ac:spMkLst>
-        </pc:spChg>
       </pc:sldChg>
       <pc:sldChg chg="modSp mod">
         <pc:chgData name="Chuck Kiefriter" userId="c57348f7-b440-4861-a58f-c89f414ea74a" providerId="ADAL" clId="{D941CC75-1891-403D-82AF-B9A758403F85}" dt="2023-03-07T23:40:22.607" v="3110" actId="20577"/>
@@ -525,14 +197,6 @@
           <pc:docMk/>
           <pc:sldMk cId="3194223319" sldId="263"/>
         </pc:sldMkLst>
-        <pc:spChg chg="mod">
-          <ac:chgData name="Chuck Kiefriter" userId="c57348f7-b440-4861-a58f-c89f414ea74a" providerId="ADAL" clId="{D941CC75-1891-403D-82AF-B9A758403F85}" dt="2023-03-07T23:40:22.607" v="3110" actId="20577"/>
-          <ac:spMkLst>
-            <pc:docMk/>
-            <pc:sldMk cId="3194223319" sldId="263"/>
-            <ac:spMk id="3" creationId="{23DFC7E9-54DD-38D7-0B9B-D34948D68CF9}"/>
-          </ac:spMkLst>
-        </pc:spChg>
       </pc:sldChg>
       <pc:sldChg chg="add">
         <pc:chgData name="Chuck Kiefriter" userId="c57348f7-b440-4861-a58f-c89f414ea74a" providerId="ADAL" clId="{D941CC75-1891-403D-82AF-B9A758403F85}" dt="2023-03-04T22:53:23.727" v="935" actId="2890"/>
@@ -547,14 +211,6 @@
           <pc:docMk/>
           <pc:sldMk cId="367428708" sldId="265"/>
         </pc:sldMkLst>
-        <pc:spChg chg="mod">
-          <ac:chgData name="Chuck Kiefriter" userId="c57348f7-b440-4861-a58f-c89f414ea74a" providerId="ADAL" clId="{D941CC75-1891-403D-82AF-B9A758403F85}" dt="2023-03-04T23:41:46.339" v="1212" actId="6549"/>
-          <ac:spMkLst>
-            <pc:docMk/>
-            <pc:sldMk cId="367428708" sldId="265"/>
-            <ac:spMk id="3" creationId="{23DFC7E9-54DD-38D7-0B9B-D34948D68CF9}"/>
-          </ac:spMkLst>
-        </pc:spChg>
       </pc:sldChg>
       <pc:sldChg chg="addSp delSp modSp add mod">
         <pc:chgData name="Chuck Kiefriter" userId="c57348f7-b440-4861-a58f-c89f414ea74a" providerId="ADAL" clId="{D941CC75-1891-403D-82AF-B9A758403F85}" dt="2023-03-05T17:19:54.347" v="1385" actId="403"/>
@@ -562,46 +218,6 @@
           <pc:docMk/>
           <pc:sldMk cId="3472760250" sldId="266"/>
         </pc:sldMkLst>
-        <pc:spChg chg="add mod">
-          <ac:chgData name="Chuck Kiefriter" userId="c57348f7-b440-4861-a58f-c89f414ea74a" providerId="ADAL" clId="{D941CC75-1891-403D-82AF-B9A758403F85}" dt="2023-03-05T17:19:19.352" v="1365" actId="1035"/>
-          <ac:spMkLst>
-            <pc:docMk/>
-            <pc:sldMk cId="3472760250" sldId="266"/>
-            <ac:spMk id="3" creationId="{8A190F0E-2F97-FB1D-4C12-99BD52A45698}"/>
-          </ac:spMkLst>
-        </pc:spChg>
-        <pc:spChg chg="del mod">
-          <ac:chgData name="Chuck Kiefriter" userId="c57348f7-b440-4861-a58f-c89f414ea74a" providerId="ADAL" clId="{D941CC75-1891-403D-82AF-B9A758403F85}" dt="2023-03-04T23:42:45.681" v="1225" actId="478"/>
-          <ac:spMkLst>
-            <pc:docMk/>
-            <pc:sldMk cId="3472760250" sldId="266"/>
-            <ac:spMk id="5" creationId="{5F9FFA0F-ABF5-A659-70E6-D8C77574B512}"/>
-          </ac:spMkLst>
-        </pc:spChg>
-        <pc:spChg chg="add mod">
-          <ac:chgData name="Chuck Kiefriter" userId="c57348f7-b440-4861-a58f-c89f414ea74a" providerId="ADAL" clId="{D941CC75-1891-403D-82AF-B9A758403F85}" dt="2023-03-05T17:19:54.347" v="1385" actId="403"/>
-          <ac:spMkLst>
-            <pc:docMk/>
-            <pc:sldMk cId="3472760250" sldId="266"/>
-            <ac:spMk id="6" creationId="{59E906CD-110B-9D01-732C-2F21759B0265}"/>
-          </ac:spMkLst>
-        </pc:spChg>
-        <pc:spChg chg="del">
-          <ac:chgData name="Chuck Kiefriter" userId="c57348f7-b440-4861-a58f-c89f414ea74a" providerId="ADAL" clId="{D941CC75-1891-403D-82AF-B9A758403F85}" dt="2023-03-04T23:41:54.149" v="1213" actId="478"/>
-          <ac:spMkLst>
-            <pc:docMk/>
-            <pc:sldMk cId="3472760250" sldId="266"/>
-            <ac:spMk id="7" creationId="{E4743137-C6B2-414D-BFAA-03342A75F078}"/>
-          </ac:spMkLst>
-        </pc:spChg>
-        <pc:spChg chg="del">
-          <ac:chgData name="Chuck Kiefriter" userId="c57348f7-b440-4861-a58f-c89f414ea74a" providerId="ADAL" clId="{D941CC75-1891-403D-82AF-B9A758403F85}" dt="2023-03-04T23:41:54.149" v="1213" actId="478"/>
-          <ac:spMkLst>
-            <pc:docMk/>
-            <pc:sldMk cId="3472760250" sldId="266"/>
-            <ac:spMk id="9" creationId="{173C8FB3-3AEA-AC6B-0DDF-E23D4893528F}"/>
-          </ac:spMkLst>
-        </pc:spChg>
       </pc:sldChg>
       <pc:sldChg chg="addSp delSp modSp add del mod">
         <pc:chgData name="Chuck Kiefriter" userId="c57348f7-b440-4861-a58f-c89f414ea74a" providerId="ADAL" clId="{D941CC75-1891-403D-82AF-B9A758403F85}" dt="2023-03-05T17:26:35.420" v="1430" actId="2696"/>
@@ -609,30 +225,6 @@
           <pc:docMk/>
           <pc:sldMk cId="184580261" sldId="267"/>
         </pc:sldMkLst>
-        <pc:spChg chg="del">
-          <ac:chgData name="Chuck Kiefriter" userId="c57348f7-b440-4861-a58f-c89f414ea74a" providerId="ADAL" clId="{D941CC75-1891-403D-82AF-B9A758403F85}" dt="2023-03-05T17:21:09.695" v="1410" actId="478"/>
-          <ac:spMkLst>
-            <pc:docMk/>
-            <pc:sldMk cId="184580261" sldId="267"/>
-            <ac:spMk id="3" creationId="{8A190F0E-2F97-FB1D-4C12-99BD52A45698}"/>
-          </ac:spMkLst>
-        </pc:spChg>
-        <pc:spChg chg="add mod">
-          <ac:chgData name="Chuck Kiefriter" userId="c57348f7-b440-4861-a58f-c89f414ea74a" providerId="ADAL" clId="{D941CC75-1891-403D-82AF-B9A758403F85}" dt="2023-03-05T17:22:23.216" v="1420" actId="207"/>
-          <ac:spMkLst>
-            <pc:docMk/>
-            <pc:sldMk cId="184580261" sldId="267"/>
-            <ac:spMk id="4" creationId="{051DC5DB-C58E-56B3-76BF-4596A55B19BC}"/>
-          </ac:spMkLst>
-        </pc:spChg>
-        <pc:spChg chg="mod">
-          <ac:chgData name="Chuck Kiefriter" userId="c57348f7-b440-4861-a58f-c89f414ea74a" providerId="ADAL" clId="{D941CC75-1891-403D-82AF-B9A758403F85}" dt="2023-03-05T17:23:30.240" v="1428" actId="20577"/>
-          <ac:spMkLst>
-            <pc:docMk/>
-            <pc:sldMk cId="184580261" sldId="267"/>
-            <ac:spMk id="6" creationId="{59E906CD-110B-9D01-732C-2F21759B0265}"/>
-          </ac:spMkLst>
-        </pc:spChg>
       </pc:sldChg>
       <pc:sldChg chg="add del">
         <pc:chgData name="Chuck Kiefriter" userId="c57348f7-b440-4861-a58f-c89f414ea74a" providerId="ADAL" clId="{D941CC75-1891-403D-82AF-B9A758403F85}" dt="2023-03-04T23:42:02.736" v="1216"/>
@@ -654,38 +246,6 @@
           <pc:docMk/>
           <pc:sldMk cId="192346319" sldId="268"/>
         </pc:sldMkLst>
-        <pc:spChg chg="add mod">
-          <ac:chgData name="Chuck Kiefriter" userId="c57348f7-b440-4861-a58f-c89f414ea74a" providerId="ADAL" clId="{D941CC75-1891-403D-82AF-B9A758403F85}" dt="2023-03-05T17:30:52.568" v="1588" actId="1036"/>
-          <ac:spMkLst>
-            <pc:docMk/>
-            <pc:sldMk cId="192346319" sldId="268"/>
-            <ac:spMk id="2" creationId="{2C17FE52-5FCE-93EA-391D-35903F25B335}"/>
-          </ac:spMkLst>
-        </pc:spChg>
-        <pc:spChg chg="add mod">
-          <ac:chgData name="Chuck Kiefriter" userId="c57348f7-b440-4861-a58f-c89f414ea74a" providerId="ADAL" clId="{D941CC75-1891-403D-82AF-B9A758403F85}" dt="2023-03-07T23:55:58.366" v="3206" actId="20577"/>
-          <ac:spMkLst>
-            <pc:docMk/>
-            <pc:sldMk cId="192346319" sldId="268"/>
-            <ac:spMk id="3" creationId="{A58D446F-66C1-FA6C-A21C-431C54ABE43D}"/>
-          </ac:spMkLst>
-        </pc:spChg>
-        <pc:spChg chg="mod">
-          <ac:chgData name="Chuck Kiefriter" userId="c57348f7-b440-4861-a58f-c89f414ea74a" providerId="ADAL" clId="{D941CC75-1891-403D-82AF-B9A758403F85}" dt="2023-03-05T17:30:52.568" v="1588" actId="1036"/>
-          <ac:spMkLst>
-            <pc:docMk/>
-            <pc:sldMk cId="192346319" sldId="268"/>
-            <ac:spMk id="4" creationId="{051DC5DB-C58E-56B3-76BF-4596A55B19BC}"/>
-          </ac:spMkLst>
-        </pc:spChg>
-        <pc:spChg chg="mod">
-          <ac:chgData name="Chuck Kiefriter" userId="c57348f7-b440-4861-a58f-c89f414ea74a" providerId="ADAL" clId="{D941CC75-1891-403D-82AF-B9A758403F85}" dt="2023-03-05T17:30:52.568" v="1588" actId="1036"/>
-          <ac:spMkLst>
-            <pc:docMk/>
-            <pc:sldMk cId="192346319" sldId="268"/>
-            <ac:spMk id="6" creationId="{59E906CD-110B-9D01-732C-2F21759B0265}"/>
-          </ac:spMkLst>
-        </pc:spChg>
       </pc:sldChg>
       <pc:sldChg chg="add del">
         <pc:chgData name="Chuck Kiefriter" userId="c57348f7-b440-4861-a58f-c89f414ea74a" providerId="ADAL" clId="{D941CC75-1891-403D-82AF-B9A758403F85}" dt="2023-03-04T23:42:02.736" v="1216"/>
@@ -700,14 +260,6 @@
           <pc:docMk/>
           <pc:sldMk cId="723408712" sldId="269"/>
         </pc:sldMkLst>
-        <pc:spChg chg="mod">
-          <ac:chgData name="Chuck Kiefriter" userId="c57348f7-b440-4861-a58f-c89f414ea74a" providerId="ADAL" clId="{D941CC75-1891-403D-82AF-B9A758403F85}" dt="2023-03-05T17:47:51.508" v="1765" actId="1037"/>
-          <ac:spMkLst>
-            <pc:docMk/>
-            <pc:sldMk cId="723408712" sldId="269"/>
-            <ac:spMk id="3" creationId="{23DFC7E9-54DD-38D7-0B9B-D34948D68CF9}"/>
-          </ac:spMkLst>
-        </pc:spChg>
       </pc:sldChg>
       <pc:sldChg chg="add">
         <pc:chgData name="Chuck Kiefriter" userId="c57348f7-b440-4861-a58f-c89f414ea74a" providerId="ADAL" clId="{D941CC75-1891-403D-82AF-B9A758403F85}" dt="2023-03-07T00:48:31.575" v="2589"/>
@@ -729,46 +281,6 @@
           <pc:docMk/>
           <pc:sldMk cId="2256619431" sldId="270"/>
         </pc:sldMkLst>
-        <pc:spChg chg="del">
-          <ac:chgData name="Chuck Kiefriter" userId="c57348f7-b440-4861-a58f-c89f414ea74a" providerId="ADAL" clId="{D941CC75-1891-403D-82AF-B9A758403F85}" dt="2023-03-05T17:41:10.560" v="1606" actId="478"/>
-          <ac:spMkLst>
-            <pc:docMk/>
-            <pc:sldMk cId="2256619431" sldId="270"/>
-            <ac:spMk id="2" creationId="{2C17FE52-5FCE-93EA-391D-35903F25B335}"/>
-          </ac:spMkLst>
-        </pc:spChg>
-        <pc:spChg chg="del">
-          <ac:chgData name="Chuck Kiefriter" userId="c57348f7-b440-4861-a58f-c89f414ea74a" providerId="ADAL" clId="{D941CC75-1891-403D-82AF-B9A758403F85}" dt="2023-03-05T17:41:10.560" v="1606" actId="478"/>
-          <ac:spMkLst>
-            <pc:docMk/>
-            <pc:sldMk cId="2256619431" sldId="270"/>
-            <ac:spMk id="3" creationId="{A58D446F-66C1-FA6C-A21C-431C54ABE43D}"/>
-          </ac:spMkLst>
-        </pc:spChg>
-        <pc:spChg chg="del">
-          <ac:chgData name="Chuck Kiefriter" userId="c57348f7-b440-4861-a58f-c89f414ea74a" providerId="ADAL" clId="{D941CC75-1891-403D-82AF-B9A758403F85}" dt="2023-03-05T17:41:34.225" v="1611" actId="478"/>
-          <ac:spMkLst>
-            <pc:docMk/>
-            <pc:sldMk cId="2256619431" sldId="270"/>
-            <ac:spMk id="4" creationId="{051DC5DB-C58E-56B3-76BF-4596A55B19BC}"/>
-          </ac:spMkLst>
-        </pc:spChg>
-        <pc:spChg chg="mod">
-          <ac:chgData name="Chuck Kiefriter" userId="c57348f7-b440-4861-a58f-c89f414ea74a" providerId="ADAL" clId="{D941CC75-1891-403D-82AF-B9A758403F85}" dt="2023-03-05T17:42:55.292" v="1685" actId="20577"/>
-          <ac:spMkLst>
-            <pc:docMk/>
-            <pc:sldMk cId="2256619431" sldId="270"/>
-            <ac:spMk id="6" creationId="{59E906CD-110B-9D01-732C-2F21759B0265}"/>
-          </ac:spMkLst>
-        </pc:spChg>
-        <pc:spChg chg="add mod">
-          <ac:chgData name="Chuck Kiefriter" userId="c57348f7-b440-4861-a58f-c89f414ea74a" providerId="ADAL" clId="{D941CC75-1891-403D-82AF-B9A758403F85}" dt="2023-03-05T21:01:09.965" v="2191" actId="20577"/>
-          <ac:spMkLst>
-            <pc:docMk/>
-            <pc:sldMk cId="2256619431" sldId="270"/>
-            <ac:spMk id="7" creationId="{258EA3F4-5A0B-FC3D-626B-2F94931B6638}"/>
-          </ac:spMkLst>
-        </pc:spChg>
       </pc:sldChg>
       <pc:sldChg chg="modSp add del mod ord">
         <pc:chgData name="Chuck Kiefriter" userId="c57348f7-b440-4861-a58f-c89f414ea74a" providerId="ADAL" clId="{D941CC75-1891-403D-82AF-B9A758403F85}" dt="2023-03-07T00:48:27.694" v="2588" actId="2696"/>
@@ -776,14 +288,6 @@
           <pc:docMk/>
           <pc:sldMk cId="97634202" sldId="271"/>
         </pc:sldMkLst>
-        <pc:spChg chg="mod">
-          <ac:chgData name="Chuck Kiefriter" userId="c57348f7-b440-4861-a58f-c89f414ea74a" providerId="ADAL" clId="{D941CC75-1891-403D-82AF-B9A758403F85}" dt="2023-03-05T17:54:31.785" v="1835" actId="404"/>
-          <ac:spMkLst>
-            <pc:docMk/>
-            <pc:sldMk cId="97634202" sldId="271"/>
-            <ac:spMk id="3" creationId="{23DFC7E9-54DD-38D7-0B9B-D34948D68CF9}"/>
-          </ac:spMkLst>
-        </pc:spChg>
       </pc:sldChg>
       <pc:sldChg chg="add">
         <pc:chgData name="Chuck Kiefriter" userId="c57348f7-b440-4861-a58f-c89f414ea74a" providerId="ADAL" clId="{D941CC75-1891-403D-82AF-B9A758403F85}" dt="2023-03-07T00:48:31.575" v="2589"/>
@@ -798,14 +302,6 @@
           <pc:docMk/>
           <pc:sldMk cId="323829688" sldId="272"/>
         </pc:sldMkLst>
-        <pc:spChg chg="add mod">
-          <ac:chgData name="Chuck Kiefriter" userId="c57348f7-b440-4861-a58f-c89f414ea74a" providerId="ADAL" clId="{D941CC75-1891-403D-82AF-B9A758403F85}" dt="2023-03-07T23:36:09.058" v="2980" actId="20577"/>
-          <ac:spMkLst>
-            <pc:docMk/>
-            <pc:sldMk cId="323829688" sldId="272"/>
-            <ac:spMk id="4" creationId="{72611DA7-AE29-00A1-7AE2-4A353A359FBB}"/>
-          </ac:spMkLst>
-        </pc:spChg>
       </pc:sldChg>
       <pc:sldChg chg="addSp delSp modSp add del mod">
         <pc:chgData name="Chuck Kiefriter" userId="c57348f7-b440-4861-a58f-c89f414ea74a" providerId="ADAL" clId="{D941CC75-1891-403D-82AF-B9A758403F85}" dt="2023-03-07T00:48:27.694" v="2588" actId="2696"/>
@@ -813,30 +309,6 @@
           <pc:docMk/>
           <pc:sldMk cId="509926564" sldId="272"/>
         </pc:sldMkLst>
-        <pc:spChg chg="add mod">
-          <ac:chgData name="Chuck Kiefriter" userId="c57348f7-b440-4861-a58f-c89f414ea74a" providerId="ADAL" clId="{D941CC75-1891-403D-82AF-B9A758403F85}" dt="2023-03-05T18:23:08.886" v="2151" actId="20577"/>
-          <ac:spMkLst>
-            <pc:docMk/>
-            <pc:sldMk cId="509926564" sldId="272"/>
-            <ac:spMk id="3" creationId="{18C8971B-4F18-19E0-01D3-697860030BC7}"/>
-          </ac:spMkLst>
-        </pc:spChg>
-        <pc:spChg chg="mod">
-          <ac:chgData name="Chuck Kiefriter" userId="c57348f7-b440-4861-a58f-c89f414ea74a" providerId="ADAL" clId="{D941CC75-1891-403D-82AF-B9A758403F85}" dt="2023-03-05T17:56:36.675" v="1852" actId="20577"/>
-          <ac:spMkLst>
-            <pc:docMk/>
-            <pc:sldMk cId="509926564" sldId="272"/>
-            <ac:spMk id="6" creationId="{59E906CD-110B-9D01-732C-2F21759B0265}"/>
-          </ac:spMkLst>
-        </pc:spChg>
-        <pc:spChg chg="del">
-          <ac:chgData name="Chuck Kiefriter" userId="c57348f7-b440-4861-a58f-c89f414ea74a" providerId="ADAL" clId="{D941CC75-1891-403D-82AF-B9A758403F85}" dt="2023-03-05T17:56:40.783" v="1853" actId="478"/>
-          <ac:spMkLst>
-            <pc:docMk/>
-            <pc:sldMk cId="509926564" sldId="272"/>
-            <ac:spMk id="7" creationId="{258EA3F4-5A0B-FC3D-626B-2F94931B6638}"/>
-          </ac:spMkLst>
-        </pc:spChg>
       </pc:sldChg>
       <pc:sldChg chg="modSp add mod">
         <pc:chgData name="Chuck Kiefriter" userId="c57348f7-b440-4861-a58f-c89f414ea74a" providerId="ADAL" clId="{D941CC75-1891-403D-82AF-B9A758403F85}" dt="2023-03-07T23:36:14.803" v="2985" actId="20577"/>
@@ -844,14 +316,6 @@
           <pc:docMk/>
           <pc:sldMk cId="3265754167" sldId="273"/>
         </pc:sldMkLst>
-        <pc:spChg chg="mod">
-          <ac:chgData name="Chuck Kiefriter" userId="c57348f7-b440-4861-a58f-c89f414ea74a" providerId="ADAL" clId="{D941CC75-1891-403D-82AF-B9A758403F85}" dt="2023-03-07T23:36:14.803" v="2985" actId="20577"/>
-          <ac:spMkLst>
-            <pc:docMk/>
-            <pc:sldMk cId="3265754167" sldId="273"/>
-            <ac:spMk id="5" creationId="{9DB63145-E59C-9501-8AA5-4E6AC5C0D40F}"/>
-          </ac:spMkLst>
-        </pc:spChg>
       </pc:sldChg>
       <pc:sldChg chg="addSp delSp modSp add del mod">
         <pc:chgData name="Chuck Kiefriter" userId="c57348f7-b440-4861-a58f-c89f414ea74a" providerId="ADAL" clId="{D941CC75-1891-403D-82AF-B9A758403F85}" dt="2023-03-07T00:48:27.694" v="2588" actId="2696"/>
@@ -859,38 +323,6 @@
           <pc:docMk/>
           <pc:sldMk cId="3636265498" sldId="273"/>
         </pc:sldMkLst>
-        <pc:spChg chg="add del mod">
-          <ac:chgData name="Chuck Kiefriter" userId="c57348f7-b440-4861-a58f-c89f414ea74a" providerId="ADAL" clId="{D941CC75-1891-403D-82AF-B9A758403F85}" dt="2023-03-05T18:05:12.022" v="1929" actId="478"/>
-          <ac:spMkLst>
-            <pc:docMk/>
-            <pc:sldMk cId="3636265498" sldId="273"/>
-            <ac:spMk id="2" creationId="{16FD2862-DF0B-38C6-B272-579797F25FB6}"/>
-          </ac:spMkLst>
-        </pc:spChg>
-        <pc:spChg chg="del">
-          <ac:chgData name="Chuck Kiefriter" userId="c57348f7-b440-4861-a58f-c89f414ea74a" providerId="ADAL" clId="{D941CC75-1891-403D-82AF-B9A758403F85}" dt="2023-03-05T18:02:37.575" v="1919" actId="478"/>
-          <ac:spMkLst>
-            <pc:docMk/>
-            <pc:sldMk cId="3636265498" sldId="273"/>
-            <ac:spMk id="3" creationId="{18C8971B-4F18-19E0-01D3-697860030BC7}"/>
-          </ac:spMkLst>
-        </pc:spChg>
-        <pc:spChg chg="add del mod">
-          <ac:chgData name="Chuck Kiefriter" userId="c57348f7-b440-4861-a58f-c89f414ea74a" providerId="ADAL" clId="{D941CC75-1891-403D-82AF-B9A758403F85}" dt="2023-03-05T21:03:13.602" v="2242" actId="12"/>
-          <ac:spMkLst>
-            <pc:docMk/>
-            <pc:sldMk cId="3636265498" sldId="273"/>
-            <ac:spMk id="5" creationId="{9DB63145-E59C-9501-8AA5-4E6AC5C0D40F}"/>
-          </ac:spMkLst>
-        </pc:spChg>
-        <pc:spChg chg="mod">
-          <ac:chgData name="Chuck Kiefriter" userId="c57348f7-b440-4861-a58f-c89f414ea74a" providerId="ADAL" clId="{D941CC75-1891-403D-82AF-B9A758403F85}" dt="2023-03-05T18:05:37.107" v="1945" actId="1035"/>
-          <ac:spMkLst>
-            <pc:docMk/>
-            <pc:sldMk cId="3636265498" sldId="273"/>
-            <ac:spMk id="6" creationId="{59E906CD-110B-9D01-732C-2F21759B0265}"/>
-          </ac:spMkLst>
-        </pc:spChg>
       </pc:sldChg>
       <pc:sldChg chg="modSp add mod">
         <pc:chgData name="Chuck Kiefriter" userId="c57348f7-b440-4861-a58f-c89f414ea74a" providerId="ADAL" clId="{D941CC75-1891-403D-82AF-B9A758403F85}" dt="2023-03-05T21:05:28.102" v="2302" actId="403"/>
@@ -898,14 +330,6 @@
           <pc:docMk/>
           <pc:sldMk cId="4170465764" sldId="274"/>
         </pc:sldMkLst>
-        <pc:spChg chg="mod">
-          <ac:chgData name="Chuck Kiefriter" userId="c57348f7-b440-4861-a58f-c89f414ea74a" providerId="ADAL" clId="{D941CC75-1891-403D-82AF-B9A758403F85}" dt="2023-03-05T21:05:28.102" v="2302" actId="403"/>
-          <ac:spMkLst>
-            <pc:docMk/>
-            <pc:sldMk cId="4170465764" sldId="274"/>
-            <ac:spMk id="3" creationId="{23DFC7E9-54DD-38D7-0B9B-D34948D68CF9}"/>
-          </ac:spMkLst>
-        </pc:spChg>
       </pc:sldChg>
       <pc:sldChg chg="addSp delSp modSp add mod">
         <pc:chgData name="Chuck Kiefriter" userId="c57348f7-b440-4861-a58f-c89f414ea74a" providerId="ADAL" clId="{D941CC75-1891-403D-82AF-B9A758403F85}" dt="2023-03-08T01:19:33.049" v="3238" actId="20577"/>
@@ -913,38 +337,6 @@
           <pc:docMk/>
           <pc:sldMk cId="1513494963" sldId="275"/>
         </pc:sldMkLst>
-        <pc:spChg chg="add del">
-          <ac:chgData name="Chuck Kiefriter" userId="c57348f7-b440-4861-a58f-c89f414ea74a" providerId="ADAL" clId="{D941CC75-1891-403D-82AF-B9A758403F85}" dt="2023-03-05T21:07:58.068" v="2360"/>
-          <ac:spMkLst>
-            <pc:docMk/>
-            <pc:sldMk cId="1513494963" sldId="275"/>
-            <ac:spMk id="2" creationId="{EB1B78F6-5F1C-A9A7-9521-45AF3F592F9E}"/>
-          </ac:spMkLst>
-        </pc:spChg>
-        <pc:spChg chg="add del">
-          <ac:chgData name="Chuck Kiefriter" userId="c57348f7-b440-4861-a58f-c89f414ea74a" providerId="ADAL" clId="{D941CC75-1891-403D-82AF-B9A758403F85}" dt="2023-03-05T21:08:02.905" v="2362"/>
-          <ac:spMkLst>
-            <pc:docMk/>
-            <pc:sldMk cId="1513494963" sldId="275"/>
-            <ac:spMk id="3" creationId="{B3D799A0-054F-04CB-28A8-12A87538931A}"/>
-          </ac:spMkLst>
-        </pc:spChg>
-        <pc:spChg chg="mod">
-          <ac:chgData name="Chuck Kiefriter" userId="c57348f7-b440-4861-a58f-c89f414ea74a" providerId="ADAL" clId="{D941CC75-1891-403D-82AF-B9A758403F85}" dt="2023-03-08T01:19:33.049" v="3238" actId="20577"/>
-          <ac:spMkLst>
-            <pc:docMk/>
-            <pc:sldMk cId="1513494963" sldId="275"/>
-            <ac:spMk id="5" creationId="{9DB63145-E59C-9501-8AA5-4E6AC5C0D40F}"/>
-          </ac:spMkLst>
-        </pc:spChg>
-        <pc:spChg chg="mod">
-          <ac:chgData name="Chuck Kiefriter" userId="c57348f7-b440-4861-a58f-c89f414ea74a" providerId="ADAL" clId="{D941CC75-1891-403D-82AF-B9A758403F85}" dt="2023-03-05T21:31:47.082" v="2492" actId="20577"/>
-          <ac:spMkLst>
-            <pc:docMk/>
-            <pc:sldMk cId="1513494963" sldId="275"/>
-            <ac:spMk id="6" creationId="{59E906CD-110B-9D01-732C-2F21759B0265}"/>
-          </ac:spMkLst>
-        </pc:spChg>
       </pc:sldChg>
       <pc:sldChg chg="addSp delSp modSp add mod">
         <pc:chgData name="Chuck Kiefriter" userId="c57348f7-b440-4861-a58f-c89f414ea74a" providerId="ADAL" clId="{D941CC75-1891-403D-82AF-B9A758403F85}" dt="2023-03-07T03:46:51.833" v="2701" actId="207"/>
@@ -952,30 +344,6 @@
           <pc:docMk/>
           <pc:sldMk cId="3243150136" sldId="276"/>
         </pc:sldMkLst>
-        <pc:spChg chg="add mod">
-          <ac:chgData name="Chuck Kiefriter" userId="c57348f7-b440-4861-a58f-c89f414ea74a" providerId="ADAL" clId="{D941CC75-1891-403D-82AF-B9A758403F85}" dt="2023-03-07T03:46:51.833" v="2701" actId="207"/>
-          <ac:spMkLst>
-            <pc:docMk/>
-            <pc:sldMk cId="3243150136" sldId="276"/>
-            <ac:spMk id="3" creationId="{9CE6BBB4-A860-A557-4CC2-45AA99832144}"/>
-          </ac:spMkLst>
-        </pc:spChg>
-        <pc:spChg chg="del">
-          <ac:chgData name="Chuck Kiefriter" userId="c57348f7-b440-4861-a58f-c89f414ea74a" providerId="ADAL" clId="{D941CC75-1891-403D-82AF-B9A758403F85}" dt="2023-03-05T21:35:21.301" v="2507" actId="478"/>
-          <ac:spMkLst>
-            <pc:docMk/>
-            <pc:sldMk cId="3243150136" sldId="276"/>
-            <ac:spMk id="5" creationId="{9DB63145-E59C-9501-8AA5-4E6AC5C0D40F}"/>
-          </ac:spMkLst>
-        </pc:spChg>
-        <pc:spChg chg="mod">
-          <ac:chgData name="Chuck Kiefriter" userId="c57348f7-b440-4861-a58f-c89f414ea74a" providerId="ADAL" clId="{D941CC75-1891-403D-82AF-B9A758403F85}" dt="2023-03-05T21:34:52.521" v="2506" actId="20577"/>
-          <ac:spMkLst>
-            <pc:docMk/>
-            <pc:sldMk cId="3243150136" sldId="276"/>
-            <ac:spMk id="6" creationId="{59E906CD-110B-9D01-732C-2F21759B0265}"/>
-          </ac:spMkLst>
-        </pc:spChg>
       </pc:sldChg>
       <pc:sldChg chg="addSp delSp modSp add mod">
         <pc:chgData name="Chuck Kiefriter" userId="c57348f7-b440-4861-a58f-c89f414ea74a" providerId="ADAL" clId="{D941CC75-1891-403D-82AF-B9A758403F85}" dt="2023-03-07T23:37:33.518" v="2988" actId="207"/>
@@ -983,62 +351,6 @@
           <pc:docMk/>
           <pc:sldMk cId="2412735745" sldId="277"/>
         </pc:sldMkLst>
-        <pc:spChg chg="del">
-          <ac:chgData name="Chuck Kiefriter" userId="c57348f7-b440-4861-a58f-c89f414ea74a" providerId="ADAL" clId="{D941CC75-1891-403D-82AF-B9A758403F85}" dt="2023-03-07T03:49:51.290" v="2704" actId="478"/>
-          <ac:spMkLst>
-            <pc:docMk/>
-            <pc:sldMk cId="2412735745" sldId="277"/>
-            <ac:spMk id="4" creationId="{F033974E-D160-F4FA-DB32-38733F0C1C83}"/>
-          </ac:spMkLst>
-        </pc:spChg>
-        <pc:spChg chg="add mod">
-          <ac:chgData name="Chuck Kiefriter" userId="c57348f7-b440-4861-a58f-c89f414ea74a" providerId="ADAL" clId="{D941CC75-1891-403D-82AF-B9A758403F85}" dt="2023-03-07T23:37:33.518" v="2988" actId="207"/>
-          <ac:spMkLst>
-            <pc:docMk/>
-            <pc:sldMk cId="2412735745" sldId="277"/>
-            <ac:spMk id="7" creationId="{FC813D55-2F3C-BAFD-CCF4-AED57B243825}"/>
-          </ac:spMkLst>
-        </pc:spChg>
-        <pc:spChg chg="add mod">
-          <ac:chgData name="Chuck Kiefriter" userId="c57348f7-b440-4861-a58f-c89f414ea74a" providerId="ADAL" clId="{D941CC75-1891-403D-82AF-B9A758403F85}" dt="2023-03-07T04:10:16.948" v="2883" actId="20577"/>
-          <ac:spMkLst>
-            <pc:docMk/>
-            <pc:sldMk cId="2412735745" sldId="277"/>
-            <ac:spMk id="9" creationId="{339D8E19-2B72-857D-FB1E-534B4BB9BBE7}"/>
-          </ac:spMkLst>
-        </pc:spChg>
-        <pc:picChg chg="add mod">
-          <ac:chgData name="Chuck Kiefriter" userId="c57348f7-b440-4861-a58f-c89f414ea74a" providerId="ADAL" clId="{D941CC75-1891-403D-82AF-B9A758403F85}" dt="2023-03-07T03:52:19.032" v="2722" actId="1076"/>
-          <ac:picMkLst>
-            <pc:docMk/>
-            <pc:sldMk cId="2412735745" sldId="277"/>
-            <ac:picMk id="3" creationId="{D9BC76B8-A4DE-3CBA-6D26-32854E238357}"/>
-          </ac:picMkLst>
-        </pc:picChg>
-        <pc:picChg chg="add mod">
-          <ac:chgData name="Chuck Kiefriter" userId="c57348f7-b440-4861-a58f-c89f414ea74a" providerId="ADAL" clId="{D941CC75-1891-403D-82AF-B9A758403F85}" dt="2023-03-07T03:54:03.901" v="2843" actId="1076"/>
-          <ac:picMkLst>
-            <pc:docMk/>
-            <pc:sldMk cId="2412735745" sldId="277"/>
-            <ac:picMk id="6" creationId="{2E9286FB-E534-36E3-A77D-542B18A76BAF}"/>
-          </ac:picMkLst>
-        </pc:picChg>
-        <pc:picChg chg="del">
-          <ac:chgData name="Chuck Kiefriter" userId="c57348f7-b440-4861-a58f-c89f414ea74a" providerId="ADAL" clId="{D941CC75-1891-403D-82AF-B9A758403F85}" dt="2023-03-07T03:49:48.926" v="2703" actId="478"/>
-          <ac:picMkLst>
-            <pc:docMk/>
-            <pc:sldMk cId="2412735745" sldId="277"/>
-            <ac:picMk id="1030" creationId="{E33A0DA6-7064-88C8-98D0-E3CD726F3DCE}"/>
-          </ac:picMkLst>
-        </pc:picChg>
-        <pc:cxnChg chg="del mod">
-          <ac:chgData name="Chuck Kiefriter" userId="c57348f7-b440-4861-a58f-c89f414ea74a" providerId="ADAL" clId="{D941CC75-1891-403D-82AF-B9A758403F85}" dt="2023-03-07T03:49:51.290" v="2704" actId="478"/>
-          <ac:cxnSpMkLst>
-            <pc:docMk/>
-            <pc:sldMk cId="2412735745" sldId="277"/>
-            <ac:cxnSpMk id="8" creationId="{222FF33E-C6EB-499A-BCC8-B35FD1B39B13}"/>
-          </ac:cxnSpMkLst>
-        </pc:cxnChg>
       </pc:sldChg>
       <pc:sldMasterChg chg="addSldLayout modSldLayout">
         <pc:chgData name="Chuck Kiefriter" userId="c57348f7-b440-4861-a58f-c89f414ea74a" providerId="ADAL" clId="{D941CC75-1891-403D-82AF-B9A758403F85}" dt="2023-03-04T21:18:20.611" v="52"/>
@@ -1053,59 +365,8 @@
             <pc:sldMasterMk cId="3446395757" sldId="2147483648"/>
             <pc:sldLayoutMk cId="366807208" sldId="2147483660"/>
           </pc:sldLayoutMkLst>
-          <pc:spChg chg="del">
-            <ac:chgData name="Chuck Kiefriter" userId="c57348f7-b440-4861-a58f-c89f414ea74a" providerId="ADAL" clId="{D941CC75-1891-403D-82AF-B9A758403F85}" dt="2023-03-04T21:18:12.246" v="50" actId="478"/>
-            <ac:spMkLst>
-              <pc:docMk/>
-              <pc:sldMasterMk cId="3446395757" sldId="2147483648"/>
-              <pc:sldLayoutMk cId="366807208" sldId="2147483660"/>
-              <ac:spMk id="2" creationId="{90D7A268-317B-950F-8B13-F762C7195B2F}"/>
-            </ac:spMkLst>
-          </pc:spChg>
-          <pc:spChg chg="del">
-            <ac:chgData name="Chuck Kiefriter" userId="c57348f7-b440-4861-a58f-c89f414ea74a" providerId="ADAL" clId="{D941CC75-1891-403D-82AF-B9A758403F85}" dt="2023-03-04T21:18:10.184" v="49" actId="478"/>
-            <ac:spMkLst>
-              <pc:docMk/>
-              <pc:sldMasterMk cId="3446395757" sldId="2147483648"/>
-              <pc:sldLayoutMk cId="366807208" sldId="2147483660"/>
-              <ac:spMk id="3" creationId="{CAE9D02E-A20B-5EA9-DD71-A5EA708D0A48}"/>
-            </ac:spMkLst>
-          </pc:spChg>
-          <pc:spChg chg="del">
-            <ac:chgData name="Chuck Kiefriter" userId="c57348f7-b440-4861-a58f-c89f414ea74a" providerId="ADAL" clId="{D941CC75-1891-403D-82AF-B9A758403F85}" dt="2023-03-04T21:18:14.658" v="51" actId="478"/>
-            <ac:spMkLst>
-              <pc:docMk/>
-              <pc:sldMasterMk cId="3446395757" sldId="2147483648"/>
-              <pc:sldLayoutMk cId="366807208" sldId="2147483660"/>
-              <ac:spMk id="4" creationId="{DE89B15A-7F92-1C50-7A6C-CBF5CD47C9B9}"/>
-            </ac:spMkLst>
-          </pc:spChg>
         </pc:sldLayoutChg>
       </pc:sldMasterChg>
-    </pc:docChg>
-  </pc:docChgLst>
-  <pc:docChgLst>
-    <pc:chgData name="Charles Kiefriter" userId="a996b49251c4dfd2" providerId="LiveId" clId="{36C45CFB-85D3-44D2-83D2-5EECDDCC0E1C}"/>
-    <pc:docChg chg="modSld">
-      <pc:chgData name="Charles Kiefriter" userId="a996b49251c4dfd2" providerId="LiveId" clId="{36C45CFB-85D3-44D2-83D2-5EECDDCC0E1C}" dt="2024-02-08T00:50:51.053" v="7" actId="20577"/>
-      <pc:docMkLst>
-        <pc:docMk/>
-      </pc:docMkLst>
-      <pc:sldChg chg="modSp mod">
-        <pc:chgData name="Charles Kiefriter" userId="a996b49251c4dfd2" providerId="LiveId" clId="{36C45CFB-85D3-44D2-83D2-5EECDDCC0E1C}" dt="2024-02-08T00:50:51.053" v="7" actId="20577"/>
-        <pc:sldMkLst>
-          <pc:docMk/>
-          <pc:sldMk cId="192346319" sldId="268"/>
-        </pc:sldMkLst>
-        <pc:spChg chg="mod">
-          <ac:chgData name="Charles Kiefriter" userId="a996b49251c4dfd2" providerId="LiveId" clId="{36C45CFB-85D3-44D2-83D2-5EECDDCC0E1C}" dt="2024-02-08T00:50:51.053" v="7" actId="20577"/>
-          <ac:spMkLst>
-            <pc:docMk/>
-            <pc:sldMk cId="192346319" sldId="268"/>
-            <ac:spMk id="2" creationId="{2C17FE52-5FCE-93EA-391D-35903F25B335}"/>
-          </ac:spMkLst>
-        </pc:spChg>
-      </pc:sldChg>
     </pc:docChg>
   </pc:docChgLst>
   <pc:docChgLst>
@@ -1121,14 +382,50 @@
           <pc:docMk/>
           <pc:sldMk cId="3194223319" sldId="263"/>
         </pc:sldMkLst>
-        <pc:spChg chg="mod">
-          <ac:chgData name="Charles Kiefriter" userId="a996b49251c4dfd2" providerId="LiveId" clId="{468772DE-8935-4E86-89CF-99D07AEAB8F3}" dt="2023-11-28T03:17:34.897" v="0" actId="1036"/>
-          <ac:spMkLst>
-            <pc:docMk/>
-            <pc:sldMk cId="3194223319" sldId="263"/>
-            <ac:spMk id="3" creationId="{23DFC7E9-54DD-38D7-0B9B-D34948D68CF9}"/>
-          </ac:spMkLst>
-        </pc:spChg>
+      </pc:sldChg>
+    </pc:docChg>
+  </pc:docChgLst>
+  <pc:docChgLst>
+    <pc:chgData name="Chuck Kiefriter" userId="a996b49251c4dfd2" providerId="LiveId" clId="{FFE17699-CB80-4D99-87A0-601ECAA1DDB3}"/>
+    <pc:docChg chg="modSld sldOrd">
+      <pc:chgData name="Chuck Kiefriter" userId="a996b49251c4dfd2" providerId="LiveId" clId="{FFE17699-CB80-4D99-87A0-601ECAA1DDB3}" dt="2024-12-04T00:30:47.965" v="50" actId="1036"/>
+      <pc:docMkLst>
+        <pc:docMk/>
+      </pc:docMkLst>
+      <pc:sldChg chg="ord">
+        <pc:chgData name="Chuck Kiefriter" userId="a996b49251c4dfd2" providerId="LiveId" clId="{FFE17699-CB80-4D99-87A0-601ECAA1DDB3}" dt="2024-12-03T21:50:01.566" v="13"/>
+        <pc:sldMkLst>
+          <pc:docMk/>
+          <pc:sldMk cId="2394962184" sldId="260"/>
+        </pc:sldMkLst>
+      </pc:sldChg>
+      <pc:sldChg chg="addSp modSp mod">
+        <pc:chgData name="Chuck Kiefriter" userId="a996b49251c4dfd2" providerId="LiveId" clId="{FFE17699-CB80-4D99-87A0-601ECAA1DDB3}" dt="2024-12-04T00:30:47.965" v="50" actId="1036"/>
+        <pc:sldMkLst>
+          <pc:docMk/>
+          <pc:sldMk cId="192346319" sldId="268"/>
+        </pc:sldMkLst>
+      </pc:sldChg>
+      <pc:sldChg chg="ord">
+        <pc:chgData name="Chuck Kiefriter" userId="a996b49251c4dfd2" providerId="LiveId" clId="{FFE17699-CB80-4D99-87A0-601ECAA1DDB3}" dt="2024-12-03T21:44:54.958" v="5"/>
+        <pc:sldMkLst>
+          <pc:docMk/>
+          <pc:sldMk cId="373601184" sldId="271"/>
+        </pc:sldMkLst>
+      </pc:sldChg>
+      <pc:sldChg chg="ord">
+        <pc:chgData name="Chuck Kiefriter" userId="a996b49251c4dfd2" providerId="LiveId" clId="{FFE17699-CB80-4D99-87A0-601ECAA1DDB3}" dt="2024-12-03T21:44:54.958" v="5"/>
+        <pc:sldMkLst>
+          <pc:docMk/>
+          <pc:sldMk cId="323829688" sldId="272"/>
+        </pc:sldMkLst>
+      </pc:sldChg>
+      <pc:sldChg chg="ord">
+        <pc:chgData name="Chuck Kiefriter" userId="a996b49251c4dfd2" providerId="LiveId" clId="{FFE17699-CB80-4D99-87A0-601ECAA1DDB3}" dt="2024-12-03T21:45:41.155" v="7"/>
+        <pc:sldMkLst>
+          <pc:docMk/>
+          <pc:sldMk cId="3265754167" sldId="273"/>
+        </pc:sldMkLst>
       </pc:sldChg>
     </pc:docChg>
   </pc:docChgLst>
@@ -1145,14 +442,6 @@
           <pc:docMk/>
           <pc:sldMk cId="4111004944" sldId="267"/>
         </pc:sldMkLst>
-        <pc:spChg chg="mod">
-          <ac:chgData name="Chuck Kiefriter" userId="a996b49251c4dfd2" providerId="LiveId" clId="{90E4749E-EA57-4B35-8DD8-67BAB7F7C85D}" dt="2024-08-08T00:41:47.483" v="79" actId="20577"/>
-          <ac:spMkLst>
-            <pc:docMk/>
-            <pc:sldMk cId="4111004944" sldId="267"/>
-            <ac:spMk id="4" creationId="{051DC5DB-C58E-56B3-76BF-4596A55B19BC}"/>
-          </ac:spMkLst>
-        </pc:spChg>
       </pc:sldChg>
       <pc:sldChg chg="modSp mod ord">
         <pc:chgData name="Chuck Kiefriter" userId="a996b49251c4dfd2" providerId="LiveId" clId="{90E4749E-EA57-4B35-8DD8-67BAB7F7C85D}" dt="2024-08-07T23:56:35.598" v="78"/>
@@ -1160,14 +449,6 @@
           <pc:docMk/>
           <pc:sldMk cId="192346319" sldId="268"/>
         </pc:sldMkLst>
-        <pc:spChg chg="mod">
-          <ac:chgData name="Chuck Kiefriter" userId="a996b49251c4dfd2" providerId="LiveId" clId="{90E4749E-EA57-4B35-8DD8-67BAB7F7C85D}" dt="2024-08-07T23:44:14.823" v="74" actId="20577"/>
-          <ac:spMkLst>
-            <pc:docMk/>
-            <pc:sldMk cId="192346319" sldId="268"/>
-            <ac:spMk id="3" creationId="{A58D446F-66C1-FA6C-A21C-431C54ABE43D}"/>
-          </ac:spMkLst>
-        </pc:spChg>
       </pc:sldChg>
       <pc:sldChg chg="ord">
         <pc:chgData name="Chuck Kiefriter" userId="a996b49251c4dfd2" providerId="LiveId" clId="{90E4749E-EA57-4B35-8DD8-67BAB7F7C85D}" dt="2024-08-07T23:35:15.350" v="17"/>
@@ -1196,14 +477,91 @@
           <pc:docMk/>
           <pc:sldMk cId="4170465764" sldId="274"/>
         </pc:sldMkLst>
+      </pc:sldChg>
+    </pc:docChg>
+  </pc:docChgLst>
+  <pc:docChgLst>
+    <pc:chgData name="Chuck Kiefriter" userId="a996b49251c4dfd2" providerId="LiveId" clId="{396DD884-7285-478E-8FAB-1B3AB6CEA770}"/>
+    <pc:docChg chg="modSld">
+      <pc:chgData name="Chuck Kiefriter" userId="a996b49251c4dfd2" providerId="LiveId" clId="{396DD884-7285-478E-8FAB-1B3AB6CEA770}" dt="2025-04-03T23:53:53.462" v="4" actId="20577"/>
+      <pc:docMkLst>
+        <pc:docMk/>
+      </pc:docMkLst>
+      <pc:sldChg chg="modSp mod">
+        <pc:chgData name="Chuck Kiefriter" userId="a996b49251c4dfd2" providerId="LiveId" clId="{396DD884-7285-478E-8FAB-1B3AB6CEA770}" dt="2025-04-03T23:48:37.350" v="0" actId="1036"/>
+        <pc:sldMkLst>
+          <pc:docMk/>
+          <pc:sldMk cId="192346319" sldId="268"/>
+        </pc:sldMkLst>
         <pc:spChg chg="mod">
-          <ac:chgData name="Chuck Kiefriter" userId="a996b49251c4dfd2" providerId="LiveId" clId="{90E4749E-EA57-4B35-8DD8-67BAB7F7C85D}" dt="2024-08-07T23:35:32.465" v="22" actId="20577"/>
+          <ac:chgData name="Chuck Kiefriter" userId="a996b49251c4dfd2" providerId="LiveId" clId="{396DD884-7285-478E-8FAB-1B3AB6CEA770}" dt="2025-04-03T23:48:37.350" v="0" actId="1036"/>
           <ac:spMkLst>
             <pc:docMk/>
-            <pc:sldMk cId="4170465764" sldId="274"/>
-            <ac:spMk id="3" creationId="{23DFC7E9-54DD-38D7-0B9B-D34948D68CF9}"/>
+            <pc:sldMk cId="192346319" sldId="268"/>
+            <ac:spMk id="3" creationId="{A58D446F-66C1-FA6C-A21C-431C54ABE43D}"/>
           </ac:spMkLst>
         </pc:spChg>
+      </pc:sldChg>
+      <pc:sldChg chg="modSp mod">
+        <pc:chgData name="Chuck Kiefriter" userId="a996b49251c4dfd2" providerId="LiveId" clId="{396DD884-7285-478E-8FAB-1B3AB6CEA770}" dt="2025-04-03T23:53:53.462" v="4" actId="20577"/>
+        <pc:sldMkLst>
+          <pc:docMk/>
+          <pc:sldMk cId="323829688" sldId="272"/>
+        </pc:sldMkLst>
+        <pc:spChg chg="mod">
+          <ac:chgData name="Chuck Kiefriter" userId="a996b49251c4dfd2" providerId="LiveId" clId="{396DD884-7285-478E-8FAB-1B3AB6CEA770}" dt="2025-04-03T23:53:53.462" v="4" actId="20577"/>
+          <ac:spMkLst>
+            <pc:docMk/>
+            <pc:sldMk cId="323829688" sldId="272"/>
+            <ac:spMk id="3" creationId="{18C8971B-4F18-19E0-01D3-697860030BC7}"/>
+          </ac:spMkLst>
+        </pc:spChg>
+      </pc:sldChg>
+    </pc:docChg>
+  </pc:docChgLst>
+  <pc:docChgLst>
+    <pc:chgData name="Charles Kiefriter" userId="a996b49251c4dfd2" providerId="LiveId" clId="{36C45CFB-85D3-44D2-83D2-5EECDDCC0E1C}"/>
+    <pc:docChg chg="modSld">
+      <pc:chgData name="Charles Kiefriter" userId="a996b49251c4dfd2" providerId="LiveId" clId="{36C45CFB-85D3-44D2-83D2-5EECDDCC0E1C}" dt="2024-02-08T00:50:51.053" v="7" actId="20577"/>
+      <pc:docMkLst>
+        <pc:docMk/>
+      </pc:docMkLst>
+      <pc:sldChg chg="modSp mod">
+        <pc:chgData name="Charles Kiefriter" userId="a996b49251c4dfd2" providerId="LiveId" clId="{36C45CFB-85D3-44D2-83D2-5EECDDCC0E1C}" dt="2024-02-08T00:50:51.053" v="7" actId="20577"/>
+        <pc:sldMkLst>
+          <pc:docMk/>
+          <pc:sldMk cId="192346319" sldId="268"/>
+        </pc:sldMkLst>
+      </pc:sldChg>
+    </pc:docChg>
+  </pc:docChgLst>
+  <pc:docChgLst>
+    <pc:chgData name="Chuck Kiefriter" userId="a996b49251c4dfd2" providerId="LiveId" clId="{A38E16E4-FF30-476E-A739-97F90EA859A8}"/>
+    <pc:docChg chg="modSld">
+      <pc:chgData name="Chuck Kiefriter" userId="a996b49251c4dfd2" providerId="LiveId" clId="{A38E16E4-FF30-476E-A739-97F90EA859A8}" dt="2024-10-04T00:00:20.760" v="8"/>
+      <pc:docMkLst>
+        <pc:docMk/>
+      </pc:docMkLst>
+      <pc:sldChg chg="modSp mod">
+        <pc:chgData name="Chuck Kiefriter" userId="a996b49251c4dfd2" providerId="LiveId" clId="{A38E16E4-FF30-476E-A739-97F90EA859A8}" dt="2024-10-03T23:37:36.131" v="4" actId="20577"/>
+        <pc:sldMkLst>
+          <pc:docMk/>
+          <pc:sldMk cId="655659021" sldId="258"/>
+        </pc:sldMkLst>
+      </pc:sldChg>
+      <pc:sldChg chg="modSp mod">
+        <pc:chgData name="Chuck Kiefriter" userId="a996b49251c4dfd2" providerId="LiveId" clId="{A38E16E4-FF30-476E-A739-97F90EA859A8}" dt="2024-10-04T00:00:20.760" v="8"/>
+        <pc:sldMkLst>
+          <pc:docMk/>
+          <pc:sldMk cId="3194223319" sldId="263"/>
+        </pc:sldMkLst>
+      </pc:sldChg>
+      <pc:sldChg chg="modSp mod">
+        <pc:chgData name="Chuck Kiefriter" userId="a996b49251c4dfd2" providerId="LiveId" clId="{A38E16E4-FF30-476E-A739-97F90EA859A8}" dt="2024-10-03T23:51:01.566" v="6" actId="113"/>
+        <pc:sldMkLst>
+          <pc:docMk/>
+          <pc:sldMk cId="1513494963" sldId="275"/>
+        </pc:sldMkLst>
       </pc:sldChg>
     </pc:docChg>
   </pc:docChgLst>
@@ -1357,7 +715,7 @@
           <a:p>
             <a:fld id="{33D569A9-A222-4DCC-AF28-BB813B4F2ABB}" type="datetimeFigureOut">
               <a:rPr lang="en-US" smtClean="0"/>
-              <a:t>8/7/2024</a:t>
+              <a:t>4/3/2025</a:t>
             </a:fld>
             <a:endParaRPr lang="en-US"/>
           </a:p>
@@ -1645,7 +1003,7 @@
           <a:p>
             <a:fld id="{33D569A9-A222-4DCC-AF28-BB813B4F2ABB}" type="datetimeFigureOut">
               <a:rPr lang="en-US" smtClean="0"/>
-              <a:t>8/7/2024</a:t>
+              <a:t>4/3/2025</a:t>
             </a:fld>
             <a:endParaRPr lang="en-US"/>
           </a:p>
@@ -1843,7 +1201,7 @@
           <a:p>
             <a:fld id="{33D569A9-A222-4DCC-AF28-BB813B4F2ABB}" type="datetimeFigureOut">
               <a:rPr lang="en-US" smtClean="0"/>
-              <a:t>8/7/2024</a:t>
+              <a:t>4/3/2025</a:t>
             </a:fld>
             <a:endParaRPr lang="en-US"/>
           </a:p>
@@ -2051,7 +1409,7 @@
           <a:p>
             <a:fld id="{33D569A9-A222-4DCC-AF28-BB813B4F2ABB}" type="datetimeFigureOut">
               <a:rPr lang="en-US" smtClean="0"/>
-              <a:t>8/7/2024</a:t>
+              <a:t>4/3/2025</a:t>
             </a:fld>
             <a:endParaRPr lang="en-US"/>
           </a:p>
@@ -2249,7 +1607,7 @@
           <a:p>
             <a:fld id="{33D569A9-A222-4DCC-AF28-BB813B4F2ABB}" type="datetimeFigureOut">
               <a:rPr lang="en-US" smtClean="0"/>
-              <a:t>8/7/2024</a:t>
+              <a:t>4/3/2025</a:t>
             </a:fld>
             <a:endParaRPr lang="en-US"/>
           </a:p>
@@ -2524,7 +1882,7 @@
           <a:p>
             <a:fld id="{33D569A9-A222-4DCC-AF28-BB813B4F2ABB}" type="datetimeFigureOut">
               <a:rPr lang="en-US" smtClean="0"/>
-              <a:t>8/7/2024</a:t>
+              <a:t>4/3/2025</a:t>
             </a:fld>
             <a:endParaRPr lang="en-US"/>
           </a:p>
@@ -2789,7 +2147,7 @@
           <a:p>
             <a:fld id="{33D569A9-A222-4DCC-AF28-BB813B4F2ABB}" type="datetimeFigureOut">
               <a:rPr lang="en-US" smtClean="0"/>
-              <a:t>8/7/2024</a:t>
+              <a:t>4/3/2025</a:t>
             </a:fld>
             <a:endParaRPr lang="en-US"/>
           </a:p>
@@ -3201,7 +2559,7 @@
           <a:p>
             <a:fld id="{33D569A9-A222-4DCC-AF28-BB813B4F2ABB}" type="datetimeFigureOut">
               <a:rPr lang="en-US" smtClean="0"/>
-              <a:t>8/7/2024</a:t>
+              <a:t>4/3/2025</a:t>
             </a:fld>
             <a:endParaRPr lang="en-US"/>
           </a:p>
@@ -3342,7 +2700,7 @@
           <a:p>
             <a:fld id="{33D569A9-A222-4DCC-AF28-BB813B4F2ABB}" type="datetimeFigureOut">
               <a:rPr lang="en-US" smtClean="0"/>
-              <a:t>8/7/2024</a:t>
+              <a:t>4/3/2025</a:t>
             </a:fld>
             <a:endParaRPr lang="en-US"/>
           </a:p>
@@ -3455,7 +2813,7 @@
           <a:p>
             <a:fld id="{33D569A9-A222-4DCC-AF28-BB813B4F2ABB}" type="datetimeFigureOut">
               <a:rPr lang="en-US" smtClean="0"/>
-              <a:t>8/7/2024</a:t>
+              <a:t>4/3/2025</a:t>
             </a:fld>
             <a:endParaRPr lang="en-US"/>
           </a:p>
@@ -3801,7 +3159,7 @@
           <a:p>
             <a:fld id="{33D569A9-A222-4DCC-AF28-BB813B4F2ABB}" type="datetimeFigureOut">
               <a:rPr lang="en-US" smtClean="0"/>
-              <a:t>8/7/2024</a:t>
+              <a:t>4/3/2025</a:t>
             </a:fld>
             <a:endParaRPr lang="en-US"/>
           </a:p>
@@ -4042,7 +3400,7 @@
           <a:p>
             <a:fld id="{33D569A9-A222-4DCC-AF28-BB813B4F2ABB}" type="datetimeFigureOut">
               <a:rPr lang="en-US" smtClean="0"/>
-              <a:t>8/7/2024</a:t>
+              <a:t>4/3/2025</a:t>
             </a:fld>
             <a:endParaRPr lang="en-US"/>
           </a:p>
@@ -4579,77 +3937,8 @@
                 </a:solidFill>
                 <a:latin typeface="Open Sans" panose="020B0606030504020204" pitchFamily="34" charset="0"/>
               </a:rPr>
-              <a:t>Tools Installation &amp; Setup</a:t>
-            </a:r>
-          </a:p>
-          <a:p>
-            <a:pPr marL="1028700" lvl="1" indent="-571500">
-              <a:buFont typeface="Arial" panose="020B0604020202020204" pitchFamily="34" charset="0"/>
-              <a:buChar char="•"/>
-              <a:defRPr/>
-            </a:pPr>
-            <a:r>
-              <a:rPr lang="en-US" sz="2400" dirty="0">
-                <a:solidFill>
-                  <a:prstClr val="white">
-                    <a:lumMod val="75000"/>
-                  </a:prstClr>
-                </a:solidFill>
-                <a:latin typeface="Open Sans" panose="020B0606030504020204" pitchFamily="34" charset="0"/>
-              </a:rPr>
-              <a:t>Java</a:t>
-            </a:r>
-          </a:p>
-          <a:p>
-            <a:pPr marL="1028700" lvl="1" indent="-571500">
-              <a:buFont typeface="Arial" panose="020B0604020202020204" pitchFamily="34" charset="0"/>
-              <a:buChar char="•"/>
-              <a:defRPr/>
-            </a:pPr>
-            <a:r>
-              <a:rPr lang="en-US" sz="2400" dirty="0">
-                <a:solidFill>
-                  <a:prstClr val="white">
-                    <a:lumMod val="75000"/>
-                  </a:prstClr>
-                </a:solidFill>
-                <a:latin typeface="Open Sans" panose="020B0606030504020204" pitchFamily="34" charset="0"/>
-              </a:rPr>
-              <a:t>Eclipse</a:t>
-            </a:r>
-          </a:p>
-          <a:p>
-            <a:pPr marL="1028700" lvl="1" indent="-571500">
-              <a:buFont typeface="Arial" panose="020B0604020202020204" pitchFamily="34" charset="0"/>
-              <a:buChar char="•"/>
-              <a:defRPr/>
-            </a:pPr>
-            <a:r>
-              <a:rPr lang="en-US" sz="2400" dirty="0">
-                <a:solidFill>
-                  <a:prstClr val="white">
-                    <a:lumMod val="75000"/>
-                  </a:prstClr>
-                </a:solidFill>
-                <a:latin typeface="Open Sans" panose="020B0606030504020204" pitchFamily="34" charset="0"/>
-              </a:rPr>
-              <a:t>Git &amp; GitHub</a:t>
-            </a:r>
-          </a:p>
-          <a:p>
-            <a:pPr marL="1028700" lvl="1" indent="-571500">
-              <a:buFont typeface="Arial" panose="020B0604020202020204" pitchFamily="34" charset="0"/>
-              <a:buChar char="•"/>
-              <a:defRPr/>
-            </a:pPr>
-            <a:endParaRPr lang="en-US" sz="2400" dirty="0">
-              <a:solidFill>
-                <a:prstClr val="white">
-                  <a:lumMod val="75000"/>
-                </a:prstClr>
-              </a:solidFill>
-              <a:latin typeface="Open Sans" panose="020B0606030504020204" pitchFamily="34" charset="0"/>
-            </a:endParaRPr>
+              <a:t>What is Programming?</a:t>
+            </a:r>
           </a:p>
           <a:p>
             <a:pPr marL="571500" marR="0" lvl="0" indent="-571500" algn="l" defTabSz="914400" rtl="0" eaLnBrk="1" fontAlgn="auto" latinLnBrk="0" hangingPunct="1">
@@ -4669,17 +3958,22 @@
               <a:tabLst/>
               <a:defRPr/>
             </a:pPr>
-            <a:r>
-              <a:rPr lang="en-US" sz="2400" dirty="0">
-                <a:solidFill>
-                  <a:prstClr val="white">
-                    <a:lumMod val="75000"/>
-                  </a:prstClr>
-                </a:solidFill>
-                <a:latin typeface="Open Sans" panose="020B0606030504020204" pitchFamily="34" charset="0"/>
-              </a:rPr>
-              <a:t>What is Programming?</a:t>
-            </a:r>
+            <a:endParaRPr kumimoji="0" lang="en-US" sz="2400" b="0" i="0" u="none" strike="noStrike" kern="1200" cap="none" spc="0" normalizeH="0" baseline="0" noProof="0">
+              <a:ln>
+                <a:noFill/>
+              </a:ln>
+              <a:solidFill>
+                <a:prstClr val="white">
+                  <a:lumMod val="75000"/>
+                </a:prstClr>
+              </a:solidFill>
+              <a:effectLst/>
+              <a:uLnTx/>
+              <a:uFillTx/>
+              <a:latin typeface="Open Sans" panose="020B0606030504020204" pitchFamily="34" charset="0"/>
+              <a:ea typeface="+mn-ea"/>
+              <a:cs typeface="+mn-cs"/>
+            </a:endParaRPr>
           </a:p>
           <a:p>
             <a:pPr marL="571500" marR="0" lvl="0" indent="-571500" algn="l" defTabSz="914400" rtl="0" eaLnBrk="1" fontAlgn="auto" latinLnBrk="0" hangingPunct="1">
@@ -4699,21 +3993,96 @@
               <a:tabLst/>
               <a:defRPr/>
             </a:pPr>
-            <a:endParaRPr kumimoji="0" lang="en-US" sz="2400" b="0" i="0" u="none" strike="noStrike" kern="1200" cap="none" spc="0" normalizeH="0" baseline="0" noProof="0" dirty="0">
-              <a:ln>
-                <a:noFill/>
-              </a:ln>
+            <a:r>
+              <a:rPr lang="en-US" sz="2400">
+                <a:solidFill>
+                  <a:prstClr val="white">
+                    <a:lumMod val="75000"/>
+                  </a:prstClr>
+                </a:solidFill>
+                <a:latin typeface="Open Sans" panose="020B0606030504020204" pitchFamily="34" charset="0"/>
+              </a:rPr>
+              <a:t>Tools </a:t>
+            </a:r>
+            <a:r>
+              <a:rPr lang="en-US" sz="2400" dirty="0">
+                <a:solidFill>
+                  <a:prstClr val="white">
+                    <a:lumMod val="75000"/>
+                  </a:prstClr>
+                </a:solidFill>
+                <a:latin typeface="Open Sans" panose="020B0606030504020204" pitchFamily="34" charset="0"/>
+              </a:rPr>
+              <a:t>Installation &amp; Setup</a:t>
+            </a:r>
+          </a:p>
+          <a:p>
+            <a:pPr marL="1028700" lvl="1" indent="-571500">
+              <a:buFont typeface="Arial" panose="020B0604020202020204" pitchFamily="34" charset="0"/>
+              <a:buChar char="•"/>
+              <a:defRPr/>
+            </a:pPr>
+            <a:r>
+              <a:rPr lang="en-US" sz="2400" dirty="0">
+                <a:solidFill>
+                  <a:prstClr val="white">
+                    <a:lumMod val="75000"/>
+                  </a:prstClr>
+                </a:solidFill>
+                <a:latin typeface="Open Sans" panose="020B0606030504020204" pitchFamily="34" charset="0"/>
+              </a:rPr>
+              <a:t>Java</a:t>
+            </a:r>
+          </a:p>
+          <a:p>
+            <a:pPr marL="1028700" lvl="1" indent="-571500">
+              <a:buFont typeface="Arial" panose="020B0604020202020204" pitchFamily="34" charset="0"/>
+              <a:buChar char="•"/>
+              <a:defRPr/>
+            </a:pPr>
+            <a:r>
+              <a:rPr lang="en-US" sz="2400" dirty="0">
+                <a:solidFill>
+                  <a:prstClr val="white">
+                    <a:lumMod val="75000"/>
+                  </a:prstClr>
+                </a:solidFill>
+                <a:latin typeface="Open Sans" panose="020B0606030504020204" pitchFamily="34" charset="0"/>
+              </a:rPr>
+              <a:t>Eclipse</a:t>
+            </a:r>
+          </a:p>
+          <a:p>
+            <a:pPr marL="1028700" lvl="1" indent="-571500">
+              <a:buFont typeface="Arial" panose="020B0604020202020204" pitchFamily="34" charset="0"/>
+              <a:buChar char="•"/>
+              <a:defRPr/>
+            </a:pPr>
+            <a:r>
+              <a:rPr lang="en-US" sz="2400" dirty="0">
+                <a:solidFill>
+                  <a:prstClr val="white">
+                    <a:lumMod val="75000"/>
+                  </a:prstClr>
+                </a:solidFill>
+                <a:latin typeface="Open Sans" panose="020B0606030504020204" pitchFamily="34" charset="0"/>
+              </a:rPr>
+              <a:t>Git &amp; GitHub</a:t>
+            </a:r>
+          </a:p>
+          <a:p>
+            <a:pPr marL="1028700" lvl="1" indent="-571500">
+              <a:buFont typeface="Arial" panose="020B0604020202020204" pitchFamily="34" charset="0"/>
+              <a:buChar char="•"/>
+              <a:defRPr/>
+            </a:pPr>
+            <a:endParaRPr lang="en-US" sz="2400" dirty="0">
               <a:solidFill>
                 <a:prstClr val="white">
                   <a:lumMod val="75000"/>
                 </a:prstClr>
               </a:solidFill>
-              <a:effectLst/>
-              <a:uLnTx/>
-              <a:uFillTx/>
               <a:latin typeface="Open Sans" panose="020B0606030504020204" pitchFamily="34" charset="0"/>
-              <a:ea typeface="+mn-ea"/>
-              <a:cs typeface="+mn-cs"/>
             </a:endParaRPr>
           </a:p>
           <a:p>
@@ -5521,6 +4890,495 @@
       </p:grpSpPr>
       <p:sp>
         <p:nvSpPr>
+          <p:cNvPr id="6" name="TextBox 5">
+            <a:extLst>
+              <a:ext uri="{FF2B5EF4-FFF2-40B4-BE49-F238E27FC236}">
+                <a16:creationId xmlns:a16="http://schemas.microsoft.com/office/drawing/2014/main" id="{59E906CD-110B-9D01-732C-2F21759B0265}"/>
+              </a:ext>
+            </a:extLst>
+          </p:cNvPr>
+          <p:cNvSpPr txBox="1"/>
+          <p:nvPr/>
+        </p:nvSpPr>
+        <p:spPr>
+          <a:xfrm>
+            <a:off x="341603" y="256791"/>
+            <a:ext cx="6094854" cy="461665"/>
+          </a:xfrm>
+          <a:prstGeom prst="rect">
+            <a:avLst/>
+          </a:prstGeom>
+          <a:noFill/>
+        </p:spPr>
+        <p:txBody>
+          <a:bodyPr wrap="square">
+            <a:spAutoFit/>
+          </a:bodyPr>
+          <a:lstStyle/>
+          <a:p>
+            <a:pPr algn="l"/>
+            <a:r>
+              <a:rPr lang="en-US" sz="2400" b="1" dirty="0">
+                <a:solidFill>
+                  <a:srgbClr val="00B050"/>
+                </a:solidFill>
+                <a:effectLst/>
+                <a:latin typeface="Open Sans" panose="020B0606030504020204" pitchFamily="34" charset="0"/>
+              </a:rPr>
+              <a:t>Java Tools / Environment Set-up</a:t>
+            </a:r>
+          </a:p>
+        </p:txBody>
+      </p:sp>
+      <p:sp>
+        <p:nvSpPr>
+          <p:cNvPr id="4" name="TextBox 3">
+            <a:extLst>
+              <a:ext uri="{FF2B5EF4-FFF2-40B4-BE49-F238E27FC236}">
+                <a16:creationId xmlns:a16="http://schemas.microsoft.com/office/drawing/2014/main" id="{051DC5DB-C58E-56B3-76BF-4596A55B19BC}"/>
+              </a:ext>
+            </a:extLst>
+          </p:cNvPr>
+          <p:cNvSpPr txBox="1"/>
+          <p:nvPr/>
+        </p:nvSpPr>
+        <p:spPr>
+          <a:xfrm>
+            <a:off x="341603" y="805882"/>
+            <a:ext cx="11229338" cy="1661993"/>
+          </a:xfrm>
+          <a:prstGeom prst="rect">
+            <a:avLst/>
+          </a:prstGeom>
+          <a:noFill/>
+        </p:spPr>
+        <p:txBody>
+          <a:bodyPr wrap="square">
+            <a:spAutoFit/>
+          </a:bodyPr>
+          <a:lstStyle/>
+          <a:p>
+            <a:pPr marL="285750" indent="-285750">
+              <a:buFont typeface="Arial" panose="020B0604020202020204" pitchFamily="34" charset="0"/>
+              <a:buChar char="•"/>
+            </a:pPr>
+            <a:r>
+              <a:rPr lang="en-US" sz="1700" b="0" i="0" dirty="0">
+                <a:solidFill>
+                  <a:srgbClr val="00B0F0"/>
+                </a:solidFill>
+                <a:effectLst/>
+                <a:latin typeface="Open Sans" panose="020B0606030504020204" pitchFamily="34" charset="0"/>
+                <a:hlinkClick r:id="rId2"/>
+              </a:rPr>
+              <a:t>Installation of Java</a:t>
+            </a:r>
+            <a:endParaRPr lang="en-US" sz="1700" b="0" i="0" dirty="0">
+              <a:solidFill>
+                <a:schemeClr val="tx1">
+                  <a:lumMod val="85000"/>
+                </a:schemeClr>
+              </a:solidFill>
+              <a:effectLst/>
+              <a:latin typeface="Open Sans" panose="020B0606030504020204" pitchFamily="34" charset="0"/>
+            </a:endParaRPr>
+          </a:p>
+          <a:p>
+            <a:pPr marL="285750" indent="-285750">
+              <a:buFont typeface="Arial" panose="020B0604020202020204" pitchFamily="34" charset="0"/>
+              <a:buChar char="•"/>
+            </a:pPr>
+            <a:endParaRPr lang="en-US" sz="1700" dirty="0">
+              <a:solidFill>
+                <a:schemeClr val="tx1">
+                  <a:lumMod val="85000"/>
+                </a:schemeClr>
+              </a:solidFill>
+              <a:latin typeface="Open Sans" panose="020B0606030504020204" pitchFamily="34" charset="0"/>
+            </a:endParaRPr>
+          </a:p>
+          <a:p>
+            <a:pPr marL="285750" indent="-285750">
+              <a:buFont typeface="Arial" panose="020B0604020202020204" pitchFamily="34" charset="0"/>
+              <a:buChar char="•"/>
+            </a:pPr>
+            <a:r>
+              <a:rPr lang="en-US" sz="1700" b="0" i="0" dirty="0">
+                <a:solidFill>
+                  <a:srgbClr val="00B0F0"/>
+                </a:solidFill>
+                <a:effectLst/>
+                <a:latin typeface="Open Sans" panose="020B0606030504020204" pitchFamily="34" charset="0"/>
+                <a:hlinkClick r:id="rId3"/>
+              </a:rPr>
+              <a:t>Installation of Eclipse</a:t>
+            </a:r>
+            <a:endParaRPr lang="en-US" sz="1700" b="0" i="0" dirty="0">
+              <a:solidFill>
+                <a:srgbClr val="00B0F0"/>
+              </a:solidFill>
+              <a:effectLst/>
+              <a:latin typeface="Open Sans" panose="020B0606030504020204" pitchFamily="34" charset="0"/>
+            </a:endParaRPr>
+          </a:p>
+          <a:p>
+            <a:pPr marL="285750" indent="-285750">
+              <a:buFont typeface="Arial" panose="020B0604020202020204" pitchFamily="34" charset="0"/>
+              <a:buChar char="•"/>
+            </a:pPr>
+            <a:endParaRPr lang="en-US" sz="1700" dirty="0">
+              <a:solidFill>
+                <a:srgbClr val="00B0F0"/>
+              </a:solidFill>
+              <a:latin typeface="Open Sans" panose="020B0606030504020204" pitchFamily="34" charset="0"/>
+            </a:endParaRPr>
+          </a:p>
+          <a:p>
+            <a:pPr marL="285750" indent="-285750">
+              <a:buFont typeface="Arial" panose="020B0604020202020204" pitchFamily="34" charset="0"/>
+              <a:buChar char="•"/>
+            </a:pPr>
+            <a:r>
+              <a:rPr lang="en-US" sz="1700" dirty="0">
+                <a:solidFill>
+                  <a:srgbClr val="00B0F0"/>
+                </a:solidFill>
+                <a:latin typeface="Open Sans" panose="020B0606030504020204" pitchFamily="34" charset="0"/>
+                <a:hlinkClick r:id="rId4"/>
+              </a:rPr>
+              <a:t>Installation of Git</a:t>
+            </a:r>
+            <a:br>
+              <a:rPr lang="en-US" sz="1700" dirty="0">
+                <a:solidFill>
+                  <a:schemeClr val="tx1">
+                    <a:lumMod val="85000"/>
+                  </a:schemeClr>
+                </a:solidFill>
+              </a:rPr>
+            </a:br>
+            <a:endParaRPr lang="en-US" sz="1700" dirty="0">
+              <a:solidFill>
+                <a:schemeClr val="tx1">
+                  <a:lumMod val="85000"/>
+                </a:schemeClr>
+              </a:solidFill>
+            </a:endParaRPr>
+          </a:p>
+        </p:txBody>
+      </p:sp>
+      <p:sp>
+        <p:nvSpPr>
+          <p:cNvPr id="2" name="TextBox 1">
+            <a:extLst>
+              <a:ext uri="{FF2B5EF4-FFF2-40B4-BE49-F238E27FC236}">
+                <a16:creationId xmlns:a16="http://schemas.microsoft.com/office/drawing/2014/main" id="{2C17FE52-5FCE-93EA-391D-35903F25B335}"/>
+              </a:ext>
+            </a:extLst>
+          </p:cNvPr>
+          <p:cNvSpPr txBox="1"/>
+          <p:nvPr/>
+        </p:nvSpPr>
+        <p:spPr>
+          <a:xfrm>
+            <a:off x="397750" y="2969284"/>
+            <a:ext cx="6094854" cy="461665"/>
+          </a:xfrm>
+          <a:prstGeom prst="rect">
+            <a:avLst/>
+          </a:prstGeom>
+          <a:noFill/>
+        </p:spPr>
+        <p:txBody>
+          <a:bodyPr wrap="square">
+            <a:spAutoFit/>
+          </a:bodyPr>
+          <a:lstStyle/>
+          <a:p>
+            <a:pPr algn="l"/>
+            <a:r>
+              <a:rPr lang="en-US" sz="2400" b="1">
+                <a:solidFill>
+                  <a:srgbClr val="00B050"/>
+                </a:solidFill>
+                <a:effectLst/>
+                <a:latin typeface="Open Sans" panose="020B0606030504020204" pitchFamily="34" charset="0"/>
+              </a:rPr>
+              <a:t>TODO -&gt; Java </a:t>
+            </a:r>
+            <a:r>
+              <a:rPr lang="en-US" sz="2400" b="1" dirty="0">
+                <a:solidFill>
+                  <a:srgbClr val="00B050"/>
+                </a:solidFill>
+                <a:effectLst/>
+                <a:latin typeface="Open Sans" panose="020B0606030504020204" pitchFamily="34" charset="0"/>
+              </a:rPr>
+              <a:t>Project Set-up</a:t>
+            </a:r>
+          </a:p>
+        </p:txBody>
+      </p:sp>
+      <p:sp>
+        <p:nvSpPr>
+          <p:cNvPr id="3" name="TextBox 2">
+            <a:extLst>
+              <a:ext uri="{FF2B5EF4-FFF2-40B4-BE49-F238E27FC236}">
+                <a16:creationId xmlns:a16="http://schemas.microsoft.com/office/drawing/2014/main" id="{A58D446F-66C1-FA6C-A21C-431C54ABE43D}"/>
+              </a:ext>
+            </a:extLst>
+          </p:cNvPr>
+          <p:cNvSpPr txBox="1"/>
+          <p:nvPr/>
+        </p:nvSpPr>
+        <p:spPr>
+          <a:xfrm>
+            <a:off x="397750" y="3537192"/>
+            <a:ext cx="11173191" cy="2970044"/>
+          </a:xfrm>
+          <a:prstGeom prst="rect">
+            <a:avLst/>
+          </a:prstGeom>
+          <a:noFill/>
+        </p:spPr>
+        <p:txBody>
+          <a:bodyPr wrap="square">
+            <a:spAutoFit/>
+          </a:bodyPr>
+          <a:lstStyle/>
+          <a:p>
+            <a:pPr marL="285750" indent="-285750">
+              <a:buFont typeface="Arial" panose="020B0604020202020204" pitchFamily="34" charset="0"/>
+              <a:buChar char="•"/>
+            </a:pPr>
+            <a:r>
+              <a:rPr lang="en-US" sz="1700" dirty="0">
+                <a:solidFill>
+                  <a:srgbClr val="00B0F0"/>
+                </a:solidFill>
+                <a:latin typeface="Open Sans" panose="020B0606030504020204" pitchFamily="34" charset="0"/>
+              </a:rPr>
+              <a:t>Create a new </a:t>
+            </a:r>
+            <a:r>
+              <a:rPr lang="en-US" sz="1700" b="0" i="0" dirty="0">
+                <a:solidFill>
+                  <a:srgbClr val="00B0F0"/>
+                </a:solidFill>
+                <a:effectLst/>
+                <a:latin typeface="Open Sans" panose="020B0606030504020204" pitchFamily="34" charset="0"/>
+              </a:rPr>
+              <a:t>Java Project (+git)</a:t>
+            </a:r>
+          </a:p>
+          <a:p>
+            <a:pPr marL="285750" indent="-285750">
+              <a:buFont typeface="Arial" panose="020B0604020202020204" pitchFamily="34" charset="0"/>
+              <a:buChar char="•"/>
+            </a:pPr>
+            <a:endParaRPr lang="en-US" sz="1700" dirty="0">
+              <a:solidFill>
+                <a:srgbClr val="00B0F0"/>
+              </a:solidFill>
+              <a:latin typeface="Open Sans" panose="020B0606030504020204" pitchFamily="34" charset="0"/>
+            </a:endParaRPr>
+          </a:p>
+          <a:p>
+            <a:pPr marL="285750" indent="-285750">
+              <a:buFont typeface="Arial" panose="020B0604020202020204" pitchFamily="34" charset="0"/>
+              <a:buChar char="•"/>
+            </a:pPr>
+            <a:r>
+              <a:rPr lang="en-US" sz="1700" b="0" i="0" dirty="0">
+                <a:solidFill>
+                  <a:srgbClr val="00B0F0"/>
+                </a:solidFill>
+                <a:effectLst/>
+                <a:latin typeface="Open Sans" panose="020B0606030504020204" pitchFamily="34" charset="0"/>
+              </a:rPr>
+              <a:t>Create a new Java Package</a:t>
+            </a:r>
+          </a:p>
+          <a:p>
+            <a:pPr marL="285750" indent="-285750">
+              <a:buFont typeface="Arial" panose="020B0604020202020204" pitchFamily="34" charset="0"/>
+              <a:buChar char="•"/>
+            </a:pPr>
+            <a:endParaRPr lang="en-US" sz="1700" dirty="0">
+              <a:solidFill>
+                <a:srgbClr val="00B0F0"/>
+              </a:solidFill>
+              <a:latin typeface="Open Sans" panose="020B0606030504020204" pitchFamily="34" charset="0"/>
+            </a:endParaRPr>
+          </a:p>
+          <a:p>
+            <a:pPr marL="285750" indent="-285750">
+              <a:buFont typeface="Arial" panose="020B0604020202020204" pitchFamily="34" charset="0"/>
+              <a:buChar char="•"/>
+            </a:pPr>
+            <a:r>
+              <a:rPr lang="en-US" sz="1700" b="0" i="0" dirty="0">
+                <a:solidFill>
+                  <a:srgbClr val="00B0F0"/>
+                </a:solidFill>
+                <a:effectLst/>
+                <a:latin typeface="Open Sans" panose="020B0606030504020204" pitchFamily="34" charset="0"/>
+              </a:rPr>
+              <a:t>Create a new Java Class </a:t>
+            </a:r>
+            <a:r>
+              <a:rPr lang="en-US" sz="1700" b="0" i="0" dirty="0">
+                <a:solidFill>
+                  <a:srgbClr val="00B0F0"/>
+                </a:solidFill>
+                <a:effectLst/>
+                <a:latin typeface="Open Sans" panose="020B0606030504020204" pitchFamily="34" charset="0"/>
+                <a:sym typeface="Wingdings" panose="05000000000000000000" pitchFamily="2" charset="2"/>
+              </a:rPr>
+              <a:t> Basic Java first program</a:t>
+            </a:r>
+            <a:endParaRPr lang="en-US" sz="1700" b="0" i="0" dirty="0">
+              <a:solidFill>
+                <a:srgbClr val="00B0F0"/>
+              </a:solidFill>
+              <a:effectLst/>
+              <a:latin typeface="Open Sans" panose="020B0606030504020204" pitchFamily="34" charset="0"/>
+            </a:endParaRPr>
+          </a:p>
+          <a:p>
+            <a:endParaRPr lang="en-US" sz="1700" dirty="0">
+              <a:solidFill>
+                <a:srgbClr val="00B0F0"/>
+              </a:solidFill>
+              <a:latin typeface="Open Sans" panose="020B0606030504020204" pitchFamily="34" charset="0"/>
+            </a:endParaRPr>
+          </a:p>
+          <a:p>
+            <a:endParaRPr lang="en-US" sz="1700" b="0" i="0" dirty="0">
+              <a:solidFill>
+                <a:srgbClr val="00B0F0"/>
+              </a:solidFill>
+              <a:effectLst/>
+              <a:latin typeface="Open Sans" panose="020B0606030504020204" pitchFamily="34" charset="0"/>
+            </a:endParaRPr>
+          </a:p>
+          <a:p>
+            <a:endParaRPr lang="en-US" sz="1700" dirty="0">
+              <a:solidFill>
+                <a:srgbClr val="00B0F0"/>
+              </a:solidFill>
+              <a:latin typeface="Open Sans" panose="020B0606030504020204" pitchFamily="34" charset="0"/>
+            </a:endParaRPr>
+          </a:p>
+          <a:p>
+            <a:endParaRPr lang="en-US" sz="1700" b="0" i="0" dirty="0">
+              <a:solidFill>
+                <a:srgbClr val="00B0F0"/>
+              </a:solidFill>
+              <a:effectLst/>
+              <a:latin typeface="Open Sans" panose="020B0606030504020204" pitchFamily="34" charset="0"/>
+            </a:endParaRPr>
+          </a:p>
+          <a:p>
+            <a:endParaRPr lang="en-US" sz="1700" dirty="0">
+              <a:solidFill>
+                <a:srgbClr val="00B0F0"/>
+              </a:solidFill>
+              <a:latin typeface="Open Sans" panose="020B0606030504020204" pitchFamily="34" charset="0"/>
+            </a:endParaRPr>
+          </a:p>
+          <a:p>
+            <a:r>
+              <a:rPr lang="en-US" sz="1700" b="0" i="0" dirty="0">
+                <a:solidFill>
+                  <a:srgbClr val="00B0F0"/>
+                </a:solidFill>
+                <a:effectLst/>
+                <a:latin typeface="Open Sans" panose="020B0606030504020204" pitchFamily="34" charset="0"/>
+                <a:hlinkClick r:id="rId5"/>
+              </a:rPr>
+              <a:t>Content Link in LMS</a:t>
+            </a:r>
+            <a:endParaRPr lang="en-US" sz="1700" b="0" i="0" dirty="0">
+              <a:solidFill>
+                <a:srgbClr val="00B0F0"/>
+              </a:solidFill>
+              <a:effectLst/>
+              <a:latin typeface="Open Sans" panose="020B0606030504020204" pitchFamily="34" charset="0"/>
+            </a:endParaRPr>
+          </a:p>
+        </p:txBody>
+      </p:sp>
+      <p:sp>
+        <p:nvSpPr>
+          <p:cNvPr id="7" name="TextBox 6">
+            <a:extLst>
+              <a:ext uri="{FF2B5EF4-FFF2-40B4-BE49-F238E27FC236}">
+                <a16:creationId xmlns:a16="http://schemas.microsoft.com/office/drawing/2014/main" id="{6839F638-5936-3103-1F70-595E7CF97E1A}"/>
+              </a:ext>
+            </a:extLst>
+          </p:cNvPr>
+          <p:cNvSpPr txBox="1"/>
+          <p:nvPr/>
+        </p:nvSpPr>
+        <p:spPr>
+          <a:xfrm>
+            <a:off x="1350605" y="2357923"/>
+            <a:ext cx="7690757" cy="369332"/>
+          </a:xfrm>
+          <a:prstGeom prst="rect">
+            <a:avLst/>
+          </a:prstGeom>
+          <a:noFill/>
+        </p:spPr>
+        <p:txBody>
+          <a:bodyPr wrap="square">
+            <a:spAutoFit/>
+          </a:bodyPr>
+          <a:lstStyle/>
+          <a:p>
+            <a:r>
+              <a:rPr lang="en-US" dirty="0">
+                <a:hlinkClick r:id="rId6"/>
+              </a:rPr>
+              <a:t>https://github.com/DrOldGuy/promineo-installation-instructions</a:t>
+            </a:r>
+            <a:endParaRPr lang="en-US" dirty="0"/>
+          </a:p>
+        </p:txBody>
+      </p:sp>
+    </p:spTree>
+    <p:extLst>
+      <p:ext uri="{BB962C8B-B14F-4D97-AF65-F5344CB8AC3E}">
+        <p14:creationId xmlns:p14="http://schemas.microsoft.com/office/powerpoint/2010/main" val="192346319"/>
+      </p:ext>
+    </p:extLst>
+  </p:cSld>
+  <p:clrMapOvr>
+    <a:masterClrMapping/>
+  </p:clrMapOvr>
+</p:sld>
+</file>
+
+<file path=ppt/slides/slide12.xml><?xml version="1.0" encoding="utf-8"?>
+<p:sld xmlns:a="http://schemas.openxmlformats.org/drawingml/2006/main" xmlns:r="http://schemas.openxmlformats.org/officeDocument/2006/relationships" xmlns:p="http://schemas.openxmlformats.org/presentationml/2006/main">
+  <p:cSld>
+    <p:spTree>
+      <p:nvGrpSpPr>
+        <p:cNvPr id="1" name=""/>
+        <p:cNvGrpSpPr/>
+        <p:nvPr/>
+      </p:nvGrpSpPr>
+      <p:grpSpPr>
+        <a:xfrm>
+          <a:off x="0" y="0"/>
+          <a:ext cx="0" cy="0"/>
+          <a:chOff x="0" y="0"/>
+          <a:chExt cx="0" cy="0"/>
+        </a:xfrm>
+      </p:grpSpPr>
+      <p:sp>
+        <p:nvSpPr>
           <p:cNvPr id="3" name="TextBox 2">
             <a:extLst>
               <a:ext uri="{FF2B5EF4-FFF2-40B4-BE49-F238E27FC236}">
@@ -5533,8 +5391,8 @@
         </p:nvSpPr>
         <p:spPr>
           <a:xfrm>
-            <a:off x="1894669" y="2745699"/>
-            <a:ext cx="9326104" cy="1754326"/>
+            <a:off x="526507" y="2459504"/>
+            <a:ext cx="9326104" cy="2862322"/>
           </a:xfrm>
           <a:prstGeom prst="rect">
             <a:avLst/>
@@ -5565,23 +5423,15 @@
               <a:defRPr/>
             </a:pPr>
             <a:r>
-              <a:rPr kumimoji="0" lang="en-US" sz="6000" b="0" i="0" u="none" strike="noStrike" kern="1200" cap="none" spc="0" normalizeH="0" baseline="0" noProof="0" dirty="0">
-                <a:ln>
-                  <a:noFill/>
-                </a:ln>
+              <a:rPr lang="en-US" sz="6000" dirty="0">
                 <a:solidFill>
                   <a:prstClr val="white">
                     <a:lumMod val="75000"/>
                   </a:prstClr>
                 </a:solidFill>
-                <a:effectLst/>
-                <a:uLnTx/>
-                <a:uFillTx/>
-                <a:latin typeface="Open Sans" panose="020B0606030504020204" pitchFamily="34" charset="0"/>
-                <a:ea typeface="+mn-ea"/>
-                <a:cs typeface="+mn-cs"/>
-              </a:rPr>
-              <a:t>Source Control</a:t>
+                <a:latin typeface="Open Sans" panose="020B0606030504020204" pitchFamily="34" charset="0"/>
+              </a:rPr>
+              <a:t>Java Basic Programs,</a:t>
             </a:r>
           </a:p>
           <a:p>
@@ -5603,7 +5453,7 @@
               <a:defRPr/>
             </a:pPr>
             <a:r>
-              <a:rPr lang="en-US" sz="4800" i="1" dirty="0">
+              <a:rPr lang="en-US" sz="6000" dirty="0">
                 <a:solidFill>
                   <a:prstClr val="white">
                     <a:lumMod val="75000"/>
@@ -5611,9 +5461,9 @@
                 </a:solidFill>
                 <a:latin typeface="Open Sans" panose="020B0606030504020204" pitchFamily="34" charset="0"/>
               </a:rPr>
-              <a:t>Git and GitHub</a:t>
-            </a:r>
-            <a:endParaRPr kumimoji="0" lang="en-US" sz="6000" b="0" i="1" u="none" strike="noStrike" kern="1200" cap="none" spc="0" normalizeH="0" baseline="0" noProof="0" dirty="0">
+              <a:t>Variables, Data Types, &amp; Operations</a:t>
+            </a:r>
+            <a:endParaRPr kumimoji="0" lang="en-US" sz="6000" b="0" i="0" u="none" strike="noStrike" kern="1200" cap="none" spc="0" normalizeH="0" baseline="0" noProof="0" dirty="0">
               <a:ln>
                 <a:noFill/>
               </a:ln>
@@ -5635,7 +5485,7 @@
     </p:spTree>
     <p:extLst>
       <p:ext uri="{BB962C8B-B14F-4D97-AF65-F5344CB8AC3E}">
-        <p14:creationId xmlns:p14="http://schemas.microsoft.com/office/powerpoint/2010/main" val="373601184"/>
+        <p14:creationId xmlns:p14="http://schemas.microsoft.com/office/powerpoint/2010/main" val="4170465764"/>
       </p:ext>
     </p:extLst>
   </p:cSld>
@@ -5645,7 +5495,1350 @@
 </p:sld>
 </file>
 
-<file path=ppt/slides/slide12.xml><?xml version="1.0" encoding="utf-8"?>
+<file path=ppt/slides/slide13.xml><?xml version="1.0" encoding="utf-8"?>
+<p:sld xmlns:a="http://schemas.openxmlformats.org/drawingml/2006/main" xmlns:r="http://schemas.openxmlformats.org/officeDocument/2006/relationships" xmlns:p="http://schemas.openxmlformats.org/presentationml/2006/main">
+  <p:cSld>
+    <p:spTree>
+      <p:nvGrpSpPr>
+        <p:cNvPr id="1" name=""/>
+        <p:cNvGrpSpPr/>
+        <p:nvPr/>
+      </p:nvGrpSpPr>
+      <p:grpSpPr>
+        <a:xfrm>
+          <a:off x="0" y="0"/>
+          <a:ext cx="0" cy="0"/>
+          <a:chOff x="0" y="0"/>
+          <a:chExt cx="0" cy="0"/>
+        </a:xfrm>
+      </p:grpSpPr>
+      <p:sp>
+        <p:nvSpPr>
+          <p:cNvPr id="6" name="TextBox 5">
+            <a:extLst>
+              <a:ext uri="{FF2B5EF4-FFF2-40B4-BE49-F238E27FC236}">
+                <a16:creationId xmlns:a16="http://schemas.microsoft.com/office/drawing/2014/main" id="{59E906CD-110B-9D01-732C-2F21759B0265}"/>
+              </a:ext>
+            </a:extLst>
+          </p:cNvPr>
+          <p:cNvSpPr txBox="1"/>
+          <p:nvPr/>
+        </p:nvSpPr>
+        <p:spPr>
+          <a:xfrm>
+            <a:off x="341603" y="50541"/>
+            <a:ext cx="11449344" cy="461665"/>
+          </a:xfrm>
+          <a:prstGeom prst="rect">
+            <a:avLst/>
+          </a:prstGeom>
+          <a:noFill/>
+        </p:spPr>
+        <p:txBody>
+          <a:bodyPr wrap="square">
+            <a:spAutoFit/>
+          </a:bodyPr>
+          <a:lstStyle/>
+          <a:p>
+            <a:pPr algn="l"/>
+            <a:r>
+              <a:rPr lang="en-US" sz="2400" b="1" dirty="0">
+                <a:solidFill>
+                  <a:srgbClr val="00B050"/>
+                </a:solidFill>
+                <a:effectLst/>
+                <a:latin typeface="Open Sans" panose="020B0606030504020204" pitchFamily="34" charset="0"/>
+              </a:rPr>
+              <a:t>Variables / Data Types</a:t>
+            </a:r>
+          </a:p>
+        </p:txBody>
+      </p:sp>
+      <p:sp>
+        <p:nvSpPr>
+          <p:cNvPr id="5" name="TextBox 4">
+            <a:extLst>
+              <a:ext uri="{FF2B5EF4-FFF2-40B4-BE49-F238E27FC236}">
+                <a16:creationId xmlns:a16="http://schemas.microsoft.com/office/drawing/2014/main" id="{9DB63145-E59C-9501-8AA5-4E6AC5C0D40F}"/>
+              </a:ext>
+            </a:extLst>
+          </p:cNvPr>
+          <p:cNvSpPr txBox="1"/>
+          <p:nvPr/>
+        </p:nvSpPr>
+        <p:spPr>
+          <a:xfrm>
+            <a:off x="245215" y="463903"/>
+            <a:ext cx="11701570" cy="6463308"/>
+          </a:xfrm>
+          <a:prstGeom prst="rect">
+            <a:avLst/>
+          </a:prstGeom>
+          <a:noFill/>
+        </p:spPr>
+        <p:txBody>
+          <a:bodyPr wrap="square">
+            <a:spAutoFit/>
+          </a:bodyPr>
+          <a:lstStyle/>
+          <a:p>
+            <a:pPr marL="342900" indent="-342900">
+              <a:buFont typeface="Arial" panose="020B0604020202020204" pitchFamily="34" charset="0"/>
+              <a:buChar char="•"/>
+            </a:pPr>
+            <a:r>
+              <a:rPr lang="en-US" b="0" i="0" dirty="0">
+                <a:solidFill>
+                  <a:schemeClr val="tx1">
+                    <a:lumMod val="85000"/>
+                  </a:schemeClr>
+                </a:solidFill>
+                <a:effectLst/>
+                <a:latin typeface="Open Sans" panose="020B0606030504020204" pitchFamily="34" charset="0"/>
+              </a:rPr>
+              <a:t>Since programming is defined as moving, manipulating, and displaying data, </a:t>
+            </a:r>
+            <a:r>
+              <a:rPr lang="en-US" b="0" i="0" dirty="0">
+                <a:solidFill>
+                  <a:srgbClr val="00B0F0"/>
+                </a:solidFill>
+                <a:effectLst/>
+                <a:latin typeface="Open Sans" panose="020B0606030504020204" pitchFamily="34" charset="0"/>
+              </a:rPr>
+              <a:t>we need a way to know what data we are working with</a:t>
+            </a:r>
+            <a:r>
+              <a:rPr lang="en-US" b="0" i="0" dirty="0">
+                <a:solidFill>
+                  <a:schemeClr val="tx1">
+                    <a:lumMod val="85000"/>
+                  </a:schemeClr>
+                </a:solidFill>
+                <a:effectLst/>
+                <a:latin typeface="Open Sans" panose="020B0606030504020204" pitchFamily="34" charset="0"/>
+              </a:rPr>
+              <a:t>. </a:t>
+            </a:r>
+            <a:r>
+              <a:rPr lang="en-US" b="0" i="0" dirty="0">
+                <a:solidFill>
+                  <a:srgbClr val="00B0F0"/>
+                </a:solidFill>
+                <a:effectLst/>
+                <a:latin typeface="Open Sans" panose="020B0606030504020204" pitchFamily="34" charset="0"/>
+              </a:rPr>
+              <a:t>We need a way to </a:t>
+            </a:r>
+            <a:r>
+              <a:rPr lang="en-US" b="1" i="0" u="sng" dirty="0">
+                <a:solidFill>
+                  <a:srgbClr val="00B0F0"/>
+                </a:solidFill>
+                <a:effectLst/>
+                <a:latin typeface="Open Sans" panose="020B0606030504020204" pitchFamily="34" charset="0"/>
+              </a:rPr>
+              <a:t>assign names to data</a:t>
+            </a:r>
+            <a:r>
+              <a:rPr lang="en-US" b="0" i="0" dirty="0">
+                <a:solidFill>
+                  <a:schemeClr val="tx1">
+                    <a:lumMod val="85000"/>
+                  </a:schemeClr>
+                </a:solidFill>
+                <a:effectLst/>
+                <a:latin typeface="Open Sans" panose="020B0606030504020204" pitchFamily="34" charset="0"/>
+              </a:rPr>
+              <a:t>. To do this, we use something called </a:t>
+            </a:r>
+            <a:r>
+              <a:rPr lang="en-US" b="1" i="0" dirty="0">
+                <a:solidFill>
+                  <a:srgbClr val="00B0F0"/>
+                </a:solidFill>
+                <a:effectLst/>
+                <a:latin typeface="Open Sans" panose="020B0606030504020204" pitchFamily="34" charset="0"/>
+              </a:rPr>
+              <a:t>variables</a:t>
+            </a:r>
+            <a:r>
+              <a:rPr lang="en-US" b="0" i="0" dirty="0">
+                <a:solidFill>
+                  <a:srgbClr val="00B0F0"/>
+                </a:solidFill>
+                <a:effectLst/>
+                <a:latin typeface="Open Sans" panose="020B0606030504020204" pitchFamily="34" charset="0"/>
+              </a:rPr>
+              <a:t>.</a:t>
+            </a:r>
+          </a:p>
+          <a:p>
+            <a:pPr marL="342900" indent="-342900" algn="l" rtl="0">
+              <a:buFont typeface="Arial" panose="020B0604020202020204" pitchFamily="34" charset="0"/>
+              <a:buChar char="•"/>
+            </a:pPr>
+            <a:r>
+              <a:rPr lang="en-US" b="1" i="0" dirty="0">
+                <a:solidFill>
+                  <a:schemeClr val="tx1">
+                    <a:lumMod val="85000"/>
+                  </a:schemeClr>
+                </a:solidFill>
+                <a:effectLst/>
+                <a:latin typeface="Open Sans" panose="020B0606030504020204" pitchFamily="34" charset="0"/>
+              </a:rPr>
+              <a:t>Variables</a:t>
+            </a:r>
+            <a:r>
+              <a:rPr lang="en-US" b="0" i="0" dirty="0">
+                <a:solidFill>
+                  <a:schemeClr val="tx1">
+                    <a:lumMod val="85000"/>
+                  </a:schemeClr>
+                </a:solidFill>
+                <a:effectLst/>
+                <a:latin typeface="Open Sans" panose="020B0606030504020204" pitchFamily="34" charset="0"/>
+              </a:rPr>
+              <a:t> can refer to different types of data. </a:t>
+            </a:r>
+            <a:r>
+              <a:rPr lang="en-US" b="1" dirty="0">
+                <a:solidFill>
+                  <a:srgbClr val="00B0F0"/>
+                </a:solidFill>
+                <a:latin typeface="Open Sans" panose="020B0606030504020204" pitchFamily="34" charset="0"/>
+              </a:rPr>
+              <a:t>Variables</a:t>
+            </a:r>
+            <a:r>
+              <a:rPr lang="en-US" dirty="0">
+                <a:solidFill>
+                  <a:srgbClr val="00B0F0"/>
+                </a:solidFill>
+                <a:latin typeface="Open Sans" panose="020B0606030504020204" pitchFamily="34" charset="0"/>
+              </a:rPr>
+              <a:t> are placeholders to hold our data</a:t>
+            </a:r>
+            <a:r>
+              <a:rPr lang="en-US" b="0" i="0" dirty="0">
+                <a:solidFill>
+                  <a:schemeClr val="tx1">
+                    <a:lumMod val="85000"/>
+                  </a:schemeClr>
+                </a:solidFill>
+                <a:effectLst/>
+                <a:latin typeface="Open Sans" panose="020B0606030504020204" pitchFamily="34" charset="0"/>
+              </a:rPr>
+              <a:t>.  For example, alphanumeric/textual data or numeric data deals more with values and math.  </a:t>
+            </a:r>
+          </a:p>
+          <a:p>
+            <a:pPr marL="342900" indent="-342900" algn="l" rtl="0">
+              <a:buFont typeface="Arial" panose="020B0604020202020204" pitchFamily="34" charset="0"/>
+              <a:buChar char="•"/>
+            </a:pPr>
+            <a:r>
+              <a:rPr lang="en-US" b="1" i="0" dirty="0">
+                <a:solidFill>
+                  <a:schemeClr val="tx1">
+                    <a:lumMod val="85000"/>
+                  </a:schemeClr>
+                </a:solidFill>
+                <a:effectLst/>
+                <a:latin typeface="Open Sans" panose="020B0606030504020204" pitchFamily="34" charset="0"/>
+              </a:rPr>
+              <a:t>Java</a:t>
+            </a:r>
+            <a:r>
+              <a:rPr lang="en-US" b="0" i="0" dirty="0">
+                <a:solidFill>
+                  <a:schemeClr val="tx1">
+                    <a:lumMod val="85000"/>
+                  </a:schemeClr>
+                </a:solidFill>
+                <a:effectLst/>
+                <a:latin typeface="Open Sans" panose="020B0606030504020204" pitchFamily="34" charset="0"/>
+              </a:rPr>
+              <a:t> is a statically typed programming language, which means that any variable must first be declared before it can be used.  </a:t>
+            </a:r>
+          </a:p>
+          <a:p>
+            <a:pPr marL="342900" indent="-342900" algn="l" rtl="0">
+              <a:buFont typeface="Arial" panose="020B0604020202020204" pitchFamily="34" charset="0"/>
+              <a:buChar char="•"/>
+            </a:pPr>
+            <a:r>
+              <a:rPr lang="en-US" b="0" i="0" dirty="0">
+                <a:solidFill>
+                  <a:schemeClr val="tx1">
+                    <a:lumMod val="85000"/>
+                  </a:schemeClr>
+                </a:solidFill>
+                <a:effectLst/>
+                <a:latin typeface="Open Sans" panose="020B0606030504020204" pitchFamily="34" charset="0"/>
+              </a:rPr>
+              <a:t>To </a:t>
+            </a:r>
+            <a:r>
+              <a:rPr lang="en-US" b="1" i="0" dirty="0">
+                <a:solidFill>
+                  <a:schemeClr val="tx1">
+                    <a:lumMod val="85000"/>
+                  </a:schemeClr>
+                </a:solidFill>
+                <a:effectLst/>
+                <a:latin typeface="Open Sans" panose="020B0606030504020204" pitchFamily="34" charset="0"/>
+              </a:rPr>
+              <a:t>declare a variable</a:t>
+            </a:r>
+            <a:r>
+              <a:rPr lang="en-US" b="0" i="0" dirty="0">
+                <a:solidFill>
+                  <a:schemeClr val="tx1">
+                    <a:lumMod val="85000"/>
+                  </a:schemeClr>
+                </a:solidFill>
+                <a:effectLst/>
+                <a:latin typeface="Open Sans" panose="020B0606030504020204" pitchFamily="34" charset="0"/>
+              </a:rPr>
+              <a:t>, you must determine the variable's </a:t>
+            </a:r>
+            <a:r>
+              <a:rPr lang="en-US" b="1" i="0" dirty="0">
+                <a:solidFill>
+                  <a:schemeClr val="tx1">
+                    <a:lumMod val="85000"/>
+                  </a:schemeClr>
+                </a:solidFill>
+                <a:effectLst/>
+                <a:latin typeface="Open Sans" panose="020B0606030504020204" pitchFamily="34" charset="0"/>
+              </a:rPr>
+              <a:t>data type</a:t>
+            </a:r>
+            <a:r>
+              <a:rPr lang="en-US" b="0" i="0" dirty="0">
+                <a:solidFill>
+                  <a:schemeClr val="tx1">
+                    <a:lumMod val="85000"/>
+                  </a:schemeClr>
+                </a:solidFill>
+                <a:effectLst/>
+                <a:latin typeface="Open Sans" panose="020B0606030504020204" pitchFamily="34" charset="0"/>
+              </a:rPr>
+              <a:t> and </a:t>
+            </a:r>
+            <a:r>
+              <a:rPr lang="en-US" b="1" i="0" dirty="0">
+                <a:solidFill>
+                  <a:schemeClr val="tx1">
+                    <a:lumMod val="85000"/>
+                  </a:schemeClr>
+                </a:solidFill>
+                <a:effectLst/>
+                <a:latin typeface="Open Sans" panose="020B0606030504020204" pitchFamily="34" charset="0"/>
+              </a:rPr>
+              <a:t>name</a:t>
+            </a:r>
+            <a:r>
+              <a:rPr lang="en-US" b="0" i="0" dirty="0">
+                <a:solidFill>
+                  <a:schemeClr val="tx1">
+                    <a:lumMod val="85000"/>
+                  </a:schemeClr>
+                </a:solidFill>
+                <a:effectLst/>
+                <a:latin typeface="Open Sans" panose="020B0606030504020204" pitchFamily="34" charset="0"/>
+              </a:rPr>
+              <a:t>.  </a:t>
+            </a:r>
+          </a:p>
+          <a:p>
+            <a:pPr algn="l" rtl="0"/>
+            <a:endParaRPr lang="en-US" b="1" i="0" u="sng" dirty="0">
+              <a:solidFill>
+                <a:schemeClr val="tx1">
+                  <a:lumMod val="85000"/>
+                </a:schemeClr>
+              </a:solidFill>
+              <a:effectLst/>
+              <a:latin typeface="Open Sans" panose="020B0606030504020204" pitchFamily="34" charset="0"/>
+            </a:endParaRPr>
+          </a:p>
+          <a:p>
+            <a:pPr algn="l" rtl="0"/>
+            <a:r>
+              <a:rPr lang="en-US" i="0" dirty="0">
+                <a:solidFill>
+                  <a:srgbClr val="00B0F0"/>
+                </a:solidFill>
+                <a:effectLst/>
+                <a:latin typeface="Open Sans" panose="020B0606030504020204" pitchFamily="34" charset="0"/>
+              </a:rPr>
+              <a:t>There are 8 primitive data types in Java:</a:t>
+            </a:r>
+            <a:endParaRPr lang="en-US" i="0" dirty="0">
+              <a:solidFill>
+                <a:schemeClr val="tx1">
+                  <a:lumMod val="85000"/>
+                </a:schemeClr>
+              </a:solidFill>
+              <a:effectLst/>
+              <a:latin typeface="Open Sans" panose="020B0606030504020204" pitchFamily="34" charset="0"/>
+            </a:endParaRPr>
+          </a:p>
+          <a:p>
+            <a:pPr algn="l"/>
+            <a:r>
+              <a:rPr lang="en-US" sz="1800" dirty="0">
+                <a:solidFill>
+                  <a:schemeClr val="tx1">
+                    <a:lumMod val="85000"/>
+                  </a:schemeClr>
+                </a:solidFill>
+                <a:latin typeface="Consolas" panose="020B0609020204030204" pitchFamily="49" charset="0"/>
+              </a:rPr>
+              <a:t>  byte    -  8-bit integer, Range = -127 to 128    (1 = 01, 2 = 10, 3 = 11)</a:t>
+            </a:r>
+          </a:p>
+          <a:p>
+            <a:pPr algn="l"/>
+            <a:r>
+              <a:rPr lang="en-US" sz="1800" dirty="0">
+                <a:solidFill>
+                  <a:schemeClr val="tx1">
+                    <a:lumMod val="85000"/>
+                  </a:schemeClr>
+                </a:solidFill>
+                <a:latin typeface="Consolas" panose="020B0609020204030204" pitchFamily="49" charset="0"/>
+              </a:rPr>
+              <a:t>  short   - 16-bit integer, Range = -32,768 to 32,767</a:t>
+            </a:r>
+          </a:p>
+          <a:p>
+            <a:pPr algn="l"/>
+            <a:r>
+              <a:rPr lang="en-US" sz="1800" dirty="0">
+                <a:solidFill>
+                  <a:schemeClr val="tx1">
+                    <a:lumMod val="85000"/>
+                  </a:schemeClr>
+                </a:solidFill>
+                <a:latin typeface="Consolas" panose="020B0609020204030204" pitchFamily="49" charset="0"/>
+              </a:rPr>
+              <a:t>  int     - 32-bit integer, Range = -2</a:t>
+            </a:r>
+            <a:r>
+              <a:rPr lang="en-US" sz="1800" baseline="30000" dirty="0">
+                <a:solidFill>
+                  <a:schemeClr val="tx1">
+                    <a:lumMod val="85000"/>
+                  </a:schemeClr>
+                </a:solidFill>
+                <a:latin typeface="Consolas" panose="020B0609020204030204" pitchFamily="49" charset="0"/>
+              </a:rPr>
+              <a:t>31</a:t>
+            </a:r>
+            <a:r>
+              <a:rPr lang="en-US" sz="1800" dirty="0">
+                <a:solidFill>
+                  <a:schemeClr val="tx1">
+                    <a:lumMod val="85000"/>
+                  </a:schemeClr>
+                </a:solidFill>
+                <a:latin typeface="Consolas" panose="020B0609020204030204" pitchFamily="49" charset="0"/>
+              </a:rPr>
+              <a:t> to 2</a:t>
+            </a:r>
+            <a:r>
+              <a:rPr lang="en-US" sz="1800" baseline="30000" dirty="0">
+                <a:solidFill>
+                  <a:schemeClr val="tx1">
+                    <a:lumMod val="85000"/>
+                  </a:schemeClr>
+                </a:solidFill>
+                <a:latin typeface="Consolas" panose="020B0609020204030204" pitchFamily="49" charset="0"/>
+              </a:rPr>
+              <a:t>31</a:t>
+            </a:r>
+            <a:r>
+              <a:rPr lang="en-US" sz="1800" dirty="0">
+                <a:solidFill>
+                  <a:schemeClr val="tx1">
+                    <a:lumMod val="85000"/>
+                  </a:schemeClr>
+                </a:solidFill>
+                <a:latin typeface="Consolas" panose="020B0609020204030204" pitchFamily="49" charset="0"/>
+              </a:rPr>
+              <a:t>-1</a:t>
+            </a:r>
+          </a:p>
+          <a:p>
+            <a:pPr algn="l"/>
+            <a:r>
+              <a:rPr lang="en-US" sz="1800" dirty="0">
+                <a:solidFill>
+                  <a:schemeClr val="tx1">
+                    <a:lumMod val="85000"/>
+                  </a:schemeClr>
+                </a:solidFill>
+                <a:latin typeface="Consolas" panose="020B0609020204030204" pitchFamily="49" charset="0"/>
+              </a:rPr>
+              <a:t>  long    - 64-bit integer, Range = -2</a:t>
+            </a:r>
+            <a:r>
+              <a:rPr lang="en-US" sz="1800" baseline="30000" dirty="0">
+                <a:solidFill>
+                  <a:schemeClr val="tx1">
+                    <a:lumMod val="85000"/>
+                  </a:schemeClr>
+                </a:solidFill>
+                <a:latin typeface="Consolas" panose="020B0609020204030204" pitchFamily="49" charset="0"/>
+              </a:rPr>
+              <a:t>63</a:t>
+            </a:r>
+            <a:r>
+              <a:rPr lang="en-US" sz="1800" dirty="0">
+                <a:solidFill>
+                  <a:schemeClr val="tx1">
+                    <a:lumMod val="85000"/>
+                  </a:schemeClr>
+                </a:solidFill>
+                <a:latin typeface="Consolas" panose="020B0609020204030204" pitchFamily="49" charset="0"/>
+              </a:rPr>
+              <a:t> to 2</a:t>
+            </a:r>
+            <a:r>
+              <a:rPr lang="en-US" sz="1800" baseline="30000" dirty="0">
+                <a:solidFill>
+                  <a:schemeClr val="tx1">
+                    <a:lumMod val="85000"/>
+                  </a:schemeClr>
+                </a:solidFill>
+                <a:latin typeface="Consolas" panose="020B0609020204030204" pitchFamily="49" charset="0"/>
+              </a:rPr>
+              <a:t>63</a:t>
+            </a:r>
+            <a:r>
+              <a:rPr lang="en-US" sz="1800" dirty="0">
+                <a:solidFill>
+                  <a:schemeClr val="tx1">
+                    <a:lumMod val="85000"/>
+                  </a:schemeClr>
+                </a:solidFill>
+                <a:latin typeface="Consolas" panose="020B0609020204030204" pitchFamily="49" charset="0"/>
+              </a:rPr>
+              <a:t>-1</a:t>
+            </a:r>
+          </a:p>
+          <a:p>
+            <a:pPr algn="l"/>
+            <a:r>
+              <a:rPr lang="en-US" sz="1800" dirty="0">
+                <a:solidFill>
+                  <a:schemeClr val="tx1">
+                    <a:lumMod val="85000"/>
+                  </a:schemeClr>
+                </a:solidFill>
+                <a:latin typeface="Consolas" panose="020B0609020204030204" pitchFamily="49" charset="0"/>
+              </a:rPr>
+              <a:t>  float   - 32-bit floating point with a decimal</a:t>
+            </a:r>
+          </a:p>
+          <a:p>
+            <a:pPr algn="l"/>
+            <a:r>
+              <a:rPr lang="en-US" sz="1800" dirty="0">
+                <a:solidFill>
+                  <a:schemeClr val="tx1">
+                    <a:lumMod val="85000"/>
+                  </a:schemeClr>
+                </a:solidFill>
+                <a:latin typeface="Consolas" panose="020B0609020204030204" pitchFamily="49" charset="0"/>
+              </a:rPr>
+              <a:t>  double  - 64-bit floating point with a decimal</a:t>
+            </a:r>
+          </a:p>
+          <a:p>
+            <a:pPr algn="l"/>
+            <a:r>
+              <a:rPr lang="en-US" sz="1800" dirty="0">
+                <a:solidFill>
+                  <a:schemeClr val="tx1">
+                    <a:lumMod val="85000"/>
+                  </a:schemeClr>
+                </a:solidFill>
+                <a:latin typeface="Consolas" panose="020B0609020204030204" pitchFamily="49" charset="0"/>
+              </a:rPr>
+              <a:t>  </a:t>
+            </a:r>
+            <a:r>
+              <a:rPr lang="en-US" sz="1800" dirty="0" err="1">
+                <a:solidFill>
+                  <a:schemeClr val="tx1">
+                    <a:lumMod val="85000"/>
+                  </a:schemeClr>
+                </a:solidFill>
+                <a:latin typeface="Consolas" panose="020B0609020204030204" pitchFamily="49" charset="0"/>
+              </a:rPr>
+              <a:t>boolean</a:t>
+            </a:r>
+            <a:r>
+              <a:rPr lang="en-US" sz="1800" dirty="0">
+                <a:solidFill>
+                  <a:schemeClr val="tx1">
+                    <a:lumMod val="85000"/>
+                  </a:schemeClr>
+                </a:solidFill>
+                <a:latin typeface="Consolas" panose="020B0609020204030204" pitchFamily="49" charset="0"/>
+              </a:rPr>
+              <a:t> - true/false </a:t>
+            </a:r>
+          </a:p>
+          <a:p>
+            <a:pPr algn="l"/>
+            <a:r>
+              <a:rPr lang="en-US" sz="1800" dirty="0">
+                <a:solidFill>
+                  <a:schemeClr val="tx1">
+                    <a:lumMod val="85000"/>
+                  </a:schemeClr>
+                </a:solidFill>
+                <a:latin typeface="Consolas" panose="020B0609020204030204" pitchFamily="49" charset="0"/>
+              </a:rPr>
+              <a:t>  char    - Single 16-bit character (e.g., ‘a’, ‘B’, ‘c’, ‘G’)</a:t>
+            </a:r>
+          </a:p>
+          <a:p>
+            <a:pPr algn="l"/>
+            <a:r>
+              <a:rPr lang="en-US" sz="1800" dirty="0">
+                <a:solidFill>
+                  <a:schemeClr val="tx1">
+                    <a:lumMod val="85000"/>
+                  </a:schemeClr>
+                </a:solidFill>
+                <a:latin typeface="Consolas" panose="020B0609020204030204" pitchFamily="49" charset="0"/>
+              </a:rPr>
+              <a:t>  </a:t>
+            </a:r>
+          </a:p>
+          <a:p>
+            <a:pPr marL="285750" indent="-285750" algn="l">
+              <a:buFont typeface="Arial" panose="020B0604020202020204" pitchFamily="34" charset="0"/>
+              <a:buChar char="•"/>
+            </a:pPr>
+            <a:r>
+              <a:rPr lang="en-US" i="0" dirty="0">
+                <a:solidFill>
+                  <a:schemeClr val="tx1">
+                    <a:lumMod val="85000"/>
+                  </a:schemeClr>
+                </a:solidFill>
+                <a:effectLst/>
+                <a:latin typeface="Open Sans" panose="020B0606030504020204" pitchFamily="34" charset="0"/>
+              </a:rPr>
+              <a:t>Additionally, there are </a:t>
+            </a:r>
+            <a:r>
+              <a:rPr lang="en-US" i="0" dirty="0">
+                <a:solidFill>
+                  <a:srgbClr val="00B0F0"/>
+                </a:solidFill>
+                <a:effectLst/>
+                <a:latin typeface="Open Sans" panose="020B0606030504020204" pitchFamily="34" charset="0"/>
+              </a:rPr>
+              <a:t>predefined Object data types</a:t>
+            </a:r>
+            <a:r>
+              <a:rPr lang="en-US" i="0" dirty="0">
+                <a:solidFill>
+                  <a:schemeClr val="tx1">
+                    <a:lumMod val="85000"/>
+                  </a:schemeClr>
+                </a:solidFill>
+                <a:effectLst/>
+                <a:latin typeface="Open Sans" panose="020B0606030504020204" pitchFamily="34" charset="0"/>
+              </a:rPr>
+              <a:t>.  Here is an example of one of those:</a:t>
+            </a:r>
+            <a:br>
+              <a:rPr lang="en-US" dirty="0">
+                <a:solidFill>
+                  <a:schemeClr val="tx1">
+                    <a:lumMod val="85000"/>
+                  </a:schemeClr>
+                </a:solidFill>
+              </a:rPr>
+            </a:br>
+            <a:r>
+              <a:rPr lang="en-US" i="0" dirty="0">
+                <a:solidFill>
+                  <a:schemeClr val="tx1">
+                    <a:lumMod val="85000"/>
+                  </a:schemeClr>
+                </a:solidFill>
+                <a:effectLst/>
+                <a:latin typeface="Open Sans" panose="020B0606030504020204" pitchFamily="34" charset="0"/>
+              </a:rPr>
+              <a:t>String - textual data - "This is a string"</a:t>
+            </a:r>
+            <a:br>
+              <a:rPr lang="en-US" i="0" dirty="0">
+                <a:solidFill>
+                  <a:schemeClr val="tx1">
+                    <a:lumMod val="85000"/>
+                  </a:schemeClr>
+                </a:solidFill>
+                <a:effectLst/>
+                <a:latin typeface="Open Sans" panose="020B0606030504020204" pitchFamily="34" charset="0"/>
+              </a:rPr>
+            </a:br>
+            <a:endParaRPr lang="en-US" dirty="0"/>
+          </a:p>
+          <a:p>
+            <a:pPr algn="l" rtl="0"/>
+            <a:r>
+              <a:rPr lang="en-US" dirty="0">
+                <a:solidFill>
+                  <a:schemeClr val="tx1">
+                    <a:lumMod val="85000"/>
+                  </a:schemeClr>
+                </a:solidFill>
+                <a:latin typeface="Open Sans" panose="020B0606030504020204" pitchFamily="34" charset="0"/>
+                <a:hlinkClick r:id="rId2"/>
+              </a:rPr>
+              <a:t>Content Link in LMS</a:t>
+            </a:r>
+            <a:endParaRPr lang="en-US" b="0" i="0" dirty="0">
+              <a:solidFill>
+                <a:schemeClr val="tx1">
+                  <a:lumMod val="85000"/>
+                </a:schemeClr>
+              </a:solidFill>
+              <a:effectLst/>
+              <a:latin typeface="Open Sans" panose="020B0606030504020204" pitchFamily="34" charset="0"/>
+            </a:endParaRPr>
+          </a:p>
+        </p:txBody>
+      </p:sp>
+    </p:spTree>
+    <p:extLst>
+      <p:ext uri="{BB962C8B-B14F-4D97-AF65-F5344CB8AC3E}">
+        <p14:creationId xmlns:p14="http://schemas.microsoft.com/office/powerpoint/2010/main" val="1513494963"/>
+      </p:ext>
+    </p:extLst>
+  </p:cSld>
+  <p:clrMapOvr>
+    <a:masterClrMapping/>
+  </p:clrMapOvr>
+</p:sld>
+</file>
+
+<file path=ppt/slides/slide14.xml><?xml version="1.0" encoding="utf-8"?>
+<p:sld xmlns:a="http://schemas.openxmlformats.org/drawingml/2006/main" xmlns:r="http://schemas.openxmlformats.org/officeDocument/2006/relationships" xmlns:p="http://schemas.openxmlformats.org/presentationml/2006/main">
+  <p:cSld>
+    <p:spTree>
+      <p:nvGrpSpPr>
+        <p:cNvPr id="1" name=""/>
+        <p:cNvGrpSpPr/>
+        <p:nvPr/>
+      </p:nvGrpSpPr>
+      <p:grpSpPr>
+        <a:xfrm>
+          <a:off x="0" y="0"/>
+          <a:ext cx="0" cy="0"/>
+          <a:chOff x="0" y="0"/>
+          <a:chExt cx="0" cy="0"/>
+        </a:xfrm>
+      </p:grpSpPr>
+      <p:sp>
+        <p:nvSpPr>
+          <p:cNvPr id="6" name="TextBox 5">
+            <a:extLst>
+              <a:ext uri="{FF2B5EF4-FFF2-40B4-BE49-F238E27FC236}">
+                <a16:creationId xmlns:a16="http://schemas.microsoft.com/office/drawing/2014/main" id="{59E906CD-110B-9D01-732C-2F21759B0265}"/>
+              </a:ext>
+            </a:extLst>
+          </p:cNvPr>
+          <p:cNvSpPr txBox="1"/>
+          <p:nvPr/>
+        </p:nvSpPr>
+        <p:spPr>
+          <a:xfrm>
+            <a:off x="341603" y="50541"/>
+            <a:ext cx="11449344" cy="461665"/>
+          </a:xfrm>
+          <a:prstGeom prst="rect">
+            <a:avLst/>
+          </a:prstGeom>
+          <a:noFill/>
+        </p:spPr>
+        <p:txBody>
+          <a:bodyPr wrap="square">
+            <a:spAutoFit/>
+          </a:bodyPr>
+          <a:lstStyle/>
+          <a:p>
+            <a:pPr algn="l"/>
+            <a:r>
+              <a:rPr lang="en-US" sz="2400" b="1" dirty="0">
+                <a:solidFill>
+                  <a:srgbClr val="00B050"/>
+                </a:solidFill>
+                <a:effectLst/>
+                <a:latin typeface="Open Sans" panose="020B0606030504020204" pitchFamily="34" charset="0"/>
+              </a:rPr>
+              <a:t>Operations</a:t>
+            </a:r>
+          </a:p>
+        </p:txBody>
+      </p:sp>
+      <p:sp>
+        <p:nvSpPr>
+          <p:cNvPr id="3" name="TextBox 2">
+            <a:extLst>
+              <a:ext uri="{FF2B5EF4-FFF2-40B4-BE49-F238E27FC236}">
+                <a16:creationId xmlns:a16="http://schemas.microsoft.com/office/drawing/2014/main" id="{9CE6BBB4-A860-A557-4CC2-45AA99832144}"/>
+              </a:ext>
+            </a:extLst>
+          </p:cNvPr>
+          <p:cNvSpPr txBox="1"/>
+          <p:nvPr/>
+        </p:nvSpPr>
+        <p:spPr>
+          <a:xfrm>
+            <a:off x="344905" y="754059"/>
+            <a:ext cx="11502189" cy="5078313"/>
+          </a:xfrm>
+          <a:prstGeom prst="rect">
+            <a:avLst/>
+          </a:prstGeom>
+          <a:noFill/>
+        </p:spPr>
+        <p:txBody>
+          <a:bodyPr wrap="square">
+            <a:spAutoFit/>
+          </a:bodyPr>
+          <a:lstStyle/>
+          <a:p>
+            <a:pPr marL="285750" indent="-285750" algn="l" rtl="0">
+              <a:buFont typeface="Arial" panose="020B0604020202020204" pitchFamily="34" charset="0"/>
+              <a:buChar char="•"/>
+            </a:pPr>
+            <a:r>
+              <a:rPr lang="en-US" b="0" i="0" dirty="0">
+                <a:solidFill>
+                  <a:schemeClr val="tx1">
+                    <a:lumMod val="85000"/>
+                  </a:schemeClr>
+                </a:solidFill>
+                <a:effectLst/>
+                <a:latin typeface="Open Sans" panose="020B0606030504020204" pitchFamily="34" charset="0"/>
+              </a:rPr>
+              <a:t>Knowing that there are different types of data is great, </a:t>
+            </a:r>
+            <a:r>
+              <a:rPr lang="en-US" b="0" i="0" dirty="0">
+                <a:solidFill>
+                  <a:srgbClr val="00B0F0"/>
+                </a:solidFill>
+                <a:effectLst/>
+                <a:latin typeface="Open Sans" panose="020B0606030504020204" pitchFamily="34" charset="0"/>
+              </a:rPr>
+              <a:t>but what is data good for if we don't use it in some way? </a:t>
+            </a:r>
+            <a:r>
+              <a:rPr lang="en-US" b="0" i="1" dirty="0">
+                <a:solidFill>
+                  <a:schemeClr val="tx1">
+                    <a:lumMod val="85000"/>
+                  </a:schemeClr>
+                </a:solidFill>
+                <a:effectLst/>
+                <a:latin typeface="Open Sans" panose="020B0606030504020204" pitchFamily="34" charset="0"/>
+              </a:rPr>
+              <a:t>For example, point of sales systems (the software used when we purchase something from a store, restaurant, </a:t>
+            </a:r>
+            <a:r>
+              <a:rPr lang="en-US" b="0" i="1" dirty="0" err="1">
+                <a:solidFill>
+                  <a:schemeClr val="tx1">
+                    <a:lumMod val="85000"/>
+                  </a:schemeClr>
+                </a:solidFill>
+                <a:effectLst/>
+                <a:latin typeface="Open Sans" panose="020B0606030504020204" pitchFamily="34" charset="0"/>
+              </a:rPr>
+              <a:t>etc</a:t>
+            </a:r>
+            <a:r>
+              <a:rPr lang="en-US" b="0" i="1" dirty="0">
+                <a:solidFill>
+                  <a:schemeClr val="tx1">
+                    <a:lumMod val="85000"/>
+                  </a:schemeClr>
+                </a:solidFill>
+                <a:effectLst/>
+                <a:latin typeface="Open Sans" panose="020B0606030504020204" pitchFamily="34" charset="0"/>
+              </a:rPr>
+              <a:t>) have to add up line items and then apply a tax to them. </a:t>
+            </a:r>
+          </a:p>
+          <a:p>
+            <a:pPr marL="285750" indent="-285750" algn="l" rtl="0">
+              <a:buFont typeface="Arial" panose="020B0604020202020204" pitchFamily="34" charset="0"/>
+              <a:buChar char="•"/>
+            </a:pPr>
+            <a:endParaRPr lang="en-US" dirty="0">
+              <a:solidFill>
+                <a:schemeClr val="tx1">
+                  <a:lumMod val="85000"/>
+                </a:schemeClr>
+              </a:solidFill>
+              <a:latin typeface="Open Sans" panose="020B0606030504020204" pitchFamily="34" charset="0"/>
+            </a:endParaRPr>
+          </a:p>
+          <a:p>
+            <a:pPr marL="285750" indent="-285750" algn="l" rtl="0">
+              <a:buFont typeface="Arial" panose="020B0604020202020204" pitchFamily="34" charset="0"/>
+              <a:buChar char="•"/>
+            </a:pPr>
+            <a:r>
+              <a:rPr lang="en-US" b="0" i="0" dirty="0">
+                <a:solidFill>
+                  <a:schemeClr val="tx1">
+                    <a:lumMod val="85000"/>
+                  </a:schemeClr>
+                </a:solidFill>
+                <a:effectLst/>
+                <a:latin typeface="Open Sans" panose="020B0606030504020204" pitchFamily="34" charset="0"/>
+              </a:rPr>
+              <a:t>That means </a:t>
+            </a:r>
+            <a:r>
+              <a:rPr lang="en-US" b="0" i="0" dirty="0">
+                <a:solidFill>
+                  <a:srgbClr val="00B0F0"/>
+                </a:solidFill>
+                <a:effectLst/>
+                <a:latin typeface="Open Sans" panose="020B0606030504020204" pitchFamily="34" charset="0"/>
+              </a:rPr>
+              <a:t>we have to perform actions on data </a:t>
+            </a:r>
+            <a:r>
+              <a:rPr lang="en-US" b="0" i="0" dirty="0">
+                <a:solidFill>
+                  <a:schemeClr val="tx1">
+                    <a:lumMod val="85000"/>
+                  </a:schemeClr>
+                </a:solidFill>
+                <a:effectLst/>
+                <a:latin typeface="Open Sans" panose="020B0606030504020204" pitchFamily="34" charset="0"/>
+              </a:rPr>
+              <a:t>(addition and multiplication in this case). In programming, these actions are called </a:t>
+            </a:r>
+            <a:r>
+              <a:rPr lang="en-US" b="1" i="0" dirty="0">
+                <a:solidFill>
+                  <a:srgbClr val="00B0F0"/>
+                </a:solidFill>
+                <a:effectLst/>
+                <a:latin typeface="Open Sans" panose="020B0606030504020204" pitchFamily="34" charset="0"/>
+              </a:rPr>
+              <a:t>operations</a:t>
+            </a:r>
+            <a:r>
+              <a:rPr lang="en-US" b="0" i="0" dirty="0">
+                <a:solidFill>
+                  <a:schemeClr val="tx1">
+                    <a:lumMod val="85000"/>
+                  </a:schemeClr>
+                </a:solidFill>
+                <a:effectLst/>
+                <a:latin typeface="Open Sans" panose="020B0606030504020204" pitchFamily="34" charset="0"/>
+              </a:rPr>
+              <a:t>.</a:t>
+            </a:r>
+          </a:p>
+          <a:p>
+            <a:pPr algn="l" rtl="0"/>
+            <a:endParaRPr lang="en-US" b="0" i="0" dirty="0">
+              <a:solidFill>
+                <a:schemeClr val="tx1">
+                  <a:lumMod val="85000"/>
+                </a:schemeClr>
+              </a:solidFill>
+              <a:effectLst/>
+              <a:latin typeface="Open Sans" panose="020B0606030504020204" pitchFamily="34" charset="0"/>
+            </a:endParaRPr>
+          </a:p>
+          <a:p>
+            <a:pPr marL="285750" indent="-285750" algn="l" rtl="0">
+              <a:buFont typeface="Arial" panose="020B0604020202020204" pitchFamily="34" charset="0"/>
+              <a:buChar char="•"/>
+            </a:pPr>
+            <a:r>
+              <a:rPr lang="en-US" b="0" i="0" dirty="0">
+                <a:solidFill>
+                  <a:schemeClr val="tx1">
+                    <a:lumMod val="85000"/>
+                  </a:schemeClr>
+                </a:solidFill>
+                <a:effectLst/>
+                <a:latin typeface="Open Sans" panose="020B0606030504020204" pitchFamily="34" charset="0"/>
+              </a:rPr>
+              <a:t>An </a:t>
+            </a:r>
+            <a:r>
+              <a:rPr lang="en-US" b="1" i="0" dirty="0">
+                <a:solidFill>
+                  <a:srgbClr val="00B0F0"/>
+                </a:solidFill>
+                <a:effectLst/>
+                <a:latin typeface="Open Sans" panose="020B0606030504020204" pitchFamily="34" charset="0"/>
+              </a:rPr>
+              <a:t>operation</a:t>
+            </a:r>
+            <a:r>
+              <a:rPr lang="en-US" b="0" i="0" dirty="0">
+                <a:solidFill>
+                  <a:schemeClr val="tx1">
+                    <a:lumMod val="85000"/>
+                  </a:schemeClr>
+                </a:solidFill>
+                <a:effectLst/>
+                <a:latin typeface="Open Sans" panose="020B0606030504020204" pitchFamily="34" charset="0"/>
+              </a:rPr>
+              <a:t> consists of one or more pieces of data, known as </a:t>
+            </a:r>
+            <a:r>
+              <a:rPr lang="en-US" b="1" i="0" dirty="0">
+                <a:solidFill>
+                  <a:srgbClr val="00B0F0"/>
+                </a:solidFill>
+                <a:effectLst/>
+                <a:latin typeface="Open Sans" panose="020B0606030504020204" pitchFamily="34" charset="0"/>
+              </a:rPr>
+              <a:t>operands</a:t>
+            </a:r>
+            <a:r>
+              <a:rPr lang="en-US" b="0" i="0" dirty="0">
+                <a:solidFill>
+                  <a:schemeClr val="tx1">
+                    <a:lumMod val="85000"/>
+                  </a:schemeClr>
+                </a:solidFill>
+                <a:effectLst/>
+                <a:latin typeface="Open Sans" panose="020B0606030504020204" pitchFamily="34" charset="0"/>
+              </a:rPr>
+              <a:t>, and an </a:t>
+            </a:r>
+            <a:r>
+              <a:rPr lang="en-US" b="1" i="0" dirty="0">
+                <a:solidFill>
+                  <a:schemeClr val="tx1">
+                    <a:lumMod val="85000"/>
+                  </a:schemeClr>
+                </a:solidFill>
+                <a:effectLst/>
+                <a:latin typeface="Open Sans" panose="020B0606030504020204" pitchFamily="34" charset="0"/>
+              </a:rPr>
+              <a:t>operator</a:t>
+            </a:r>
+            <a:r>
+              <a:rPr lang="en-US" b="0" i="0" dirty="0">
+                <a:solidFill>
+                  <a:schemeClr val="tx1">
+                    <a:lumMod val="85000"/>
+                  </a:schemeClr>
+                </a:solidFill>
+                <a:effectLst/>
+                <a:latin typeface="Open Sans" panose="020B0606030504020204" pitchFamily="34" charset="0"/>
+              </a:rPr>
+              <a:t>, and </a:t>
+            </a:r>
+            <a:r>
+              <a:rPr lang="en-US" b="0" i="0" dirty="0">
+                <a:solidFill>
+                  <a:srgbClr val="00B0F0"/>
+                </a:solidFill>
+                <a:effectLst/>
+                <a:latin typeface="Open Sans" panose="020B0606030504020204" pitchFamily="34" charset="0"/>
+              </a:rPr>
+              <a:t>performs a calculation or action on the operands </a:t>
+            </a:r>
+            <a:r>
+              <a:rPr lang="en-US" b="0" i="0" dirty="0">
+                <a:solidFill>
+                  <a:schemeClr val="tx1">
+                    <a:lumMod val="85000"/>
+                  </a:schemeClr>
+                </a:solidFill>
+                <a:effectLst/>
+                <a:latin typeface="Open Sans" panose="020B0606030504020204" pitchFamily="34" charset="0"/>
+              </a:rPr>
+              <a:t>thus resulting in a new value. One operator we are already familiar with is the </a:t>
+            </a:r>
+            <a:r>
+              <a:rPr lang="en-US" b="1" i="0" dirty="0">
+                <a:solidFill>
+                  <a:schemeClr val="tx1">
+                    <a:lumMod val="85000"/>
+                  </a:schemeClr>
+                </a:solidFill>
+                <a:effectLst/>
+                <a:latin typeface="Open Sans" panose="020B0606030504020204" pitchFamily="34" charset="0"/>
+              </a:rPr>
+              <a:t>assignment operator</a:t>
+            </a:r>
+            <a:r>
+              <a:rPr lang="en-US" b="0" i="0" dirty="0">
+                <a:solidFill>
+                  <a:schemeClr val="tx1">
+                    <a:lumMod val="85000"/>
+                  </a:schemeClr>
+                </a:solidFill>
+                <a:effectLst/>
+                <a:latin typeface="Open Sans" panose="020B0606030504020204" pitchFamily="34" charset="0"/>
+              </a:rPr>
+              <a:t> (the equals sign or =), which assigns the data on the right-hand side to the </a:t>
+            </a:r>
+            <a:r>
+              <a:rPr lang="en-US" b="1" i="0" dirty="0">
+                <a:solidFill>
+                  <a:schemeClr val="tx1">
+                    <a:lumMod val="85000"/>
+                  </a:schemeClr>
+                </a:solidFill>
+                <a:effectLst/>
+                <a:latin typeface="Open Sans" panose="020B0606030504020204" pitchFamily="34" charset="0"/>
+              </a:rPr>
+              <a:t>variable</a:t>
+            </a:r>
+            <a:r>
+              <a:rPr lang="en-US" b="0" i="0" dirty="0">
+                <a:solidFill>
+                  <a:schemeClr val="tx1">
+                    <a:lumMod val="85000"/>
+                  </a:schemeClr>
+                </a:solidFill>
+                <a:effectLst/>
+                <a:latin typeface="Open Sans" panose="020B0606030504020204" pitchFamily="34" charset="0"/>
+              </a:rPr>
+              <a:t> name/identifier on it's left. </a:t>
+            </a:r>
+            <a:endParaRPr lang="en-US" b="1" i="0" dirty="0">
+              <a:solidFill>
+                <a:schemeClr val="tx1">
+                  <a:lumMod val="85000"/>
+                </a:schemeClr>
+              </a:solidFill>
+              <a:effectLst/>
+              <a:latin typeface="Open Sans" panose="020B0606030504020204" pitchFamily="34" charset="0"/>
+            </a:endParaRPr>
+          </a:p>
+          <a:p>
+            <a:pPr algn="l" rtl="0"/>
+            <a:endParaRPr lang="en-US" b="1" dirty="0">
+              <a:solidFill>
+                <a:schemeClr val="tx1">
+                  <a:lumMod val="85000"/>
+                </a:schemeClr>
+              </a:solidFill>
+              <a:latin typeface="Open Sans" panose="020B0606030504020204" pitchFamily="34" charset="0"/>
+            </a:endParaRPr>
+          </a:p>
+          <a:p>
+            <a:pPr algn="l" rtl="0"/>
+            <a:endParaRPr lang="en-US" b="1" i="0" dirty="0">
+              <a:solidFill>
+                <a:schemeClr val="tx1">
+                  <a:lumMod val="85000"/>
+                </a:schemeClr>
+              </a:solidFill>
+              <a:effectLst/>
+              <a:latin typeface="Open Sans" panose="020B0606030504020204" pitchFamily="34" charset="0"/>
+            </a:endParaRPr>
+          </a:p>
+          <a:p>
+            <a:pPr algn="l" rtl="0"/>
+            <a:endParaRPr lang="en-US" b="0" i="0" dirty="0">
+              <a:solidFill>
+                <a:schemeClr val="tx1">
+                  <a:lumMod val="85000"/>
+                </a:schemeClr>
+              </a:solidFill>
+              <a:effectLst/>
+              <a:latin typeface="Open Sans" panose="020B0606030504020204" pitchFamily="34" charset="0"/>
+            </a:endParaRPr>
+          </a:p>
+          <a:p>
+            <a:pPr algn="l" rtl="0"/>
+            <a:endParaRPr lang="en-US" dirty="0">
+              <a:solidFill>
+                <a:schemeClr val="tx1">
+                  <a:lumMod val="85000"/>
+                </a:schemeClr>
+              </a:solidFill>
+              <a:latin typeface="Open Sans" panose="020B0606030504020204" pitchFamily="34" charset="0"/>
+            </a:endParaRPr>
+          </a:p>
+          <a:p>
+            <a:pPr algn="l" rtl="0"/>
+            <a:endParaRPr lang="en-US" b="0" i="0" dirty="0">
+              <a:solidFill>
+                <a:srgbClr val="21252A"/>
+              </a:solidFill>
+              <a:effectLst/>
+              <a:latin typeface="Open Sans" panose="020B0606030504020204" pitchFamily="34" charset="0"/>
+            </a:endParaRPr>
+          </a:p>
+          <a:p>
+            <a:pPr algn="l" rtl="0"/>
+            <a:endParaRPr lang="en-US" dirty="0">
+              <a:solidFill>
+                <a:srgbClr val="21252A"/>
+              </a:solidFill>
+              <a:latin typeface="Open Sans" panose="020B0606030504020204" pitchFamily="34" charset="0"/>
+            </a:endParaRPr>
+          </a:p>
+          <a:p>
+            <a:r>
+              <a:rPr lang="en-US" dirty="0">
+                <a:solidFill>
+                  <a:schemeClr val="tx1">
+                    <a:lumMod val="85000"/>
+                  </a:schemeClr>
+                </a:solidFill>
+                <a:latin typeface="Open Sans" panose="020B0606030504020204" pitchFamily="34" charset="0"/>
+                <a:hlinkClick r:id="rId2"/>
+              </a:rPr>
+              <a:t>Content Link in LMS</a:t>
+            </a:r>
+            <a:endParaRPr lang="en-US" b="0" i="0" dirty="0">
+              <a:solidFill>
+                <a:schemeClr val="tx1">
+                  <a:lumMod val="85000"/>
+                </a:schemeClr>
+              </a:solidFill>
+              <a:effectLst/>
+              <a:latin typeface="Open Sans" panose="020B0606030504020204" pitchFamily="34" charset="0"/>
+            </a:endParaRPr>
+          </a:p>
+        </p:txBody>
+      </p:sp>
+    </p:spTree>
+    <p:extLst>
+      <p:ext uri="{BB962C8B-B14F-4D97-AF65-F5344CB8AC3E}">
+        <p14:creationId xmlns:p14="http://schemas.microsoft.com/office/powerpoint/2010/main" val="3243150136"/>
+      </p:ext>
+    </p:extLst>
+  </p:cSld>
+  <p:clrMapOvr>
+    <a:masterClrMapping/>
+  </p:clrMapOvr>
+</p:sld>
+</file>
+
+<file path=ppt/slides/slide15.xml><?xml version="1.0" encoding="utf-8"?>
+<p:sld xmlns:a="http://schemas.openxmlformats.org/drawingml/2006/main" xmlns:r="http://schemas.openxmlformats.org/officeDocument/2006/relationships" xmlns:p="http://schemas.openxmlformats.org/presentationml/2006/main">
+  <p:cSld>
+    <p:spTree>
+      <p:nvGrpSpPr>
+        <p:cNvPr id="1" name=""/>
+        <p:cNvGrpSpPr/>
+        <p:nvPr/>
+      </p:nvGrpSpPr>
+      <p:grpSpPr>
+        <a:xfrm>
+          <a:off x="0" y="0"/>
+          <a:ext cx="0" cy="0"/>
+          <a:chOff x="0" y="0"/>
+          <a:chExt cx="0" cy="0"/>
+        </a:xfrm>
+      </p:grpSpPr>
+      <p:sp>
+        <p:nvSpPr>
+          <p:cNvPr id="3" name="TextBox 2">
+            <a:extLst>
+              <a:ext uri="{FF2B5EF4-FFF2-40B4-BE49-F238E27FC236}">
+                <a16:creationId xmlns:a16="http://schemas.microsoft.com/office/drawing/2014/main" id="{23DFC7E9-54DD-38D7-0B9B-D34948D68CF9}"/>
+              </a:ext>
+            </a:extLst>
+          </p:cNvPr>
+          <p:cNvSpPr txBox="1"/>
+          <p:nvPr/>
+        </p:nvSpPr>
+        <p:spPr>
+          <a:xfrm>
+            <a:off x="1021519" y="2745699"/>
+            <a:ext cx="9326104" cy="1015663"/>
+          </a:xfrm>
+          <a:prstGeom prst="rect">
+            <a:avLst/>
+          </a:prstGeom>
+          <a:noFill/>
+        </p:spPr>
+        <p:txBody>
+          <a:bodyPr wrap="square">
+            <a:spAutoFit/>
+          </a:bodyPr>
+          <a:lstStyle/>
+          <a:p>
+            <a:pPr marL="0" marR="0" lvl="0" indent="0" algn="l" defTabSz="914400" rtl="0" eaLnBrk="1" fontAlgn="auto" latinLnBrk="0" hangingPunct="1">
+              <a:lnSpc>
+                <a:spcPct val="100000"/>
+              </a:lnSpc>
+              <a:spcBef>
+                <a:spcPts val="0"/>
+              </a:spcBef>
+              <a:spcAft>
+                <a:spcPts val="0"/>
+              </a:spcAft>
+              <a:buClrTx/>
+              <a:buSzTx/>
+              <a:buFontTx/>
+              <a:buNone/>
+              <a:tabLst/>
+              <a:defRPr/>
+            </a:pPr>
+            <a:r>
+              <a:rPr kumimoji="0" lang="en-US" sz="6000" b="0" i="0" u="none" strike="noStrike" kern="1200" cap="none" spc="0" normalizeH="0" baseline="0" noProof="0" dirty="0">
+                <a:ln>
+                  <a:noFill/>
+                </a:ln>
+                <a:solidFill>
+                  <a:prstClr val="white">
+                    <a:lumMod val="75000"/>
+                  </a:prstClr>
+                </a:solidFill>
+                <a:effectLst/>
+                <a:uLnTx/>
+                <a:uFillTx/>
+                <a:latin typeface="Open Sans" panose="020B0606030504020204" pitchFamily="34" charset="0"/>
+                <a:ea typeface="+mn-ea"/>
+                <a:cs typeface="+mn-cs"/>
+              </a:rPr>
+              <a:t>Command Line Interface</a:t>
+            </a:r>
+          </a:p>
+        </p:txBody>
+      </p:sp>
+    </p:spTree>
+    <p:extLst>
+      <p:ext uri="{BB962C8B-B14F-4D97-AF65-F5344CB8AC3E}">
+        <p14:creationId xmlns:p14="http://schemas.microsoft.com/office/powerpoint/2010/main" val="3067507112"/>
+      </p:ext>
+    </p:extLst>
+  </p:cSld>
+  <p:clrMapOvr>
+    <a:masterClrMapping/>
+  </p:clrMapOvr>
+</p:sld>
+</file>
+
+<file path=ppt/slides/slide16.xml><?xml version="1.0" encoding="utf-8"?>
 <p:sld xmlns:a="http://schemas.openxmlformats.org/drawingml/2006/main" xmlns:r="http://schemas.openxmlformats.org/officeDocument/2006/relationships" xmlns:p="http://schemas.openxmlformats.org/presentationml/2006/main">
   <p:cSld>
     <p:spTree>
@@ -5699,17 +6892,17 @@
                 <a:effectLst/>
                 <a:latin typeface="Open Sans" panose="020B0606030504020204" pitchFamily="34" charset="0"/>
               </a:rPr>
-              <a:t>Git and GitHub</a:t>
+              <a:t>Command Line Interface (CLI) vs Graphical User Interface (GUI)</a:t>
             </a:r>
           </a:p>
         </p:txBody>
       </p:sp>
       <p:sp>
         <p:nvSpPr>
-          <p:cNvPr id="3" name="TextBox 2">
+          <p:cNvPr id="7" name="TextBox 6">
             <a:extLst>
               <a:ext uri="{FF2B5EF4-FFF2-40B4-BE49-F238E27FC236}">
-                <a16:creationId xmlns:a16="http://schemas.microsoft.com/office/drawing/2014/main" id="{18C8971B-4F18-19E0-01D3-697860030BC7}"/>
+                <a16:creationId xmlns:a16="http://schemas.microsoft.com/office/drawing/2014/main" id="{258EA3F4-5A0B-FC3D-626B-2F94931B6638}"/>
               </a:ext>
             </a:extLst>
           </p:cNvPr>
@@ -5718,8 +6911,8 @@
         </p:nvSpPr>
         <p:spPr>
           <a:xfrm>
-            <a:off x="187922" y="797017"/>
-            <a:ext cx="11726779" cy="5632311"/>
+            <a:off x="80210" y="875057"/>
+            <a:ext cx="12031579" cy="5909310"/>
           </a:xfrm>
           <a:prstGeom prst="rect">
             <a:avLst/>
@@ -5732,10 +6925,18 @@
           </a:bodyPr>
           <a:lstStyle/>
           <a:p>
-            <a:pPr marL="285750" indent="-285750" algn="l" rtl="0">
-              <a:buFont typeface="Arial" panose="020B0604020202020204" pitchFamily="34" charset="0"/>
-              <a:buChar char="•"/>
-            </a:pPr>
+            <a:r>
+              <a:rPr lang="en-US" b="0" i="0" dirty="0">
+                <a:solidFill>
+                  <a:schemeClr val="tx1">
+                    <a:lumMod val="85000"/>
+                  </a:schemeClr>
+                </a:solidFill>
+                <a:effectLst/>
+                <a:latin typeface="Open Sans" panose="020B0606030504020204" pitchFamily="34" charset="0"/>
+              </a:rPr>
+              <a:t>A </a:t>
+            </a:r>
             <a:r>
               <a:rPr lang="en-US" b="1" i="0" dirty="0">
                 <a:solidFill>
@@ -5746,7 +6947,19 @@
                 <a:effectLst/>
                 <a:latin typeface="Open Sans" panose="020B0606030504020204" pitchFamily="34" charset="0"/>
               </a:rPr>
-              <a:t>git</a:t>
+              <a:t> </a:t>
+            </a:r>
+            <a:r>
+              <a:rPr lang="en-US" b="1" i="0" u="sng" dirty="0">
+                <a:solidFill>
+                  <a:schemeClr val="tx1">
+                    <a:lumMod val="85000"/>
+                  </a:schemeClr>
+                </a:solidFill>
+                <a:effectLst/>
+                <a:latin typeface="Open Sans" panose="020B0606030504020204" pitchFamily="34" charset="0"/>
+              </a:rPr>
+              <a:t>Graphical User Interface or GUI</a:t>
             </a:r>
             <a:r>
               <a:rPr lang="en-US" b="0" i="0" dirty="0">
@@ -5758,7 +6971,7 @@
                 <a:effectLst/>
                 <a:latin typeface="Open Sans" panose="020B0606030504020204" pitchFamily="34" charset="0"/>
               </a:rPr>
-              <a:t> is a "</a:t>
+              <a:t> is the </a:t>
             </a:r>
             <a:r>
               <a:rPr lang="en-US" b="0" i="0" dirty="0">
@@ -5768,7 +6981,7 @@
                 <a:effectLst/>
                 <a:latin typeface="Open Sans" panose="020B0606030504020204" pitchFamily="34" charset="0"/>
               </a:rPr>
-              <a:t>distributed version control system </a:t>
+              <a:t>visual representation of data that users interact with via mouse and keyboard</a:t>
             </a:r>
             <a:r>
               <a:rPr lang="en-US" b="0" i="0" dirty="0">
@@ -5780,75 +6993,8 @@
                 <a:effectLst/>
                 <a:latin typeface="Open Sans" panose="020B0606030504020204" pitchFamily="34" charset="0"/>
               </a:rPr>
-              <a:t>designed to handle everything from small to very large projects with speed and efficiency".</a:t>
-            </a:r>
-            <a:r>
-              <a:rPr lang="en-US" b="0" i="1" dirty="0">
-                <a:solidFill>
-                  <a:schemeClr val="tx1">
-                    <a:lumMod val="85000"/>
-                  </a:schemeClr>
-                </a:solidFill>
-                <a:effectLst/>
-                <a:latin typeface="Open Sans" panose="020B0606030504020204" pitchFamily="34" charset="0"/>
-              </a:rPr>
-              <a:t> (git, Retrieved on 10/5/2022 from </a:t>
-            </a:r>
-            <a:r>
-              <a:rPr lang="en-US" b="0" i="1" dirty="0">
-                <a:solidFill>
-                  <a:schemeClr val="tx1">
-                    <a:lumMod val="85000"/>
-                  </a:schemeClr>
-                </a:solidFill>
-                <a:effectLst/>
-                <a:latin typeface="Open Sans" panose="020B0606030504020204" pitchFamily="34" charset="0"/>
-                <a:hlinkClick r:id="rId2"/>
-              </a:rPr>
-              <a:t>https://git-scm.com</a:t>
-            </a:r>
-            <a:r>
-              <a:rPr lang="en-US" b="0" i="1" dirty="0">
-                <a:solidFill>
-                  <a:schemeClr val="tx1">
-                    <a:lumMod val="85000"/>
-                  </a:schemeClr>
-                </a:solidFill>
-                <a:effectLst/>
-                <a:latin typeface="Open Sans" panose="020B0606030504020204" pitchFamily="34" charset="0"/>
-              </a:rPr>
-              <a:t>). </a:t>
-            </a:r>
-            <a:endParaRPr lang="en-US" b="0" i="0" dirty="0">
-              <a:solidFill>
-                <a:schemeClr val="tx1">
-                  <a:lumMod val="85000"/>
-                </a:schemeClr>
-              </a:solidFill>
-              <a:effectLst/>
-              <a:latin typeface="Open Sans" panose="020B0606030504020204" pitchFamily="34" charset="0"/>
-            </a:endParaRPr>
-          </a:p>
-          <a:p>
-            <a:pPr marL="285750" indent="-285750" algn="l" rtl="0">
-              <a:buFont typeface="Arial" panose="020B0604020202020204" pitchFamily="34" charset="0"/>
-              <a:buChar char="•"/>
-            </a:pPr>
-            <a:endParaRPr lang="en-US" b="1" i="0" dirty="0">
-              <a:solidFill>
-                <a:schemeClr val="tx1">
-                  <a:lumMod val="85000"/>
-                </a:schemeClr>
-              </a:solidFill>
-              <a:effectLst/>
-              <a:latin typeface="Open Sans" panose="020B0606030504020204" pitchFamily="34" charset="0"/>
-            </a:endParaRPr>
-          </a:p>
-          <a:p>
-            <a:pPr marL="285750" indent="-285750" algn="l" rtl="0">
-              <a:buFont typeface="Arial" panose="020B0604020202020204" pitchFamily="34" charset="0"/>
-              <a:buChar char="•"/>
-            </a:pPr>
+              <a:t>. If we open a window or an application and there are buttons and text boxes, that is a </a:t>
+            </a:r>
             <a:r>
               <a:rPr lang="en-US" b="1" i="0" dirty="0">
                 <a:solidFill>
@@ -5859,7 +7005,7 @@
                 <a:effectLst/>
                 <a:latin typeface="Open Sans" panose="020B0606030504020204" pitchFamily="34" charset="0"/>
               </a:rPr>
-              <a:t>git</a:t>
+              <a:t>GUI</a:t>
             </a:r>
             <a:r>
               <a:rPr lang="en-US" b="0" i="0" dirty="0">
@@ -5871,29 +7017,8 @@
                 <a:effectLst/>
                 <a:latin typeface="Open Sans" panose="020B0606030504020204" pitchFamily="34" charset="0"/>
               </a:rPr>
-              <a:t> is used in many software development environments, and provides a number of benefits for any software developer.  It provides a backup of code that you are writing on your local system.  In addition, when working on a project with a team, it provides a way to ensure everyone has the same, up-to-date code. </a:t>
-            </a:r>
-          </a:p>
-          <a:p>
-            <a:pPr marL="285750" indent="-285750" algn="l" rtl="0">
-              <a:buFont typeface="Arial" panose="020B0604020202020204" pitchFamily="34" charset="0"/>
-              <a:buChar char="•"/>
-            </a:pPr>
-            <a:endParaRPr lang="en-US" b="1" i="0" dirty="0">
-              <a:solidFill>
-                <a:schemeClr val="tx1">
-                  <a:lumMod val="85000"/>
-                </a:schemeClr>
-              </a:solidFill>
-              <a:effectLst/>
-              <a:latin typeface="Open Sans" panose="020B0606030504020204" pitchFamily="34" charset="0"/>
-            </a:endParaRPr>
-          </a:p>
-          <a:p>
-            <a:pPr marL="285750" indent="-285750" algn="l" rtl="0">
-              <a:buFont typeface="Arial" panose="020B0604020202020204" pitchFamily="34" charset="0"/>
-              <a:buChar char="•"/>
-            </a:pPr>
+              <a:t>. </a:t>
+            </a:r>
             <a:r>
               <a:rPr lang="en-US" b="1" i="0" dirty="0">
                 <a:solidFill>
@@ -5904,7 +7029,7 @@
                 <a:effectLst/>
                 <a:latin typeface="Open Sans" panose="020B0606030504020204" pitchFamily="34" charset="0"/>
               </a:rPr>
-              <a:t>git</a:t>
+              <a:t>Graphical User Interfaces</a:t>
             </a:r>
             <a:r>
               <a:rPr lang="en-US" b="0" i="0" dirty="0">
@@ -5916,17 +7041,107 @@
                 <a:effectLst/>
                 <a:latin typeface="Open Sans" panose="020B0606030504020204" pitchFamily="34" charset="0"/>
               </a:rPr>
-              <a:t> is a </a:t>
+              <a:t> or </a:t>
+            </a:r>
+            <a:r>
+              <a:rPr lang="en-US" b="1" i="0" dirty="0">
+                <a:solidFill>
+                  <a:schemeClr val="tx1">
+                    <a:lumMod val="85000"/>
+                  </a:schemeClr>
+                </a:solidFill>
+                <a:effectLst/>
+                <a:latin typeface="Open Sans" panose="020B0606030504020204" pitchFamily="34" charset="0"/>
+              </a:rPr>
+              <a:t>GUI</a:t>
             </a:r>
             <a:r>
               <a:rPr lang="en-US" b="0" i="0" dirty="0">
                 <a:solidFill>
+                  <a:schemeClr val="tx1">
+                    <a:lumMod val="85000"/>
+                  </a:schemeClr>
+                </a:solidFill>
+                <a:effectLst/>
+                <a:latin typeface="Open Sans" panose="020B0606030504020204" pitchFamily="34" charset="0"/>
+              </a:rPr>
+              <a:t>s are great for displaying data in an extremely user-friendly manner, however, they are not always the quickest, most effective way to work with computers.</a:t>
+            </a:r>
+            <a:br>
+              <a:rPr lang="en-US" dirty="0">
+                <a:solidFill>
+                  <a:schemeClr val="tx1">
+                    <a:lumMod val="85000"/>
+                  </a:schemeClr>
+                </a:solidFill>
+              </a:rPr>
+            </a:br>
+            <a:br>
+              <a:rPr lang="en-US" dirty="0">
+                <a:solidFill>
+                  <a:schemeClr val="tx1">
+                    <a:lumMod val="85000"/>
+                  </a:schemeClr>
+                </a:solidFill>
+              </a:rPr>
+            </a:br>
+            <a:r>
+              <a:rPr lang="en-US" b="1" i="0" u="sng" dirty="0">
+                <a:solidFill>
+                  <a:schemeClr val="tx1">
+                    <a:lumMod val="85000"/>
+                  </a:schemeClr>
+                </a:solidFill>
+                <a:effectLst/>
+                <a:latin typeface="Open Sans" panose="020B0606030504020204" pitchFamily="34" charset="0"/>
+              </a:rPr>
+              <a:t>Command Line Interfaces </a:t>
+            </a:r>
+            <a:r>
+              <a:rPr lang="en-US" b="0" i="0" dirty="0">
+                <a:solidFill>
+                  <a:schemeClr val="tx1">
+                    <a:lumMod val="85000"/>
+                  </a:schemeClr>
+                </a:solidFill>
+                <a:effectLst/>
+                <a:latin typeface="Open Sans" panose="020B0606030504020204" pitchFamily="34" charset="0"/>
+              </a:rPr>
+              <a:t>or</a:t>
+            </a:r>
+            <a:r>
+              <a:rPr lang="en-US" b="1" i="0" dirty="0">
+                <a:solidFill>
+                  <a:schemeClr val="tx1">
+                    <a:lumMod val="85000"/>
+                  </a:schemeClr>
+                </a:solidFill>
+                <a:effectLst/>
+                <a:latin typeface="Open Sans" panose="020B0606030504020204" pitchFamily="34" charset="0"/>
+              </a:rPr>
+              <a:t> CLI</a:t>
+            </a:r>
+            <a:r>
+              <a:rPr lang="en-US" b="0" i="0" dirty="0">
+                <a:solidFill>
+                  <a:schemeClr val="tx1">
+                    <a:lumMod val="85000"/>
+                  </a:schemeClr>
+                </a:solidFill>
+                <a:effectLst/>
+                <a:latin typeface="Open Sans" panose="020B0606030504020204" pitchFamily="34" charset="0"/>
+              </a:rPr>
+              <a:t>s are </a:t>
+            </a:r>
+            <a:r>
+              <a:rPr lang="en-US" b="0" i="0" dirty="0">
+                <a:solidFill>
                   <a:srgbClr val="00B0F0"/>
                 </a:solidFill>
                 <a:effectLst/>
                 <a:latin typeface="Open Sans" panose="020B0606030504020204" pitchFamily="34" charset="0"/>
               </a:rPr>
-              <a:t>Source Control tool used to enable teams to collaborate on projects </a:t>
+              <a:t>text-based tools that allow us to interact with a computer and data</a:t>
             </a:r>
             <a:r>
               <a:rPr lang="en-US" b="0" i="0" dirty="0">
@@ -5938,43 +7153,89 @@
                 <a:effectLst/>
                 <a:latin typeface="Open Sans" panose="020B0606030504020204" pitchFamily="34" charset="0"/>
               </a:rPr>
-              <a:t>at the same time. If users make changes to the same file that would overwrite one another, </a:t>
+              <a:t>. Rather than visual elements, </a:t>
+            </a:r>
+            <a:r>
+              <a:rPr lang="en-US" b="0" i="0" dirty="0">
+                <a:solidFill>
+                  <a:srgbClr val="00B0F0"/>
+                </a:solidFill>
+                <a:effectLst/>
+                <a:latin typeface="Open Sans" panose="020B0606030504020204" pitchFamily="34" charset="0"/>
+              </a:rPr>
+              <a:t>everything on a </a:t>
             </a:r>
             <a:r>
               <a:rPr lang="en-US" b="1" i="0" dirty="0">
                 <a:solidFill>
-                  <a:schemeClr val="tx1">
-                    <a:lumMod val="85000"/>
-                  </a:schemeClr>
-                </a:solidFill>
-                <a:effectLst/>
-                <a:latin typeface="Open Sans" panose="020B0606030504020204" pitchFamily="34" charset="0"/>
-              </a:rPr>
-              <a:t>git</a:t>
+                  <a:srgbClr val="00B0F0"/>
+                </a:solidFill>
+                <a:effectLst/>
+                <a:latin typeface="Open Sans" panose="020B0606030504020204" pitchFamily="34" charset="0"/>
+              </a:rPr>
+              <a:t>CLI</a:t>
             </a:r>
             <a:r>
               <a:rPr lang="en-US" b="0" i="0" dirty="0">
                 <a:solidFill>
-                  <a:schemeClr val="tx1">
-                    <a:lumMod val="85000"/>
-                  </a:schemeClr>
-                </a:solidFill>
-                <a:effectLst/>
-                <a:latin typeface="Open Sans" panose="020B0606030504020204" pitchFamily="34" charset="0"/>
-              </a:rPr>
-              <a:t> provides merge conflict messages that enable users to manually adjust the multiple changes so that no one's code is overwritten. </a:t>
-            </a:r>
+                  <a:srgbClr val="00B0F0"/>
+                </a:solidFill>
+                <a:effectLst/>
+                <a:latin typeface="Open Sans" panose="020B0606030504020204" pitchFamily="34" charset="0"/>
+              </a:rPr>
+              <a:t> is represented via plain text</a:t>
+            </a:r>
+            <a:r>
+              <a:rPr lang="en-US" b="0" i="0" dirty="0">
+                <a:solidFill>
+                  <a:schemeClr val="tx1">
+                    <a:lumMod val="85000"/>
+                  </a:schemeClr>
+                </a:solidFill>
+                <a:effectLst/>
+                <a:latin typeface="Open Sans" panose="020B0606030504020204" pitchFamily="34" charset="0"/>
+              </a:rPr>
+              <a:t>. Instead of clicking on different buttons to perform some sort of action, users type in text commands.  This removes the need for a mouse and reduces the time spent to perform certain operations.</a:t>
+            </a:r>
+            <a:br>
+              <a:rPr lang="en-US" dirty="0">
+                <a:solidFill>
+                  <a:schemeClr val="tx1">
+                    <a:lumMod val="85000"/>
+                  </a:schemeClr>
+                </a:solidFill>
+              </a:rPr>
+            </a:br>
+            <a:br>
+              <a:rPr lang="en-US" dirty="0">
+                <a:solidFill>
+                  <a:schemeClr val="tx1">
+                    <a:lumMod val="85000"/>
+                  </a:schemeClr>
+                </a:solidFill>
+              </a:rPr>
+            </a:br>
             <a:r>
               <a:rPr lang="en-US" b="1" i="0" dirty="0">
                 <a:solidFill>
-                  <a:schemeClr val="tx1">
-                    <a:lumMod val="85000"/>
-                  </a:schemeClr>
-                </a:solidFill>
-                <a:effectLst/>
-                <a:latin typeface="Open Sans" panose="020B0606030504020204" pitchFamily="34" charset="0"/>
-              </a:rPr>
-              <a:t>git</a:t>
+                  <a:srgbClr val="00B0F0"/>
+                </a:solidFill>
+                <a:effectLst/>
+                <a:latin typeface="Open Sans" panose="020B0606030504020204" pitchFamily="34" charset="0"/>
+              </a:rPr>
+              <a:t>Why do we care</a:t>
+            </a:r>
+            <a:r>
+              <a:rPr lang="en-US" b="1" i="0" dirty="0">
+                <a:solidFill>
+                  <a:schemeClr val="tx1">
+                    <a:lumMod val="85000"/>
+                  </a:schemeClr>
+                </a:solidFill>
+                <a:effectLst/>
+                <a:latin typeface="Open Sans" panose="020B0606030504020204" pitchFamily="34" charset="0"/>
+              </a:rPr>
+              <a:t>?  </a:t>
             </a:r>
             <a:r>
               <a:rPr lang="en-US" b="0" i="0" dirty="0">
@@ -5986,12 +7247,215 @@
                 <a:effectLst/>
                 <a:latin typeface="Open Sans" panose="020B0606030504020204" pitchFamily="34" charset="0"/>
               </a:rPr>
-              <a:t> also keeps track of all the changes made to a project by using save-points called commits. </a:t>
-            </a:r>
-          </a:p>
-          <a:p>
-            <a:pPr algn="l" rtl="0"/>
+              <a:t>Many programs used in software development </a:t>
+            </a:r>
+            <a:r>
+              <a:rPr lang="en-US" b="0" i="0" dirty="0">
+                <a:solidFill>
+                  <a:srgbClr val="00B0F0"/>
+                </a:solidFill>
+                <a:effectLst/>
+                <a:latin typeface="Open Sans" panose="020B0606030504020204" pitchFamily="34" charset="0"/>
+              </a:rPr>
+              <a:t>only come as a </a:t>
+            </a:r>
+            <a:r>
+              <a:rPr lang="en-US" b="1" i="0" dirty="0">
+                <a:solidFill>
+                  <a:srgbClr val="00B0F0"/>
+                </a:solidFill>
+                <a:effectLst/>
+                <a:latin typeface="Open Sans" panose="020B0606030504020204" pitchFamily="34" charset="0"/>
+              </a:rPr>
+              <a:t>Command Line Interface</a:t>
+            </a:r>
+            <a:r>
+              <a:rPr lang="en-US" b="0" i="0" dirty="0">
+                <a:solidFill>
+                  <a:schemeClr val="tx1">
+                    <a:lumMod val="85000"/>
+                  </a:schemeClr>
+                </a:solidFill>
+                <a:effectLst/>
+                <a:latin typeface="Open Sans" panose="020B0606030504020204" pitchFamily="34" charset="0"/>
+              </a:rPr>
+              <a:t> or </a:t>
+            </a:r>
+            <a:r>
+              <a:rPr lang="en-US" b="1" i="0" dirty="0">
+                <a:solidFill>
+                  <a:schemeClr val="tx1">
+                    <a:lumMod val="85000"/>
+                  </a:schemeClr>
+                </a:solidFill>
+                <a:effectLst/>
+                <a:latin typeface="Open Sans" panose="020B0606030504020204" pitchFamily="34" charset="0"/>
+              </a:rPr>
+              <a:t>CLI</a:t>
+            </a:r>
+            <a:r>
+              <a:rPr lang="en-US" b="0" i="0" dirty="0">
+                <a:solidFill>
+                  <a:schemeClr val="tx1">
+                    <a:lumMod val="85000"/>
+                  </a:schemeClr>
+                </a:solidFill>
+                <a:effectLst/>
+                <a:latin typeface="Open Sans" panose="020B0606030504020204" pitchFamily="34" charset="0"/>
+              </a:rPr>
+              <a:t> tool and have no </a:t>
+            </a:r>
+            <a:r>
+              <a:rPr lang="en-US" b="1" i="0" dirty="0">
+                <a:solidFill>
+                  <a:schemeClr val="tx1">
+                    <a:lumMod val="85000"/>
+                  </a:schemeClr>
+                </a:solidFill>
+                <a:effectLst/>
+                <a:latin typeface="Open Sans" panose="020B0606030504020204" pitchFamily="34" charset="0"/>
+              </a:rPr>
+              <a:t>Graphical User Interface</a:t>
+            </a:r>
+            <a:r>
+              <a:rPr lang="en-US" b="0" i="0" dirty="0">
+                <a:solidFill>
+                  <a:schemeClr val="tx1">
+                    <a:lumMod val="85000"/>
+                  </a:schemeClr>
+                </a:solidFill>
+                <a:effectLst/>
+                <a:latin typeface="Open Sans" panose="020B0606030504020204" pitchFamily="34" charset="0"/>
+              </a:rPr>
+              <a:t> or </a:t>
+            </a:r>
+            <a:r>
+              <a:rPr lang="en-US" b="1" i="0" dirty="0">
+                <a:solidFill>
+                  <a:schemeClr val="tx1">
+                    <a:lumMod val="85000"/>
+                  </a:schemeClr>
+                </a:solidFill>
+                <a:effectLst/>
+                <a:latin typeface="Open Sans" panose="020B0606030504020204" pitchFamily="34" charset="0"/>
+              </a:rPr>
+              <a:t>GUI</a:t>
+            </a:r>
+            <a:r>
+              <a:rPr lang="en-US" b="0" i="0" dirty="0">
+                <a:solidFill>
+                  <a:schemeClr val="tx1">
+                    <a:lumMod val="85000"/>
+                  </a:schemeClr>
+                </a:solidFill>
+                <a:effectLst/>
+                <a:latin typeface="Open Sans" panose="020B0606030504020204" pitchFamily="34" charset="0"/>
+              </a:rPr>
+              <a:t> version. There are many different </a:t>
+            </a:r>
+            <a:r>
+              <a:rPr lang="en-US" b="1" i="0" dirty="0">
+                <a:solidFill>
+                  <a:schemeClr val="tx1">
+                    <a:lumMod val="85000"/>
+                  </a:schemeClr>
+                </a:solidFill>
+                <a:effectLst/>
+                <a:latin typeface="Open Sans" panose="020B0606030504020204" pitchFamily="34" charset="0"/>
+              </a:rPr>
+              <a:t>CLI</a:t>
+            </a:r>
+            <a:r>
+              <a:rPr lang="en-US" b="0" i="0" dirty="0">
+                <a:solidFill>
+                  <a:schemeClr val="tx1">
+                    <a:lumMod val="85000"/>
+                  </a:schemeClr>
+                </a:solidFill>
+                <a:effectLst/>
+                <a:latin typeface="Open Sans" panose="020B0606030504020204" pitchFamily="34" charset="0"/>
+              </a:rPr>
+              <a:t>s, but the main two are </a:t>
+            </a:r>
+            <a:r>
+              <a:rPr lang="en-US" b="1" i="0" dirty="0">
+                <a:solidFill>
+                  <a:schemeClr val="tx1">
+                    <a:lumMod val="85000"/>
+                  </a:schemeClr>
+                </a:solidFill>
+                <a:effectLst/>
+                <a:latin typeface="Open Sans" panose="020B0606030504020204" pitchFamily="34" charset="0"/>
+              </a:rPr>
+              <a:t>Command Prompt</a:t>
+            </a:r>
+            <a:r>
+              <a:rPr lang="en-US" b="0" i="0" dirty="0">
+                <a:solidFill>
+                  <a:schemeClr val="tx1">
+                    <a:lumMod val="85000"/>
+                  </a:schemeClr>
+                </a:solidFill>
+                <a:effectLst/>
+                <a:latin typeface="Open Sans" panose="020B0606030504020204" pitchFamily="34" charset="0"/>
+              </a:rPr>
+              <a:t> (Windows) and </a:t>
+            </a:r>
+            <a:r>
+              <a:rPr lang="en-US" b="1" i="0" dirty="0">
+                <a:solidFill>
+                  <a:schemeClr val="tx1">
+                    <a:lumMod val="85000"/>
+                  </a:schemeClr>
+                </a:solidFill>
+                <a:effectLst/>
+                <a:latin typeface="Open Sans" panose="020B0606030504020204" pitchFamily="34" charset="0"/>
+              </a:rPr>
+              <a:t>Terminal</a:t>
+            </a:r>
+            <a:r>
+              <a:rPr lang="en-US" b="0" i="0" dirty="0">
+                <a:solidFill>
+                  <a:schemeClr val="tx1">
+                    <a:lumMod val="85000"/>
+                  </a:schemeClr>
+                </a:solidFill>
+                <a:effectLst/>
+                <a:latin typeface="Open Sans" panose="020B0606030504020204" pitchFamily="34" charset="0"/>
+              </a:rPr>
+              <a:t> (Mac and Linux).</a:t>
+            </a:r>
             <a:br>
+              <a:rPr lang="en-US" dirty="0">
+                <a:solidFill>
+                  <a:schemeClr val="tx1">
+                    <a:lumMod val="85000"/>
+                  </a:schemeClr>
+                </a:solidFill>
+              </a:rPr>
+            </a:br>
+            <a:br>
+              <a:rPr lang="en-US" dirty="0">
+                <a:solidFill>
+                  <a:schemeClr val="tx1">
+                    <a:lumMod val="85000"/>
+                  </a:schemeClr>
+                </a:solidFill>
+              </a:rPr>
+            </a:br>
+            <a:r>
+              <a:rPr lang="en-US" b="1" i="0" dirty="0">
+                <a:solidFill>
+                  <a:schemeClr val="tx1">
+                    <a:lumMod val="85000"/>
+                  </a:schemeClr>
+                </a:solidFill>
+                <a:effectLst/>
+                <a:latin typeface="Open Sans" panose="020B0606030504020204" pitchFamily="34" charset="0"/>
+              </a:rPr>
+              <a:t>Note</a:t>
+            </a:r>
+            <a:r>
               <a:rPr lang="en-US" b="0" i="0" dirty="0">
                 <a:solidFill>
                   <a:schemeClr val="tx1">
@@ -6001,36 +7465,8 @@
                 <a:effectLst/>
                 <a:latin typeface="Open Sans" panose="020B0606030504020204" pitchFamily="34" charset="0"/>
               </a:rPr>
-            </a:br>
-            <a:endParaRPr lang="en-US" b="0" i="0" dirty="0">
-              <a:solidFill>
-                <a:schemeClr val="tx1">
-                  <a:lumMod val="85000"/>
-                </a:schemeClr>
-              </a:solidFill>
-              <a:effectLst/>
-              <a:latin typeface="Open Sans" panose="020B0606030504020204" pitchFamily="34" charset="0"/>
-            </a:endParaRPr>
-          </a:p>
-          <a:p>
-            <a:pPr marL="285750" indent="-285750" algn="l" rtl="0">
-              <a:buFont typeface="Arial" panose="020B0604020202020204" pitchFamily="34" charset="0"/>
-              <a:buChar char="•"/>
-            </a:pPr>
-            <a:endParaRPr lang="en-US" b="1" dirty="0">
-              <a:solidFill>
-                <a:schemeClr val="tx1">
-                  <a:lumMod val="85000"/>
-                </a:schemeClr>
-              </a:solidFill>
-              <a:latin typeface="Open Sans" panose="020B0606030504020204" pitchFamily="34" charset="0"/>
-            </a:endParaRPr>
-          </a:p>
-          <a:p>
-            <a:pPr marL="285750" indent="-285750" algn="l" rtl="0">
-              <a:buFont typeface="Arial" panose="020B0604020202020204" pitchFamily="34" charset="0"/>
-              <a:buChar char="•"/>
-            </a:pPr>
+              <a:t>:  We will discuss some basic commands to navigate the file system via </a:t>
+            </a:r>
             <a:r>
               <a:rPr lang="en-US" b="1" i="0" dirty="0">
                 <a:solidFill>
@@ -6041,7 +7477,7 @@
                 <a:effectLst/>
                 <a:latin typeface="Open Sans" panose="020B0606030504020204" pitchFamily="34" charset="0"/>
               </a:rPr>
-              <a:t>GitHub</a:t>
+              <a:t>CLI</a:t>
             </a:r>
             <a:r>
               <a:rPr lang="en-US" b="0" i="0" dirty="0">
@@ -6053,14 +7489,62 @@
                 <a:effectLst/>
                 <a:latin typeface="Open Sans" panose="020B0606030504020204" pitchFamily="34" charset="0"/>
               </a:rPr>
-              <a:t> is a web-based git </a:t>
+              <a:t>, but before we do, </a:t>
+            </a:r>
+            <a:r>
+              <a:rPr lang="en-US" b="0" i="0" dirty="0">
+                <a:solidFill>
+                  <a:srgbClr val="00B0F0"/>
+                </a:solidFill>
+                <a:effectLst/>
+                <a:latin typeface="Open Sans" panose="020B0606030504020204" pitchFamily="34" charset="0"/>
+              </a:rPr>
+              <a:t>it is important to realize that what we see in the </a:t>
             </a:r>
             <a:r>
               <a:rPr lang="en-US" b="1" i="0" dirty="0">
                 <a:solidFill>
-                  <a:schemeClr val="tx1">
-                    <a:lumMod val="85000"/>
-                  </a:schemeClr>
+                  <a:srgbClr val="00B0F0"/>
+                </a:solidFill>
+                <a:effectLst/>
+                <a:latin typeface="Open Sans" panose="020B0606030504020204" pitchFamily="34" charset="0"/>
+              </a:rPr>
+              <a:t>CLI</a:t>
+            </a:r>
+            <a:r>
+              <a:rPr lang="en-US" b="0" i="0" dirty="0">
+                <a:solidFill>
+                  <a:srgbClr val="00B0F0"/>
+                </a:solidFill>
+                <a:effectLst/>
+                <a:latin typeface="Open Sans" panose="020B0606030504020204" pitchFamily="34" charset="0"/>
+              </a:rPr>
+              <a:t> is the </a:t>
+            </a:r>
+            <a:r>
+              <a:rPr lang="en-US" b="1" i="0" dirty="0">
+                <a:solidFill>
+                  <a:srgbClr val="00B0F0"/>
+                </a:solidFill>
+                <a:effectLst/>
+                <a:latin typeface="Open Sans" panose="020B0606030504020204" pitchFamily="34" charset="0"/>
+              </a:rPr>
+              <a:t>same thing</a:t>
+            </a:r>
+            <a:r>
+              <a:rPr lang="en-US" b="0" i="0" dirty="0">
+                <a:solidFill>
+                  <a:srgbClr val="00B0F0"/>
+                </a:solidFill>
+                <a:effectLst/>
+                <a:latin typeface="Open Sans" panose="020B0606030504020204" pitchFamily="34" charset="0"/>
+              </a:rPr>
+              <a:t> we see in the </a:t>
+            </a:r>
+            <a:r>
+              <a:rPr lang="en-US" b="1" i="0" dirty="0">
+                <a:solidFill>
+                  <a:srgbClr val="00B0F0"/>
                 </a:solidFill>
                 <a:effectLst/>
                 <a:latin typeface="Open Sans" panose="020B0606030504020204" pitchFamily="34" charset="0"/>
@@ -6077,7 +7561,7 @@
                 <a:effectLst/>
                 <a:latin typeface="Open Sans" panose="020B0606030504020204" pitchFamily="34" charset="0"/>
               </a:rPr>
-              <a:t> that enables us to visually manage our repositories and push our code to the cloud (</a:t>
+              <a:t>. If we are in a </a:t>
             </a:r>
             <a:r>
               <a:rPr lang="en-US" b="1" i="0" dirty="0">
@@ -6089,7 +7573,7 @@
                 <a:effectLst/>
                 <a:latin typeface="Open Sans" panose="020B0606030504020204" pitchFamily="34" charset="0"/>
               </a:rPr>
-              <a:t>GitHub</a:t>
+              <a:t>folder</a:t>
             </a:r>
             <a:r>
               <a:rPr lang="en-US" b="0" i="0" dirty="0">
@@ -6101,11 +7585,202 @@
                 <a:effectLst/>
                 <a:latin typeface="Open Sans" panose="020B0606030504020204" pitchFamily="34" charset="0"/>
               </a:rPr>
-              <a:t> servers). </a:t>
-            </a:r>
-          </a:p>
-          <a:p>
-            <a:pPr algn="l" rtl="0"/>
+              <a:t> (also known as a </a:t>
+            </a:r>
+            <a:r>
+              <a:rPr lang="en-US" b="1" i="0" dirty="0">
+                <a:solidFill>
+                  <a:schemeClr val="tx1">
+                    <a:lumMod val="85000"/>
+                  </a:schemeClr>
+                </a:solidFill>
+                <a:effectLst/>
+                <a:latin typeface="Open Sans" panose="020B0606030504020204" pitchFamily="34" charset="0"/>
+              </a:rPr>
+              <a:t>directory</a:t>
+            </a:r>
+            <a:r>
+              <a:rPr lang="en-US" b="0" i="0" dirty="0">
+                <a:solidFill>
+                  <a:schemeClr val="tx1">
+                    <a:lumMod val="85000"/>
+                  </a:schemeClr>
+                </a:solidFill>
+                <a:effectLst/>
+                <a:latin typeface="Open Sans" panose="020B0606030504020204" pitchFamily="34" charset="0"/>
+              </a:rPr>
+              <a:t>) in our </a:t>
+            </a:r>
+            <a:r>
+              <a:rPr lang="en-US" b="1" i="0" dirty="0">
+                <a:solidFill>
+                  <a:schemeClr val="tx1">
+                    <a:lumMod val="85000"/>
+                  </a:schemeClr>
+                </a:solidFill>
+                <a:effectLst/>
+                <a:latin typeface="Open Sans" panose="020B0606030504020204" pitchFamily="34" charset="0"/>
+              </a:rPr>
+              <a:t>GUI File Explorer </a:t>
+            </a:r>
+            <a:r>
+              <a:rPr lang="en-US" b="0" i="0" dirty="0">
+                <a:solidFill>
+                  <a:schemeClr val="tx1">
+                    <a:lumMod val="85000"/>
+                  </a:schemeClr>
+                </a:solidFill>
+                <a:effectLst/>
+                <a:latin typeface="Open Sans" panose="020B0606030504020204" pitchFamily="34" charset="0"/>
+              </a:rPr>
+              <a:t>and in our </a:t>
+            </a:r>
+            <a:r>
+              <a:rPr lang="en-US" b="1" i="0" dirty="0">
+                <a:solidFill>
+                  <a:schemeClr val="tx1">
+                    <a:lumMod val="85000"/>
+                  </a:schemeClr>
+                </a:solidFill>
+                <a:effectLst/>
+                <a:latin typeface="Open Sans" panose="020B0606030504020204" pitchFamily="34" charset="0"/>
+              </a:rPr>
+              <a:t>Command Prompt</a:t>
+            </a:r>
+            <a:r>
+              <a:rPr lang="en-US" b="0" i="0" dirty="0">
+                <a:solidFill>
+                  <a:schemeClr val="tx1">
+                    <a:lumMod val="85000"/>
+                  </a:schemeClr>
+                </a:solidFill>
+                <a:effectLst/>
+                <a:latin typeface="Open Sans" panose="020B0606030504020204" pitchFamily="34" charset="0"/>
+              </a:rPr>
+              <a:t> (Windows), or our </a:t>
+            </a:r>
+            <a:r>
+              <a:rPr lang="en-US" b="1" i="0" dirty="0">
+                <a:solidFill>
+                  <a:schemeClr val="tx1">
+                    <a:lumMod val="85000"/>
+                  </a:schemeClr>
+                </a:solidFill>
+                <a:effectLst/>
+                <a:latin typeface="Open Sans" panose="020B0606030504020204" pitchFamily="34" charset="0"/>
+              </a:rPr>
+              <a:t>GUI</a:t>
+            </a:r>
+            <a:r>
+              <a:rPr lang="en-US" b="0" i="0" dirty="0">
+                <a:solidFill>
+                  <a:schemeClr val="tx1">
+                    <a:lumMod val="85000"/>
+                  </a:schemeClr>
+                </a:solidFill>
+                <a:effectLst/>
+                <a:latin typeface="Open Sans" panose="020B0606030504020204" pitchFamily="34" charset="0"/>
+              </a:rPr>
+              <a:t> </a:t>
+            </a:r>
+            <a:r>
+              <a:rPr lang="en-US" b="1" i="0" dirty="0">
+                <a:solidFill>
+                  <a:schemeClr val="tx1">
+                    <a:lumMod val="85000"/>
+                  </a:schemeClr>
+                </a:solidFill>
+                <a:effectLst/>
+                <a:latin typeface="Open Sans" panose="020B0606030504020204" pitchFamily="34" charset="0"/>
+              </a:rPr>
+              <a:t>Finder</a:t>
+            </a:r>
+            <a:r>
+              <a:rPr lang="en-US" b="0" i="0" dirty="0">
+                <a:solidFill>
+                  <a:schemeClr val="tx1">
+                    <a:lumMod val="85000"/>
+                  </a:schemeClr>
+                </a:solidFill>
+                <a:effectLst/>
+                <a:latin typeface="Open Sans" panose="020B0606030504020204" pitchFamily="34" charset="0"/>
+              </a:rPr>
+              <a:t> and in our </a:t>
+            </a:r>
+            <a:r>
+              <a:rPr lang="en-US" b="1" i="0" dirty="0">
+                <a:solidFill>
+                  <a:schemeClr val="tx1">
+                    <a:lumMod val="85000"/>
+                  </a:schemeClr>
+                </a:solidFill>
+                <a:effectLst/>
+                <a:latin typeface="Open Sans" panose="020B0606030504020204" pitchFamily="34" charset="0"/>
+              </a:rPr>
+              <a:t>Terminal</a:t>
+            </a:r>
+            <a:r>
+              <a:rPr lang="en-US" b="0" i="0" dirty="0">
+                <a:solidFill>
+                  <a:schemeClr val="tx1">
+                    <a:lumMod val="85000"/>
+                  </a:schemeClr>
+                </a:solidFill>
+                <a:effectLst/>
+                <a:latin typeface="Open Sans" panose="020B0606030504020204" pitchFamily="34" charset="0"/>
+              </a:rPr>
+              <a:t> (Mac), we will see the same files in each, the </a:t>
+            </a:r>
+            <a:r>
+              <a:rPr lang="en-US" b="1" i="0" dirty="0">
+                <a:solidFill>
+                  <a:schemeClr val="tx1">
+                    <a:lumMod val="85000"/>
+                  </a:schemeClr>
+                </a:solidFill>
+                <a:effectLst/>
+                <a:latin typeface="Open Sans" panose="020B0606030504020204" pitchFamily="34" charset="0"/>
+              </a:rPr>
+              <a:t>GUI</a:t>
+            </a:r>
+            <a:r>
+              <a:rPr lang="en-US" b="0" i="0" dirty="0">
+                <a:solidFill>
+                  <a:schemeClr val="tx1">
+                    <a:lumMod val="85000"/>
+                  </a:schemeClr>
+                </a:solidFill>
+                <a:effectLst/>
+                <a:latin typeface="Open Sans" panose="020B0606030504020204" pitchFamily="34" charset="0"/>
+              </a:rPr>
+              <a:t> will display the files graphically, and the </a:t>
+            </a:r>
+            <a:r>
+              <a:rPr lang="en-US" b="1" i="0" dirty="0">
+                <a:solidFill>
+                  <a:schemeClr val="tx1">
+                    <a:lumMod val="85000"/>
+                  </a:schemeClr>
+                </a:solidFill>
+                <a:effectLst/>
+                <a:latin typeface="Open Sans" panose="020B0606030504020204" pitchFamily="34" charset="0"/>
+              </a:rPr>
+              <a:t>CLI</a:t>
+            </a:r>
+            <a:r>
+              <a:rPr lang="en-US" b="0" i="0" dirty="0">
+                <a:solidFill>
+                  <a:schemeClr val="tx1">
+                    <a:lumMod val="85000"/>
+                  </a:schemeClr>
+                </a:solidFill>
+                <a:effectLst/>
+                <a:latin typeface="Open Sans" panose="020B0606030504020204" pitchFamily="34" charset="0"/>
+              </a:rPr>
+              <a:t> will display the files textually.</a:t>
+            </a:r>
+          </a:p>
+          <a:p>
             <a:endParaRPr lang="en-US" dirty="0">
               <a:solidFill>
                 <a:schemeClr val="tx1">
@@ -6116,49 +7791,64 @@
             </a:endParaRPr>
           </a:p>
           <a:p>
-            <a:pPr algn="l" rtl="0"/>
-            <a:endParaRPr lang="en-US" b="0" i="0" dirty="0">
+            <a:r>
+              <a:rPr lang="en-US" dirty="0">
+                <a:solidFill>
+                  <a:schemeClr val="tx1">
+                    <a:lumMod val="85000"/>
+                  </a:schemeClr>
+                </a:solidFill>
+                <a:latin typeface="Open Sans" panose="020B0606030504020204" pitchFamily="34" charset="0"/>
+                <a:hlinkClick r:id="rId2"/>
+              </a:rPr>
+              <a:t>Content Links in LMS</a:t>
+            </a:r>
+            <a:endParaRPr lang="en-US" dirty="0">
               <a:solidFill>
                 <a:schemeClr val="tx1">
                   <a:lumMod val="85000"/>
                 </a:schemeClr>
               </a:solidFill>
-              <a:effectLst/>
-              <a:latin typeface="Open Sans" panose="020B0606030504020204" pitchFamily="34" charset="0"/>
-            </a:endParaRPr>
-          </a:p>
-          <a:p>
-            <a:pPr algn="l" rtl="0"/>
-            <a:r>
-              <a:rPr lang="en-US" dirty="0">
-                <a:solidFill>
-                  <a:schemeClr val="tx1">
-                    <a:lumMod val="85000"/>
-                  </a:schemeClr>
-                </a:solidFill>
-                <a:latin typeface="Open Sans" panose="020B0606030504020204" pitchFamily="34" charset="0"/>
-                <a:hlinkClick r:id="rId3"/>
-              </a:rPr>
-              <a:t>Content Link in LMS</a:t>
-            </a:r>
-            <a:endParaRPr lang="en-US" b="0" i="0" dirty="0">
-              <a:solidFill>
-                <a:schemeClr val="tx1">
-                  <a:lumMod val="85000"/>
-                </a:schemeClr>
-              </a:solidFill>
-              <a:effectLst/>
-              <a:latin typeface="Open Sans" panose="020B0606030504020204" pitchFamily="34" charset="0"/>
             </a:endParaRPr>
           </a:p>
         </p:txBody>
       </p:sp>
+    </p:spTree>
+    <p:extLst>
+      <p:ext uri="{BB962C8B-B14F-4D97-AF65-F5344CB8AC3E}">
+        <p14:creationId xmlns:p14="http://schemas.microsoft.com/office/powerpoint/2010/main" val="183313377"/>
+      </p:ext>
+    </p:extLst>
+  </p:cSld>
+  <p:clrMapOvr>
+    <a:masterClrMapping/>
+  </p:clrMapOvr>
+</p:sld>
+</file>
+
+<file path=ppt/slides/slide17.xml><?xml version="1.0" encoding="utf-8"?>
+<p:sld xmlns:a="http://schemas.openxmlformats.org/drawingml/2006/main" xmlns:r="http://schemas.openxmlformats.org/officeDocument/2006/relationships" xmlns:p="http://schemas.openxmlformats.org/presentationml/2006/main">
+  <p:cSld>
+    <p:spTree>
+      <p:nvGrpSpPr>
+        <p:cNvPr id="1" name=""/>
+        <p:cNvGrpSpPr/>
+        <p:nvPr/>
+      </p:nvGrpSpPr>
+      <p:grpSpPr>
+        <a:xfrm>
+          <a:off x="0" y="0"/>
+          <a:ext cx="0" cy="0"/>
+          <a:chOff x="0" y="0"/>
+          <a:chExt cx="0" cy="0"/>
+        </a:xfrm>
+      </p:grpSpPr>
       <p:sp>
         <p:nvSpPr>
-          <p:cNvPr id="4" name="TextBox 3">
+          <p:cNvPr id="3" name="TextBox 2">
             <a:extLst>
               <a:ext uri="{FF2B5EF4-FFF2-40B4-BE49-F238E27FC236}">
-                <a16:creationId xmlns:a16="http://schemas.microsoft.com/office/drawing/2014/main" id="{72611DA7-AE29-00A1-7AE2-4A353A359FBB}"/>
+                <a16:creationId xmlns:a16="http://schemas.microsoft.com/office/drawing/2014/main" id="{23DFC7E9-54DD-38D7-0B9B-D34948D68CF9}"/>
               </a:ext>
             </a:extLst>
           </p:cNvPr>
@@ -6167,8 +7857,8 @@
         </p:nvSpPr>
         <p:spPr>
           <a:xfrm>
-            <a:off x="5696345" y="5861558"/>
-            <a:ext cx="6094602" cy="646331"/>
+            <a:off x="1894669" y="2745699"/>
+            <a:ext cx="9326104" cy="1754326"/>
           </a:xfrm>
           <a:prstGeom prst="rect">
             <a:avLst/>
@@ -6181,31 +7871,95 @@
           </a:bodyPr>
           <a:lstStyle/>
           <a:p>
-            <a:pPr marL="342900" indent="-342900">
-              <a:buFont typeface="Arial" panose="020B0604020202020204" pitchFamily="34" charset="0"/>
-              <a:buChar char="•"/>
+            <a:pPr marL="0" marR="0" lvl="0" indent="0" algn="l" defTabSz="914400" rtl="0" eaLnBrk="1" fontAlgn="auto" latinLnBrk="0" hangingPunct="1">
+              <a:lnSpc>
+                <a:spcPct val="100000"/>
+              </a:lnSpc>
+              <a:spcBef>
+                <a:spcPts val="0"/>
+              </a:spcBef>
+              <a:spcAft>
+                <a:spcPts val="0"/>
+              </a:spcAft>
+              <a:buClrTx/>
+              <a:buSzTx/>
+              <a:buFontTx/>
+              <a:buNone/>
+              <a:tabLst/>
+              <a:defRPr/>
             </a:pPr>
             <a:r>
-              <a:rPr lang="en-US" sz="1800" dirty="0"/>
-              <a:t>Free Book on Git</a:t>
-            </a:r>
-            <a:br>
-              <a:rPr lang="en-US" sz="1800" dirty="0"/>
-            </a:br>
-            <a:r>
-              <a:rPr lang="en-US" sz="1800" dirty="0">
-                <a:hlinkClick r:id="rId4"/>
-              </a:rPr>
-              <a:t>https://git-scm.com/book/en/v2</a:t>
-            </a:r>
-            <a:endParaRPr lang="en-US" sz="1800" dirty="0"/>
+              <a:rPr kumimoji="0" lang="en-US" sz="6000" b="0" i="0" u="none" strike="noStrike" kern="1200" cap="none" spc="0" normalizeH="0" baseline="0" noProof="0" dirty="0">
+                <a:ln>
+                  <a:noFill/>
+                </a:ln>
+                <a:solidFill>
+                  <a:prstClr val="white">
+                    <a:lumMod val="75000"/>
+                  </a:prstClr>
+                </a:solidFill>
+                <a:effectLst/>
+                <a:uLnTx/>
+                <a:uFillTx/>
+                <a:latin typeface="Open Sans" panose="020B0606030504020204" pitchFamily="34" charset="0"/>
+                <a:ea typeface="+mn-ea"/>
+                <a:cs typeface="+mn-cs"/>
+              </a:rPr>
+              <a:t>Source Control</a:t>
+            </a:r>
+          </a:p>
+          <a:p>
+            <a:pPr marL="0" marR="0" lvl="0" indent="0" algn="l" defTabSz="914400" rtl="0" eaLnBrk="1" fontAlgn="auto" latinLnBrk="0" hangingPunct="1">
+              <a:lnSpc>
+                <a:spcPct val="100000"/>
+              </a:lnSpc>
+              <a:spcBef>
+                <a:spcPts val="0"/>
+              </a:spcBef>
+              <a:spcAft>
+                <a:spcPts val="0"/>
+              </a:spcAft>
+              <a:buClrTx/>
+              <a:buSzTx/>
+              <a:buFontTx/>
+              <a:buNone/>
+              <a:tabLst/>
+              <a:defRPr/>
+            </a:pPr>
+            <a:r>
+              <a:rPr lang="en-US" sz="4800" i="1" dirty="0">
+                <a:solidFill>
+                  <a:prstClr val="white">
+                    <a:lumMod val="75000"/>
+                  </a:prstClr>
+                </a:solidFill>
+                <a:latin typeface="Open Sans" panose="020B0606030504020204" pitchFamily="34" charset="0"/>
+              </a:rPr>
+              <a:t>Git and GitHub</a:t>
+            </a:r>
+            <a:endParaRPr kumimoji="0" lang="en-US" sz="6000" b="0" i="1" u="none" strike="noStrike" kern="1200" cap="none" spc="0" normalizeH="0" baseline="0" noProof="0" dirty="0">
+              <a:ln>
+                <a:noFill/>
+              </a:ln>
+              <a:solidFill>
+                <a:prstClr val="white">
+                  <a:lumMod val="75000"/>
+                </a:prstClr>
+              </a:solidFill>
+              <a:effectLst/>
+              <a:uLnTx/>
+              <a:uFillTx/>
+              <a:latin typeface="Open Sans" panose="020B0606030504020204" pitchFamily="34" charset="0"/>
+              <a:ea typeface="+mn-ea"/>
+              <a:cs typeface="+mn-cs"/>
+            </a:endParaRPr>
           </a:p>
         </p:txBody>
       </p:sp>
     </p:spTree>
     <p:extLst>
       <p:ext uri="{BB962C8B-B14F-4D97-AF65-F5344CB8AC3E}">
-        <p14:creationId xmlns:p14="http://schemas.microsoft.com/office/powerpoint/2010/main" val="323829688"/>
+        <p14:creationId xmlns:p14="http://schemas.microsoft.com/office/powerpoint/2010/main" val="373601184"/>
       </p:ext>
     </p:extLst>
   </p:cSld>
@@ -6215,7 +7969,7 @@
 </p:sld>
 </file>
 
-<file path=ppt/slides/slide13.xml><?xml version="1.0" encoding="utf-8"?>
+<file path=ppt/slides/slide18.xml><?xml version="1.0" encoding="utf-8"?>
 <p:sld xmlns:a="http://schemas.openxmlformats.org/drawingml/2006/main" xmlns:r="http://schemas.openxmlformats.org/officeDocument/2006/relationships" xmlns:p="http://schemas.openxmlformats.org/presentationml/2006/main">
   <p:cSld>
     <p:spTree>
@@ -6247,7 +8001,7 @@
         <p:spPr>
           <a:xfrm>
             <a:off x="341603" y="256791"/>
-            <a:ext cx="6094854" cy="461665"/>
+            <a:ext cx="11449344" cy="461665"/>
           </a:xfrm>
           <a:prstGeom prst="rect">
             <a:avLst/>
@@ -6269,17 +8023,17 @@
                 <a:effectLst/>
                 <a:latin typeface="Open Sans" panose="020B0606030504020204" pitchFamily="34" charset="0"/>
               </a:rPr>
-              <a:t>Java Tools / Environment Set-up</a:t>
+              <a:t>Git and GitHub</a:t>
             </a:r>
           </a:p>
         </p:txBody>
       </p:sp>
       <p:sp>
         <p:nvSpPr>
-          <p:cNvPr id="4" name="TextBox 3">
+          <p:cNvPr id="3" name="TextBox 2">
             <a:extLst>
               <a:ext uri="{FF2B5EF4-FFF2-40B4-BE49-F238E27FC236}">
-                <a16:creationId xmlns:a16="http://schemas.microsoft.com/office/drawing/2014/main" id="{051DC5DB-C58E-56B3-76BF-4596A55B19BC}"/>
+                <a16:creationId xmlns:a16="http://schemas.microsoft.com/office/drawing/2014/main" id="{18C8971B-4F18-19E0-01D3-697860030BC7}"/>
               </a:ext>
             </a:extLst>
           </p:cNvPr>
@@ -6288,8 +8042,8 @@
         </p:nvSpPr>
         <p:spPr>
           <a:xfrm>
-            <a:off x="341603" y="805882"/>
-            <a:ext cx="11229338" cy="1138773"/>
+            <a:off x="187922" y="797017"/>
+            <a:ext cx="11726779" cy="5632311"/>
           </a:xfrm>
           <a:prstGeom prst="rect">
             <a:avLst/>
@@ -6302,22 +8056,94 @@
           </a:bodyPr>
           <a:lstStyle/>
           <a:p>
-            <a:pPr marL="285750" indent="-285750">
+            <a:pPr marL="285750" indent="-285750" algn="l" rtl="0">
               <a:buFont typeface="Arial" panose="020B0604020202020204" pitchFamily="34" charset="0"/>
               <a:buChar char="•"/>
             </a:pPr>
             <a:r>
-              <a:rPr lang="en-US" sz="1700" b="0" i="0" dirty="0">
+              <a:rPr lang="en-US" b="1" i="0" dirty="0">
+                <a:solidFill>
+                  <a:schemeClr val="tx1">
+                    <a:lumMod val="85000"/>
+                  </a:schemeClr>
+                </a:solidFill>
+                <a:effectLst/>
+                <a:latin typeface="Open Sans" panose="020B0606030504020204" pitchFamily="34" charset="0"/>
+              </a:rPr>
+              <a:t>git</a:t>
+            </a:r>
+            <a:r>
+              <a:rPr lang="en-US" b="0" i="0" dirty="0">
+                <a:solidFill>
+                  <a:schemeClr val="tx1">
+                    <a:lumMod val="85000"/>
+                  </a:schemeClr>
+                </a:solidFill>
+                <a:effectLst/>
+                <a:latin typeface="Open Sans" panose="020B0606030504020204" pitchFamily="34" charset="0"/>
+              </a:rPr>
+              <a:t> is a "</a:t>
+            </a:r>
+            <a:r>
+              <a:rPr lang="en-US" b="0" i="0" dirty="0">
                 <a:solidFill>
                   <a:srgbClr val="00B0F0"/>
                 </a:solidFill>
                 <a:effectLst/>
                 <a:latin typeface="Open Sans" panose="020B0606030504020204" pitchFamily="34" charset="0"/>
+              </a:rPr>
+              <a:t>distributed version control system </a:t>
+            </a:r>
+            <a:r>
+              <a:rPr lang="en-US" b="0" i="0" dirty="0">
+                <a:solidFill>
+                  <a:schemeClr val="tx1">
+                    <a:lumMod val="85000"/>
+                  </a:schemeClr>
+                </a:solidFill>
+                <a:effectLst/>
+                <a:latin typeface="Open Sans" panose="020B0606030504020204" pitchFamily="34" charset="0"/>
+              </a:rPr>
+              <a:t>designed to handle everything from small to very large projects with speed and efficiency".</a:t>
+            </a:r>
+            <a:r>
+              <a:rPr lang="en-US" b="0" i="1" dirty="0">
+                <a:solidFill>
+                  <a:schemeClr val="tx1">
+                    <a:lumMod val="85000"/>
+                  </a:schemeClr>
+                </a:solidFill>
+                <a:effectLst/>
+                <a:latin typeface="Open Sans" panose="020B0606030504020204" pitchFamily="34" charset="0"/>
+              </a:rPr>
+              <a:t> (git, Retrieved on 10/5/2022 from </a:t>
+            </a:r>
+            <a:r>
+              <a:rPr lang="en-US" b="0" i="1" dirty="0">
+                <a:solidFill>
+                  <a:schemeClr val="tx1">
+                    <a:lumMod val="85000"/>
+                  </a:schemeClr>
+                </a:solidFill>
+                <a:effectLst/>
+                <a:latin typeface="Open Sans" panose="020B0606030504020204" pitchFamily="34" charset="0"/>
                 <a:hlinkClick r:id="rId2"/>
               </a:rPr>
-              <a:t>Installation of Java</a:t>
-            </a:r>
-            <a:endParaRPr lang="en-US" sz="1700" b="0" i="0" dirty="0">
+              <a:t>https://git-scm.com</a:t>
+            </a:r>
+            <a:r>
+              <a:rPr lang="en-US" b="0" i="1" dirty="0">
+                <a:solidFill>
+                  <a:schemeClr val="tx1">
+                    <a:lumMod val="85000"/>
+                  </a:schemeClr>
+                </a:solidFill>
+                <a:effectLst/>
+                <a:latin typeface="Open Sans" panose="020B0606030504020204" pitchFamily="34" charset="0"/>
+              </a:rPr>
+              <a:t>). </a:t>
+            </a:r>
+            <a:endParaRPr lang="en-US" b="0" i="0" dirty="0">
               <a:solidFill>
                 <a:schemeClr val="tx1">
                   <a:lumMod val="85000"/>
@@ -6328,11 +8154,194 @@
             </a:endParaRPr>
           </a:p>
           <a:p>
-            <a:pPr marL="285750" indent="-285750">
+            <a:pPr marL="285750" indent="-285750" algn="l" rtl="0">
               <a:buFont typeface="Arial" panose="020B0604020202020204" pitchFamily="34" charset="0"/>
               <a:buChar char="•"/>
             </a:pPr>
-            <a:endParaRPr lang="en-US" sz="1700" dirty="0">
+            <a:endParaRPr lang="en-US" b="1" i="0" dirty="0">
+              <a:solidFill>
+                <a:schemeClr val="tx1">
+                  <a:lumMod val="85000"/>
+                </a:schemeClr>
+              </a:solidFill>
+              <a:effectLst/>
+              <a:latin typeface="Open Sans" panose="020B0606030504020204" pitchFamily="34" charset="0"/>
+            </a:endParaRPr>
+          </a:p>
+          <a:p>
+            <a:pPr marL="285750" indent="-285750" algn="l" rtl="0">
+              <a:buFont typeface="Arial" panose="020B0604020202020204" pitchFamily="34" charset="0"/>
+              <a:buChar char="•"/>
+            </a:pPr>
+            <a:r>
+              <a:rPr lang="en-US" b="1" i="0" dirty="0">
+                <a:solidFill>
+                  <a:schemeClr val="tx1">
+                    <a:lumMod val="85000"/>
+                  </a:schemeClr>
+                </a:solidFill>
+                <a:effectLst/>
+                <a:latin typeface="Open Sans" panose="020B0606030504020204" pitchFamily="34" charset="0"/>
+              </a:rPr>
+              <a:t>git</a:t>
+            </a:r>
+            <a:r>
+              <a:rPr lang="en-US" b="0" i="0" dirty="0">
+                <a:solidFill>
+                  <a:schemeClr val="tx1">
+                    <a:lumMod val="85000"/>
+                  </a:schemeClr>
+                </a:solidFill>
+                <a:effectLst/>
+                <a:latin typeface="Open Sans" panose="020B0606030504020204" pitchFamily="34" charset="0"/>
+              </a:rPr>
+              <a:t> is used in many software development environments, and provides a number of benefits for any software developer.  It provides a backup of code that you are writing on your local system.  In addition, when working on a project with a team, it provides a way to ensure everyone has the same, up-to-date code. </a:t>
+            </a:r>
+          </a:p>
+          <a:p>
+            <a:pPr marL="285750" indent="-285750" algn="l" rtl="0">
+              <a:buFont typeface="Arial" panose="020B0604020202020204" pitchFamily="34" charset="0"/>
+              <a:buChar char="•"/>
+            </a:pPr>
+            <a:endParaRPr lang="en-US" b="1" i="0" dirty="0">
+              <a:solidFill>
+                <a:schemeClr val="tx1">
+                  <a:lumMod val="85000"/>
+                </a:schemeClr>
+              </a:solidFill>
+              <a:effectLst/>
+              <a:latin typeface="Open Sans" panose="020B0606030504020204" pitchFamily="34" charset="0"/>
+            </a:endParaRPr>
+          </a:p>
+          <a:p>
+            <a:pPr marL="285750" indent="-285750" algn="l" rtl="0">
+              <a:buFont typeface="Arial" panose="020B0604020202020204" pitchFamily="34" charset="0"/>
+              <a:buChar char="•"/>
+            </a:pPr>
+            <a:r>
+              <a:rPr lang="en-US" b="1" i="0" dirty="0">
+                <a:solidFill>
+                  <a:schemeClr val="tx1">
+                    <a:lumMod val="85000"/>
+                  </a:schemeClr>
+                </a:solidFill>
+                <a:effectLst/>
+                <a:latin typeface="Open Sans" panose="020B0606030504020204" pitchFamily="34" charset="0"/>
+              </a:rPr>
+              <a:t>git</a:t>
+            </a:r>
+            <a:r>
+              <a:rPr lang="en-US" b="0" i="0" dirty="0">
+                <a:solidFill>
+                  <a:schemeClr val="tx1">
+                    <a:lumMod val="85000"/>
+                  </a:schemeClr>
+                </a:solidFill>
+                <a:effectLst/>
+                <a:latin typeface="Open Sans" panose="020B0606030504020204" pitchFamily="34" charset="0"/>
+              </a:rPr>
+              <a:t> is a </a:t>
+            </a:r>
+            <a:r>
+              <a:rPr lang="en-US" b="0" i="0" dirty="0">
+                <a:solidFill>
+                  <a:srgbClr val="00B0F0"/>
+                </a:solidFill>
+                <a:effectLst/>
+                <a:latin typeface="Open Sans" panose="020B0606030504020204" pitchFamily="34" charset="0"/>
+              </a:rPr>
+              <a:t>Source Control tool used to enable teams to collaborate on projects </a:t>
+            </a:r>
+            <a:r>
+              <a:rPr lang="en-US" b="0" i="0" dirty="0">
+                <a:solidFill>
+                  <a:schemeClr val="tx1">
+                    <a:lumMod val="85000"/>
+                  </a:schemeClr>
+                </a:solidFill>
+                <a:effectLst/>
+                <a:latin typeface="Open Sans" panose="020B0606030504020204" pitchFamily="34" charset="0"/>
+              </a:rPr>
+              <a:t>at the same time. If users make changes to the same file that would overwrite one another, </a:t>
+            </a:r>
+            <a:r>
+              <a:rPr lang="en-US" b="1" i="0" dirty="0">
+                <a:solidFill>
+                  <a:schemeClr val="tx1">
+                    <a:lumMod val="85000"/>
+                  </a:schemeClr>
+                </a:solidFill>
+                <a:effectLst/>
+                <a:latin typeface="Open Sans" panose="020B0606030504020204" pitchFamily="34" charset="0"/>
+              </a:rPr>
+              <a:t>git</a:t>
+            </a:r>
+            <a:r>
+              <a:rPr lang="en-US" b="0" i="0" dirty="0">
+                <a:solidFill>
+                  <a:schemeClr val="tx1">
+                    <a:lumMod val="85000"/>
+                  </a:schemeClr>
+                </a:solidFill>
+                <a:effectLst/>
+                <a:latin typeface="Open Sans" panose="020B0606030504020204" pitchFamily="34" charset="0"/>
+              </a:rPr>
+              <a:t> provides merge conflict messages that enable users to manually adjust the multiple changes so that no one's code is overwritten. </a:t>
+            </a:r>
+            <a:r>
+              <a:rPr lang="en-US" b="1" i="0" dirty="0">
+                <a:solidFill>
+                  <a:schemeClr val="tx1">
+                    <a:lumMod val="85000"/>
+                  </a:schemeClr>
+                </a:solidFill>
+                <a:effectLst/>
+                <a:latin typeface="Open Sans" panose="020B0606030504020204" pitchFamily="34" charset="0"/>
+              </a:rPr>
+              <a:t>git</a:t>
+            </a:r>
+            <a:r>
+              <a:rPr lang="en-US" b="0" i="0" dirty="0">
+                <a:solidFill>
+                  <a:schemeClr val="tx1">
+                    <a:lumMod val="85000"/>
+                  </a:schemeClr>
+                </a:solidFill>
+                <a:effectLst/>
+                <a:latin typeface="Open Sans" panose="020B0606030504020204" pitchFamily="34" charset="0"/>
+              </a:rPr>
+              <a:t> also keeps track of all the changes made to a project by using save-points called commits. </a:t>
+            </a:r>
+          </a:p>
+          <a:p>
+            <a:pPr algn="l" rtl="0"/>
+            <a:br>
+              <a:rPr lang="en-US" b="0" i="0" dirty="0">
+                <a:solidFill>
+                  <a:schemeClr val="tx1">
+                    <a:lumMod val="85000"/>
+                  </a:schemeClr>
+                </a:solidFill>
+                <a:effectLst/>
+                <a:latin typeface="Open Sans" panose="020B0606030504020204" pitchFamily="34" charset="0"/>
+              </a:rPr>
+            </a:br>
+            <a:endParaRPr lang="en-US" b="0" i="0" dirty="0">
+              <a:solidFill>
+                <a:schemeClr val="tx1">
+                  <a:lumMod val="85000"/>
+                </a:schemeClr>
+              </a:solidFill>
+              <a:effectLst/>
+              <a:latin typeface="Open Sans" panose="020B0606030504020204" pitchFamily="34" charset="0"/>
+            </a:endParaRPr>
+          </a:p>
+          <a:p>
+            <a:pPr marL="285750" indent="-285750" algn="l" rtl="0">
+              <a:buFont typeface="Arial" panose="020B0604020202020204" pitchFamily="34" charset="0"/>
+              <a:buChar char="•"/>
+            </a:pPr>
+            <a:endParaRPr lang="en-US" b="1" dirty="0">
               <a:solidFill>
                 <a:schemeClr val="tx1">
                   <a:lumMod val="85000"/>
@@ -6342,46 +8351,132 @@
             </a:endParaRPr>
           </a:p>
           <a:p>
-            <a:pPr marL="285750" indent="-285750">
+            <a:pPr marL="285750" indent="-285750" algn="l" rtl="0">
               <a:buFont typeface="Arial" panose="020B0604020202020204" pitchFamily="34" charset="0"/>
               <a:buChar char="•"/>
             </a:pPr>
             <a:r>
-              <a:rPr lang="en-US" sz="1700" b="0" i="0" dirty="0">
+              <a:rPr lang="en-US" b="1" i="0" dirty="0">
+                <a:solidFill>
+                  <a:schemeClr val="tx1">
+                    <a:lumMod val="85000"/>
+                  </a:schemeClr>
+                </a:solidFill>
+                <a:effectLst/>
+                <a:latin typeface="Open Sans" panose="020B0606030504020204" pitchFamily="34" charset="0"/>
+              </a:rPr>
+              <a:t>GitHub</a:t>
+            </a:r>
+            <a:r>
+              <a:rPr lang="en-US" b="0" i="0" dirty="0">
+                <a:solidFill>
+                  <a:schemeClr val="tx1">
+                    <a:lumMod val="85000"/>
+                  </a:schemeClr>
+                </a:solidFill>
+                <a:effectLst/>
+                <a:latin typeface="Open Sans" panose="020B0606030504020204" pitchFamily="34" charset="0"/>
+              </a:rPr>
+              <a:t> is a </a:t>
+            </a:r>
+            <a:r>
+              <a:rPr lang="en-US" dirty="0">
                 <a:solidFill>
                   <a:srgbClr val="00B0F0"/>
                 </a:solidFill>
-                <a:effectLst/>
-                <a:latin typeface="Open Sans" panose="020B0606030504020204" pitchFamily="34" charset="0"/>
-                <a:hlinkClick r:id="rId3"/>
-              </a:rPr>
-              <a:t>Installation of Eclipse</a:t>
-            </a:r>
-            <a:br>
-              <a:rPr lang="en-US" sz="1700" dirty="0">
-                <a:solidFill>
-                  <a:schemeClr val="tx1">
-                    <a:lumMod val="85000"/>
-                  </a:schemeClr>
-                </a:solidFill>
-              </a:rPr>
-            </a:br>
-            <a:endParaRPr lang="en-US" sz="1700" dirty="0">
+                <a:latin typeface="Open Sans" panose="020B0606030504020204" pitchFamily="34" charset="0"/>
+              </a:rPr>
+              <a:t>web-based git GUI </a:t>
+            </a:r>
+            <a:r>
+              <a:rPr lang="en-US" b="0" i="0" dirty="0">
+                <a:solidFill>
+                  <a:schemeClr val="tx1">
+                    <a:lumMod val="85000"/>
+                  </a:schemeClr>
+                </a:solidFill>
+                <a:effectLst/>
+                <a:latin typeface="Open Sans" panose="020B0606030504020204" pitchFamily="34" charset="0"/>
+              </a:rPr>
+              <a:t>that enables us to visually manage our repositories and push our </a:t>
+            </a:r>
+            <a:r>
+              <a:rPr lang="en-US" dirty="0">
+                <a:solidFill>
+                  <a:srgbClr val="00B0F0"/>
+                </a:solidFill>
+                <a:latin typeface="Open Sans" panose="020B0606030504020204" pitchFamily="34" charset="0"/>
+              </a:rPr>
+              <a:t>code to the cloud (GitHub servers</a:t>
+            </a:r>
+            <a:r>
+              <a:rPr lang="en-US" b="0" i="0" dirty="0">
+                <a:solidFill>
+                  <a:schemeClr val="tx1">
+                    <a:lumMod val="85000"/>
+                  </a:schemeClr>
+                </a:solidFill>
+                <a:effectLst/>
+                <a:latin typeface="Open Sans" panose="020B0606030504020204" pitchFamily="34" charset="0"/>
+              </a:rPr>
+              <a:t>)</a:t>
+            </a:r>
+          </a:p>
+          <a:p>
+            <a:pPr algn="l" rtl="0"/>
+            <a:endParaRPr lang="en-US" dirty="0">
               <a:solidFill>
                 <a:schemeClr val="tx1">
                   <a:lumMod val="85000"/>
                 </a:schemeClr>
               </a:solidFill>
+              <a:latin typeface="Open Sans" panose="020B0606030504020204" pitchFamily="34" charset="0"/>
+            </a:endParaRPr>
+          </a:p>
+          <a:p>
+            <a:pPr algn="l" rtl="0"/>
+            <a:endParaRPr lang="en-US" b="0" i="0" dirty="0">
+              <a:solidFill>
+                <a:schemeClr val="tx1">
+                  <a:lumMod val="85000"/>
+                </a:schemeClr>
+              </a:solidFill>
+              <a:effectLst/>
+              <a:latin typeface="Open Sans" panose="020B0606030504020204" pitchFamily="34" charset="0"/>
+            </a:endParaRPr>
+          </a:p>
+          <a:p>
+            <a:pPr algn="l" rtl="0"/>
+            <a:r>
+              <a:rPr lang="en-US" dirty="0">
+                <a:solidFill>
+                  <a:schemeClr val="tx1">
+                    <a:lumMod val="85000"/>
+                  </a:schemeClr>
+                </a:solidFill>
+                <a:latin typeface="Open Sans" panose="020B0606030504020204" pitchFamily="34" charset="0"/>
+                <a:hlinkClick r:id="rId3"/>
+              </a:rPr>
+              <a:t>Content Link in LMS</a:t>
+            </a:r>
+            <a:endParaRPr lang="en-US" b="0" i="0" dirty="0">
+              <a:solidFill>
+                <a:schemeClr val="tx1">
+                  <a:lumMod val="85000"/>
+                </a:schemeClr>
+              </a:solidFill>
+              <a:effectLst/>
+              <a:latin typeface="Open Sans" panose="020B0606030504020204" pitchFamily="34" charset="0"/>
             </a:endParaRPr>
           </a:p>
         </p:txBody>
       </p:sp>
       <p:sp>
         <p:nvSpPr>
-          <p:cNvPr id="2" name="TextBox 1">
+          <p:cNvPr id="4" name="TextBox 3">
             <a:extLst>
               <a:ext uri="{FF2B5EF4-FFF2-40B4-BE49-F238E27FC236}">
-                <a16:creationId xmlns:a16="http://schemas.microsoft.com/office/drawing/2014/main" id="{2C17FE52-5FCE-93EA-391D-35903F25B335}"/>
+                <a16:creationId xmlns:a16="http://schemas.microsoft.com/office/drawing/2014/main" id="{72611DA7-AE29-00A1-7AE2-4A353A359FBB}"/>
               </a:ext>
             </a:extLst>
           </p:cNvPr>
@@ -6390,8 +8485,8 @@
         </p:nvSpPr>
         <p:spPr>
           <a:xfrm>
-            <a:off x="397750" y="2969284"/>
-            <a:ext cx="6094854" cy="461665"/>
+            <a:off x="5696345" y="5861558"/>
+            <a:ext cx="6094602" cy="646331"/>
           </a:xfrm>
           <a:prstGeom prst="rect">
             <a:avLst/>
@@ -6404,224 +8499,31 @@
           </a:bodyPr>
           <a:lstStyle/>
           <a:p>
-            <a:pPr algn="l"/>
-            <a:r>
-              <a:rPr lang="en-US" sz="2400" b="1">
-                <a:solidFill>
-                  <a:srgbClr val="00B050"/>
-                </a:solidFill>
-                <a:effectLst/>
-                <a:latin typeface="Open Sans" panose="020B0606030504020204" pitchFamily="34" charset="0"/>
-              </a:rPr>
-              <a:t>TODO -&gt; Java </a:t>
-            </a:r>
-            <a:r>
-              <a:rPr lang="en-US" sz="2400" b="1" dirty="0">
-                <a:solidFill>
-                  <a:srgbClr val="00B050"/>
-                </a:solidFill>
-                <a:effectLst/>
-                <a:latin typeface="Open Sans" panose="020B0606030504020204" pitchFamily="34" charset="0"/>
-              </a:rPr>
-              <a:t>Project Set-up</a:t>
-            </a:r>
-          </a:p>
-        </p:txBody>
-      </p:sp>
-      <p:sp>
-        <p:nvSpPr>
-          <p:cNvPr id="3" name="TextBox 2">
-            <a:extLst>
-              <a:ext uri="{FF2B5EF4-FFF2-40B4-BE49-F238E27FC236}">
-                <a16:creationId xmlns:a16="http://schemas.microsoft.com/office/drawing/2014/main" id="{A58D446F-66C1-FA6C-A21C-431C54ABE43D}"/>
-              </a:ext>
-            </a:extLst>
-          </p:cNvPr>
-          <p:cNvSpPr txBox="1"/>
-          <p:nvPr/>
-        </p:nvSpPr>
-        <p:spPr>
-          <a:xfrm>
-            <a:off x="397750" y="3518375"/>
-            <a:ext cx="11173191" cy="2970044"/>
-          </a:xfrm>
-          <a:prstGeom prst="rect">
-            <a:avLst/>
-          </a:prstGeom>
-          <a:noFill/>
-        </p:spPr>
-        <p:txBody>
-          <a:bodyPr wrap="square">
-            <a:spAutoFit/>
-          </a:bodyPr>
-          <a:lstStyle/>
-          <a:p>
-            <a:pPr marL="285750" indent="-285750">
+            <a:pPr marL="342900" indent="-342900">
               <a:buFont typeface="Arial" panose="020B0604020202020204" pitchFamily="34" charset="0"/>
               <a:buChar char="•"/>
             </a:pPr>
             <a:r>
-              <a:rPr lang="en-US" sz="1700" dirty="0">
-                <a:solidFill>
-                  <a:srgbClr val="00B0F0"/>
-                </a:solidFill>
-                <a:latin typeface="Open Sans" panose="020B0606030504020204" pitchFamily="34" charset="0"/>
-              </a:rPr>
-              <a:t>Create a new </a:t>
-            </a:r>
-            <a:r>
-              <a:rPr lang="en-US" sz="1700" b="0" i="0" dirty="0">
-                <a:solidFill>
-                  <a:srgbClr val="00B0F0"/>
-                </a:solidFill>
-                <a:effectLst/>
-                <a:latin typeface="Open Sans" panose="020B0606030504020204" pitchFamily="34" charset="0"/>
-              </a:rPr>
-              <a:t>Java Project (+git)</a:t>
-            </a:r>
-          </a:p>
-          <a:p>
-            <a:pPr marL="285750" indent="-285750">
-              <a:buFont typeface="Arial" panose="020B0604020202020204" pitchFamily="34" charset="0"/>
-              <a:buChar char="•"/>
-            </a:pPr>
-            <a:endParaRPr lang="en-US" sz="1700" dirty="0">
-              <a:solidFill>
-                <a:srgbClr val="00B0F0"/>
-              </a:solidFill>
-              <a:latin typeface="Open Sans" panose="020B0606030504020204" pitchFamily="34" charset="0"/>
-            </a:endParaRPr>
-          </a:p>
-          <a:p>
-            <a:pPr marL="285750" indent="-285750">
-              <a:buFont typeface="Arial" panose="020B0604020202020204" pitchFamily="34" charset="0"/>
-              <a:buChar char="•"/>
-            </a:pPr>
-            <a:r>
-              <a:rPr lang="en-US" sz="1700" b="0" i="0" dirty="0">
-                <a:solidFill>
-                  <a:srgbClr val="00B0F0"/>
-                </a:solidFill>
-                <a:effectLst/>
-                <a:latin typeface="Open Sans" panose="020B0606030504020204" pitchFamily="34" charset="0"/>
-              </a:rPr>
-              <a:t>Create a new Java Package</a:t>
-            </a:r>
-          </a:p>
-          <a:p>
-            <a:pPr marL="285750" indent="-285750">
-              <a:buFont typeface="Arial" panose="020B0604020202020204" pitchFamily="34" charset="0"/>
-              <a:buChar char="•"/>
-            </a:pPr>
-            <a:endParaRPr lang="en-US" sz="1700" dirty="0">
-              <a:solidFill>
-                <a:srgbClr val="00B0F0"/>
-              </a:solidFill>
-              <a:latin typeface="Open Sans" panose="020B0606030504020204" pitchFamily="34" charset="0"/>
-            </a:endParaRPr>
-          </a:p>
-          <a:p>
-            <a:pPr marL="285750" indent="-285750">
-              <a:buFont typeface="Arial" panose="020B0604020202020204" pitchFamily="34" charset="0"/>
-              <a:buChar char="•"/>
-            </a:pPr>
-            <a:r>
-              <a:rPr lang="en-US" sz="1700" b="0" i="0" dirty="0">
-                <a:solidFill>
-                  <a:srgbClr val="00B0F0"/>
-                </a:solidFill>
-                <a:effectLst/>
-                <a:latin typeface="Open Sans" panose="020B0606030504020204" pitchFamily="34" charset="0"/>
-              </a:rPr>
-              <a:t>Create a new Java Class </a:t>
-            </a:r>
-            <a:r>
-              <a:rPr lang="en-US" sz="1700" b="0" i="0" dirty="0">
-                <a:solidFill>
-                  <a:srgbClr val="00B0F0"/>
-                </a:solidFill>
-                <a:effectLst/>
-                <a:latin typeface="Open Sans" panose="020B0606030504020204" pitchFamily="34" charset="0"/>
-                <a:sym typeface="Wingdings" panose="05000000000000000000" pitchFamily="2" charset="2"/>
-              </a:rPr>
-              <a:t> Basic Java first program</a:t>
-            </a:r>
-            <a:endParaRPr lang="en-US" sz="1700" b="0" i="0" dirty="0">
-              <a:solidFill>
-                <a:srgbClr val="00B0F0"/>
-              </a:solidFill>
-              <a:effectLst/>
-              <a:latin typeface="Open Sans" panose="020B0606030504020204" pitchFamily="34" charset="0"/>
-            </a:endParaRPr>
-          </a:p>
-          <a:p>
-            <a:endParaRPr lang="en-US" sz="1700" dirty="0">
-              <a:solidFill>
-                <a:srgbClr val="00B0F0"/>
-              </a:solidFill>
-              <a:latin typeface="Open Sans" panose="020B0606030504020204" pitchFamily="34" charset="0"/>
-            </a:endParaRPr>
-          </a:p>
-          <a:p>
-            <a:endParaRPr lang="en-US" sz="1700" b="0" i="0" dirty="0">
-              <a:solidFill>
-                <a:srgbClr val="00B0F0"/>
-              </a:solidFill>
-              <a:effectLst/>
-              <a:latin typeface="Open Sans" panose="020B0606030504020204" pitchFamily="34" charset="0"/>
-            </a:endParaRPr>
-          </a:p>
-          <a:p>
-            <a:endParaRPr lang="en-US" sz="1700" dirty="0">
-              <a:solidFill>
-                <a:srgbClr val="00B0F0"/>
-              </a:solidFill>
-              <a:latin typeface="Open Sans" panose="020B0606030504020204" pitchFamily="34" charset="0"/>
-            </a:endParaRPr>
-          </a:p>
-          <a:p>
-            <a:endParaRPr lang="en-US" sz="1700" b="0" i="0" dirty="0">
-              <a:solidFill>
-                <a:srgbClr val="00B0F0"/>
-              </a:solidFill>
-              <a:effectLst/>
-              <a:latin typeface="Open Sans" panose="020B0606030504020204" pitchFamily="34" charset="0"/>
-            </a:endParaRPr>
-          </a:p>
-          <a:p>
-            <a:endParaRPr lang="en-US" sz="1700" dirty="0">
-              <a:solidFill>
-                <a:srgbClr val="00B0F0"/>
-              </a:solidFill>
-              <a:latin typeface="Open Sans" panose="020B0606030504020204" pitchFamily="34" charset="0"/>
-            </a:endParaRPr>
-          </a:p>
-          <a:p>
-            <a:r>
-              <a:rPr lang="en-US" sz="1700" b="0" i="0" dirty="0">
-                <a:solidFill>
-                  <a:srgbClr val="00B0F0"/>
-                </a:solidFill>
-                <a:effectLst/>
-                <a:latin typeface="Open Sans" panose="020B0606030504020204" pitchFamily="34" charset="0"/>
+              <a:rPr lang="en-US" sz="1800" dirty="0"/>
+              <a:t>Free Book on Git</a:t>
+            </a:r>
+            <a:br>
+              <a:rPr lang="en-US" sz="1800" dirty="0"/>
+            </a:br>
+            <a:r>
+              <a:rPr lang="en-US" sz="1800" dirty="0">
                 <a:hlinkClick r:id="rId4"/>
               </a:rPr>
-              <a:t>Content Link in LMS</a:t>
-            </a:r>
-            <a:endParaRPr lang="en-US" sz="1700" b="0" i="0" dirty="0">
-              <a:solidFill>
-                <a:srgbClr val="00B0F0"/>
-              </a:solidFill>
-              <a:effectLst/>
-              <a:latin typeface="Open Sans" panose="020B0606030504020204" pitchFamily="34" charset="0"/>
-            </a:endParaRPr>
+              <a:t>https://git-scm.com/book/en/v2</a:t>
+            </a:r>
+            <a:endParaRPr lang="en-US" sz="1800" dirty="0"/>
           </a:p>
         </p:txBody>
       </p:sp>
     </p:spTree>
     <p:extLst>
       <p:ext uri="{BB962C8B-B14F-4D97-AF65-F5344CB8AC3E}">
-        <p14:creationId xmlns:p14="http://schemas.microsoft.com/office/powerpoint/2010/main" val="192346319"/>
+        <p14:creationId xmlns:p14="http://schemas.microsoft.com/office/powerpoint/2010/main" val="323829688"/>
       </p:ext>
     </p:extLst>
   </p:cSld>
@@ -6631,7 +8533,7 @@
 </p:sld>
 </file>
 
-<file path=ppt/slides/slide14.xml><?xml version="1.0" encoding="utf-8"?>
+<file path=ppt/slides/slide19.xml><?xml version="1.0" encoding="utf-8"?>
 <p:sld xmlns:a="http://schemas.openxmlformats.org/drawingml/2006/main" xmlns:r="http://schemas.openxmlformats.org/officeDocument/2006/relationships" xmlns:p="http://schemas.openxmlformats.org/presentationml/2006/main">
   <p:cSld>
     <p:spTree>
@@ -6850,2485 +8752,6 @@
     <p:extLst>
       <p:ext uri="{BB962C8B-B14F-4D97-AF65-F5344CB8AC3E}">
         <p14:creationId xmlns:p14="http://schemas.microsoft.com/office/powerpoint/2010/main" val="3265754167"/>
-      </p:ext>
-    </p:extLst>
-  </p:cSld>
-  <p:clrMapOvr>
-    <a:masterClrMapping/>
-  </p:clrMapOvr>
-</p:sld>
-</file>
-
-<file path=ppt/slides/slide15.xml><?xml version="1.0" encoding="utf-8"?>
-<p:sld xmlns:a="http://schemas.openxmlformats.org/drawingml/2006/main" xmlns:r="http://schemas.openxmlformats.org/officeDocument/2006/relationships" xmlns:p="http://schemas.openxmlformats.org/presentationml/2006/main">
-  <p:cSld>
-    <p:spTree>
-      <p:nvGrpSpPr>
-        <p:cNvPr id="1" name=""/>
-        <p:cNvGrpSpPr/>
-        <p:nvPr/>
-      </p:nvGrpSpPr>
-      <p:grpSpPr>
-        <a:xfrm>
-          <a:off x="0" y="0"/>
-          <a:ext cx="0" cy="0"/>
-          <a:chOff x="0" y="0"/>
-          <a:chExt cx="0" cy="0"/>
-        </a:xfrm>
-      </p:grpSpPr>
-      <p:sp>
-        <p:nvSpPr>
-          <p:cNvPr id="3" name="TextBox 2">
-            <a:extLst>
-              <a:ext uri="{FF2B5EF4-FFF2-40B4-BE49-F238E27FC236}">
-                <a16:creationId xmlns:a16="http://schemas.microsoft.com/office/drawing/2014/main" id="{23DFC7E9-54DD-38D7-0B9B-D34948D68CF9}"/>
-              </a:ext>
-            </a:extLst>
-          </p:cNvPr>
-          <p:cNvSpPr txBox="1"/>
-          <p:nvPr/>
-        </p:nvSpPr>
-        <p:spPr>
-          <a:xfrm>
-            <a:off x="526507" y="2459504"/>
-            <a:ext cx="9326104" cy="2862322"/>
-          </a:xfrm>
-          <a:prstGeom prst="rect">
-            <a:avLst/>
-          </a:prstGeom>
-          <a:noFill/>
-        </p:spPr>
-        <p:txBody>
-          <a:bodyPr wrap="square">
-            <a:spAutoFit/>
-          </a:bodyPr>
-          <a:lstStyle/>
-          <a:p>
-            <a:pPr marL="0" marR="0" lvl="0" indent="0" algn="l" defTabSz="914400" rtl="0" eaLnBrk="1" fontAlgn="auto" latinLnBrk="0" hangingPunct="1">
-              <a:lnSpc>
-                <a:spcPct val="100000"/>
-              </a:lnSpc>
-              <a:spcBef>
-                <a:spcPts val="0"/>
-              </a:spcBef>
-              <a:spcAft>
-                <a:spcPts val="0"/>
-              </a:spcAft>
-              <a:buClrTx/>
-              <a:buSzTx/>
-              <a:buFontTx/>
-              <a:buNone/>
-              <a:tabLst/>
-              <a:defRPr/>
-            </a:pPr>
-            <a:r>
-              <a:rPr lang="en-US" sz="6000" dirty="0">
-                <a:solidFill>
-                  <a:prstClr val="white">
-                    <a:lumMod val="75000"/>
-                  </a:prstClr>
-                </a:solidFill>
-                <a:latin typeface="Open Sans" panose="020B0606030504020204" pitchFamily="34" charset="0"/>
-              </a:rPr>
-              <a:t>Java Basic Programs,</a:t>
-            </a:r>
-          </a:p>
-          <a:p>
-            <a:pPr marL="0" marR="0" lvl="0" indent="0" algn="l" defTabSz="914400" rtl="0" eaLnBrk="1" fontAlgn="auto" latinLnBrk="0" hangingPunct="1">
-              <a:lnSpc>
-                <a:spcPct val="100000"/>
-              </a:lnSpc>
-              <a:spcBef>
-                <a:spcPts val="0"/>
-              </a:spcBef>
-              <a:spcAft>
-                <a:spcPts val="0"/>
-              </a:spcAft>
-              <a:buClrTx/>
-              <a:buSzTx/>
-              <a:buFontTx/>
-              <a:buNone/>
-              <a:tabLst/>
-              <a:defRPr/>
-            </a:pPr>
-            <a:r>
-              <a:rPr lang="en-US" sz="6000" dirty="0">
-                <a:solidFill>
-                  <a:prstClr val="white">
-                    <a:lumMod val="75000"/>
-                  </a:prstClr>
-                </a:solidFill>
-                <a:latin typeface="Open Sans" panose="020B0606030504020204" pitchFamily="34" charset="0"/>
-              </a:rPr>
-              <a:t>Variables, Data Types, &amp; Operations</a:t>
-            </a:r>
-            <a:endParaRPr kumimoji="0" lang="en-US" sz="6000" b="0" i="0" u="none" strike="noStrike" kern="1200" cap="none" spc="0" normalizeH="0" baseline="0" noProof="0" dirty="0">
-              <a:ln>
-                <a:noFill/>
-              </a:ln>
-              <a:solidFill>
-                <a:prstClr val="white">
-                  <a:lumMod val="75000"/>
-                </a:prstClr>
-              </a:solidFill>
-              <a:effectLst/>
-              <a:uLnTx/>
-              <a:uFillTx/>
-              <a:latin typeface="Open Sans" panose="020B0606030504020204" pitchFamily="34" charset="0"/>
-              <a:ea typeface="+mn-ea"/>
-              <a:cs typeface="+mn-cs"/>
-            </a:endParaRPr>
-          </a:p>
-        </p:txBody>
-      </p:sp>
-    </p:spTree>
-    <p:extLst>
-      <p:ext uri="{BB962C8B-B14F-4D97-AF65-F5344CB8AC3E}">
-        <p14:creationId xmlns:p14="http://schemas.microsoft.com/office/powerpoint/2010/main" val="4170465764"/>
-      </p:ext>
-    </p:extLst>
-  </p:cSld>
-  <p:clrMapOvr>
-    <a:masterClrMapping/>
-  </p:clrMapOvr>
-</p:sld>
-</file>
-
-<file path=ppt/slides/slide16.xml><?xml version="1.0" encoding="utf-8"?>
-<p:sld xmlns:a="http://schemas.openxmlformats.org/drawingml/2006/main" xmlns:r="http://schemas.openxmlformats.org/officeDocument/2006/relationships" xmlns:p="http://schemas.openxmlformats.org/presentationml/2006/main">
-  <p:cSld>
-    <p:spTree>
-      <p:nvGrpSpPr>
-        <p:cNvPr id="1" name=""/>
-        <p:cNvGrpSpPr/>
-        <p:nvPr/>
-      </p:nvGrpSpPr>
-      <p:grpSpPr>
-        <a:xfrm>
-          <a:off x="0" y="0"/>
-          <a:ext cx="0" cy="0"/>
-          <a:chOff x="0" y="0"/>
-          <a:chExt cx="0" cy="0"/>
-        </a:xfrm>
-      </p:grpSpPr>
-      <p:sp>
-        <p:nvSpPr>
-          <p:cNvPr id="6" name="TextBox 5">
-            <a:extLst>
-              <a:ext uri="{FF2B5EF4-FFF2-40B4-BE49-F238E27FC236}">
-                <a16:creationId xmlns:a16="http://schemas.microsoft.com/office/drawing/2014/main" id="{59E906CD-110B-9D01-732C-2F21759B0265}"/>
-              </a:ext>
-            </a:extLst>
-          </p:cNvPr>
-          <p:cNvSpPr txBox="1"/>
-          <p:nvPr/>
-        </p:nvSpPr>
-        <p:spPr>
-          <a:xfrm>
-            <a:off x="341603" y="50541"/>
-            <a:ext cx="11449344" cy="461665"/>
-          </a:xfrm>
-          <a:prstGeom prst="rect">
-            <a:avLst/>
-          </a:prstGeom>
-          <a:noFill/>
-        </p:spPr>
-        <p:txBody>
-          <a:bodyPr wrap="square">
-            <a:spAutoFit/>
-          </a:bodyPr>
-          <a:lstStyle/>
-          <a:p>
-            <a:pPr algn="l"/>
-            <a:r>
-              <a:rPr lang="en-US" sz="2400" b="1" dirty="0">
-                <a:solidFill>
-                  <a:srgbClr val="00B050"/>
-                </a:solidFill>
-                <a:effectLst/>
-                <a:latin typeface="Open Sans" panose="020B0606030504020204" pitchFamily="34" charset="0"/>
-              </a:rPr>
-              <a:t>Variables / Data Types</a:t>
-            </a:r>
-          </a:p>
-        </p:txBody>
-      </p:sp>
-      <p:sp>
-        <p:nvSpPr>
-          <p:cNvPr id="5" name="TextBox 4">
-            <a:extLst>
-              <a:ext uri="{FF2B5EF4-FFF2-40B4-BE49-F238E27FC236}">
-                <a16:creationId xmlns:a16="http://schemas.microsoft.com/office/drawing/2014/main" id="{9DB63145-E59C-9501-8AA5-4E6AC5C0D40F}"/>
-              </a:ext>
-            </a:extLst>
-          </p:cNvPr>
-          <p:cNvSpPr txBox="1"/>
-          <p:nvPr/>
-        </p:nvSpPr>
-        <p:spPr>
-          <a:xfrm>
-            <a:off x="245215" y="463903"/>
-            <a:ext cx="11701570" cy="6463308"/>
-          </a:xfrm>
-          <a:prstGeom prst="rect">
-            <a:avLst/>
-          </a:prstGeom>
-          <a:noFill/>
-        </p:spPr>
-        <p:txBody>
-          <a:bodyPr wrap="square">
-            <a:spAutoFit/>
-          </a:bodyPr>
-          <a:lstStyle/>
-          <a:p>
-            <a:pPr marL="342900" indent="-342900">
-              <a:buFont typeface="Arial" panose="020B0604020202020204" pitchFamily="34" charset="0"/>
-              <a:buChar char="•"/>
-            </a:pPr>
-            <a:r>
-              <a:rPr lang="en-US" b="0" i="0" dirty="0">
-                <a:solidFill>
-                  <a:schemeClr val="tx1">
-                    <a:lumMod val="85000"/>
-                  </a:schemeClr>
-                </a:solidFill>
-                <a:effectLst/>
-                <a:latin typeface="Open Sans" panose="020B0606030504020204" pitchFamily="34" charset="0"/>
-              </a:rPr>
-              <a:t>Since programming is defined as moving, manipulating, and displaying data, </a:t>
-            </a:r>
-            <a:r>
-              <a:rPr lang="en-US" b="0" i="0" dirty="0">
-                <a:solidFill>
-                  <a:srgbClr val="00B0F0"/>
-                </a:solidFill>
-                <a:effectLst/>
-                <a:latin typeface="Open Sans" panose="020B0606030504020204" pitchFamily="34" charset="0"/>
-              </a:rPr>
-              <a:t>we need a way to know what data we are working with</a:t>
-            </a:r>
-            <a:r>
-              <a:rPr lang="en-US" b="0" i="0" dirty="0">
-                <a:solidFill>
-                  <a:schemeClr val="tx1">
-                    <a:lumMod val="85000"/>
-                  </a:schemeClr>
-                </a:solidFill>
-                <a:effectLst/>
-                <a:latin typeface="Open Sans" panose="020B0606030504020204" pitchFamily="34" charset="0"/>
-              </a:rPr>
-              <a:t>. </a:t>
-            </a:r>
-            <a:r>
-              <a:rPr lang="en-US" b="0" i="0" dirty="0">
-                <a:solidFill>
-                  <a:srgbClr val="00B0F0"/>
-                </a:solidFill>
-                <a:effectLst/>
-                <a:latin typeface="Open Sans" panose="020B0606030504020204" pitchFamily="34" charset="0"/>
-              </a:rPr>
-              <a:t>We need a way to </a:t>
-            </a:r>
-            <a:r>
-              <a:rPr lang="en-US" b="1" i="0" u="sng" dirty="0">
-                <a:solidFill>
-                  <a:srgbClr val="00B0F0"/>
-                </a:solidFill>
-                <a:effectLst/>
-                <a:latin typeface="Open Sans" panose="020B0606030504020204" pitchFamily="34" charset="0"/>
-              </a:rPr>
-              <a:t>assign names to data</a:t>
-            </a:r>
-            <a:r>
-              <a:rPr lang="en-US" b="0" i="0" dirty="0">
-                <a:solidFill>
-                  <a:schemeClr val="tx1">
-                    <a:lumMod val="85000"/>
-                  </a:schemeClr>
-                </a:solidFill>
-                <a:effectLst/>
-                <a:latin typeface="Open Sans" panose="020B0606030504020204" pitchFamily="34" charset="0"/>
-              </a:rPr>
-              <a:t>. To do this, we use something called </a:t>
-            </a:r>
-            <a:r>
-              <a:rPr lang="en-US" b="1" i="0" dirty="0">
-                <a:solidFill>
-                  <a:srgbClr val="00B0F0"/>
-                </a:solidFill>
-                <a:effectLst/>
-                <a:latin typeface="Open Sans" panose="020B0606030504020204" pitchFamily="34" charset="0"/>
-              </a:rPr>
-              <a:t>variables</a:t>
-            </a:r>
-            <a:r>
-              <a:rPr lang="en-US" b="0" i="0" dirty="0">
-                <a:solidFill>
-                  <a:srgbClr val="00B0F0"/>
-                </a:solidFill>
-                <a:effectLst/>
-                <a:latin typeface="Open Sans" panose="020B0606030504020204" pitchFamily="34" charset="0"/>
-              </a:rPr>
-              <a:t>.</a:t>
-            </a:r>
-          </a:p>
-          <a:p>
-            <a:pPr marL="342900" indent="-342900" algn="l" rtl="0">
-              <a:buFont typeface="Arial" panose="020B0604020202020204" pitchFamily="34" charset="0"/>
-              <a:buChar char="•"/>
-            </a:pPr>
-            <a:r>
-              <a:rPr lang="en-US" b="1" i="0" dirty="0">
-                <a:solidFill>
-                  <a:schemeClr val="tx1">
-                    <a:lumMod val="85000"/>
-                  </a:schemeClr>
-                </a:solidFill>
-                <a:effectLst/>
-                <a:latin typeface="Open Sans" panose="020B0606030504020204" pitchFamily="34" charset="0"/>
-              </a:rPr>
-              <a:t>Variables</a:t>
-            </a:r>
-            <a:r>
-              <a:rPr lang="en-US" b="0" i="0" dirty="0">
-                <a:solidFill>
-                  <a:schemeClr val="tx1">
-                    <a:lumMod val="85000"/>
-                  </a:schemeClr>
-                </a:solidFill>
-                <a:effectLst/>
-                <a:latin typeface="Open Sans" panose="020B0606030504020204" pitchFamily="34" charset="0"/>
-              </a:rPr>
-              <a:t> can refer to different types of data. </a:t>
-            </a:r>
-            <a:r>
-              <a:rPr lang="en-US" b="1" i="0" dirty="0">
-                <a:solidFill>
-                  <a:schemeClr val="tx1">
-                    <a:lumMod val="85000"/>
-                  </a:schemeClr>
-                </a:solidFill>
-                <a:effectLst/>
-                <a:latin typeface="Open Sans" panose="020B0606030504020204" pitchFamily="34" charset="0"/>
-              </a:rPr>
-              <a:t>Variables</a:t>
-            </a:r>
-            <a:r>
-              <a:rPr lang="en-US" b="0" i="0" dirty="0">
-                <a:solidFill>
-                  <a:schemeClr val="tx1">
-                    <a:lumMod val="85000"/>
-                  </a:schemeClr>
-                </a:solidFill>
-                <a:effectLst/>
-                <a:latin typeface="Open Sans" panose="020B0606030504020204" pitchFamily="34" charset="0"/>
-              </a:rPr>
-              <a:t> are placeholders to hold our data.  For example, alphanumeric/textual data or numeric data deals more with values and math.  </a:t>
-            </a:r>
-          </a:p>
-          <a:p>
-            <a:pPr marL="342900" indent="-342900" algn="l" rtl="0">
-              <a:buFont typeface="Arial" panose="020B0604020202020204" pitchFamily="34" charset="0"/>
-              <a:buChar char="•"/>
-            </a:pPr>
-            <a:r>
-              <a:rPr lang="en-US" b="1" i="0" dirty="0">
-                <a:solidFill>
-                  <a:schemeClr val="tx1">
-                    <a:lumMod val="85000"/>
-                  </a:schemeClr>
-                </a:solidFill>
-                <a:effectLst/>
-                <a:latin typeface="Open Sans" panose="020B0606030504020204" pitchFamily="34" charset="0"/>
-              </a:rPr>
-              <a:t>Java</a:t>
-            </a:r>
-            <a:r>
-              <a:rPr lang="en-US" b="0" i="0" dirty="0">
-                <a:solidFill>
-                  <a:schemeClr val="tx1">
-                    <a:lumMod val="85000"/>
-                  </a:schemeClr>
-                </a:solidFill>
-                <a:effectLst/>
-                <a:latin typeface="Open Sans" panose="020B0606030504020204" pitchFamily="34" charset="0"/>
-              </a:rPr>
-              <a:t> is a statically typed programming language, which means that any variable must first be declared before it can be used.  </a:t>
-            </a:r>
-          </a:p>
-          <a:p>
-            <a:pPr marL="342900" indent="-342900" algn="l" rtl="0">
-              <a:buFont typeface="Arial" panose="020B0604020202020204" pitchFamily="34" charset="0"/>
-              <a:buChar char="•"/>
-            </a:pPr>
-            <a:r>
-              <a:rPr lang="en-US" b="0" i="0" dirty="0">
-                <a:solidFill>
-                  <a:schemeClr val="tx1">
-                    <a:lumMod val="85000"/>
-                  </a:schemeClr>
-                </a:solidFill>
-                <a:effectLst/>
-                <a:latin typeface="Open Sans" panose="020B0606030504020204" pitchFamily="34" charset="0"/>
-              </a:rPr>
-              <a:t>To </a:t>
-            </a:r>
-            <a:r>
-              <a:rPr lang="en-US" b="1" i="0" dirty="0">
-                <a:solidFill>
-                  <a:schemeClr val="tx1">
-                    <a:lumMod val="85000"/>
-                  </a:schemeClr>
-                </a:solidFill>
-                <a:effectLst/>
-                <a:latin typeface="Open Sans" panose="020B0606030504020204" pitchFamily="34" charset="0"/>
-              </a:rPr>
-              <a:t>declare a variable</a:t>
-            </a:r>
-            <a:r>
-              <a:rPr lang="en-US" b="0" i="0" dirty="0">
-                <a:solidFill>
-                  <a:schemeClr val="tx1">
-                    <a:lumMod val="85000"/>
-                  </a:schemeClr>
-                </a:solidFill>
-                <a:effectLst/>
-                <a:latin typeface="Open Sans" panose="020B0606030504020204" pitchFamily="34" charset="0"/>
-              </a:rPr>
-              <a:t>, you must determine the variable's </a:t>
-            </a:r>
-            <a:r>
-              <a:rPr lang="en-US" b="1" i="0" dirty="0">
-                <a:solidFill>
-                  <a:schemeClr val="tx1">
-                    <a:lumMod val="85000"/>
-                  </a:schemeClr>
-                </a:solidFill>
-                <a:effectLst/>
-                <a:latin typeface="Open Sans" panose="020B0606030504020204" pitchFamily="34" charset="0"/>
-              </a:rPr>
-              <a:t>data type</a:t>
-            </a:r>
-            <a:r>
-              <a:rPr lang="en-US" b="0" i="0" dirty="0">
-                <a:solidFill>
-                  <a:schemeClr val="tx1">
-                    <a:lumMod val="85000"/>
-                  </a:schemeClr>
-                </a:solidFill>
-                <a:effectLst/>
-                <a:latin typeface="Open Sans" panose="020B0606030504020204" pitchFamily="34" charset="0"/>
-              </a:rPr>
-              <a:t> and </a:t>
-            </a:r>
-            <a:r>
-              <a:rPr lang="en-US" b="1" i="0" dirty="0">
-                <a:solidFill>
-                  <a:schemeClr val="tx1">
-                    <a:lumMod val="85000"/>
-                  </a:schemeClr>
-                </a:solidFill>
-                <a:effectLst/>
-                <a:latin typeface="Open Sans" panose="020B0606030504020204" pitchFamily="34" charset="0"/>
-              </a:rPr>
-              <a:t>name</a:t>
-            </a:r>
-            <a:r>
-              <a:rPr lang="en-US" b="0" i="0" dirty="0">
-                <a:solidFill>
-                  <a:schemeClr val="tx1">
-                    <a:lumMod val="85000"/>
-                  </a:schemeClr>
-                </a:solidFill>
-                <a:effectLst/>
-                <a:latin typeface="Open Sans" panose="020B0606030504020204" pitchFamily="34" charset="0"/>
-              </a:rPr>
-              <a:t>.  </a:t>
-            </a:r>
-          </a:p>
-          <a:p>
-            <a:pPr algn="l" rtl="0"/>
-            <a:endParaRPr lang="en-US" b="1" i="0" u="sng" dirty="0">
-              <a:solidFill>
-                <a:schemeClr val="tx1">
-                  <a:lumMod val="85000"/>
-                </a:schemeClr>
-              </a:solidFill>
-              <a:effectLst/>
-              <a:latin typeface="Open Sans" panose="020B0606030504020204" pitchFamily="34" charset="0"/>
-            </a:endParaRPr>
-          </a:p>
-          <a:p>
-            <a:pPr algn="l" rtl="0"/>
-            <a:r>
-              <a:rPr lang="en-US" i="0" dirty="0">
-                <a:solidFill>
-                  <a:srgbClr val="00B0F0"/>
-                </a:solidFill>
-                <a:effectLst/>
-                <a:latin typeface="Open Sans" panose="020B0606030504020204" pitchFamily="34" charset="0"/>
-              </a:rPr>
-              <a:t>There are 8 primitive data types in Java:</a:t>
-            </a:r>
-            <a:endParaRPr lang="en-US" i="0" dirty="0">
-              <a:solidFill>
-                <a:schemeClr val="tx1">
-                  <a:lumMod val="85000"/>
-                </a:schemeClr>
-              </a:solidFill>
-              <a:effectLst/>
-              <a:latin typeface="Open Sans" panose="020B0606030504020204" pitchFamily="34" charset="0"/>
-            </a:endParaRPr>
-          </a:p>
-          <a:p>
-            <a:pPr algn="l"/>
-            <a:r>
-              <a:rPr lang="en-US" sz="1800" dirty="0">
-                <a:solidFill>
-                  <a:schemeClr val="tx1">
-                    <a:lumMod val="85000"/>
-                  </a:schemeClr>
-                </a:solidFill>
-                <a:latin typeface="Consolas" panose="020B0609020204030204" pitchFamily="49" charset="0"/>
-              </a:rPr>
-              <a:t>  byte    -  8-bit integer, Range = -127 </a:t>
-            </a:r>
-            <a:r>
-              <a:rPr lang="en-US" sz="1800">
-                <a:solidFill>
-                  <a:schemeClr val="tx1">
-                    <a:lumMod val="85000"/>
-                  </a:schemeClr>
-                </a:solidFill>
-                <a:latin typeface="Consolas" panose="020B0609020204030204" pitchFamily="49" charset="0"/>
-              </a:rPr>
-              <a:t>to 128    (1 = 01, 2 = 10, 3 = 11)</a:t>
-            </a:r>
-            <a:endParaRPr lang="en-US" sz="1800" dirty="0">
-              <a:solidFill>
-                <a:schemeClr val="tx1">
-                  <a:lumMod val="85000"/>
-                </a:schemeClr>
-              </a:solidFill>
-              <a:latin typeface="Consolas" panose="020B0609020204030204" pitchFamily="49" charset="0"/>
-            </a:endParaRPr>
-          </a:p>
-          <a:p>
-            <a:pPr algn="l"/>
-            <a:r>
-              <a:rPr lang="en-US" sz="1800" dirty="0">
-                <a:solidFill>
-                  <a:schemeClr val="tx1">
-                    <a:lumMod val="85000"/>
-                  </a:schemeClr>
-                </a:solidFill>
-                <a:latin typeface="Consolas" panose="020B0609020204030204" pitchFamily="49" charset="0"/>
-              </a:rPr>
-              <a:t>  short   - 16-bit integer, Range = -32,768 to 32,767</a:t>
-            </a:r>
-          </a:p>
-          <a:p>
-            <a:pPr algn="l"/>
-            <a:r>
-              <a:rPr lang="en-US" sz="1800" dirty="0">
-                <a:solidFill>
-                  <a:schemeClr val="tx1">
-                    <a:lumMod val="85000"/>
-                  </a:schemeClr>
-                </a:solidFill>
-                <a:latin typeface="Consolas" panose="020B0609020204030204" pitchFamily="49" charset="0"/>
-              </a:rPr>
-              <a:t>  int     - 32-bit integer, Range = -2</a:t>
-            </a:r>
-            <a:r>
-              <a:rPr lang="en-US" sz="1800" baseline="30000" dirty="0">
-                <a:solidFill>
-                  <a:schemeClr val="tx1">
-                    <a:lumMod val="85000"/>
-                  </a:schemeClr>
-                </a:solidFill>
-                <a:latin typeface="Consolas" panose="020B0609020204030204" pitchFamily="49" charset="0"/>
-              </a:rPr>
-              <a:t>31</a:t>
-            </a:r>
-            <a:r>
-              <a:rPr lang="en-US" sz="1800" dirty="0">
-                <a:solidFill>
-                  <a:schemeClr val="tx1">
-                    <a:lumMod val="85000"/>
-                  </a:schemeClr>
-                </a:solidFill>
-                <a:latin typeface="Consolas" panose="020B0609020204030204" pitchFamily="49" charset="0"/>
-              </a:rPr>
-              <a:t> to 2</a:t>
-            </a:r>
-            <a:r>
-              <a:rPr lang="en-US" sz="1800" baseline="30000" dirty="0">
-                <a:solidFill>
-                  <a:schemeClr val="tx1">
-                    <a:lumMod val="85000"/>
-                  </a:schemeClr>
-                </a:solidFill>
-                <a:latin typeface="Consolas" panose="020B0609020204030204" pitchFamily="49" charset="0"/>
-              </a:rPr>
-              <a:t>31</a:t>
-            </a:r>
-            <a:r>
-              <a:rPr lang="en-US" sz="1800" dirty="0">
-                <a:solidFill>
-                  <a:schemeClr val="tx1">
-                    <a:lumMod val="85000"/>
-                  </a:schemeClr>
-                </a:solidFill>
-                <a:latin typeface="Consolas" panose="020B0609020204030204" pitchFamily="49" charset="0"/>
-              </a:rPr>
-              <a:t>-1</a:t>
-            </a:r>
-          </a:p>
-          <a:p>
-            <a:pPr algn="l"/>
-            <a:r>
-              <a:rPr lang="en-US" sz="1800" dirty="0">
-                <a:solidFill>
-                  <a:schemeClr val="tx1">
-                    <a:lumMod val="85000"/>
-                  </a:schemeClr>
-                </a:solidFill>
-                <a:latin typeface="Consolas" panose="020B0609020204030204" pitchFamily="49" charset="0"/>
-              </a:rPr>
-              <a:t>  long    - 64-bit integer, Range = -2</a:t>
-            </a:r>
-            <a:r>
-              <a:rPr lang="en-US" sz="1800" baseline="30000" dirty="0">
-                <a:solidFill>
-                  <a:schemeClr val="tx1">
-                    <a:lumMod val="85000"/>
-                  </a:schemeClr>
-                </a:solidFill>
-                <a:latin typeface="Consolas" panose="020B0609020204030204" pitchFamily="49" charset="0"/>
-              </a:rPr>
-              <a:t>63</a:t>
-            </a:r>
-            <a:r>
-              <a:rPr lang="en-US" sz="1800" dirty="0">
-                <a:solidFill>
-                  <a:schemeClr val="tx1">
-                    <a:lumMod val="85000"/>
-                  </a:schemeClr>
-                </a:solidFill>
-                <a:latin typeface="Consolas" panose="020B0609020204030204" pitchFamily="49" charset="0"/>
-              </a:rPr>
-              <a:t> to 2</a:t>
-            </a:r>
-            <a:r>
-              <a:rPr lang="en-US" sz="1800" baseline="30000" dirty="0">
-                <a:solidFill>
-                  <a:schemeClr val="tx1">
-                    <a:lumMod val="85000"/>
-                  </a:schemeClr>
-                </a:solidFill>
-                <a:latin typeface="Consolas" panose="020B0609020204030204" pitchFamily="49" charset="0"/>
-              </a:rPr>
-              <a:t>63</a:t>
-            </a:r>
-            <a:r>
-              <a:rPr lang="en-US" sz="1800" dirty="0">
-                <a:solidFill>
-                  <a:schemeClr val="tx1">
-                    <a:lumMod val="85000"/>
-                  </a:schemeClr>
-                </a:solidFill>
-                <a:latin typeface="Consolas" panose="020B0609020204030204" pitchFamily="49" charset="0"/>
-              </a:rPr>
-              <a:t>-1</a:t>
-            </a:r>
-          </a:p>
-          <a:p>
-            <a:pPr algn="l"/>
-            <a:r>
-              <a:rPr lang="en-US" sz="1800" dirty="0">
-                <a:solidFill>
-                  <a:schemeClr val="tx1">
-                    <a:lumMod val="85000"/>
-                  </a:schemeClr>
-                </a:solidFill>
-                <a:latin typeface="Consolas" panose="020B0609020204030204" pitchFamily="49" charset="0"/>
-              </a:rPr>
-              <a:t>  float   - 32-bit floating point with a decimal</a:t>
-            </a:r>
-          </a:p>
-          <a:p>
-            <a:pPr algn="l"/>
-            <a:r>
-              <a:rPr lang="en-US" sz="1800" dirty="0">
-                <a:solidFill>
-                  <a:schemeClr val="tx1">
-                    <a:lumMod val="85000"/>
-                  </a:schemeClr>
-                </a:solidFill>
-                <a:latin typeface="Consolas" panose="020B0609020204030204" pitchFamily="49" charset="0"/>
-              </a:rPr>
-              <a:t>  double  - 64-bit floating point with a decimal</a:t>
-            </a:r>
-          </a:p>
-          <a:p>
-            <a:pPr algn="l"/>
-            <a:r>
-              <a:rPr lang="en-US" sz="1800" dirty="0">
-                <a:solidFill>
-                  <a:schemeClr val="tx1">
-                    <a:lumMod val="85000"/>
-                  </a:schemeClr>
-                </a:solidFill>
-                <a:latin typeface="Consolas" panose="020B0609020204030204" pitchFamily="49" charset="0"/>
-              </a:rPr>
-              <a:t>  </a:t>
-            </a:r>
-            <a:r>
-              <a:rPr lang="en-US" sz="1800" dirty="0" err="1">
-                <a:solidFill>
-                  <a:schemeClr val="tx1">
-                    <a:lumMod val="85000"/>
-                  </a:schemeClr>
-                </a:solidFill>
-                <a:latin typeface="Consolas" panose="020B0609020204030204" pitchFamily="49" charset="0"/>
-              </a:rPr>
-              <a:t>boolean</a:t>
-            </a:r>
-            <a:r>
-              <a:rPr lang="en-US" sz="1800" dirty="0">
-                <a:solidFill>
-                  <a:schemeClr val="tx1">
-                    <a:lumMod val="85000"/>
-                  </a:schemeClr>
-                </a:solidFill>
-                <a:latin typeface="Consolas" panose="020B0609020204030204" pitchFamily="49" charset="0"/>
-              </a:rPr>
-              <a:t> - true/false </a:t>
-            </a:r>
-          </a:p>
-          <a:p>
-            <a:pPr algn="l"/>
-            <a:r>
-              <a:rPr lang="en-US" sz="1800" dirty="0">
-                <a:solidFill>
-                  <a:schemeClr val="tx1">
-                    <a:lumMod val="85000"/>
-                  </a:schemeClr>
-                </a:solidFill>
-                <a:latin typeface="Consolas" panose="020B0609020204030204" pitchFamily="49" charset="0"/>
-              </a:rPr>
-              <a:t>  char    - Single 16-bit character (e.g., ‘a’, ‘B’, ‘c’, ‘G’)</a:t>
-            </a:r>
-          </a:p>
-          <a:p>
-            <a:pPr algn="l"/>
-            <a:r>
-              <a:rPr lang="en-US" sz="1800" dirty="0">
-                <a:solidFill>
-                  <a:schemeClr val="tx1">
-                    <a:lumMod val="85000"/>
-                  </a:schemeClr>
-                </a:solidFill>
-                <a:latin typeface="Consolas" panose="020B0609020204030204" pitchFamily="49" charset="0"/>
-              </a:rPr>
-              <a:t>  </a:t>
-            </a:r>
-          </a:p>
-          <a:p>
-            <a:pPr marL="285750" indent="-285750" algn="l">
-              <a:buFont typeface="Arial" panose="020B0604020202020204" pitchFamily="34" charset="0"/>
-              <a:buChar char="•"/>
-            </a:pPr>
-            <a:r>
-              <a:rPr lang="en-US" i="0" dirty="0">
-                <a:solidFill>
-                  <a:schemeClr val="tx1">
-                    <a:lumMod val="85000"/>
-                  </a:schemeClr>
-                </a:solidFill>
-                <a:effectLst/>
-                <a:latin typeface="Open Sans" panose="020B0606030504020204" pitchFamily="34" charset="0"/>
-              </a:rPr>
-              <a:t>Additionally, there are </a:t>
-            </a:r>
-            <a:r>
-              <a:rPr lang="en-US" i="0" dirty="0">
-                <a:solidFill>
-                  <a:srgbClr val="00B0F0"/>
-                </a:solidFill>
-                <a:effectLst/>
-                <a:latin typeface="Open Sans" panose="020B0606030504020204" pitchFamily="34" charset="0"/>
-              </a:rPr>
-              <a:t>predefined Object data types</a:t>
-            </a:r>
-            <a:r>
-              <a:rPr lang="en-US" i="0" dirty="0">
-                <a:solidFill>
-                  <a:schemeClr val="tx1">
-                    <a:lumMod val="85000"/>
-                  </a:schemeClr>
-                </a:solidFill>
-                <a:effectLst/>
-                <a:latin typeface="Open Sans" panose="020B0606030504020204" pitchFamily="34" charset="0"/>
-              </a:rPr>
-              <a:t>.  Here is an example of one of those:</a:t>
-            </a:r>
-            <a:br>
-              <a:rPr lang="en-US" dirty="0">
-                <a:solidFill>
-                  <a:schemeClr val="tx1">
-                    <a:lumMod val="85000"/>
-                  </a:schemeClr>
-                </a:solidFill>
-              </a:rPr>
-            </a:br>
-            <a:r>
-              <a:rPr lang="en-US" i="0" dirty="0">
-                <a:solidFill>
-                  <a:schemeClr val="tx1">
-                    <a:lumMod val="85000"/>
-                  </a:schemeClr>
-                </a:solidFill>
-                <a:effectLst/>
-                <a:latin typeface="Open Sans" panose="020B0606030504020204" pitchFamily="34" charset="0"/>
-              </a:rPr>
-              <a:t>String - textual data - "This is a string"</a:t>
-            </a:r>
-            <a:br>
-              <a:rPr lang="en-US" i="0" dirty="0">
-                <a:solidFill>
-                  <a:schemeClr val="tx1">
-                    <a:lumMod val="85000"/>
-                  </a:schemeClr>
-                </a:solidFill>
-                <a:effectLst/>
-                <a:latin typeface="Open Sans" panose="020B0606030504020204" pitchFamily="34" charset="0"/>
-              </a:rPr>
-            </a:br>
-            <a:endParaRPr lang="en-US" dirty="0"/>
-          </a:p>
-          <a:p>
-            <a:pPr algn="l" rtl="0"/>
-            <a:r>
-              <a:rPr lang="en-US" dirty="0">
-                <a:solidFill>
-                  <a:schemeClr val="tx1">
-                    <a:lumMod val="85000"/>
-                  </a:schemeClr>
-                </a:solidFill>
-                <a:latin typeface="Open Sans" panose="020B0606030504020204" pitchFamily="34" charset="0"/>
-                <a:hlinkClick r:id="rId2"/>
-              </a:rPr>
-              <a:t>Content Link in LMS</a:t>
-            </a:r>
-            <a:endParaRPr lang="en-US" b="0" i="0" dirty="0">
-              <a:solidFill>
-                <a:schemeClr val="tx1">
-                  <a:lumMod val="85000"/>
-                </a:schemeClr>
-              </a:solidFill>
-              <a:effectLst/>
-              <a:latin typeface="Open Sans" panose="020B0606030504020204" pitchFamily="34" charset="0"/>
-            </a:endParaRPr>
-          </a:p>
-        </p:txBody>
-      </p:sp>
-    </p:spTree>
-    <p:extLst>
-      <p:ext uri="{BB962C8B-B14F-4D97-AF65-F5344CB8AC3E}">
-        <p14:creationId xmlns:p14="http://schemas.microsoft.com/office/powerpoint/2010/main" val="1513494963"/>
-      </p:ext>
-    </p:extLst>
-  </p:cSld>
-  <p:clrMapOvr>
-    <a:masterClrMapping/>
-  </p:clrMapOvr>
-</p:sld>
-</file>
-
-<file path=ppt/slides/slide17.xml><?xml version="1.0" encoding="utf-8"?>
-<p:sld xmlns:a="http://schemas.openxmlformats.org/drawingml/2006/main" xmlns:r="http://schemas.openxmlformats.org/officeDocument/2006/relationships" xmlns:p="http://schemas.openxmlformats.org/presentationml/2006/main">
-  <p:cSld>
-    <p:spTree>
-      <p:nvGrpSpPr>
-        <p:cNvPr id="1" name=""/>
-        <p:cNvGrpSpPr/>
-        <p:nvPr/>
-      </p:nvGrpSpPr>
-      <p:grpSpPr>
-        <a:xfrm>
-          <a:off x="0" y="0"/>
-          <a:ext cx="0" cy="0"/>
-          <a:chOff x="0" y="0"/>
-          <a:chExt cx="0" cy="0"/>
-        </a:xfrm>
-      </p:grpSpPr>
-      <p:sp>
-        <p:nvSpPr>
-          <p:cNvPr id="6" name="TextBox 5">
-            <a:extLst>
-              <a:ext uri="{FF2B5EF4-FFF2-40B4-BE49-F238E27FC236}">
-                <a16:creationId xmlns:a16="http://schemas.microsoft.com/office/drawing/2014/main" id="{59E906CD-110B-9D01-732C-2F21759B0265}"/>
-              </a:ext>
-            </a:extLst>
-          </p:cNvPr>
-          <p:cNvSpPr txBox="1"/>
-          <p:nvPr/>
-        </p:nvSpPr>
-        <p:spPr>
-          <a:xfrm>
-            <a:off x="341603" y="50541"/>
-            <a:ext cx="11449344" cy="461665"/>
-          </a:xfrm>
-          <a:prstGeom prst="rect">
-            <a:avLst/>
-          </a:prstGeom>
-          <a:noFill/>
-        </p:spPr>
-        <p:txBody>
-          <a:bodyPr wrap="square">
-            <a:spAutoFit/>
-          </a:bodyPr>
-          <a:lstStyle/>
-          <a:p>
-            <a:pPr algn="l"/>
-            <a:r>
-              <a:rPr lang="en-US" sz="2400" b="1" dirty="0">
-                <a:solidFill>
-                  <a:srgbClr val="00B050"/>
-                </a:solidFill>
-                <a:effectLst/>
-                <a:latin typeface="Open Sans" panose="020B0606030504020204" pitchFamily="34" charset="0"/>
-              </a:rPr>
-              <a:t>Operations</a:t>
-            </a:r>
-          </a:p>
-        </p:txBody>
-      </p:sp>
-      <p:sp>
-        <p:nvSpPr>
-          <p:cNvPr id="3" name="TextBox 2">
-            <a:extLst>
-              <a:ext uri="{FF2B5EF4-FFF2-40B4-BE49-F238E27FC236}">
-                <a16:creationId xmlns:a16="http://schemas.microsoft.com/office/drawing/2014/main" id="{9CE6BBB4-A860-A557-4CC2-45AA99832144}"/>
-              </a:ext>
-            </a:extLst>
-          </p:cNvPr>
-          <p:cNvSpPr txBox="1"/>
-          <p:nvPr/>
-        </p:nvSpPr>
-        <p:spPr>
-          <a:xfrm>
-            <a:off x="344905" y="754059"/>
-            <a:ext cx="11502189" cy="5078313"/>
-          </a:xfrm>
-          <a:prstGeom prst="rect">
-            <a:avLst/>
-          </a:prstGeom>
-          <a:noFill/>
-        </p:spPr>
-        <p:txBody>
-          <a:bodyPr wrap="square">
-            <a:spAutoFit/>
-          </a:bodyPr>
-          <a:lstStyle/>
-          <a:p>
-            <a:pPr marL="285750" indent="-285750" algn="l" rtl="0">
-              <a:buFont typeface="Arial" panose="020B0604020202020204" pitchFamily="34" charset="0"/>
-              <a:buChar char="•"/>
-            </a:pPr>
-            <a:r>
-              <a:rPr lang="en-US" b="0" i="0" dirty="0">
-                <a:solidFill>
-                  <a:schemeClr val="tx1">
-                    <a:lumMod val="85000"/>
-                  </a:schemeClr>
-                </a:solidFill>
-                <a:effectLst/>
-                <a:latin typeface="Open Sans" panose="020B0606030504020204" pitchFamily="34" charset="0"/>
-              </a:rPr>
-              <a:t>Knowing that there are different types of data is great, </a:t>
-            </a:r>
-            <a:r>
-              <a:rPr lang="en-US" b="0" i="0" dirty="0">
-                <a:solidFill>
-                  <a:srgbClr val="00B0F0"/>
-                </a:solidFill>
-                <a:effectLst/>
-                <a:latin typeface="Open Sans" panose="020B0606030504020204" pitchFamily="34" charset="0"/>
-              </a:rPr>
-              <a:t>but what is data good for if we don't use it in some way? </a:t>
-            </a:r>
-            <a:r>
-              <a:rPr lang="en-US" b="0" i="1" dirty="0">
-                <a:solidFill>
-                  <a:schemeClr val="tx1">
-                    <a:lumMod val="85000"/>
-                  </a:schemeClr>
-                </a:solidFill>
-                <a:effectLst/>
-                <a:latin typeface="Open Sans" panose="020B0606030504020204" pitchFamily="34" charset="0"/>
-              </a:rPr>
-              <a:t>For example, point of sales systems (the software used when we purchase something from a store, restaurant, </a:t>
-            </a:r>
-            <a:r>
-              <a:rPr lang="en-US" b="0" i="1" dirty="0" err="1">
-                <a:solidFill>
-                  <a:schemeClr val="tx1">
-                    <a:lumMod val="85000"/>
-                  </a:schemeClr>
-                </a:solidFill>
-                <a:effectLst/>
-                <a:latin typeface="Open Sans" panose="020B0606030504020204" pitchFamily="34" charset="0"/>
-              </a:rPr>
-              <a:t>etc</a:t>
-            </a:r>
-            <a:r>
-              <a:rPr lang="en-US" b="0" i="1" dirty="0">
-                <a:solidFill>
-                  <a:schemeClr val="tx1">
-                    <a:lumMod val="85000"/>
-                  </a:schemeClr>
-                </a:solidFill>
-                <a:effectLst/>
-                <a:latin typeface="Open Sans" panose="020B0606030504020204" pitchFamily="34" charset="0"/>
-              </a:rPr>
-              <a:t>) have to add up line items and then apply a tax to them. </a:t>
-            </a:r>
-          </a:p>
-          <a:p>
-            <a:pPr marL="285750" indent="-285750" algn="l" rtl="0">
-              <a:buFont typeface="Arial" panose="020B0604020202020204" pitchFamily="34" charset="0"/>
-              <a:buChar char="•"/>
-            </a:pPr>
-            <a:endParaRPr lang="en-US" dirty="0">
-              <a:solidFill>
-                <a:schemeClr val="tx1">
-                  <a:lumMod val="85000"/>
-                </a:schemeClr>
-              </a:solidFill>
-              <a:latin typeface="Open Sans" panose="020B0606030504020204" pitchFamily="34" charset="0"/>
-            </a:endParaRPr>
-          </a:p>
-          <a:p>
-            <a:pPr marL="285750" indent="-285750" algn="l" rtl="0">
-              <a:buFont typeface="Arial" panose="020B0604020202020204" pitchFamily="34" charset="0"/>
-              <a:buChar char="•"/>
-            </a:pPr>
-            <a:r>
-              <a:rPr lang="en-US" b="0" i="0" dirty="0">
-                <a:solidFill>
-                  <a:schemeClr val="tx1">
-                    <a:lumMod val="85000"/>
-                  </a:schemeClr>
-                </a:solidFill>
-                <a:effectLst/>
-                <a:latin typeface="Open Sans" panose="020B0606030504020204" pitchFamily="34" charset="0"/>
-              </a:rPr>
-              <a:t>That means </a:t>
-            </a:r>
-            <a:r>
-              <a:rPr lang="en-US" b="0" i="0" dirty="0">
-                <a:solidFill>
-                  <a:srgbClr val="00B0F0"/>
-                </a:solidFill>
-                <a:effectLst/>
-                <a:latin typeface="Open Sans" panose="020B0606030504020204" pitchFamily="34" charset="0"/>
-              </a:rPr>
-              <a:t>we have to perform actions on data </a:t>
-            </a:r>
-            <a:r>
-              <a:rPr lang="en-US" b="0" i="0" dirty="0">
-                <a:solidFill>
-                  <a:schemeClr val="tx1">
-                    <a:lumMod val="85000"/>
-                  </a:schemeClr>
-                </a:solidFill>
-                <a:effectLst/>
-                <a:latin typeface="Open Sans" panose="020B0606030504020204" pitchFamily="34" charset="0"/>
-              </a:rPr>
-              <a:t>(addition and multiplication in this case). In programming, these actions are called </a:t>
-            </a:r>
-            <a:r>
-              <a:rPr lang="en-US" b="1" i="0" dirty="0">
-                <a:solidFill>
-                  <a:srgbClr val="00B0F0"/>
-                </a:solidFill>
-                <a:effectLst/>
-                <a:latin typeface="Open Sans" panose="020B0606030504020204" pitchFamily="34" charset="0"/>
-              </a:rPr>
-              <a:t>operations</a:t>
-            </a:r>
-            <a:r>
-              <a:rPr lang="en-US" b="0" i="0" dirty="0">
-                <a:solidFill>
-                  <a:schemeClr val="tx1">
-                    <a:lumMod val="85000"/>
-                  </a:schemeClr>
-                </a:solidFill>
-                <a:effectLst/>
-                <a:latin typeface="Open Sans" panose="020B0606030504020204" pitchFamily="34" charset="0"/>
-              </a:rPr>
-              <a:t>.</a:t>
-            </a:r>
-          </a:p>
-          <a:p>
-            <a:pPr algn="l" rtl="0"/>
-            <a:endParaRPr lang="en-US" b="0" i="0" dirty="0">
-              <a:solidFill>
-                <a:schemeClr val="tx1">
-                  <a:lumMod val="85000"/>
-                </a:schemeClr>
-              </a:solidFill>
-              <a:effectLst/>
-              <a:latin typeface="Open Sans" panose="020B0606030504020204" pitchFamily="34" charset="0"/>
-            </a:endParaRPr>
-          </a:p>
-          <a:p>
-            <a:pPr marL="285750" indent="-285750" algn="l" rtl="0">
-              <a:buFont typeface="Arial" panose="020B0604020202020204" pitchFamily="34" charset="0"/>
-              <a:buChar char="•"/>
-            </a:pPr>
-            <a:r>
-              <a:rPr lang="en-US" b="0" i="0" dirty="0">
-                <a:solidFill>
-                  <a:schemeClr val="tx1">
-                    <a:lumMod val="85000"/>
-                  </a:schemeClr>
-                </a:solidFill>
-                <a:effectLst/>
-                <a:latin typeface="Open Sans" panose="020B0606030504020204" pitchFamily="34" charset="0"/>
-              </a:rPr>
-              <a:t>An </a:t>
-            </a:r>
-            <a:r>
-              <a:rPr lang="en-US" b="1" i="0" dirty="0">
-                <a:solidFill>
-                  <a:srgbClr val="00B0F0"/>
-                </a:solidFill>
-                <a:effectLst/>
-                <a:latin typeface="Open Sans" panose="020B0606030504020204" pitchFamily="34" charset="0"/>
-              </a:rPr>
-              <a:t>operation</a:t>
-            </a:r>
-            <a:r>
-              <a:rPr lang="en-US" b="0" i="0" dirty="0">
-                <a:solidFill>
-                  <a:schemeClr val="tx1">
-                    <a:lumMod val="85000"/>
-                  </a:schemeClr>
-                </a:solidFill>
-                <a:effectLst/>
-                <a:latin typeface="Open Sans" panose="020B0606030504020204" pitchFamily="34" charset="0"/>
-              </a:rPr>
-              <a:t> consists of one or more pieces of data, known as </a:t>
-            </a:r>
-            <a:r>
-              <a:rPr lang="en-US" b="1" i="0" dirty="0">
-                <a:solidFill>
-                  <a:srgbClr val="00B0F0"/>
-                </a:solidFill>
-                <a:effectLst/>
-                <a:latin typeface="Open Sans" panose="020B0606030504020204" pitchFamily="34" charset="0"/>
-              </a:rPr>
-              <a:t>operands</a:t>
-            </a:r>
-            <a:r>
-              <a:rPr lang="en-US" b="0" i="0" dirty="0">
-                <a:solidFill>
-                  <a:schemeClr val="tx1">
-                    <a:lumMod val="85000"/>
-                  </a:schemeClr>
-                </a:solidFill>
-                <a:effectLst/>
-                <a:latin typeface="Open Sans" panose="020B0606030504020204" pitchFamily="34" charset="0"/>
-              </a:rPr>
-              <a:t>, and an </a:t>
-            </a:r>
-            <a:r>
-              <a:rPr lang="en-US" b="1" i="0" dirty="0">
-                <a:solidFill>
-                  <a:schemeClr val="tx1">
-                    <a:lumMod val="85000"/>
-                  </a:schemeClr>
-                </a:solidFill>
-                <a:effectLst/>
-                <a:latin typeface="Open Sans" panose="020B0606030504020204" pitchFamily="34" charset="0"/>
-              </a:rPr>
-              <a:t>operator</a:t>
-            </a:r>
-            <a:r>
-              <a:rPr lang="en-US" b="0" i="0" dirty="0">
-                <a:solidFill>
-                  <a:schemeClr val="tx1">
-                    <a:lumMod val="85000"/>
-                  </a:schemeClr>
-                </a:solidFill>
-                <a:effectLst/>
-                <a:latin typeface="Open Sans" panose="020B0606030504020204" pitchFamily="34" charset="0"/>
-              </a:rPr>
-              <a:t>, and </a:t>
-            </a:r>
-            <a:r>
-              <a:rPr lang="en-US" b="0" i="0" dirty="0">
-                <a:solidFill>
-                  <a:srgbClr val="00B0F0"/>
-                </a:solidFill>
-                <a:effectLst/>
-                <a:latin typeface="Open Sans" panose="020B0606030504020204" pitchFamily="34" charset="0"/>
-              </a:rPr>
-              <a:t>performs a calculation or action on the operands </a:t>
-            </a:r>
-            <a:r>
-              <a:rPr lang="en-US" b="0" i="0" dirty="0">
-                <a:solidFill>
-                  <a:schemeClr val="tx1">
-                    <a:lumMod val="85000"/>
-                  </a:schemeClr>
-                </a:solidFill>
-                <a:effectLst/>
-                <a:latin typeface="Open Sans" panose="020B0606030504020204" pitchFamily="34" charset="0"/>
-              </a:rPr>
-              <a:t>thus resulting in a new value. One operator we are already familiar with is the </a:t>
-            </a:r>
-            <a:r>
-              <a:rPr lang="en-US" b="1" i="0" dirty="0">
-                <a:solidFill>
-                  <a:schemeClr val="tx1">
-                    <a:lumMod val="85000"/>
-                  </a:schemeClr>
-                </a:solidFill>
-                <a:effectLst/>
-                <a:latin typeface="Open Sans" panose="020B0606030504020204" pitchFamily="34" charset="0"/>
-              </a:rPr>
-              <a:t>assignment operator</a:t>
-            </a:r>
-            <a:r>
-              <a:rPr lang="en-US" b="0" i="0" dirty="0">
-                <a:solidFill>
-                  <a:schemeClr val="tx1">
-                    <a:lumMod val="85000"/>
-                  </a:schemeClr>
-                </a:solidFill>
-                <a:effectLst/>
-                <a:latin typeface="Open Sans" panose="020B0606030504020204" pitchFamily="34" charset="0"/>
-              </a:rPr>
-              <a:t> (the equals sign or =), which assigns the data on the right-hand side to the </a:t>
-            </a:r>
-            <a:r>
-              <a:rPr lang="en-US" b="1" i="0" dirty="0">
-                <a:solidFill>
-                  <a:schemeClr val="tx1">
-                    <a:lumMod val="85000"/>
-                  </a:schemeClr>
-                </a:solidFill>
-                <a:effectLst/>
-                <a:latin typeface="Open Sans" panose="020B0606030504020204" pitchFamily="34" charset="0"/>
-              </a:rPr>
-              <a:t>variable</a:t>
-            </a:r>
-            <a:r>
-              <a:rPr lang="en-US" b="0" i="0" dirty="0">
-                <a:solidFill>
-                  <a:schemeClr val="tx1">
-                    <a:lumMod val="85000"/>
-                  </a:schemeClr>
-                </a:solidFill>
-                <a:effectLst/>
-                <a:latin typeface="Open Sans" panose="020B0606030504020204" pitchFamily="34" charset="0"/>
-              </a:rPr>
-              <a:t> name/identifier on it's left. </a:t>
-            </a:r>
-            <a:endParaRPr lang="en-US" b="1" i="0" dirty="0">
-              <a:solidFill>
-                <a:schemeClr val="tx1">
-                  <a:lumMod val="85000"/>
-                </a:schemeClr>
-              </a:solidFill>
-              <a:effectLst/>
-              <a:latin typeface="Open Sans" panose="020B0606030504020204" pitchFamily="34" charset="0"/>
-            </a:endParaRPr>
-          </a:p>
-          <a:p>
-            <a:pPr algn="l" rtl="0"/>
-            <a:endParaRPr lang="en-US" b="1" dirty="0">
-              <a:solidFill>
-                <a:schemeClr val="tx1">
-                  <a:lumMod val="85000"/>
-                </a:schemeClr>
-              </a:solidFill>
-              <a:latin typeface="Open Sans" panose="020B0606030504020204" pitchFamily="34" charset="0"/>
-            </a:endParaRPr>
-          </a:p>
-          <a:p>
-            <a:pPr algn="l" rtl="0"/>
-            <a:endParaRPr lang="en-US" b="1" i="0" dirty="0">
-              <a:solidFill>
-                <a:schemeClr val="tx1">
-                  <a:lumMod val="85000"/>
-                </a:schemeClr>
-              </a:solidFill>
-              <a:effectLst/>
-              <a:latin typeface="Open Sans" panose="020B0606030504020204" pitchFamily="34" charset="0"/>
-            </a:endParaRPr>
-          </a:p>
-          <a:p>
-            <a:pPr algn="l" rtl="0"/>
-            <a:endParaRPr lang="en-US" b="0" i="0" dirty="0">
-              <a:solidFill>
-                <a:schemeClr val="tx1">
-                  <a:lumMod val="85000"/>
-                </a:schemeClr>
-              </a:solidFill>
-              <a:effectLst/>
-              <a:latin typeface="Open Sans" panose="020B0606030504020204" pitchFamily="34" charset="0"/>
-            </a:endParaRPr>
-          </a:p>
-          <a:p>
-            <a:pPr algn="l" rtl="0"/>
-            <a:endParaRPr lang="en-US" dirty="0">
-              <a:solidFill>
-                <a:schemeClr val="tx1">
-                  <a:lumMod val="85000"/>
-                </a:schemeClr>
-              </a:solidFill>
-              <a:latin typeface="Open Sans" panose="020B0606030504020204" pitchFamily="34" charset="0"/>
-            </a:endParaRPr>
-          </a:p>
-          <a:p>
-            <a:pPr algn="l" rtl="0"/>
-            <a:endParaRPr lang="en-US" b="0" i="0" dirty="0">
-              <a:solidFill>
-                <a:srgbClr val="21252A"/>
-              </a:solidFill>
-              <a:effectLst/>
-              <a:latin typeface="Open Sans" panose="020B0606030504020204" pitchFamily="34" charset="0"/>
-            </a:endParaRPr>
-          </a:p>
-          <a:p>
-            <a:pPr algn="l" rtl="0"/>
-            <a:endParaRPr lang="en-US" dirty="0">
-              <a:solidFill>
-                <a:srgbClr val="21252A"/>
-              </a:solidFill>
-              <a:latin typeface="Open Sans" panose="020B0606030504020204" pitchFamily="34" charset="0"/>
-            </a:endParaRPr>
-          </a:p>
-          <a:p>
-            <a:r>
-              <a:rPr lang="en-US" dirty="0">
-                <a:solidFill>
-                  <a:schemeClr val="tx1">
-                    <a:lumMod val="85000"/>
-                  </a:schemeClr>
-                </a:solidFill>
-                <a:latin typeface="Open Sans" panose="020B0606030504020204" pitchFamily="34" charset="0"/>
-                <a:hlinkClick r:id="rId2"/>
-              </a:rPr>
-              <a:t>Content Link in LMS</a:t>
-            </a:r>
-            <a:endParaRPr lang="en-US" b="0" i="0" dirty="0">
-              <a:solidFill>
-                <a:schemeClr val="tx1">
-                  <a:lumMod val="85000"/>
-                </a:schemeClr>
-              </a:solidFill>
-              <a:effectLst/>
-              <a:latin typeface="Open Sans" panose="020B0606030504020204" pitchFamily="34" charset="0"/>
-            </a:endParaRPr>
-          </a:p>
-        </p:txBody>
-      </p:sp>
-    </p:spTree>
-    <p:extLst>
-      <p:ext uri="{BB962C8B-B14F-4D97-AF65-F5344CB8AC3E}">
-        <p14:creationId xmlns:p14="http://schemas.microsoft.com/office/powerpoint/2010/main" val="3243150136"/>
-      </p:ext>
-    </p:extLst>
-  </p:cSld>
-  <p:clrMapOvr>
-    <a:masterClrMapping/>
-  </p:clrMapOvr>
-</p:sld>
-</file>
-
-<file path=ppt/slides/slide18.xml><?xml version="1.0" encoding="utf-8"?>
-<p:sld xmlns:a="http://schemas.openxmlformats.org/drawingml/2006/main" xmlns:r="http://schemas.openxmlformats.org/officeDocument/2006/relationships" xmlns:p="http://schemas.openxmlformats.org/presentationml/2006/main">
-  <p:cSld>
-    <p:spTree>
-      <p:nvGrpSpPr>
-        <p:cNvPr id="1" name=""/>
-        <p:cNvGrpSpPr/>
-        <p:nvPr/>
-      </p:nvGrpSpPr>
-      <p:grpSpPr>
-        <a:xfrm>
-          <a:off x="0" y="0"/>
-          <a:ext cx="0" cy="0"/>
-          <a:chOff x="0" y="0"/>
-          <a:chExt cx="0" cy="0"/>
-        </a:xfrm>
-      </p:grpSpPr>
-      <p:sp>
-        <p:nvSpPr>
-          <p:cNvPr id="3" name="TextBox 2">
-            <a:extLst>
-              <a:ext uri="{FF2B5EF4-FFF2-40B4-BE49-F238E27FC236}">
-                <a16:creationId xmlns:a16="http://schemas.microsoft.com/office/drawing/2014/main" id="{23DFC7E9-54DD-38D7-0B9B-D34948D68CF9}"/>
-              </a:ext>
-            </a:extLst>
-          </p:cNvPr>
-          <p:cNvSpPr txBox="1"/>
-          <p:nvPr/>
-        </p:nvSpPr>
-        <p:spPr>
-          <a:xfrm>
-            <a:off x="1021519" y="2745699"/>
-            <a:ext cx="9326104" cy="1015663"/>
-          </a:xfrm>
-          <a:prstGeom prst="rect">
-            <a:avLst/>
-          </a:prstGeom>
-          <a:noFill/>
-        </p:spPr>
-        <p:txBody>
-          <a:bodyPr wrap="square">
-            <a:spAutoFit/>
-          </a:bodyPr>
-          <a:lstStyle/>
-          <a:p>
-            <a:pPr marL="0" marR="0" lvl="0" indent="0" algn="l" defTabSz="914400" rtl="0" eaLnBrk="1" fontAlgn="auto" latinLnBrk="0" hangingPunct="1">
-              <a:lnSpc>
-                <a:spcPct val="100000"/>
-              </a:lnSpc>
-              <a:spcBef>
-                <a:spcPts val="0"/>
-              </a:spcBef>
-              <a:spcAft>
-                <a:spcPts val="0"/>
-              </a:spcAft>
-              <a:buClrTx/>
-              <a:buSzTx/>
-              <a:buFontTx/>
-              <a:buNone/>
-              <a:tabLst/>
-              <a:defRPr/>
-            </a:pPr>
-            <a:r>
-              <a:rPr kumimoji="0" lang="en-US" sz="6000" b="0" i="0" u="none" strike="noStrike" kern="1200" cap="none" spc="0" normalizeH="0" baseline="0" noProof="0" dirty="0">
-                <a:ln>
-                  <a:noFill/>
-                </a:ln>
-                <a:solidFill>
-                  <a:prstClr val="white">
-                    <a:lumMod val="75000"/>
-                  </a:prstClr>
-                </a:solidFill>
-                <a:effectLst/>
-                <a:uLnTx/>
-                <a:uFillTx/>
-                <a:latin typeface="Open Sans" panose="020B0606030504020204" pitchFamily="34" charset="0"/>
-                <a:ea typeface="+mn-ea"/>
-                <a:cs typeface="+mn-cs"/>
-              </a:rPr>
-              <a:t>Command Line Interface</a:t>
-            </a:r>
-          </a:p>
-        </p:txBody>
-      </p:sp>
-    </p:spTree>
-    <p:extLst>
-      <p:ext uri="{BB962C8B-B14F-4D97-AF65-F5344CB8AC3E}">
-        <p14:creationId xmlns:p14="http://schemas.microsoft.com/office/powerpoint/2010/main" val="3067507112"/>
-      </p:ext>
-    </p:extLst>
-  </p:cSld>
-  <p:clrMapOvr>
-    <a:masterClrMapping/>
-  </p:clrMapOvr>
-</p:sld>
-</file>
-
-<file path=ppt/slides/slide19.xml><?xml version="1.0" encoding="utf-8"?>
-<p:sld xmlns:a="http://schemas.openxmlformats.org/drawingml/2006/main" xmlns:r="http://schemas.openxmlformats.org/officeDocument/2006/relationships" xmlns:p="http://schemas.openxmlformats.org/presentationml/2006/main">
-  <p:cSld>
-    <p:spTree>
-      <p:nvGrpSpPr>
-        <p:cNvPr id="1" name=""/>
-        <p:cNvGrpSpPr/>
-        <p:nvPr/>
-      </p:nvGrpSpPr>
-      <p:grpSpPr>
-        <a:xfrm>
-          <a:off x="0" y="0"/>
-          <a:ext cx="0" cy="0"/>
-          <a:chOff x="0" y="0"/>
-          <a:chExt cx="0" cy="0"/>
-        </a:xfrm>
-      </p:grpSpPr>
-      <p:sp>
-        <p:nvSpPr>
-          <p:cNvPr id="6" name="TextBox 5">
-            <a:extLst>
-              <a:ext uri="{FF2B5EF4-FFF2-40B4-BE49-F238E27FC236}">
-                <a16:creationId xmlns:a16="http://schemas.microsoft.com/office/drawing/2014/main" id="{59E906CD-110B-9D01-732C-2F21759B0265}"/>
-              </a:ext>
-            </a:extLst>
-          </p:cNvPr>
-          <p:cNvSpPr txBox="1"/>
-          <p:nvPr/>
-        </p:nvSpPr>
-        <p:spPr>
-          <a:xfrm>
-            <a:off x="341603" y="256791"/>
-            <a:ext cx="11449344" cy="461665"/>
-          </a:xfrm>
-          <a:prstGeom prst="rect">
-            <a:avLst/>
-          </a:prstGeom>
-          <a:noFill/>
-        </p:spPr>
-        <p:txBody>
-          <a:bodyPr wrap="square">
-            <a:spAutoFit/>
-          </a:bodyPr>
-          <a:lstStyle/>
-          <a:p>
-            <a:pPr algn="l"/>
-            <a:r>
-              <a:rPr lang="en-US" sz="2400" b="1" dirty="0">
-                <a:solidFill>
-                  <a:srgbClr val="00B050"/>
-                </a:solidFill>
-                <a:effectLst/>
-                <a:latin typeface="Open Sans" panose="020B0606030504020204" pitchFamily="34" charset="0"/>
-              </a:rPr>
-              <a:t>Command Line Interface (CLI) vs Graphical User Interface (GUI)</a:t>
-            </a:r>
-          </a:p>
-        </p:txBody>
-      </p:sp>
-      <p:sp>
-        <p:nvSpPr>
-          <p:cNvPr id="7" name="TextBox 6">
-            <a:extLst>
-              <a:ext uri="{FF2B5EF4-FFF2-40B4-BE49-F238E27FC236}">
-                <a16:creationId xmlns:a16="http://schemas.microsoft.com/office/drawing/2014/main" id="{258EA3F4-5A0B-FC3D-626B-2F94931B6638}"/>
-              </a:ext>
-            </a:extLst>
-          </p:cNvPr>
-          <p:cNvSpPr txBox="1"/>
-          <p:nvPr/>
-        </p:nvSpPr>
-        <p:spPr>
-          <a:xfrm>
-            <a:off x="80210" y="875057"/>
-            <a:ext cx="12031579" cy="5909310"/>
-          </a:xfrm>
-          <a:prstGeom prst="rect">
-            <a:avLst/>
-          </a:prstGeom>
-          <a:noFill/>
-        </p:spPr>
-        <p:txBody>
-          <a:bodyPr wrap="square">
-            <a:spAutoFit/>
-          </a:bodyPr>
-          <a:lstStyle/>
-          <a:p>
-            <a:r>
-              <a:rPr lang="en-US" b="0" i="0" dirty="0">
-                <a:solidFill>
-                  <a:schemeClr val="tx1">
-                    <a:lumMod val="85000"/>
-                  </a:schemeClr>
-                </a:solidFill>
-                <a:effectLst/>
-                <a:latin typeface="Open Sans" panose="020B0606030504020204" pitchFamily="34" charset="0"/>
-              </a:rPr>
-              <a:t>A </a:t>
-            </a:r>
-            <a:r>
-              <a:rPr lang="en-US" b="1" i="0" dirty="0">
-                <a:solidFill>
-                  <a:schemeClr val="tx1">
-                    <a:lumMod val="85000"/>
-                  </a:schemeClr>
-                </a:solidFill>
-                <a:effectLst/>
-                <a:latin typeface="Open Sans" panose="020B0606030504020204" pitchFamily="34" charset="0"/>
-              </a:rPr>
-              <a:t> </a:t>
-            </a:r>
-            <a:r>
-              <a:rPr lang="en-US" b="1" i="0" u="sng" dirty="0">
-                <a:solidFill>
-                  <a:schemeClr val="tx1">
-                    <a:lumMod val="85000"/>
-                  </a:schemeClr>
-                </a:solidFill>
-                <a:effectLst/>
-                <a:latin typeface="Open Sans" panose="020B0606030504020204" pitchFamily="34" charset="0"/>
-              </a:rPr>
-              <a:t>Graphical User Interface or GUI</a:t>
-            </a:r>
-            <a:r>
-              <a:rPr lang="en-US" b="0" i="0" dirty="0">
-                <a:solidFill>
-                  <a:schemeClr val="tx1">
-                    <a:lumMod val="85000"/>
-                  </a:schemeClr>
-                </a:solidFill>
-                <a:effectLst/>
-                <a:latin typeface="Open Sans" panose="020B0606030504020204" pitchFamily="34" charset="0"/>
-              </a:rPr>
-              <a:t> is the </a:t>
-            </a:r>
-            <a:r>
-              <a:rPr lang="en-US" b="0" i="0" dirty="0">
-                <a:solidFill>
-                  <a:srgbClr val="00B0F0"/>
-                </a:solidFill>
-                <a:effectLst/>
-                <a:latin typeface="Open Sans" panose="020B0606030504020204" pitchFamily="34" charset="0"/>
-              </a:rPr>
-              <a:t>visual representation of data that users interact with via mouse and keyboard</a:t>
-            </a:r>
-            <a:r>
-              <a:rPr lang="en-US" b="0" i="0" dirty="0">
-                <a:solidFill>
-                  <a:schemeClr val="tx1">
-                    <a:lumMod val="85000"/>
-                  </a:schemeClr>
-                </a:solidFill>
-                <a:effectLst/>
-                <a:latin typeface="Open Sans" panose="020B0606030504020204" pitchFamily="34" charset="0"/>
-              </a:rPr>
-              <a:t>. If we open a window or an application and there are buttons and text boxes, that is a </a:t>
-            </a:r>
-            <a:r>
-              <a:rPr lang="en-US" b="1" i="0" dirty="0">
-                <a:solidFill>
-                  <a:schemeClr val="tx1">
-                    <a:lumMod val="85000"/>
-                  </a:schemeClr>
-                </a:solidFill>
-                <a:effectLst/>
-                <a:latin typeface="Open Sans" panose="020B0606030504020204" pitchFamily="34" charset="0"/>
-              </a:rPr>
-              <a:t>GUI</a:t>
-            </a:r>
-            <a:r>
-              <a:rPr lang="en-US" b="0" i="0" dirty="0">
-                <a:solidFill>
-                  <a:schemeClr val="tx1">
-                    <a:lumMod val="85000"/>
-                  </a:schemeClr>
-                </a:solidFill>
-                <a:effectLst/>
-                <a:latin typeface="Open Sans" panose="020B0606030504020204" pitchFamily="34" charset="0"/>
-              </a:rPr>
-              <a:t>. </a:t>
-            </a:r>
-            <a:r>
-              <a:rPr lang="en-US" b="1" i="0" dirty="0">
-                <a:solidFill>
-                  <a:schemeClr val="tx1">
-                    <a:lumMod val="85000"/>
-                  </a:schemeClr>
-                </a:solidFill>
-                <a:effectLst/>
-                <a:latin typeface="Open Sans" panose="020B0606030504020204" pitchFamily="34" charset="0"/>
-              </a:rPr>
-              <a:t>Graphical User Interfaces</a:t>
-            </a:r>
-            <a:r>
-              <a:rPr lang="en-US" b="0" i="0" dirty="0">
-                <a:solidFill>
-                  <a:schemeClr val="tx1">
-                    <a:lumMod val="85000"/>
-                  </a:schemeClr>
-                </a:solidFill>
-                <a:effectLst/>
-                <a:latin typeface="Open Sans" panose="020B0606030504020204" pitchFamily="34" charset="0"/>
-              </a:rPr>
-              <a:t> or </a:t>
-            </a:r>
-            <a:r>
-              <a:rPr lang="en-US" b="1" i="0" dirty="0">
-                <a:solidFill>
-                  <a:schemeClr val="tx1">
-                    <a:lumMod val="85000"/>
-                  </a:schemeClr>
-                </a:solidFill>
-                <a:effectLst/>
-                <a:latin typeface="Open Sans" panose="020B0606030504020204" pitchFamily="34" charset="0"/>
-              </a:rPr>
-              <a:t>GUI</a:t>
-            </a:r>
-            <a:r>
-              <a:rPr lang="en-US" b="0" i="0" dirty="0">
-                <a:solidFill>
-                  <a:schemeClr val="tx1">
-                    <a:lumMod val="85000"/>
-                  </a:schemeClr>
-                </a:solidFill>
-                <a:effectLst/>
-                <a:latin typeface="Open Sans" panose="020B0606030504020204" pitchFamily="34" charset="0"/>
-              </a:rPr>
-              <a:t>s are great for displaying data in an extremely user-friendly manner, however, they are not always the quickest, most effective way to work with computers.</a:t>
-            </a:r>
-            <a:br>
-              <a:rPr lang="en-US" dirty="0">
-                <a:solidFill>
-                  <a:schemeClr val="tx1">
-                    <a:lumMod val="85000"/>
-                  </a:schemeClr>
-                </a:solidFill>
-              </a:rPr>
-            </a:br>
-            <a:br>
-              <a:rPr lang="en-US" dirty="0">
-                <a:solidFill>
-                  <a:schemeClr val="tx1">
-                    <a:lumMod val="85000"/>
-                  </a:schemeClr>
-                </a:solidFill>
-              </a:rPr>
-            </a:br>
-            <a:r>
-              <a:rPr lang="en-US" b="1" i="0" u="sng" dirty="0">
-                <a:solidFill>
-                  <a:schemeClr val="tx1">
-                    <a:lumMod val="85000"/>
-                  </a:schemeClr>
-                </a:solidFill>
-                <a:effectLst/>
-                <a:latin typeface="Open Sans" panose="020B0606030504020204" pitchFamily="34" charset="0"/>
-              </a:rPr>
-              <a:t>Command Line Interfaces </a:t>
-            </a:r>
-            <a:r>
-              <a:rPr lang="en-US" b="0" i="0" dirty="0">
-                <a:solidFill>
-                  <a:schemeClr val="tx1">
-                    <a:lumMod val="85000"/>
-                  </a:schemeClr>
-                </a:solidFill>
-                <a:effectLst/>
-                <a:latin typeface="Open Sans" panose="020B0606030504020204" pitchFamily="34" charset="0"/>
-              </a:rPr>
-              <a:t>or</a:t>
-            </a:r>
-            <a:r>
-              <a:rPr lang="en-US" b="1" i="0" dirty="0">
-                <a:solidFill>
-                  <a:schemeClr val="tx1">
-                    <a:lumMod val="85000"/>
-                  </a:schemeClr>
-                </a:solidFill>
-                <a:effectLst/>
-                <a:latin typeface="Open Sans" panose="020B0606030504020204" pitchFamily="34" charset="0"/>
-              </a:rPr>
-              <a:t> CLI</a:t>
-            </a:r>
-            <a:r>
-              <a:rPr lang="en-US" b="0" i="0" dirty="0">
-                <a:solidFill>
-                  <a:schemeClr val="tx1">
-                    <a:lumMod val="85000"/>
-                  </a:schemeClr>
-                </a:solidFill>
-                <a:effectLst/>
-                <a:latin typeface="Open Sans" panose="020B0606030504020204" pitchFamily="34" charset="0"/>
-              </a:rPr>
-              <a:t>s are </a:t>
-            </a:r>
-            <a:r>
-              <a:rPr lang="en-US" b="0" i="0" dirty="0">
-                <a:solidFill>
-                  <a:srgbClr val="00B0F0"/>
-                </a:solidFill>
-                <a:effectLst/>
-                <a:latin typeface="Open Sans" panose="020B0606030504020204" pitchFamily="34" charset="0"/>
-              </a:rPr>
-              <a:t>text-based tools that allow us to interact with a computer and data</a:t>
-            </a:r>
-            <a:r>
-              <a:rPr lang="en-US" b="0" i="0" dirty="0">
-                <a:solidFill>
-                  <a:schemeClr val="tx1">
-                    <a:lumMod val="85000"/>
-                  </a:schemeClr>
-                </a:solidFill>
-                <a:effectLst/>
-                <a:latin typeface="Open Sans" panose="020B0606030504020204" pitchFamily="34" charset="0"/>
-              </a:rPr>
-              <a:t>. Rather than visual elements, </a:t>
-            </a:r>
-            <a:r>
-              <a:rPr lang="en-US" b="0" i="0" dirty="0">
-                <a:solidFill>
-                  <a:srgbClr val="00B0F0"/>
-                </a:solidFill>
-                <a:effectLst/>
-                <a:latin typeface="Open Sans" panose="020B0606030504020204" pitchFamily="34" charset="0"/>
-              </a:rPr>
-              <a:t>everything on a </a:t>
-            </a:r>
-            <a:r>
-              <a:rPr lang="en-US" b="1" i="0" dirty="0">
-                <a:solidFill>
-                  <a:srgbClr val="00B0F0"/>
-                </a:solidFill>
-                <a:effectLst/>
-                <a:latin typeface="Open Sans" panose="020B0606030504020204" pitchFamily="34" charset="0"/>
-              </a:rPr>
-              <a:t>CLI</a:t>
-            </a:r>
-            <a:r>
-              <a:rPr lang="en-US" b="0" i="0" dirty="0">
-                <a:solidFill>
-                  <a:srgbClr val="00B0F0"/>
-                </a:solidFill>
-                <a:effectLst/>
-                <a:latin typeface="Open Sans" panose="020B0606030504020204" pitchFamily="34" charset="0"/>
-              </a:rPr>
-              <a:t> is represented via plain text</a:t>
-            </a:r>
-            <a:r>
-              <a:rPr lang="en-US" b="0" i="0" dirty="0">
-                <a:solidFill>
-                  <a:schemeClr val="tx1">
-                    <a:lumMod val="85000"/>
-                  </a:schemeClr>
-                </a:solidFill>
-                <a:effectLst/>
-                <a:latin typeface="Open Sans" panose="020B0606030504020204" pitchFamily="34" charset="0"/>
-              </a:rPr>
-              <a:t>. Instead of clicking on different buttons to perform some sort of action, users type in text commands.  This removes the need for a mouse and reduces the time spent to perform certain operations.</a:t>
-            </a:r>
-            <a:br>
-              <a:rPr lang="en-US" dirty="0">
-                <a:solidFill>
-                  <a:schemeClr val="tx1">
-                    <a:lumMod val="85000"/>
-                  </a:schemeClr>
-                </a:solidFill>
-              </a:rPr>
-            </a:br>
-            <a:br>
-              <a:rPr lang="en-US" dirty="0">
-                <a:solidFill>
-                  <a:schemeClr val="tx1">
-                    <a:lumMod val="85000"/>
-                  </a:schemeClr>
-                </a:solidFill>
-              </a:rPr>
-            </a:br>
-            <a:r>
-              <a:rPr lang="en-US" b="1" i="0" dirty="0">
-                <a:solidFill>
-                  <a:srgbClr val="00B0F0"/>
-                </a:solidFill>
-                <a:effectLst/>
-                <a:latin typeface="Open Sans" panose="020B0606030504020204" pitchFamily="34" charset="0"/>
-              </a:rPr>
-              <a:t>Why do we care</a:t>
-            </a:r>
-            <a:r>
-              <a:rPr lang="en-US" b="1" i="0" dirty="0">
-                <a:solidFill>
-                  <a:schemeClr val="tx1">
-                    <a:lumMod val="85000"/>
-                  </a:schemeClr>
-                </a:solidFill>
-                <a:effectLst/>
-                <a:latin typeface="Open Sans" panose="020B0606030504020204" pitchFamily="34" charset="0"/>
-              </a:rPr>
-              <a:t>?  </a:t>
-            </a:r>
-            <a:r>
-              <a:rPr lang="en-US" b="0" i="0" dirty="0">
-                <a:solidFill>
-                  <a:schemeClr val="tx1">
-                    <a:lumMod val="85000"/>
-                  </a:schemeClr>
-                </a:solidFill>
-                <a:effectLst/>
-                <a:latin typeface="Open Sans" panose="020B0606030504020204" pitchFamily="34" charset="0"/>
-              </a:rPr>
-              <a:t>Many programs used in software development </a:t>
-            </a:r>
-            <a:r>
-              <a:rPr lang="en-US" b="0" i="0" dirty="0">
-                <a:solidFill>
-                  <a:srgbClr val="00B0F0"/>
-                </a:solidFill>
-                <a:effectLst/>
-                <a:latin typeface="Open Sans" panose="020B0606030504020204" pitchFamily="34" charset="0"/>
-              </a:rPr>
-              <a:t>only come as a </a:t>
-            </a:r>
-            <a:r>
-              <a:rPr lang="en-US" b="1" i="0" dirty="0">
-                <a:solidFill>
-                  <a:srgbClr val="00B0F0"/>
-                </a:solidFill>
-                <a:effectLst/>
-                <a:latin typeface="Open Sans" panose="020B0606030504020204" pitchFamily="34" charset="0"/>
-              </a:rPr>
-              <a:t>Command Line Interface</a:t>
-            </a:r>
-            <a:r>
-              <a:rPr lang="en-US" b="0" i="0" dirty="0">
-                <a:solidFill>
-                  <a:schemeClr val="tx1">
-                    <a:lumMod val="85000"/>
-                  </a:schemeClr>
-                </a:solidFill>
-                <a:effectLst/>
-                <a:latin typeface="Open Sans" panose="020B0606030504020204" pitchFamily="34" charset="0"/>
-              </a:rPr>
-              <a:t> or </a:t>
-            </a:r>
-            <a:r>
-              <a:rPr lang="en-US" b="1" i="0" dirty="0">
-                <a:solidFill>
-                  <a:schemeClr val="tx1">
-                    <a:lumMod val="85000"/>
-                  </a:schemeClr>
-                </a:solidFill>
-                <a:effectLst/>
-                <a:latin typeface="Open Sans" panose="020B0606030504020204" pitchFamily="34" charset="0"/>
-              </a:rPr>
-              <a:t>CLI</a:t>
-            </a:r>
-            <a:r>
-              <a:rPr lang="en-US" b="0" i="0" dirty="0">
-                <a:solidFill>
-                  <a:schemeClr val="tx1">
-                    <a:lumMod val="85000"/>
-                  </a:schemeClr>
-                </a:solidFill>
-                <a:effectLst/>
-                <a:latin typeface="Open Sans" panose="020B0606030504020204" pitchFamily="34" charset="0"/>
-              </a:rPr>
-              <a:t> tool and have no </a:t>
-            </a:r>
-            <a:r>
-              <a:rPr lang="en-US" b="1" i="0" dirty="0">
-                <a:solidFill>
-                  <a:schemeClr val="tx1">
-                    <a:lumMod val="85000"/>
-                  </a:schemeClr>
-                </a:solidFill>
-                <a:effectLst/>
-                <a:latin typeface="Open Sans" panose="020B0606030504020204" pitchFamily="34" charset="0"/>
-              </a:rPr>
-              <a:t>Graphical User Interface</a:t>
-            </a:r>
-            <a:r>
-              <a:rPr lang="en-US" b="0" i="0" dirty="0">
-                <a:solidFill>
-                  <a:schemeClr val="tx1">
-                    <a:lumMod val="85000"/>
-                  </a:schemeClr>
-                </a:solidFill>
-                <a:effectLst/>
-                <a:latin typeface="Open Sans" panose="020B0606030504020204" pitchFamily="34" charset="0"/>
-              </a:rPr>
-              <a:t> or </a:t>
-            </a:r>
-            <a:r>
-              <a:rPr lang="en-US" b="1" i="0" dirty="0">
-                <a:solidFill>
-                  <a:schemeClr val="tx1">
-                    <a:lumMod val="85000"/>
-                  </a:schemeClr>
-                </a:solidFill>
-                <a:effectLst/>
-                <a:latin typeface="Open Sans" panose="020B0606030504020204" pitchFamily="34" charset="0"/>
-              </a:rPr>
-              <a:t>GUI</a:t>
-            </a:r>
-            <a:r>
-              <a:rPr lang="en-US" b="0" i="0" dirty="0">
-                <a:solidFill>
-                  <a:schemeClr val="tx1">
-                    <a:lumMod val="85000"/>
-                  </a:schemeClr>
-                </a:solidFill>
-                <a:effectLst/>
-                <a:latin typeface="Open Sans" panose="020B0606030504020204" pitchFamily="34" charset="0"/>
-              </a:rPr>
-              <a:t> version. There are many different </a:t>
-            </a:r>
-            <a:r>
-              <a:rPr lang="en-US" b="1" i="0" dirty="0">
-                <a:solidFill>
-                  <a:schemeClr val="tx1">
-                    <a:lumMod val="85000"/>
-                  </a:schemeClr>
-                </a:solidFill>
-                <a:effectLst/>
-                <a:latin typeface="Open Sans" panose="020B0606030504020204" pitchFamily="34" charset="0"/>
-              </a:rPr>
-              <a:t>CLI</a:t>
-            </a:r>
-            <a:r>
-              <a:rPr lang="en-US" b="0" i="0" dirty="0">
-                <a:solidFill>
-                  <a:schemeClr val="tx1">
-                    <a:lumMod val="85000"/>
-                  </a:schemeClr>
-                </a:solidFill>
-                <a:effectLst/>
-                <a:latin typeface="Open Sans" panose="020B0606030504020204" pitchFamily="34" charset="0"/>
-              </a:rPr>
-              <a:t>s, but the main two are </a:t>
-            </a:r>
-            <a:r>
-              <a:rPr lang="en-US" b="1" i="0" dirty="0">
-                <a:solidFill>
-                  <a:schemeClr val="tx1">
-                    <a:lumMod val="85000"/>
-                  </a:schemeClr>
-                </a:solidFill>
-                <a:effectLst/>
-                <a:latin typeface="Open Sans" panose="020B0606030504020204" pitchFamily="34" charset="0"/>
-              </a:rPr>
-              <a:t>Command Prompt</a:t>
-            </a:r>
-            <a:r>
-              <a:rPr lang="en-US" b="0" i="0" dirty="0">
-                <a:solidFill>
-                  <a:schemeClr val="tx1">
-                    <a:lumMod val="85000"/>
-                  </a:schemeClr>
-                </a:solidFill>
-                <a:effectLst/>
-                <a:latin typeface="Open Sans" panose="020B0606030504020204" pitchFamily="34" charset="0"/>
-              </a:rPr>
-              <a:t> (Windows) and </a:t>
-            </a:r>
-            <a:r>
-              <a:rPr lang="en-US" b="1" i="0" dirty="0">
-                <a:solidFill>
-                  <a:schemeClr val="tx1">
-                    <a:lumMod val="85000"/>
-                  </a:schemeClr>
-                </a:solidFill>
-                <a:effectLst/>
-                <a:latin typeface="Open Sans" panose="020B0606030504020204" pitchFamily="34" charset="0"/>
-              </a:rPr>
-              <a:t>Terminal</a:t>
-            </a:r>
-            <a:r>
-              <a:rPr lang="en-US" b="0" i="0" dirty="0">
-                <a:solidFill>
-                  <a:schemeClr val="tx1">
-                    <a:lumMod val="85000"/>
-                  </a:schemeClr>
-                </a:solidFill>
-                <a:effectLst/>
-                <a:latin typeface="Open Sans" panose="020B0606030504020204" pitchFamily="34" charset="0"/>
-              </a:rPr>
-              <a:t> (Mac and Linux).</a:t>
-            </a:r>
-            <a:br>
-              <a:rPr lang="en-US" dirty="0">
-                <a:solidFill>
-                  <a:schemeClr val="tx1">
-                    <a:lumMod val="85000"/>
-                  </a:schemeClr>
-                </a:solidFill>
-              </a:rPr>
-            </a:br>
-            <a:br>
-              <a:rPr lang="en-US" dirty="0">
-                <a:solidFill>
-                  <a:schemeClr val="tx1">
-                    <a:lumMod val="85000"/>
-                  </a:schemeClr>
-                </a:solidFill>
-              </a:rPr>
-            </a:br>
-            <a:r>
-              <a:rPr lang="en-US" b="1" i="0" dirty="0">
-                <a:solidFill>
-                  <a:schemeClr val="tx1">
-                    <a:lumMod val="85000"/>
-                  </a:schemeClr>
-                </a:solidFill>
-                <a:effectLst/>
-                <a:latin typeface="Open Sans" panose="020B0606030504020204" pitchFamily="34" charset="0"/>
-              </a:rPr>
-              <a:t>Note</a:t>
-            </a:r>
-            <a:r>
-              <a:rPr lang="en-US" b="0" i="0" dirty="0">
-                <a:solidFill>
-                  <a:schemeClr val="tx1">
-                    <a:lumMod val="85000"/>
-                  </a:schemeClr>
-                </a:solidFill>
-                <a:effectLst/>
-                <a:latin typeface="Open Sans" panose="020B0606030504020204" pitchFamily="34" charset="0"/>
-              </a:rPr>
-              <a:t>:  We will discuss some basic commands to navigate the file system via </a:t>
-            </a:r>
-            <a:r>
-              <a:rPr lang="en-US" b="1" i="0" dirty="0">
-                <a:solidFill>
-                  <a:schemeClr val="tx1">
-                    <a:lumMod val="85000"/>
-                  </a:schemeClr>
-                </a:solidFill>
-                <a:effectLst/>
-                <a:latin typeface="Open Sans" panose="020B0606030504020204" pitchFamily="34" charset="0"/>
-              </a:rPr>
-              <a:t>CLI</a:t>
-            </a:r>
-            <a:r>
-              <a:rPr lang="en-US" b="0" i="0" dirty="0">
-                <a:solidFill>
-                  <a:schemeClr val="tx1">
-                    <a:lumMod val="85000"/>
-                  </a:schemeClr>
-                </a:solidFill>
-                <a:effectLst/>
-                <a:latin typeface="Open Sans" panose="020B0606030504020204" pitchFamily="34" charset="0"/>
-              </a:rPr>
-              <a:t>, but before we do, </a:t>
-            </a:r>
-            <a:r>
-              <a:rPr lang="en-US" b="0" i="0" dirty="0">
-                <a:solidFill>
-                  <a:srgbClr val="00B0F0"/>
-                </a:solidFill>
-                <a:effectLst/>
-                <a:latin typeface="Open Sans" panose="020B0606030504020204" pitchFamily="34" charset="0"/>
-              </a:rPr>
-              <a:t>it is important to realize that what we see in the </a:t>
-            </a:r>
-            <a:r>
-              <a:rPr lang="en-US" b="1" i="0" dirty="0">
-                <a:solidFill>
-                  <a:srgbClr val="00B0F0"/>
-                </a:solidFill>
-                <a:effectLst/>
-                <a:latin typeface="Open Sans" panose="020B0606030504020204" pitchFamily="34" charset="0"/>
-              </a:rPr>
-              <a:t>CLI</a:t>
-            </a:r>
-            <a:r>
-              <a:rPr lang="en-US" b="0" i="0" dirty="0">
-                <a:solidFill>
-                  <a:srgbClr val="00B0F0"/>
-                </a:solidFill>
-                <a:effectLst/>
-                <a:latin typeface="Open Sans" panose="020B0606030504020204" pitchFamily="34" charset="0"/>
-              </a:rPr>
-              <a:t> is the </a:t>
-            </a:r>
-            <a:r>
-              <a:rPr lang="en-US" b="1" i="0" dirty="0">
-                <a:solidFill>
-                  <a:srgbClr val="00B0F0"/>
-                </a:solidFill>
-                <a:effectLst/>
-                <a:latin typeface="Open Sans" panose="020B0606030504020204" pitchFamily="34" charset="0"/>
-              </a:rPr>
-              <a:t>same thing</a:t>
-            </a:r>
-            <a:r>
-              <a:rPr lang="en-US" b="0" i="0" dirty="0">
-                <a:solidFill>
-                  <a:srgbClr val="00B0F0"/>
-                </a:solidFill>
-                <a:effectLst/>
-                <a:latin typeface="Open Sans" panose="020B0606030504020204" pitchFamily="34" charset="0"/>
-              </a:rPr>
-              <a:t> we see in the </a:t>
-            </a:r>
-            <a:r>
-              <a:rPr lang="en-US" b="1" i="0" dirty="0">
-                <a:solidFill>
-                  <a:srgbClr val="00B0F0"/>
-                </a:solidFill>
-                <a:effectLst/>
-                <a:latin typeface="Open Sans" panose="020B0606030504020204" pitchFamily="34" charset="0"/>
-              </a:rPr>
-              <a:t>GUI</a:t>
-            </a:r>
-            <a:r>
-              <a:rPr lang="en-US" b="0" i="0" dirty="0">
-                <a:solidFill>
-                  <a:schemeClr val="tx1">
-                    <a:lumMod val="85000"/>
-                  </a:schemeClr>
-                </a:solidFill>
-                <a:effectLst/>
-                <a:latin typeface="Open Sans" panose="020B0606030504020204" pitchFamily="34" charset="0"/>
-              </a:rPr>
-              <a:t>. If we are in a </a:t>
-            </a:r>
-            <a:r>
-              <a:rPr lang="en-US" b="1" i="0" dirty="0">
-                <a:solidFill>
-                  <a:schemeClr val="tx1">
-                    <a:lumMod val="85000"/>
-                  </a:schemeClr>
-                </a:solidFill>
-                <a:effectLst/>
-                <a:latin typeface="Open Sans" panose="020B0606030504020204" pitchFamily="34" charset="0"/>
-              </a:rPr>
-              <a:t>folder</a:t>
-            </a:r>
-            <a:r>
-              <a:rPr lang="en-US" b="0" i="0" dirty="0">
-                <a:solidFill>
-                  <a:schemeClr val="tx1">
-                    <a:lumMod val="85000"/>
-                  </a:schemeClr>
-                </a:solidFill>
-                <a:effectLst/>
-                <a:latin typeface="Open Sans" panose="020B0606030504020204" pitchFamily="34" charset="0"/>
-              </a:rPr>
-              <a:t> (also known as a </a:t>
-            </a:r>
-            <a:r>
-              <a:rPr lang="en-US" b="1" i="0" dirty="0">
-                <a:solidFill>
-                  <a:schemeClr val="tx1">
-                    <a:lumMod val="85000"/>
-                  </a:schemeClr>
-                </a:solidFill>
-                <a:effectLst/>
-                <a:latin typeface="Open Sans" panose="020B0606030504020204" pitchFamily="34" charset="0"/>
-              </a:rPr>
-              <a:t>directory</a:t>
-            </a:r>
-            <a:r>
-              <a:rPr lang="en-US" b="0" i="0" dirty="0">
-                <a:solidFill>
-                  <a:schemeClr val="tx1">
-                    <a:lumMod val="85000"/>
-                  </a:schemeClr>
-                </a:solidFill>
-                <a:effectLst/>
-                <a:latin typeface="Open Sans" panose="020B0606030504020204" pitchFamily="34" charset="0"/>
-              </a:rPr>
-              <a:t>) in our </a:t>
-            </a:r>
-            <a:r>
-              <a:rPr lang="en-US" b="1" i="0" dirty="0">
-                <a:solidFill>
-                  <a:schemeClr val="tx1">
-                    <a:lumMod val="85000"/>
-                  </a:schemeClr>
-                </a:solidFill>
-                <a:effectLst/>
-                <a:latin typeface="Open Sans" panose="020B0606030504020204" pitchFamily="34" charset="0"/>
-              </a:rPr>
-              <a:t>GUI File Explorer </a:t>
-            </a:r>
-            <a:r>
-              <a:rPr lang="en-US" b="0" i="0" dirty="0">
-                <a:solidFill>
-                  <a:schemeClr val="tx1">
-                    <a:lumMod val="85000"/>
-                  </a:schemeClr>
-                </a:solidFill>
-                <a:effectLst/>
-                <a:latin typeface="Open Sans" panose="020B0606030504020204" pitchFamily="34" charset="0"/>
-              </a:rPr>
-              <a:t>and in our </a:t>
-            </a:r>
-            <a:r>
-              <a:rPr lang="en-US" b="1" i="0" dirty="0">
-                <a:solidFill>
-                  <a:schemeClr val="tx1">
-                    <a:lumMod val="85000"/>
-                  </a:schemeClr>
-                </a:solidFill>
-                <a:effectLst/>
-                <a:latin typeface="Open Sans" panose="020B0606030504020204" pitchFamily="34" charset="0"/>
-              </a:rPr>
-              <a:t>Command Prompt</a:t>
-            </a:r>
-            <a:r>
-              <a:rPr lang="en-US" b="0" i="0" dirty="0">
-                <a:solidFill>
-                  <a:schemeClr val="tx1">
-                    <a:lumMod val="85000"/>
-                  </a:schemeClr>
-                </a:solidFill>
-                <a:effectLst/>
-                <a:latin typeface="Open Sans" panose="020B0606030504020204" pitchFamily="34" charset="0"/>
-              </a:rPr>
-              <a:t> (Windows), or our </a:t>
-            </a:r>
-            <a:r>
-              <a:rPr lang="en-US" b="1" i="0" dirty="0">
-                <a:solidFill>
-                  <a:schemeClr val="tx1">
-                    <a:lumMod val="85000"/>
-                  </a:schemeClr>
-                </a:solidFill>
-                <a:effectLst/>
-                <a:latin typeface="Open Sans" panose="020B0606030504020204" pitchFamily="34" charset="0"/>
-              </a:rPr>
-              <a:t>GUI</a:t>
-            </a:r>
-            <a:r>
-              <a:rPr lang="en-US" b="0" i="0" dirty="0">
-                <a:solidFill>
-                  <a:schemeClr val="tx1">
-                    <a:lumMod val="85000"/>
-                  </a:schemeClr>
-                </a:solidFill>
-                <a:effectLst/>
-                <a:latin typeface="Open Sans" panose="020B0606030504020204" pitchFamily="34" charset="0"/>
-              </a:rPr>
-              <a:t> </a:t>
-            </a:r>
-            <a:r>
-              <a:rPr lang="en-US" b="1" i="0" dirty="0">
-                <a:solidFill>
-                  <a:schemeClr val="tx1">
-                    <a:lumMod val="85000"/>
-                  </a:schemeClr>
-                </a:solidFill>
-                <a:effectLst/>
-                <a:latin typeface="Open Sans" panose="020B0606030504020204" pitchFamily="34" charset="0"/>
-              </a:rPr>
-              <a:t>Finder</a:t>
-            </a:r>
-            <a:r>
-              <a:rPr lang="en-US" b="0" i="0" dirty="0">
-                <a:solidFill>
-                  <a:schemeClr val="tx1">
-                    <a:lumMod val="85000"/>
-                  </a:schemeClr>
-                </a:solidFill>
-                <a:effectLst/>
-                <a:latin typeface="Open Sans" panose="020B0606030504020204" pitchFamily="34" charset="0"/>
-              </a:rPr>
-              <a:t> and in our </a:t>
-            </a:r>
-            <a:r>
-              <a:rPr lang="en-US" b="1" i="0" dirty="0">
-                <a:solidFill>
-                  <a:schemeClr val="tx1">
-                    <a:lumMod val="85000"/>
-                  </a:schemeClr>
-                </a:solidFill>
-                <a:effectLst/>
-                <a:latin typeface="Open Sans" panose="020B0606030504020204" pitchFamily="34" charset="0"/>
-              </a:rPr>
-              <a:t>Terminal</a:t>
-            </a:r>
-            <a:r>
-              <a:rPr lang="en-US" b="0" i="0" dirty="0">
-                <a:solidFill>
-                  <a:schemeClr val="tx1">
-                    <a:lumMod val="85000"/>
-                  </a:schemeClr>
-                </a:solidFill>
-                <a:effectLst/>
-                <a:latin typeface="Open Sans" panose="020B0606030504020204" pitchFamily="34" charset="0"/>
-              </a:rPr>
-              <a:t> (Mac), we will see the same files in each, the </a:t>
-            </a:r>
-            <a:r>
-              <a:rPr lang="en-US" b="1" i="0" dirty="0">
-                <a:solidFill>
-                  <a:schemeClr val="tx1">
-                    <a:lumMod val="85000"/>
-                  </a:schemeClr>
-                </a:solidFill>
-                <a:effectLst/>
-                <a:latin typeface="Open Sans" panose="020B0606030504020204" pitchFamily="34" charset="0"/>
-              </a:rPr>
-              <a:t>GUI</a:t>
-            </a:r>
-            <a:r>
-              <a:rPr lang="en-US" b="0" i="0" dirty="0">
-                <a:solidFill>
-                  <a:schemeClr val="tx1">
-                    <a:lumMod val="85000"/>
-                  </a:schemeClr>
-                </a:solidFill>
-                <a:effectLst/>
-                <a:latin typeface="Open Sans" panose="020B0606030504020204" pitchFamily="34" charset="0"/>
-              </a:rPr>
-              <a:t> will display the files graphically, and the </a:t>
-            </a:r>
-            <a:r>
-              <a:rPr lang="en-US" b="1" i="0" dirty="0">
-                <a:solidFill>
-                  <a:schemeClr val="tx1">
-                    <a:lumMod val="85000"/>
-                  </a:schemeClr>
-                </a:solidFill>
-                <a:effectLst/>
-                <a:latin typeface="Open Sans" panose="020B0606030504020204" pitchFamily="34" charset="0"/>
-              </a:rPr>
-              <a:t>CLI</a:t>
-            </a:r>
-            <a:r>
-              <a:rPr lang="en-US" b="0" i="0" dirty="0">
-                <a:solidFill>
-                  <a:schemeClr val="tx1">
-                    <a:lumMod val="85000"/>
-                  </a:schemeClr>
-                </a:solidFill>
-                <a:effectLst/>
-                <a:latin typeface="Open Sans" panose="020B0606030504020204" pitchFamily="34" charset="0"/>
-              </a:rPr>
-              <a:t> will display the files textually.</a:t>
-            </a:r>
-          </a:p>
-          <a:p>
-            <a:endParaRPr lang="en-US" dirty="0">
-              <a:solidFill>
-                <a:schemeClr val="tx1">
-                  <a:lumMod val="85000"/>
-                </a:schemeClr>
-              </a:solidFill>
-              <a:latin typeface="Open Sans" panose="020B0606030504020204" pitchFamily="34" charset="0"/>
-            </a:endParaRPr>
-          </a:p>
-          <a:p>
-            <a:r>
-              <a:rPr lang="en-US" dirty="0">
-                <a:solidFill>
-                  <a:schemeClr val="tx1">
-                    <a:lumMod val="85000"/>
-                  </a:schemeClr>
-                </a:solidFill>
-                <a:latin typeface="Open Sans" panose="020B0606030504020204" pitchFamily="34" charset="0"/>
-                <a:hlinkClick r:id="rId2"/>
-              </a:rPr>
-              <a:t>Content Links in LMS</a:t>
-            </a:r>
-            <a:endParaRPr lang="en-US" dirty="0">
-              <a:solidFill>
-                <a:schemeClr val="tx1">
-                  <a:lumMod val="85000"/>
-                </a:schemeClr>
-              </a:solidFill>
-            </a:endParaRPr>
-          </a:p>
-        </p:txBody>
-      </p:sp>
-    </p:spTree>
-    <p:extLst>
-      <p:ext uri="{BB962C8B-B14F-4D97-AF65-F5344CB8AC3E}">
-        <p14:creationId xmlns:p14="http://schemas.microsoft.com/office/powerpoint/2010/main" val="183313377"/>
       </p:ext>
     </p:extLst>
   </p:cSld>
@@ -10856,7 +10279,7 @@
                 <a:effectLst/>
                 <a:latin typeface="Open Sans" panose="020B0606030504020204" pitchFamily="34" charset="0"/>
               </a:rPr>
-              <a:t>The Technology Layer Cake: Users, Applications (Software), Operating System, Hardware</a:t>
+              <a:t>The Technology Stack: Users, Applications (Software), Operating System, Hardware</a:t>
             </a:r>
           </a:p>
           <a:p>
